--- a/pictures.pptx
+++ b/pictures.pptx
@@ -107,6 +107,11 @@
       </a:defRPr>
     </a:lvl9pPr>
   </p:defaultTextStyle>
+  <p:extLst>
+    <p:ext uri="{EFAFB233-063F-42B5-8137-9DF3F51BA10A}">
+      <p15:sldGuideLst xmlns:p15="http://schemas.microsoft.com/office/powerpoint/2012/main"/>
+    </p:ext>
+  </p:extLst>
 </p:presentation>
 </file>
 
@@ -257,7 +262,7 @@
           <a:p>
             <a:fld id="{786607F3-86A9-4B43-8949-47E7D5090554}" type="datetimeFigureOut">
               <a:rPr lang="zh-CN" altLang="en-US" smtClean="0"/>
-              <a:t>2023/3/19</a:t>
+              <a:t>2023-03-20</a:t>
             </a:fld>
             <a:endParaRPr lang="zh-CN" altLang="en-US"/>
           </a:p>
@@ -455,7 +460,7 @@
           <a:p>
             <a:fld id="{786607F3-86A9-4B43-8949-47E7D5090554}" type="datetimeFigureOut">
               <a:rPr lang="zh-CN" altLang="en-US" smtClean="0"/>
-              <a:t>2023/3/19</a:t>
+              <a:t>2023-03-20</a:t>
             </a:fld>
             <a:endParaRPr lang="zh-CN" altLang="en-US"/>
           </a:p>
@@ -663,7 +668,7 @@
           <a:p>
             <a:fld id="{786607F3-86A9-4B43-8949-47E7D5090554}" type="datetimeFigureOut">
               <a:rPr lang="zh-CN" altLang="en-US" smtClean="0"/>
-              <a:t>2023/3/19</a:t>
+              <a:t>2023-03-20</a:t>
             </a:fld>
             <a:endParaRPr lang="zh-CN" altLang="en-US"/>
           </a:p>
@@ -861,7 +866,7 @@
           <a:p>
             <a:fld id="{786607F3-86A9-4B43-8949-47E7D5090554}" type="datetimeFigureOut">
               <a:rPr lang="zh-CN" altLang="en-US" smtClean="0"/>
-              <a:t>2023/3/19</a:t>
+              <a:t>2023-03-20</a:t>
             </a:fld>
             <a:endParaRPr lang="zh-CN" altLang="en-US"/>
           </a:p>
@@ -1136,7 +1141,7 @@
           <a:p>
             <a:fld id="{786607F3-86A9-4B43-8949-47E7D5090554}" type="datetimeFigureOut">
               <a:rPr lang="zh-CN" altLang="en-US" smtClean="0"/>
-              <a:t>2023/3/19</a:t>
+              <a:t>2023-03-20</a:t>
             </a:fld>
             <a:endParaRPr lang="zh-CN" altLang="en-US"/>
           </a:p>
@@ -1401,7 +1406,7 @@
           <a:p>
             <a:fld id="{786607F3-86A9-4B43-8949-47E7D5090554}" type="datetimeFigureOut">
               <a:rPr lang="zh-CN" altLang="en-US" smtClean="0"/>
-              <a:t>2023/3/19</a:t>
+              <a:t>2023-03-20</a:t>
             </a:fld>
             <a:endParaRPr lang="zh-CN" altLang="en-US"/>
           </a:p>
@@ -1813,7 +1818,7 @@
           <a:p>
             <a:fld id="{786607F3-86A9-4B43-8949-47E7D5090554}" type="datetimeFigureOut">
               <a:rPr lang="zh-CN" altLang="en-US" smtClean="0"/>
-              <a:t>2023/3/19</a:t>
+              <a:t>2023-03-20</a:t>
             </a:fld>
             <a:endParaRPr lang="zh-CN" altLang="en-US"/>
           </a:p>
@@ -1954,7 +1959,7 @@
           <a:p>
             <a:fld id="{786607F3-86A9-4B43-8949-47E7D5090554}" type="datetimeFigureOut">
               <a:rPr lang="zh-CN" altLang="en-US" smtClean="0"/>
-              <a:t>2023/3/19</a:t>
+              <a:t>2023-03-20</a:t>
             </a:fld>
             <a:endParaRPr lang="zh-CN" altLang="en-US"/>
           </a:p>
@@ -2067,7 +2072,7 @@
           <a:p>
             <a:fld id="{786607F3-86A9-4B43-8949-47E7D5090554}" type="datetimeFigureOut">
               <a:rPr lang="zh-CN" altLang="en-US" smtClean="0"/>
-              <a:t>2023/3/19</a:t>
+              <a:t>2023-03-20</a:t>
             </a:fld>
             <a:endParaRPr lang="zh-CN" altLang="en-US"/>
           </a:p>
@@ -2378,7 +2383,7 @@
           <a:p>
             <a:fld id="{786607F3-86A9-4B43-8949-47E7D5090554}" type="datetimeFigureOut">
               <a:rPr lang="zh-CN" altLang="en-US" smtClean="0"/>
-              <a:t>2023/3/19</a:t>
+              <a:t>2023-03-20</a:t>
             </a:fld>
             <a:endParaRPr lang="zh-CN" altLang="en-US"/>
           </a:p>
@@ -2666,7 +2671,7 @@
           <a:p>
             <a:fld id="{786607F3-86A9-4B43-8949-47E7D5090554}" type="datetimeFigureOut">
               <a:rPr lang="zh-CN" altLang="en-US" smtClean="0"/>
-              <a:t>2023/3/19</a:t>
+              <a:t>2023-03-20</a:t>
             </a:fld>
             <a:endParaRPr lang="zh-CN" altLang="en-US"/>
           </a:p>
@@ -2907,7 +2912,7 @@
           <a:p>
             <a:fld id="{786607F3-86A9-4B43-8949-47E7D5090554}" type="datetimeFigureOut">
               <a:rPr lang="zh-CN" altLang="en-US" smtClean="0"/>
-              <a:t>2023/3/19</a:t>
+              <a:t>2023-03-20</a:t>
             </a:fld>
             <a:endParaRPr lang="zh-CN" altLang="en-US"/>
           </a:p>
@@ -3632,13 +3637,13 @@
           </a:ln>
         </p:spPr>
         <p:style>
-          <a:lnRef idx="1">
+          <a:lnRef idx="3">
             <a:schemeClr val="dk1"/>
           </a:lnRef>
           <a:fillRef idx="0">
             <a:schemeClr val="dk1"/>
           </a:fillRef>
-          <a:effectRef idx="0">
+          <a:effectRef idx="2">
             <a:schemeClr val="dk1"/>
           </a:effectRef>
           <a:fontRef idx="minor">
@@ -3675,13 +3680,13 @@
           </a:ln>
         </p:spPr>
         <p:style>
-          <a:lnRef idx="1">
+          <a:lnRef idx="3">
             <a:schemeClr val="dk1"/>
           </a:lnRef>
           <a:fillRef idx="0">
             <a:schemeClr val="dk1"/>
           </a:fillRef>
-          <a:effectRef idx="0">
+          <a:effectRef idx="2">
             <a:schemeClr val="dk1"/>
           </a:effectRef>
           <a:fontRef idx="minor">
@@ -3718,13 +3723,13 @@
           </a:ln>
         </p:spPr>
         <p:style>
-          <a:lnRef idx="1">
+          <a:lnRef idx="3">
             <a:schemeClr val="dk1"/>
           </a:lnRef>
           <a:fillRef idx="0">
             <a:schemeClr val="dk1"/>
           </a:fillRef>
-          <a:effectRef idx="0">
+          <a:effectRef idx="2">
             <a:schemeClr val="dk1"/>
           </a:effectRef>
           <a:fontRef idx="minor">
@@ -3761,13 +3766,13 @@
           </a:ln>
         </p:spPr>
         <p:style>
-          <a:lnRef idx="1">
+          <a:lnRef idx="3">
             <a:schemeClr val="dk1"/>
           </a:lnRef>
           <a:fillRef idx="0">
             <a:schemeClr val="dk1"/>
           </a:fillRef>
-          <a:effectRef idx="0">
+          <a:effectRef idx="2">
             <a:schemeClr val="dk1"/>
           </a:effectRef>
           <a:fontRef idx="minor">
@@ -3858,13 +3863,13 @@
           </a:ln>
         </p:spPr>
         <p:style>
-          <a:lnRef idx="1">
+          <a:lnRef idx="3">
             <a:schemeClr val="dk1"/>
           </a:lnRef>
           <a:fillRef idx="0">
             <a:schemeClr val="dk1"/>
           </a:fillRef>
-          <a:effectRef idx="0">
+          <a:effectRef idx="2">
             <a:schemeClr val="dk1"/>
           </a:effectRef>
           <a:fontRef idx="minor">
@@ -3900,13 +3905,13 @@
           </a:ln>
         </p:spPr>
         <p:style>
-          <a:lnRef idx="1">
+          <a:lnRef idx="3">
             <a:schemeClr val="dk1"/>
           </a:lnRef>
           <a:fillRef idx="0">
             <a:schemeClr val="dk1"/>
           </a:fillRef>
-          <a:effectRef idx="0">
+          <a:effectRef idx="2">
             <a:schemeClr val="dk1"/>
           </a:effectRef>
           <a:fontRef idx="minor">
@@ -3943,13 +3948,13 @@
           </a:ln>
         </p:spPr>
         <p:style>
-          <a:lnRef idx="1">
+          <a:lnRef idx="3">
             <a:schemeClr val="dk1"/>
           </a:lnRef>
           <a:fillRef idx="0">
             <a:schemeClr val="dk1"/>
           </a:fillRef>
-          <a:effectRef idx="0">
+          <a:effectRef idx="2">
             <a:schemeClr val="dk1"/>
           </a:effectRef>
           <a:fontRef idx="minor">
@@ -3986,13 +3991,13 @@
           </a:ln>
         </p:spPr>
         <p:style>
-          <a:lnRef idx="1">
+          <a:lnRef idx="3">
             <a:schemeClr val="dk1"/>
           </a:lnRef>
           <a:fillRef idx="0">
             <a:schemeClr val="dk1"/>
           </a:fillRef>
-          <a:effectRef idx="0">
+          <a:effectRef idx="2">
             <a:schemeClr val="dk1"/>
           </a:effectRef>
           <a:fontRef idx="minor">
@@ -4029,13 +4034,13 @@
           </a:ln>
         </p:spPr>
         <p:style>
-          <a:lnRef idx="1">
+          <a:lnRef idx="3">
             <a:schemeClr val="dk1"/>
           </a:lnRef>
           <a:fillRef idx="0">
             <a:schemeClr val="dk1"/>
           </a:fillRef>
-          <a:effectRef idx="0">
+          <a:effectRef idx="2">
             <a:schemeClr val="dk1"/>
           </a:effectRef>
           <a:fontRef idx="minor">
@@ -4175,13 +4180,13 @@
           </a:ln>
         </p:spPr>
         <p:style>
-          <a:lnRef idx="1">
+          <a:lnRef idx="3">
             <a:schemeClr val="dk1"/>
           </a:lnRef>
           <a:fillRef idx="0">
             <a:schemeClr val="dk1"/>
           </a:fillRef>
-          <a:effectRef idx="0">
+          <a:effectRef idx="2">
             <a:schemeClr val="dk1"/>
           </a:effectRef>
           <a:fontRef idx="minor">
@@ -4218,13 +4223,13 @@
           </a:ln>
         </p:spPr>
         <p:style>
-          <a:lnRef idx="1">
+          <a:lnRef idx="3">
             <a:schemeClr val="dk1"/>
           </a:lnRef>
           <a:fillRef idx="0">
             <a:schemeClr val="dk1"/>
           </a:fillRef>
-          <a:effectRef idx="0">
+          <a:effectRef idx="2">
             <a:schemeClr val="dk1"/>
           </a:effectRef>
           <a:fontRef idx="minor">
@@ -4371,13 +4376,13 @@
           </a:ln>
         </p:spPr>
         <p:style>
-          <a:lnRef idx="1">
+          <a:lnRef idx="3">
             <a:schemeClr val="dk1"/>
           </a:lnRef>
           <a:fillRef idx="0">
             <a:schemeClr val="dk1"/>
           </a:fillRef>
-          <a:effectRef idx="0">
+          <a:effectRef idx="2">
             <a:schemeClr val="dk1"/>
           </a:effectRef>
           <a:fontRef idx="minor">
@@ -4723,13 +4728,13 @@
           </a:ln>
         </p:spPr>
         <p:style>
-          <a:lnRef idx="1">
+          <a:lnRef idx="3">
             <a:schemeClr val="dk1"/>
           </a:lnRef>
           <a:fillRef idx="0">
             <a:schemeClr val="dk1"/>
           </a:fillRef>
-          <a:effectRef idx="0">
+          <a:effectRef idx="2">
             <a:schemeClr val="dk1"/>
           </a:effectRef>
           <a:fontRef idx="minor">
@@ -4766,13 +4771,13 @@
           </a:ln>
         </p:spPr>
         <p:style>
-          <a:lnRef idx="1">
+          <a:lnRef idx="3">
             <a:schemeClr val="dk1"/>
           </a:lnRef>
           <a:fillRef idx="0">
             <a:schemeClr val="dk1"/>
           </a:fillRef>
-          <a:effectRef idx="0">
+          <a:effectRef idx="2">
             <a:schemeClr val="dk1"/>
           </a:effectRef>
           <a:fontRef idx="minor">
@@ -4809,13 +4814,13 @@
           </a:ln>
         </p:spPr>
         <p:style>
-          <a:lnRef idx="1">
+          <a:lnRef idx="3">
             <a:schemeClr val="dk1"/>
           </a:lnRef>
           <a:fillRef idx="0">
             <a:schemeClr val="dk1"/>
           </a:fillRef>
-          <a:effectRef idx="0">
+          <a:effectRef idx="2">
             <a:schemeClr val="dk1"/>
           </a:effectRef>
           <a:fontRef idx="minor">
@@ -4852,13 +4857,13 @@
           </a:ln>
         </p:spPr>
         <p:style>
-          <a:lnRef idx="1">
+          <a:lnRef idx="3">
             <a:schemeClr val="dk1"/>
           </a:lnRef>
           <a:fillRef idx="0">
             <a:schemeClr val="dk1"/>
           </a:fillRef>
-          <a:effectRef idx="0">
+          <a:effectRef idx="2">
             <a:schemeClr val="dk1"/>
           </a:effectRef>
           <a:fontRef idx="minor">
@@ -4949,13 +4954,13 @@
           </a:ln>
         </p:spPr>
         <p:style>
-          <a:lnRef idx="1">
+          <a:lnRef idx="3">
             <a:schemeClr val="dk1"/>
           </a:lnRef>
           <a:fillRef idx="0">
             <a:schemeClr val="dk1"/>
           </a:fillRef>
-          <a:effectRef idx="0">
+          <a:effectRef idx="2">
             <a:schemeClr val="dk1"/>
           </a:effectRef>
           <a:fontRef idx="minor">
@@ -4991,13 +4996,13 @@
           </a:ln>
         </p:spPr>
         <p:style>
-          <a:lnRef idx="1">
+          <a:lnRef idx="3">
             <a:schemeClr val="dk1"/>
           </a:lnRef>
           <a:fillRef idx="0">
             <a:schemeClr val="dk1"/>
           </a:fillRef>
-          <a:effectRef idx="0">
+          <a:effectRef idx="2">
             <a:schemeClr val="dk1"/>
           </a:effectRef>
           <a:fontRef idx="minor">
@@ -5034,13 +5039,13 @@
           </a:ln>
         </p:spPr>
         <p:style>
-          <a:lnRef idx="1">
+          <a:lnRef idx="3">
             <a:schemeClr val="dk1"/>
           </a:lnRef>
           <a:fillRef idx="0">
             <a:schemeClr val="dk1"/>
           </a:fillRef>
-          <a:effectRef idx="0">
+          <a:effectRef idx="2">
             <a:schemeClr val="dk1"/>
           </a:effectRef>
           <a:fontRef idx="minor">
@@ -5077,13 +5082,13 @@
           </a:ln>
         </p:spPr>
         <p:style>
-          <a:lnRef idx="1">
+          <a:lnRef idx="3">
             <a:schemeClr val="dk1"/>
           </a:lnRef>
           <a:fillRef idx="0">
             <a:schemeClr val="dk1"/>
           </a:fillRef>
-          <a:effectRef idx="0">
+          <a:effectRef idx="2">
             <a:schemeClr val="dk1"/>
           </a:effectRef>
           <a:fontRef idx="minor">
@@ -5120,13 +5125,13 @@
           </a:ln>
         </p:spPr>
         <p:style>
-          <a:lnRef idx="1">
+          <a:lnRef idx="3">
             <a:schemeClr val="dk1"/>
           </a:lnRef>
           <a:fillRef idx="0">
             <a:schemeClr val="dk1"/>
           </a:fillRef>
-          <a:effectRef idx="0">
+          <a:effectRef idx="2">
             <a:schemeClr val="dk1"/>
           </a:effectRef>
           <a:fontRef idx="minor">
@@ -5266,13 +5271,13 @@
           </a:ln>
         </p:spPr>
         <p:style>
-          <a:lnRef idx="1">
+          <a:lnRef idx="3">
             <a:schemeClr val="dk1"/>
           </a:lnRef>
           <a:fillRef idx="0">
             <a:schemeClr val="dk1"/>
           </a:fillRef>
-          <a:effectRef idx="0">
+          <a:effectRef idx="2">
             <a:schemeClr val="dk1"/>
           </a:effectRef>
           <a:fontRef idx="minor">
@@ -5309,13 +5314,13 @@
           </a:ln>
         </p:spPr>
         <p:style>
-          <a:lnRef idx="1">
+          <a:lnRef idx="3">
             <a:schemeClr val="dk1"/>
           </a:lnRef>
           <a:fillRef idx="0">
             <a:schemeClr val="dk1"/>
           </a:fillRef>
-          <a:effectRef idx="0">
+          <a:effectRef idx="2">
             <a:schemeClr val="dk1"/>
           </a:effectRef>
           <a:fontRef idx="minor">
@@ -5462,13 +5467,13 @@
           </a:ln>
         </p:spPr>
         <p:style>
-          <a:lnRef idx="1">
+          <a:lnRef idx="3">
             <a:schemeClr val="dk1"/>
           </a:lnRef>
           <a:fillRef idx="0">
             <a:schemeClr val="dk1"/>
           </a:fillRef>
-          <a:effectRef idx="0">
+          <a:effectRef idx="2">
             <a:schemeClr val="dk1"/>
           </a:effectRef>
           <a:fontRef idx="minor">
@@ -5840,13 +5845,13 @@
           </a:ln>
         </p:spPr>
         <p:style>
-          <a:lnRef idx="1">
+          <a:lnRef idx="3">
             <a:schemeClr val="dk1"/>
           </a:lnRef>
           <a:fillRef idx="0">
             <a:schemeClr val="dk1"/>
           </a:fillRef>
-          <a:effectRef idx="0">
+          <a:effectRef idx="2">
             <a:schemeClr val="dk1"/>
           </a:effectRef>
           <a:fontRef idx="minor">
@@ -5882,13 +5887,13 @@
           </a:ln>
         </p:spPr>
         <p:style>
-          <a:lnRef idx="1">
+          <a:lnRef idx="3">
             <a:schemeClr val="dk1"/>
           </a:lnRef>
           <a:fillRef idx="0">
             <a:schemeClr val="dk1"/>
           </a:fillRef>
-          <a:effectRef idx="0">
+          <a:effectRef idx="2">
             <a:schemeClr val="dk1"/>
           </a:effectRef>
           <a:fontRef idx="minor">
@@ -5924,13 +5929,13 @@
           </a:ln>
         </p:spPr>
         <p:style>
-          <a:lnRef idx="1">
+          <a:lnRef idx="3">
             <a:schemeClr val="dk1"/>
           </a:lnRef>
           <a:fillRef idx="0">
             <a:schemeClr val="dk1"/>
           </a:fillRef>
-          <a:effectRef idx="0">
+          <a:effectRef idx="2">
             <a:schemeClr val="dk1"/>
           </a:effectRef>
           <a:fontRef idx="minor">
@@ -6080,12 +6085,96 @@
           </a:p>
         </p:txBody>
       </p:sp>
-      <p:sp>
-        <p:nvSpPr>
-          <p:cNvPr id="20" name="矩形 19">
-            <a:extLst>
-              <a:ext uri="{FF2B5EF4-FFF2-40B4-BE49-F238E27FC236}">
-                <a16:creationId xmlns:a16="http://schemas.microsoft.com/office/drawing/2014/main" id="{2582A6CA-EBE8-4DCE-9B76-ACDEDDAB383A}"/>
+      <p:cxnSp>
+        <p:nvCxnSpPr>
+          <p:cNvPr id="24" name="直接箭头连接符 23">
+            <a:extLst>
+              <a:ext uri="{FF2B5EF4-FFF2-40B4-BE49-F238E27FC236}">
+                <a16:creationId xmlns:a16="http://schemas.microsoft.com/office/drawing/2014/main" id="{9188D4F7-BAD1-4155-9720-A45523600C71}"/>
+              </a:ext>
+            </a:extLst>
+          </p:cNvPr>
+          <p:cNvCxnSpPr>
+            <a:cxnSpLocks/>
+          </p:cNvCxnSpPr>
+          <p:nvPr/>
+        </p:nvCxnSpPr>
+        <p:spPr>
+          <a:xfrm>
+            <a:off x="6093382" y="339366"/>
+            <a:ext cx="0" cy="433633"/>
+          </a:xfrm>
+          <a:prstGeom prst="straightConnector1">
+            <a:avLst/>
+          </a:prstGeom>
+          <a:ln>
+            <a:tailEnd type="triangle"/>
+          </a:ln>
+        </p:spPr>
+        <p:style>
+          <a:lnRef idx="3">
+            <a:schemeClr val="dk1"/>
+          </a:lnRef>
+          <a:fillRef idx="0">
+            <a:schemeClr val="dk1"/>
+          </a:fillRef>
+          <a:effectRef idx="2">
+            <a:schemeClr val="dk1"/>
+          </a:effectRef>
+          <a:fontRef idx="minor">
+            <a:schemeClr val="tx1"/>
+          </a:fontRef>
+        </p:style>
+      </p:cxnSp>
+      <p:cxnSp>
+        <p:nvCxnSpPr>
+          <p:cNvPr id="55" name="直接箭头连接符 54">
+            <a:extLst>
+              <a:ext uri="{FF2B5EF4-FFF2-40B4-BE49-F238E27FC236}">
+                <a16:creationId xmlns:a16="http://schemas.microsoft.com/office/drawing/2014/main" id="{E35956E3-1A60-4BF2-877F-A47DAF131545}"/>
+              </a:ext>
+            </a:extLst>
+          </p:cNvPr>
+          <p:cNvCxnSpPr>
+            <a:cxnSpLocks/>
+            <a:stCxn id="5" idx="2"/>
+            <a:endCxn id="78" idx="0"/>
+          </p:cNvCxnSpPr>
+          <p:nvPr/>
+        </p:nvCxnSpPr>
+        <p:spPr>
+          <a:xfrm>
+            <a:off x="6984289" y="3664568"/>
+            <a:ext cx="1550" cy="629343"/>
+          </a:xfrm>
+          <a:prstGeom prst="straightConnector1">
+            <a:avLst/>
+          </a:prstGeom>
+          <a:ln>
+            <a:tailEnd type="triangle"/>
+          </a:ln>
+        </p:spPr>
+        <p:style>
+          <a:lnRef idx="3">
+            <a:schemeClr val="dk1"/>
+          </a:lnRef>
+          <a:fillRef idx="0">
+            <a:schemeClr val="dk1"/>
+          </a:fillRef>
+          <a:effectRef idx="2">
+            <a:schemeClr val="dk1"/>
+          </a:effectRef>
+          <a:fontRef idx="minor">
+            <a:schemeClr val="tx1"/>
+          </a:fontRef>
+        </p:style>
+      </p:cxnSp>
+      <p:sp>
+        <p:nvSpPr>
+          <p:cNvPr id="77" name="流程图: 或者 76">
+            <a:extLst>
+              <a:ext uri="{FF2B5EF4-FFF2-40B4-BE49-F238E27FC236}">
+                <a16:creationId xmlns:a16="http://schemas.microsoft.com/office/drawing/2014/main" id="{B5295ED3-BB49-45C2-BF57-373D794F86A2}"/>
               </a:ext>
             </a:extLst>
           </p:cNvPr>
@@ -6094,7 +6183,598 @@
         </p:nvSpPr>
         <p:spPr>
           <a:xfrm>
-            <a:off x="6540894" y="4011107"/>
+            <a:off x="4582422" y="4708688"/>
+            <a:ext cx="360000" cy="360000"/>
+          </a:xfrm>
+          <a:prstGeom prst="flowChartOr">
+            <a:avLst/>
+          </a:prstGeom>
+        </p:spPr>
+        <p:style>
+          <a:lnRef idx="2">
+            <a:schemeClr val="dk1"/>
+          </a:lnRef>
+          <a:fillRef idx="1">
+            <a:schemeClr val="lt1"/>
+          </a:fillRef>
+          <a:effectRef idx="0">
+            <a:schemeClr val="dk1"/>
+          </a:effectRef>
+          <a:fontRef idx="minor">
+            <a:schemeClr val="dk1"/>
+          </a:fontRef>
+        </p:style>
+        <p:txBody>
+          <a:bodyPr rtlCol="0" anchor="ctr"/>
+          <a:lstStyle/>
+          <a:p>
+            <a:pPr algn="ctr"/>
+            <a:endParaRPr lang="zh-CN" altLang="en-US">
+              <a:latin typeface="Times New Roman" panose="02020603050405020304" pitchFamily="18" charset="0"/>
+              <a:cs typeface="Times New Roman" panose="02020603050405020304" pitchFamily="18" charset="0"/>
+            </a:endParaRPr>
+          </a:p>
+        </p:txBody>
+      </p:sp>
+      <p:sp>
+        <p:nvSpPr>
+          <p:cNvPr id="78" name="矩形 77">
+            <a:extLst>
+              <a:ext uri="{FF2B5EF4-FFF2-40B4-BE49-F238E27FC236}">
+                <a16:creationId xmlns:a16="http://schemas.microsoft.com/office/drawing/2014/main" id="{D0090E44-C0C3-4BAD-BEDA-CB089584791A}"/>
+              </a:ext>
+            </a:extLst>
+          </p:cNvPr>
+          <p:cNvSpPr/>
+          <p:nvPr/>
+        </p:nvSpPr>
+        <p:spPr>
+          <a:xfrm>
+            <a:off x="6540894" y="4293911"/>
+            <a:ext cx="889890" cy="282804"/>
+          </a:xfrm>
+          <a:prstGeom prst="rect">
+            <a:avLst/>
+          </a:prstGeom>
+        </p:spPr>
+        <p:style>
+          <a:lnRef idx="2">
+            <a:schemeClr val="accent6">
+              <a:shade val="50000"/>
+            </a:schemeClr>
+          </a:lnRef>
+          <a:fillRef idx="1">
+            <a:schemeClr val="accent6"/>
+          </a:fillRef>
+          <a:effectRef idx="0">
+            <a:schemeClr val="accent6"/>
+          </a:effectRef>
+          <a:fontRef idx="minor">
+            <a:schemeClr val="lt1"/>
+          </a:fontRef>
+        </p:style>
+        <p:txBody>
+          <a:bodyPr rtlCol="0" anchor="ctr"/>
+          <a:lstStyle/>
+          <a:p>
+            <a:pPr algn="ctr"/>
+            <a:r>
+              <a:rPr lang="en-US" altLang="zh-CN" dirty="0">
+                <a:latin typeface="Times New Roman" panose="02020603050405020304" pitchFamily="18" charset="0"/>
+                <a:cs typeface="Times New Roman" panose="02020603050405020304" pitchFamily="18" charset="0"/>
+              </a:rPr>
+              <a:t>conv</a:t>
+            </a:r>
+            <a:endParaRPr lang="zh-CN" altLang="en-US" dirty="0">
+              <a:latin typeface="Times New Roman" panose="02020603050405020304" pitchFamily="18" charset="0"/>
+              <a:cs typeface="Times New Roman" panose="02020603050405020304" pitchFamily="18" charset="0"/>
+            </a:endParaRPr>
+          </a:p>
+        </p:txBody>
+      </p:sp>
+      <p:cxnSp>
+        <p:nvCxnSpPr>
+          <p:cNvPr id="84" name="连接符: 肘形 83">
+            <a:extLst>
+              <a:ext uri="{FF2B5EF4-FFF2-40B4-BE49-F238E27FC236}">
+                <a16:creationId xmlns:a16="http://schemas.microsoft.com/office/drawing/2014/main" id="{E5678760-420D-4EEB-9FE1-8C75CE1BDEF8}"/>
+              </a:ext>
+            </a:extLst>
+          </p:cNvPr>
+          <p:cNvCxnSpPr>
+            <a:cxnSpLocks/>
+            <a:stCxn id="78" idx="2"/>
+            <a:endCxn id="77" idx="6"/>
+          </p:cNvCxnSpPr>
+          <p:nvPr/>
+        </p:nvCxnSpPr>
+        <p:spPr>
+          <a:xfrm rot="5400000">
+            <a:off x="5808145" y="3710993"/>
+            <a:ext cx="311973" cy="2043417"/>
+          </a:xfrm>
+          <a:prstGeom prst="bentConnector2">
+            <a:avLst/>
+          </a:prstGeom>
+          <a:ln>
+            <a:tailEnd type="triangle"/>
+          </a:ln>
+        </p:spPr>
+        <p:style>
+          <a:lnRef idx="3">
+            <a:schemeClr val="dk1"/>
+          </a:lnRef>
+          <a:fillRef idx="0">
+            <a:schemeClr val="dk1"/>
+          </a:fillRef>
+          <a:effectRef idx="2">
+            <a:schemeClr val="dk1"/>
+          </a:effectRef>
+          <a:fontRef idx="minor">
+            <a:schemeClr val="tx1"/>
+          </a:fontRef>
+        </p:style>
+      </p:cxnSp>
+      <p:sp>
+        <p:nvSpPr>
+          <p:cNvPr id="88" name="矩形 87">
+            <a:extLst>
+              <a:ext uri="{FF2B5EF4-FFF2-40B4-BE49-F238E27FC236}">
+                <a16:creationId xmlns:a16="http://schemas.microsoft.com/office/drawing/2014/main" id="{D498F7BD-1B63-4268-8A9E-650C7E0DED46}"/>
+              </a:ext>
+            </a:extLst>
+          </p:cNvPr>
+          <p:cNvSpPr/>
+          <p:nvPr/>
+        </p:nvSpPr>
+        <p:spPr>
+          <a:xfrm>
+            <a:off x="4317477" y="5436334"/>
+            <a:ext cx="889890" cy="282804"/>
+          </a:xfrm>
+          <a:prstGeom prst="rect">
+            <a:avLst/>
+          </a:prstGeom>
+        </p:spPr>
+        <p:style>
+          <a:lnRef idx="2">
+            <a:schemeClr val="accent6">
+              <a:shade val="50000"/>
+            </a:schemeClr>
+          </a:lnRef>
+          <a:fillRef idx="1">
+            <a:schemeClr val="accent6"/>
+          </a:fillRef>
+          <a:effectRef idx="0">
+            <a:schemeClr val="accent6"/>
+          </a:effectRef>
+          <a:fontRef idx="minor">
+            <a:schemeClr val="lt1"/>
+          </a:fontRef>
+        </p:style>
+        <p:txBody>
+          <a:bodyPr rtlCol="0" anchor="ctr"/>
+          <a:lstStyle/>
+          <a:p>
+            <a:pPr algn="ctr"/>
+            <a:r>
+              <a:rPr lang="en-US" altLang="zh-CN" dirty="0">
+                <a:latin typeface="Times New Roman" panose="02020603050405020304" pitchFamily="18" charset="0"/>
+                <a:cs typeface="Times New Roman" panose="02020603050405020304" pitchFamily="18" charset="0"/>
+              </a:rPr>
+              <a:t>conv</a:t>
+            </a:r>
+            <a:endParaRPr lang="zh-CN" altLang="en-US" dirty="0">
+              <a:latin typeface="Times New Roman" panose="02020603050405020304" pitchFamily="18" charset="0"/>
+              <a:cs typeface="Times New Roman" panose="02020603050405020304" pitchFamily="18" charset="0"/>
+            </a:endParaRPr>
+          </a:p>
+        </p:txBody>
+      </p:sp>
+      <p:sp>
+        <p:nvSpPr>
+          <p:cNvPr id="89" name="矩形 88">
+            <a:extLst>
+              <a:ext uri="{FF2B5EF4-FFF2-40B4-BE49-F238E27FC236}">
+                <a16:creationId xmlns:a16="http://schemas.microsoft.com/office/drawing/2014/main" id="{EB29971F-299A-4AFA-9AFA-8A8AF70B8E6F}"/>
+              </a:ext>
+            </a:extLst>
+          </p:cNvPr>
+          <p:cNvSpPr/>
+          <p:nvPr/>
+        </p:nvSpPr>
+        <p:spPr>
+          <a:xfrm>
+            <a:off x="3919666" y="5707932"/>
+            <a:ext cx="1534683" cy="282804"/>
+          </a:xfrm>
+          <a:prstGeom prst="rect">
+            <a:avLst/>
+          </a:prstGeom>
+        </p:spPr>
+        <p:style>
+          <a:lnRef idx="2">
+            <a:schemeClr val="dk1"/>
+          </a:lnRef>
+          <a:fillRef idx="1">
+            <a:schemeClr val="lt1"/>
+          </a:fillRef>
+          <a:effectRef idx="0">
+            <a:schemeClr val="dk1"/>
+          </a:effectRef>
+          <a:fontRef idx="minor">
+            <a:schemeClr val="dk1"/>
+          </a:fontRef>
+        </p:style>
+        <p:txBody>
+          <a:bodyPr rtlCol="0" anchor="ctr"/>
+          <a:lstStyle/>
+          <a:p>
+            <a:pPr algn="ctr"/>
+            <a:r>
+              <a:rPr lang="en-US" altLang="zh-CN" dirty="0">
+                <a:latin typeface="Times New Roman" panose="02020603050405020304" pitchFamily="18" charset="0"/>
+                <a:cs typeface="Times New Roman" panose="02020603050405020304" pitchFamily="18" charset="0"/>
+              </a:rPr>
+              <a:t>Pixel shuffle</a:t>
+            </a:r>
+            <a:endParaRPr lang="zh-CN" altLang="en-US" dirty="0">
+              <a:latin typeface="Times New Roman" panose="02020603050405020304" pitchFamily="18" charset="0"/>
+              <a:cs typeface="Times New Roman" panose="02020603050405020304" pitchFamily="18" charset="0"/>
+            </a:endParaRPr>
+          </a:p>
+        </p:txBody>
+      </p:sp>
+      <p:cxnSp>
+        <p:nvCxnSpPr>
+          <p:cNvPr id="90" name="直接箭头连接符 89">
+            <a:extLst>
+              <a:ext uri="{FF2B5EF4-FFF2-40B4-BE49-F238E27FC236}">
+                <a16:creationId xmlns:a16="http://schemas.microsoft.com/office/drawing/2014/main" id="{CFB2E7C1-4B38-44A1-9475-1C442974CDE5}"/>
+              </a:ext>
+            </a:extLst>
+          </p:cNvPr>
+          <p:cNvCxnSpPr>
+            <a:cxnSpLocks/>
+            <a:stCxn id="77" idx="4"/>
+            <a:endCxn id="88" idx="0"/>
+          </p:cNvCxnSpPr>
+          <p:nvPr/>
+        </p:nvCxnSpPr>
+        <p:spPr>
+          <a:xfrm>
+            <a:off x="4762422" y="5068688"/>
+            <a:ext cx="0" cy="367646"/>
+          </a:xfrm>
+          <a:prstGeom prst="straightConnector1">
+            <a:avLst/>
+          </a:prstGeom>
+          <a:ln>
+            <a:tailEnd type="triangle"/>
+          </a:ln>
+        </p:spPr>
+        <p:style>
+          <a:lnRef idx="3">
+            <a:schemeClr val="dk1"/>
+          </a:lnRef>
+          <a:fillRef idx="0">
+            <a:schemeClr val="dk1"/>
+          </a:fillRef>
+          <a:effectRef idx="2">
+            <a:schemeClr val="dk1"/>
+          </a:effectRef>
+          <a:fontRef idx="minor">
+            <a:schemeClr val="tx1"/>
+          </a:fontRef>
+        </p:style>
+      </p:cxnSp>
+      <p:sp>
+        <p:nvSpPr>
+          <p:cNvPr id="28" name="矩形 27">
+            <a:extLst>
+              <a:ext uri="{FF2B5EF4-FFF2-40B4-BE49-F238E27FC236}">
+                <a16:creationId xmlns:a16="http://schemas.microsoft.com/office/drawing/2014/main" id="{C1EBBD1D-661B-463C-A91B-82B9633D50CD}"/>
+              </a:ext>
+            </a:extLst>
+          </p:cNvPr>
+          <p:cNvSpPr/>
+          <p:nvPr/>
+        </p:nvSpPr>
+        <p:spPr>
+          <a:xfrm>
+            <a:off x="5206673" y="2133498"/>
+            <a:ext cx="2667600" cy="282804"/>
+          </a:xfrm>
+          <a:prstGeom prst="rect">
+            <a:avLst/>
+          </a:prstGeom>
+        </p:spPr>
+        <p:style>
+          <a:lnRef idx="2">
+            <a:schemeClr val="accent5">
+              <a:shade val="50000"/>
+            </a:schemeClr>
+          </a:lnRef>
+          <a:fillRef idx="1">
+            <a:schemeClr val="accent5"/>
+          </a:fillRef>
+          <a:effectRef idx="0">
+            <a:schemeClr val="accent5"/>
+          </a:effectRef>
+          <a:fontRef idx="minor">
+            <a:schemeClr val="lt1"/>
+          </a:fontRef>
+        </p:style>
+        <p:txBody>
+          <a:bodyPr rtlCol="0" anchor="ctr"/>
+          <a:lstStyle/>
+          <a:p>
+            <a:pPr algn="ctr"/>
+            <a:r>
+              <a:rPr lang="en-US" altLang="zh-CN" sz="1600" dirty="0">
+                <a:latin typeface="Times New Roman" panose="02020603050405020304" pitchFamily="18" charset="0"/>
+                <a:cs typeface="Times New Roman" panose="02020603050405020304" pitchFamily="18" charset="0"/>
+              </a:rPr>
+              <a:t>RFDBS</a:t>
+            </a:r>
+            <a:endParaRPr lang="zh-CN" altLang="en-US" sz="1600" dirty="0">
+              <a:latin typeface="Times New Roman" panose="02020603050405020304" pitchFamily="18" charset="0"/>
+              <a:cs typeface="Times New Roman" panose="02020603050405020304" pitchFamily="18" charset="0"/>
+            </a:endParaRPr>
+          </a:p>
+        </p:txBody>
+      </p:sp>
+      <p:sp>
+        <p:nvSpPr>
+          <p:cNvPr id="46" name="矩形 45">
+            <a:extLst>
+              <a:ext uri="{FF2B5EF4-FFF2-40B4-BE49-F238E27FC236}">
+                <a16:creationId xmlns:a16="http://schemas.microsoft.com/office/drawing/2014/main" id="{C838347E-D0A5-473F-9962-EBCDFC25291A}"/>
+              </a:ext>
+            </a:extLst>
+          </p:cNvPr>
+          <p:cNvSpPr/>
+          <p:nvPr/>
+        </p:nvSpPr>
+        <p:spPr>
+          <a:xfrm>
+            <a:off x="5205888" y="1597844"/>
+            <a:ext cx="2668385" cy="282804"/>
+          </a:xfrm>
+          <a:prstGeom prst="rect">
+            <a:avLst/>
+          </a:prstGeom>
+        </p:spPr>
+        <p:style>
+          <a:lnRef idx="2">
+            <a:schemeClr val="dk1"/>
+          </a:lnRef>
+          <a:fillRef idx="1">
+            <a:schemeClr val="lt1"/>
+          </a:fillRef>
+          <a:effectRef idx="0">
+            <a:schemeClr val="dk1"/>
+          </a:effectRef>
+          <a:fontRef idx="minor">
+            <a:schemeClr val="dk1"/>
+          </a:fontRef>
+        </p:style>
+        <p:txBody>
+          <a:bodyPr rtlCol="0" anchor="ctr"/>
+          <a:lstStyle/>
+          <a:p>
+            <a:pPr algn="ctr"/>
+            <a:r>
+              <a:rPr lang="en-US" altLang="zh-CN" dirty="0">
+                <a:latin typeface="Times New Roman" panose="02020603050405020304" pitchFamily="18" charset="0"/>
+                <a:cs typeface="Times New Roman" panose="02020603050405020304" pitchFamily="18" charset="0"/>
+              </a:rPr>
+              <a:t>split</a:t>
+            </a:r>
+            <a:endParaRPr lang="zh-CN" altLang="en-US" dirty="0">
+              <a:latin typeface="Times New Roman" panose="02020603050405020304" pitchFamily="18" charset="0"/>
+              <a:cs typeface="Times New Roman" panose="02020603050405020304" pitchFamily="18" charset="0"/>
+            </a:endParaRPr>
+          </a:p>
+        </p:txBody>
+      </p:sp>
+      <p:sp>
+        <p:nvSpPr>
+          <p:cNvPr id="48" name="矩形 47">
+            <a:extLst>
+              <a:ext uri="{FF2B5EF4-FFF2-40B4-BE49-F238E27FC236}">
+                <a16:creationId xmlns:a16="http://schemas.microsoft.com/office/drawing/2014/main" id="{1918901E-9479-4103-AA03-DCD751C511BD}"/>
+              </a:ext>
+            </a:extLst>
+          </p:cNvPr>
+          <p:cNvSpPr/>
+          <p:nvPr/>
+        </p:nvSpPr>
+        <p:spPr>
+          <a:xfrm>
+            <a:off x="4317474" y="1597844"/>
+            <a:ext cx="888415" cy="282804"/>
+          </a:xfrm>
+          <a:prstGeom prst="rect">
+            <a:avLst/>
+          </a:prstGeom>
+        </p:spPr>
+        <p:style>
+          <a:lnRef idx="2">
+            <a:schemeClr val="dk1"/>
+          </a:lnRef>
+          <a:fillRef idx="1">
+            <a:schemeClr val="lt1"/>
+          </a:fillRef>
+          <a:effectRef idx="0">
+            <a:schemeClr val="dk1"/>
+          </a:effectRef>
+          <a:fontRef idx="minor">
+            <a:schemeClr val="dk1"/>
+          </a:fontRef>
+        </p:style>
+        <p:txBody>
+          <a:bodyPr rtlCol="0" anchor="ctr"/>
+          <a:lstStyle/>
+          <a:p>
+            <a:pPr algn="ctr"/>
+            <a:r>
+              <a:rPr lang="en-US" altLang="zh-CN" dirty="0">
+                <a:latin typeface="Times New Roman" panose="02020603050405020304" pitchFamily="18" charset="0"/>
+                <a:cs typeface="Times New Roman" panose="02020603050405020304" pitchFamily="18" charset="0"/>
+              </a:rPr>
+              <a:t>split</a:t>
+            </a:r>
+            <a:endParaRPr lang="zh-CN" altLang="en-US" dirty="0">
+              <a:latin typeface="Times New Roman" panose="02020603050405020304" pitchFamily="18" charset="0"/>
+              <a:cs typeface="Times New Roman" panose="02020603050405020304" pitchFamily="18" charset="0"/>
+            </a:endParaRPr>
+          </a:p>
+        </p:txBody>
+      </p:sp>
+      <p:cxnSp>
+        <p:nvCxnSpPr>
+          <p:cNvPr id="50" name="直接箭头连接符 49">
+            <a:extLst>
+              <a:ext uri="{FF2B5EF4-FFF2-40B4-BE49-F238E27FC236}">
+                <a16:creationId xmlns:a16="http://schemas.microsoft.com/office/drawing/2014/main" id="{0E2AC9A3-107B-4948-8F2D-8A9220683469}"/>
+              </a:ext>
+            </a:extLst>
+          </p:cNvPr>
+          <p:cNvCxnSpPr>
+            <a:cxnSpLocks/>
+            <a:stCxn id="48" idx="2"/>
+            <a:endCxn id="77" idx="0"/>
+          </p:cNvCxnSpPr>
+          <p:nvPr/>
+        </p:nvCxnSpPr>
+        <p:spPr>
+          <a:xfrm>
+            <a:off x="4761682" y="1880648"/>
+            <a:ext cx="740" cy="2828040"/>
+          </a:xfrm>
+          <a:prstGeom prst="straightConnector1">
+            <a:avLst/>
+          </a:prstGeom>
+          <a:ln>
+            <a:tailEnd type="triangle"/>
+          </a:ln>
+        </p:spPr>
+        <p:style>
+          <a:lnRef idx="3">
+            <a:schemeClr val="dk1"/>
+          </a:lnRef>
+          <a:fillRef idx="0">
+            <a:schemeClr val="dk1"/>
+          </a:fillRef>
+          <a:effectRef idx="2">
+            <a:schemeClr val="dk1"/>
+          </a:effectRef>
+          <a:fontRef idx="minor">
+            <a:schemeClr val="tx1"/>
+          </a:fontRef>
+        </p:style>
+      </p:cxnSp>
+      <p:cxnSp>
+        <p:nvCxnSpPr>
+          <p:cNvPr id="57" name="直接箭头连接符 56">
+            <a:extLst>
+              <a:ext uri="{FF2B5EF4-FFF2-40B4-BE49-F238E27FC236}">
+                <a16:creationId xmlns:a16="http://schemas.microsoft.com/office/drawing/2014/main" id="{795FC214-2DFF-4800-841C-8FA8EA25067C}"/>
+              </a:ext>
+            </a:extLst>
+          </p:cNvPr>
+          <p:cNvCxnSpPr>
+            <a:cxnSpLocks/>
+            <a:stCxn id="4" idx="2"/>
+          </p:cNvCxnSpPr>
+          <p:nvPr/>
+        </p:nvCxnSpPr>
+        <p:spPr>
+          <a:xfrm>
+            <a:off x="6095877" y="1055803"/>
+            <a:ext cx="0" cy="542041"/>
+          </a:xfrm>
+          <a:prstGeom prst="straightConnector1">
+            <a:avLst/>
+          </a:prstGeom>
+          <a:ln>
+            <a:tailEnd type="triangle"/>
+          </a:ln>
+        </p:spPr>
+        <p:style>
+          <a:lnRef idx="3">
+            <a:schemeClr val="dk1"/>
+          </a:lnRef>
+          <a:fillRef idx="0">
+            <a:schemeClr val="dk1"/>
+          </a:fillRef>
+          <a:effectRef idx="2">
+            <a:schemeClr val="dk1"/>
+          </a:effectRef>
+          <a:fontRef idx="minor">
+            <a:schemeClr val="tx1"/>
+          </a:fontRef>
+        </p:style>
+      </p:cxnSp>
+      <p:cxnSp>
+        <p:nvCxnSpPr>
+          <p:cNvPr id="60" name="直接箭头连接符 59">
+            <a:extLst>
+              <a:ext uri="{FF2B5EF4-FFF2-40B4-BE49-F238E27FC236}">
+                <a16:creationId xmlns:a16="http://schemas.microsoft.com/office/drawing/2014/main" id="{99B5C5AF-90F0-4A9A-86ED-699234727493}"/>
+              </a:ext>
+            </a:extLst>
+          </p:cNvPr>
+          <p:cNvCxnSpPr>
+            <a:cxnSpLocks/>
+            <a:stCxn id="46" idx="2"/>
+            <a:endCxn id="28" idx="0"/>
+          </p:cNvCxnSpPr>
+          <p:nvPr/>
+        </p:nvCxnSpPr>
+        <p:spPr>
+          <a:xfrm>
+            <a:off x="6540081" y="1880648"/>
+            <a:ext cx="392" cy="252850"/>
+          </a:xfrm>
+          <a:prstGeom prst="straightConnector1">
+            <a:avLst/>
+          </a:prstGeom>
+          <a:ln>
+            <a:tailEnd type="triangle"/>
+          </a:ln>
+        </p:spPr>
+        <p:style>
+          <a:lnRef idx="3">
+            <a:schemeClr val="dk1"/>
+          </a:lnRef>
+          <a:fillRef idx="0">
+            <a:schemeClr val="dk1"/>
+          </a:fillRef>
+          <a:effectRef idx="2">
+            <a:schemeClr val="dk1"/>
+          </a:effectRef>
+          <a:fontRef idx="minor">
+            <a:schemeClr val="tx1"/>
+          </a:fontRef>
+        </p:style>
+      </p:cxnSp>
+      <p:sp>
+        <p:nvSpPr>
+          <p:cNvPr id="64" name="矩形 63">
+            <a:extLst>
+              <a:ext uri="{FF2B5EF4-FFF2-40B4-BE49-F238E27FC236}">
+                <a16:creationId xmlns:a16="http://schemas.microsoft.com/office/drawing/2014/main" id="{F5709D32-5C69-44C0-BF72-1C4E979AC998}"/>
+              </a:ext>
+            </a:extLst>
+          </p:cNvPr>
+          <p:cNvSpPr/>
+          <p:nvPr/>
+        </p:nvSpPr>
+        <p:spPr>
+          <a:xfrm>
+            <a:off x="6094399" y="2752421"/>
             <a:ext cx="889890" cy="282804"/>
           </a:xfrm>
           <a:prstGeom prst="rect">
@@ -6136,735 +6816,6 @@
       </p:sp>
       <p:cxnSp>
         <p:nvCxnSpPr>
-          <p:cNvPr id="24" name="直接箭头连接符 23">
-            <a:extLst>
-              <a:ext uri="{FF2B5EF4-FFF2-40B4-BE49-F238E27FC236}">
-                <a16:creationId xmlns:a16="http://schemas.microsoft.com/office/drawing/2014/main" id="{9188D4F7-BAD1-4155-9720-A45523600C71}"/>
-              </a:ext>
-            </a:extLst>
-          </p:cNvPr>
-          <p:cNvCxnSpPr>
-            <a:cxnSpLocks/>
-          </p:cNvCxnSpPr>
-          <p:nvPr/>
-        </p:nvCxnSpPr>
-        <p:spPr>
-          <a:xfrm>
-            <a:off x="6093382" y="339366"/>
-            <a:ext cx="0" cy="433633"/>
-          </a:xfrm>
-          <a:prstGeom prst="straightConnector1">
-            <a:avLst/>
-          </a:prstGeom>
-          <a:ln>
-            <a:tailEnd type="triangle"/>
-          </a:ln>
-        </p:spPr>
-        <p:style>
-          <a:lnRef idx="1">
-            <a:schemeClr val="dk1"/>
-          </a:lnRef>
-          <a:fillRef idx="0">
-            <a:schemeClr val="dk1"/>
-          </a:fillRef>
-          <a:effectRef idx="0">
-            <a:schemeClr val="dk1"/>
-          </a:effectRef>
-          <a:fontRef idx="minor">
-            <a:schemeClr val="tx1"/>
-          </a:fontRef>
-        </p:style>
-      </p:cxnSp>
-      <p:cxnSp>
-        <p:nvCxnSpPr>
-          <p:cNvPr id="55" name="直接箭头连接符 54">
-            <a:extLst>
-              <a:ext uri="{FF2B5EF4-FFF2-40B4-BE49-F238E27FC236}">
-                <a16:creationId xmlns:a16="http://schemas.microsoft.com/office/drawing/2014/main" id="{E35956E3-1A60-4BF2-877F-A47DAF131545}"/>
-              </a:ext>
-            </a:extLst>
-          </p:cNvPr>
-          <p:cNvCxnSpPr>
-            <a:cxnSpLocks/>
-            <a:stCxn id="5" idx="2"/>
-            <a:endCxn id="20" idx="0"/>
-          </p:cNvCxnSpPr>
-          <p:nvPr/>
-        </p:nvCxnSpPr>
-        <p:spPr>
-          <a:xfrm>
-            <a:off x="6984289" y="3664568"/>
-            <a:ext cx="1550" cy="346539"/>
-          </a:xfrm>
-          <a:prstGeom prst="straightConnector1">
-            <a:avLst/>
-          </a:prstGeom>
-          <a:ln>
-            <a:tailEnd type="triangle"/>
-          </a:ln>
-        </p:spPr>
-        <p:style>
-          <a:lnRef idx="1">
-            <a:schemeClr val="dk1"/>
-          </a:lnRef>
-          <a:fillRef idx="0">
-            <a:schemeClr val="dk1"/>
-          </a:fillRef>
-          <a:effectRef idx="0">
-            <a:schemeClr val="dk1"/>
-          </a:effectRef>
-          <a:fontRef idx="minor">
-            <a:schemeClr val="tx1"/>
-          </a:fontRef>
-        </p:style>
-      </p:cxnSp>
-      <p:sp>
-        <p:nvSpPr>
-          <p:cNvPr id="77" name="流程图: 或者 76">
-            <a:extLst>
-              <a:ext uri="{FF2B5EF4-FFF2-40B4-BE49-F238E27FC236}">
-                <a16:creationId xmlns:a16="http://schemas.microsoft.com/office/drawing/2014/main" id="{B5295ED3-BB49-45C2-BF57-373D794F86A2}"/>
-              </a:ext>
-            </a:extLst>
-          </p:cNvPr>
-          <p:cNvSpPr/>
-          <p:nvPr/>
-        </p:nvSpPr>
-        <p:spPr>
-          <a:xfrm>
-            <a:off x="4582422" y="4708688"/>
-            <a:ext cx="360000" cy="360000"/>
-          </a:xfrm>
-          <a:prstGeom prst="flowChartOr">
-            <a:avLst/>
-          </a:prstGeom>
-        </p:spPr>
-        <p:style>
-          <a:lnRef idx="2">
-            <a:schemeClr val="dk1"/>
-          </a:lnRef>
-          <a:fillRef idx="1">
-            <a:schemeClr val="lt1"/>
-          </a:fillRef>
-          <a:effectRef idx="0">
-            <a:schemeClr val="dk1"/>
-          </a:effectRef>
-          <a:fontRef idx="minor">
-            <a:schemeClr val="dk1"/>
-          </a:fontRef>
-        </p:style>
-        <p:txBody>
-          <a:bodyPr rtlCol="0" anchor="ctr"/>
-          <a:lstStyle/>
-          <a:p>
-            <a:pPr algn="ctr"/>
-            <a:endParaRPr lang="zh-CN" altLang="en-US">
-              <a:latin typeface="Times New Roman" panose="02020603050405020304" pitchFamily="18" charset="0"/>
-              <a:cs typeface="Times New Roman" panose="02020603050405020304" pitchFamily="18" charset="0"/>
-            </a:endParaRPr>
-          </a:p>
-        </p:txBody>
-      </p:sp>
-      <p:sp>
-        <p:nvSpPr>
-          <p:cNvPr id="78" name="矩形 77">
-            <a:extLst>
-              <a:ext uri="{FF2B5EF4-FFF2-40B4-BE49-F238E27FC236}">
-                <a16:creationId xmlns:a16="http://schemas.microsoft.com/office/drawing/2014/main" id="{D0090E44-C0C3-4BAD-BEDA-CB089584791A}"/>
-              </a:ext>
-            </a:extLst>
-          </p:cNvPr>
-          <p:cNvSpPr/>
-          <p:nvPr/>
-        </p:nvSpPr>
-        <p:spPr>
-          <a:xfrm>
-            <a:off x="6540894" y="4293911"/>
-            <a:ext cx="889890" cy="282804"/>
-          </a:xfrm>
-          <a:prstGeom prst="rect">
-            <a:avLst/>
-          </a:prstGeom>
-        </p:spPr>
-        <p:style>
-          <a:lnRef idx="2">
-            <a:schemeClr val="accent6">
-              <a:shade val="50000"/>
-            </a:schemeClr>
-          </a:lnRef>
-          <a:fillRef idx="1">
-            <a:schemeClr val="accent6"/>
-          </a:fillRef>
-          <a:effectRef idx="0">
-            <a:schemeClr val="accent6"/>
-          </a:effectRef>
-          <a:fontRef idx="minor">
-            <a:schemeClr val="lt1"/>
-          </a:fontRef>
-        </p:style>
-        <p:txBody>
-          <a:bodyPr rtlCol="0" anchor="ctr"/>
-          <a:lstStyle/>
-          <a:p>
-            <a:pPr algn="ctr"/>
-            <a:r>
-              <a:rPr lang="en-US" altLang="zh-CN" dirty="0">
-                <a:latin typeface="Times New Roman" panose="02020603050405020304" pitchFamily="18" charset="0"/>
-                <a:cs typeface="Times New Roman" panose="02020603050405020304" pitchFamily="18" charset="0"/>
-              </a:rPr>
-              <a:t>conv</a:t>
-            </a:r>
-            <a:endParaRPr lang="zh-CN" altLang="en-US" dirty="0">
-              <a:latin typeface="Times New Roman" panose="02020603050405020304" pitchFamily="18" charset="0"/>
-              <a:cs typeface="Times New Roman" panose="02020603050405020304" pitchFamily="18" charset="0"/>
-            </a:endParaRPr>
-          </a:p>
-        </p:txBody>
-      </p:sp>
-      <p:cxnSp>
-        <p:nvCxnSpPr>
-          <p:cNvPr id="84" name="连接符: 肘形 83">
-            <a:extLst>
-              <a:ext uri="{FF2B5EF4-FFF2-40B4-BE49-F238E27FC236}">
-                <a16:creationId xmlns:a16="http://schemas.microsoft.com/office/drawing/2014/main" id="{E5678760-420D-4EEB-9FE1-8C75CE1BDEF8}"/>
-              </a:ext>
-            </a:extLst>
-          </p:cNvPr>
-          <p:cNvCxnSpPr>
-            <a:cxnSpLocks/>
-            <a:stCxn id="78" idx="2"/>
-            <a:endCxn id="77" idx="6"/>
-          </p:cNvCxnSpPr>
-          <p:nvPr/>
-        </p:nvCxnSpPr>
-        <p:spPr>
-          <a:xfrm rot="5400000">
-            <a:off x="5808145" y="3710993"/>
-            <a:ext cx="311973" cy="2043417"/>
-          </a:xfrm>
-          <a:prstGeom prst="bentConnector2">
-            <a:avLst/>
-          </a:prstGeom>
-          <a:ln>
-            <a:tailEnd type="triangle"/>
-          </a:ln>
-        </p:spPr>
-        <p:style>
-          <a:lnRef idx="1">
-            <a:schemeClr val="dk1"/>
-          </a:lnRef>
-          <a:fillRef idx="0">
-            <a:schemeClr val="dk1"/>
-          </a:fillRef>
-          <a:effectRef idx="0">
-            <a:schemeClr val="dk1"/>
-          </a:effectRef>
-          <a:fontRef idx="minor">
-            <a:schemeClr val="tx1"/>
-          </a:fontRef>
-        </p:style>
-      </p:cxnSp>
-      <p:sp>
-        <p:nvSpPr>
-          <p:cNvPr id="88" name="矩形 87">
-            <a:extLst>
-              <a:ext uri="{FF2B5EF4-FFF2-40B4-BE49-F238E27FC236}">
-                <a16:creationId xmlns:a16="http://schemas.microsoft.com/office/drawing/2014/main" id="{D498F7BD-1B63-4268-8A9E-650C7E0DED46}"/>
-              </a:ext>
-            </a:extLst>
-          </p:cNvPr>
-          <p:cNvSpPr/>
-          <p:nvPr/>
-        </p:nvSpPr>
-        <p:spPr>
-          <a:xfrm>
-            <a:off x="4317477" y="5436334"/>
-            <a:ext cx="889890" cy="282804"/>
-          </a:xfrm>
-          <a:prstGeom prst="rect">
-            <a:avLst/>
-          </a:prstGeom>
-        </p:spPr>
-        <p:style>
-          <a:lnRef idx="2">
-            <a:schemeClr val="accent6">
-              <a:shade val="50000"/>
-            </a:schemeClr>
-          </a:lnRef>
-          <a:fillRef idx="1">
-            <a:schemeClr val="accent6"/>
-          </a:fillRef>
-          <a:effectRef idx="0">
-            <a:schemeClr val="accent6"/>
-          </a:effectRef>
-          <a:fontRef idx="minor">
-            <a:schemeClr val="lt1"/>
-          </a:fontRef>
-        </p:style>
-        <p:txBody>
-          <a:bodyPr rtlCol="0" anchor="ctr"/>
-          <a:lstStyle/>
-          <a:p>
-            <a:pPr algn="ctr"/>
-            <a:r>
-              <a:rPr lang="en-US" altLang="zh-CN" dirty="0">
-                <a:latin typeface="Times New Roman" panose="02020603050405020304" pitchFamily="18" charset="0"/>
-                <a:cs typeface="Times New Roman" panose="02020603050405020304" pitchFamily="18" charset="0"/>
-              </a:rPr>
-              <a:t>conv</a:t>
-            </a:r>
-            <a:endParaRPr lang="zh-CN" altLang="en-US" dirty="0">
-              <a:latin typeface="Times New Roman" panose="02020603050405020304" pitchFamily="18" charset="0"/>
-              <a:cs typeface="Times New Roman" panose="02020603050405020304" pitchFamily="18" charset="0"/>
-            </a:endParaRPr>
-          </a:p>
-        </p:txBody>
-      </p:sp>
-      <p:sp>
-        <p:nvSpPr>
-          <p:cNvPr id="89" name="矩形 88">
-            <a:extLst>
-              <a:ext uri="{FF2B5EF4-FFF2-40B4-BE49-F238E27FC236}">
-                <a16:creationId xmlns:a16="http://schemas.microsoft.com/office/drawing/2014/main" id="{EB29971F-299A-4AFA-9AFA-8A8AF70B8E6F}"/>
-              </a:ext>
-            </a:extLst>
-          </p:cNvPr>
-          <p:cNvSpPr/>
-          <p:nvPr/>
-        </p:nvSpPr>
-        <p:spPr>
-          <a:xfrm>
-            <a:off x="3919666" y="5707932"/>
-            <a:ext cx="1534683" cy="282804"/>
-          </a:xfrm>
-          <a:prstGeom prst="rect">
-            <a:avLst/>
-          </a:prstGeom>
-        </p:spPr>
-        <p:style>
-          <a:lnRef idx="2">
-            <a:schemeClr val="dk1"/>
-          </a:lnRef>
-          <a:fillRef idx="1">
-            <a:schemeClr val="lt1"/>
-          </a:fillRef>
-          <a:effectRef idx="0">
-            <a:schemeClr val="dk1"/>
-          </a:effectRef>
-          <a:fontRef idx="minor">
-            <a:schemeClr val="dk1"/>
-          </a:fontRef>
-        </p:style>
-        <p:txBody>
-          <a:bodyPr rtlCol="0" anchor="ctr"/>
-          <a:lstStyle/>
-          <a:p>
-            <a:pPr algn="ctr"/>
-            <a:r>
-              <a:rPr lang="en-US" altLang="zh-CN" dirty="0">
-                <a:latin typeface="Times New Roman" panose="02020603050405020304" pitchFamily="18" charset="0"/>
-                <a:cs typeface="Times New Roman" panose="02020603050405020304" pitchFamily="18" charset="0"/>
-              </a:rPr>
-              <a:t>Pixel shuffle</a:t>
-            </a:r>
-            <a:endParaRPr lang="zh-CN" altLang="en-US" dirty="0">
-              <a:latin typeface="Times New Roman" panose="02020603050405020304" pitchFamily="18" charset="0"/>
-              <a:cs typeface="Times New Roman" panose="02020603050405020304" pitchFamily="18" charset="0"/>
-            </a:endParaRPr>
-          </a:p>
-        </p:txBody>
-      </p:sp>
-      <p:cxnSp>
-        <p:nvCxnSpPr>
-          <p:cNvPr id="90" name="直接箭头连接符 89">
-            <a:extLst>
-              <a:ext uri="{FF2B5EF4-FFF2-40B4-BE49-F238E27FC236}">
-                <a16:creationId xmlns:a16="http://schemas.microsoft.com/office/drawing/2014/main" id="{CFB2E7C1-4B38-44A1-9475-1C442974CDE5}"/>
-              </a:ext>
-            </a:extLst>
-          </p:cNvPr>
-          <p:cNvCxnSpPr>
-            <a:cxnSpLocks/>
-            <a:stCxn id="77" idx="4"/>
-            <a:endCxn id="88" idx="0"/>
-          </p:cNvCxnSpPr>
-          <p:nvPr/>
-        </p:nvCxnSpPr>
-        <p:spPr>
-          <a:xfrm>
-            <a:off x="4762422" y="5068688"/>
-            <a:ext cx="0" cy="367646"/>
-          </a:xfrm>
-          <a:prstGeom prst="straightConnector1">
-            <a:avLst/>
-          </a:prstGeom>
-          <a:ln>
-            <a:tailEnd type="triangle"/>
-          </a:ln>
-        </p:spPr>
-        <p:style>
-          <a:lnRef idx="1">
-            <a:schemeClr val="dk1"/>
-          </a:lnRef>
-          <a:fillRef idx="0">
-            <a:schemeClr val="dk1"/>
-          </a:fillRef>
-          <a:effectRef idx="0">
-            <a:schemeClr val="dk1"/>
-          </a:effectRef>
-          <a:fontRef idx="minor">
-            <a:schemeClr val="tx1"/>
-          </a:fontRef>
-        </p:style>
-      </p:cxnSp>
-      <p:sp>
-        <p:nvSpPr>
-          <p:cNvPr id="28" name="矩形 27">
-            <a:extLst>
-              <a:ext uri="{FF2B5EF4-FFF2-40B4-BE49-F238E27FC236}">
-                <a16:creationId xmlns:a16="http://schemas.microsoft.com/office/drawing/2014/main" id="{C1EBBD1D-661B-463C-A91B-82B9633D50CD}"/>
-              </a:ext>
-            </a:extLst>
-          </p:cNvPr>
-          <p:cNvSpPr/>
-          <p:nvPr/>
-        </p:nvSpPr>
-        <p:spPr>
-          <a:xfrm>
-            <a:off x="5206673" y="2133498"/>
-            <a:ext cx="2667600" cy="282804"/>
-          </a:xfrm>
-          <a:prstGeom prst="rect">
-            <a:avLst/>
-          </a:prstGeom>
-        </p:spPr>
-        <p:style>
-          <a:lnRef idx="2">
-            <a:schemeClr val="accent5">
-              <a:shade val="50000"/>
-            </a:schemeClr>
-          </a:lnRef>
-          <a:fillRef idx="1">
-            <a:schemeClr val="accent5"/>
-          </a:fillRef>
-          <a:effectRef idx="0">
-            <a:schemeClr val="accent5"/>
-          </a:effectRef>
-          <a:fontRef idx="minor">
-            <a:schemeClr val="lt1"/>
-          </a:fontRef>
-        </p:style>
-        <p:txBody>
-          <a:bodyPr rtlCol="0" anchor="ctr"/>
-          <a:lstStyle/>
-          <a:p>
-            <a:pPr algn="ctr"/>
-            <a:r>
-              <a:rPr lang="en-US" altLang="zh-CN" sz="1600" dirty="0">
-                <a:latin typeface="Times New Roman" panose="02020603050405020304" pitchFamily="18" charset="0"/>
-                <a:cs typeface="Times New Roman" panose="02020603050405020304" pitchFamily="18" charset="0"/>
-              </a:rPr>
-              <a:t>RFDBS</a:t>
-            </a:r>
-            <a:endParaRPr lang="zh-CN" altLang="en-US" sz="1600" dirty="0">
-              <a:latin typeface="Times New Roman" panose="02020603050405020304" pitchFamily="18" charset="0"/>
-              <a:cs typeface="Times New Roman" panose="02020603050405020304" pitchFamily="18" charset="0"/>
-            </a:endParaRPr>
-          </a:p>
-        </p:txBody>
-      </p:sp>
-      <p:sp>
-        <p:nvSpPr>
-          <p:cNvPr id="46" name="矩形 45">
-            <a:extLst>
-              <a:ext uri="{FF2B5EF4-FFF2-40B4-BE49-F238E27FC236}">
-                <a16:creationId xmlns:a16="http://schemas.microsoft.com/office/drawing/2014/main" id="{C838347E-D0A5-473F-9962-EBCDFC25291A}"/>
-              </a:ext>
-            </a:extLst>
-          </p:cNvPr>
-          <p:cNvSpPr/>
-          <p:nvPr/>
-        </p:nvSpPr>
-        <p:spPr>
-          <a:xfrm>
-            <a:off x="5205888" y="1597844"/>
-            <a:ext cx="2668385" cy="282804"/>
-          </a:xfrm>
-          <a:prstGeom prst="rect">
-            <a:avLst/>
-          </a:prstGeom>
-        </p:spPr>
-        <p:style>
-          <a:lnRef idx="2">
-            <a:schemeClr val="dk1"/>
-          </a:lnRef>
-          <a:fillRef idx="1">
-            <a:schemeClr val="lt1"/>
-          </a:fillRef>
-          <a:effectRef idx="0">
-            <a:schemeClr val="dk1"/>
-          </a:effectRef>
-          <a:fontRef idx="minor">
-            <a:schemeClr val="dk1"/>
-          </a:fontRef>
-        </p:style>
-        <p:txBody>
-          <a:bodyPr rtlCol="0" anchor="ctr"/>
-          <a:lstStyle/>
-          <a:p>
-            <a:pPr algn="ctr"/>
-            <a:r>
-              <a:rPr lang="en-US" altLang="zh-CN" dirty="0">
-                <a:latin typeface="Times New Roman" panose="02020603050405020304" pitchFamily="18" charset="0"/>
-                <a:cs typeface="Times New Roman" panose="02020603050405020304" pitchFamily="18" charset="0"/>
-              </a:rPr>
-              <a:t>split</a:t>
-            </a:r>
-            <a:endParaRPr lang="zh-CN" altLang="en-US" dirty="0">
-              <a:latin typeface="Times New Roman" panose="02020603050405020304" pitchFamily="18" charset="0"/>
-              <a:cs typeface="Times New Roman" panose="02020603050405020304" pitchFamily="18" charset="0"/>
-            </a:endParaRPr>
-          </a:p>
-        </p:txBody>
-      </p:sp>
-      <p:sp>
-        <p:nvSpPr>
-          <p:cNvPr id="48" name="矩形 47">
-            <a:extLst>
-              <a:ext uri="{FF2B5EF4-FFF2-40B4-BE49-F238E27FC236}">
-                <a16:creationId xmlns:a16="http://schemas.microsoft.com/office/drawing/2014/main" id="{1918901E-9479-4103-AA03-DCD751C511BD}"/>
-              </a:ext>
-            </a:extLst>
-          </p:cNvPr>
-          <p:cNvSpPr/>
-          <p:nvPr/>
-        </p:nvSpPr>
-        <p:spPr>
-          <a:xfrm>
-            <a:off x="4317474" y="1597844"/>
-            <a:ext cx="888415" cy="282804"/>
-          </a:xfrm>
-          <a:prstGeom prst="rect">
-            <a:avLst/>
-          </a:prstGeom>
-        </p:spPr>
-        <p:style>
-          <a:lnRef idx="2">
-            <a:schemeClr val="dk1"/>
-          </a:lnRef>
-          <a:fillRef idx="1">
-            <a:schemeClr val="lt1"/>
-          </a:fillRef>
-          <a:effectRef idx="0">
-            <a:schemeClr val="dk1"/>
-          </a:effectRef>
-          <a:fontRef idx="minor">
-            <a:schemeClr val="dk1"/>
-          </a:fontRef>
-        </p:style>
-        <p:txBody>
-          <a:bodyPr rtlCol="0" anchor="ctr"/>
-          <a:lstStyle/>
-          <a:p>
-            <a:pPr algn="ctr"/>
-            <a:r>
-              <a:rPr lang="en-US" altLang="zh-CN" dirty="0">
-                <a:latin typeface="Times New Roman" panose="02020603050405020304" pitchFamily="18" charset="0"/>
-                <a:cs typeface="Times New Roman" panose="02020603050405020304" pitchFamily="18" charset="0"/>
-              </a:rPr>
-              <a:t>split</a:t>
-            </a:r>
-            <a:endParaRPr lang="zh-CN" altLang="en-US" dirty="0">
-              <a:latin typeface="Times New Roman" panose="02020603050405020304" pitchFamily="18" charset="0"/>
-              <a:cs typeface="Times New Roman" panose="02020603050405020304" pitchFamily="18" charset="0"/>
-            </a:endParaRPr>
-          </a:p>
-        </p:txBody>
-      </p:sp>
-      <p:cxnSp>
-        <p:nvCxnSpPr>
-          <p:cNvPr id="50" name="直接箭头连接符 49">
-            <a:extLst>
-              <a:ext uri="{FF2B5EF4-FFF2-40B4-BE49-F238E27FC236}">
-                <a16:creationId xmlns:a16="http://schemas.microsoft.com/office/drawing/2014/main" id="{0E2AC9A3-107B-4948-8F2D-8A9220683469}"/>
-              </a:ext>
-            </a:extLst>
-          </p:cNvPr>
-          <p:cNvCxnSpPr>
-            <a:cxnSpLocks/>
-            <a:stCxn id="48" idx="2"/>
-            <a:endCxn id="77" idx="0"/>
-          </p:cNvCxnSpPr>
-          <p:nvPr/>
-        </p:nvCxnSpPr>
-        <p:spPr>
-          <a:xfrm>
-            <a:off x="4761682" y="1880648"/>
-            <a:ext cx="740" cy="2828040"/>
-          </a:xfrm>
-          <a:prstGeom prst="straightConnector1">
-            <a:avLst/>
-          </a:prstGeom>
-          <a:ln>
-            <a:tailEnd type="triangle"/>
-          </a:ln>
-        </p:spPr>
-        <p:style>
-          <a:lnRef idx="1">
-            <a:schemeClr val="dk1"/>
-          </a:lnRef>
-          <a:fillRef idx="0">
-            <a:schemeClr val="dk1"/>
-          </a:fillRef>
-          <a:effectRef idx="0">
-            <a:schemeClr val="dk1"/>
-          </a:effectRef>
-          <a:fontRef idx="minor">
-            <a:schemeClr val="tx1"/>
-          </a:fontRef>
-        </p:style>
-      </p:cxnSp>
-      <p:cxnSp>
-        <p:nvCxnSpPr>
-          <p:cNvPr id="57" name="直接箭头连接符 56">
-            <a:extLst>
-              <a:ext uri="{FF2B5EF4-FFF2-40B4-BE49-F238E27FC236}">
-                <a16:creationId xmlns:a16="http://schemas.microsoft.com/office/drawing/2014/main" id="{795FC214-2DFF-4800-841C-8FA8EA25067C}"/>
-              </a:ext>
-            </a:extLst>
-          </p:cNvPr>
-          <p:cNvCxnSpPr>
-            <a:cxnSpLocks/>
-            <a:stCxn id="4" idx="2"/>
-          </p:cNvCxnSpPr>
-          <p:nvPr/>
-        </p:nvCxnSpPr>
-        <p:spPr>
-          <a:xfrm>
-            <a:off x="6095877" y="1055803"/>
-            <a:ext cx="0" cy="542041"/>
-          </a:xfrm>
-          <a:prstGeom prst="straightConnector1">
-            <a:avLst/>
-          </a:prstGeom>
-          <a:ln>
-            <a:tailEnd type="triangle"/>
-          </a:ln>
-        </p:spPr>
-        <p:style>
-          <a:lnRef idx="1">
-            <a:schemeClr val="dk1"/>
-          </a:lnRef>
-          <a:fillRef idx="0">
-            <a:schemeClr val="dk1"/>
-          </a:fillRef>
-          <a:effectRef idx="0">
-            <a:schemeClr val="dk1"/>
-          </a:effectRef>
-          <a:fontRef idx="minor">
-            <a:schemeClr val="tx1"/>
-          </a:fontRef>
-        </p:style>
-      </p:cxnSp>
-      <p:cxnSp>
-        <p:nvCxnSpPr>
-          <p:cNvPr id="60" name="直接箭头连接符 59">
-            <a:extLst>
-              <a:ext uri="{FF2B5EF4-FFF2-40B4-BE49-F238E27FC236}">
-                <a16:creationId xmlns:a16="http://schemas.microsoft.com/office/drawing/2014/main" id="{99B5C5AF-90F0-4A9A-86ED-699234727493}"/>
-              </a:ext>
-            </a:extLst>
-          </p:cNvPr>
-          <p:cNvCxnSpPr>
-            <a:cxnSpLocks/>
-            <a:stCxn id="46" idx="2"/>
-            <a:endCxn id="28" idx="0"/>
-          </p:cNvCxnSpPr>
-          <p:nvPr/>
-        </p:nvCxnSpPr>
-        <p:spPr>
-          <a:xfrm>
-            <a:off x="6540081" y="1880648"/>
-            <a:ext cx="392" cy="252850"/>
-          </a:xfrm>
-          <a:prstGeom prst="straightConnector1">
-            <a:avLst/>
-          </a:prstGeom>
-          <a:ln>
-            <a:tailEnd type="triangle"/>
-          </a:ln>
-        </p:spPr>
-        <p:style>
-          <a:lnRef idx="1">
-            <a:schemeClr val="dk1"/>
-          </a:lnRef>
-          <a:fillRef idx="0">
-            <a:schemeClr val="dk1"/>
-          </a:fillRef>
-          <a:effectRef idx="0">
-            <a:schemeClr val="dk1"/>
-          </a:effectRef>
-          <a:fontRef idx="minor">
-            <a:schemeClr val="tx1"/>
-          </a:fontRef>
-        </p:style>
-      </p:cxnSp>
-      <p:sp>
-        <p:nvSpPr>
-          <p:cNvPr id="64" name="矩形 63">
-            <a:extLst>
-              <a:ext uri="{FF2B5EF4-FFF2-40B4-BE49-F238E27FC236}">
-                <a16:creationId xmlns:a16="http://schemas.microsoft.com/office/drawing/2014/main" id="{F5709D32-5C69-44C0-BF72-1C4E979AC998}"/>
-              </a:ext>
-            </a:extLst>
-          </p:cNvPr>
-          <p:cNvSpPr/>
-          <p:nvPr/>
-        </p:nvSpPr>
-        <p:spPr>
-          <a:xfrm>
-            <a:off x="6094399" y="2752421"/>
-            <a:ext cx="889890" cy="282804"/>
-          </a:xfrm>
-          <a:prstGeom prst="rect">
-            <a:avLst/>
-          </a:prstGeom>
-        </p:spPr>
-        <p:style>
-          <a:lnRef idx="2">
-            <a:schemeClr val="dk1"/>
-          </a:lnRef>
-          <a:fillRef idx="1">
-            <a:schemeClr val="lt1"/>
-          </a:fillRef>
-          <a:effectRef idx="0">
-            <a:schemeClr val="dk1"/>
-          </a:effectRef>
-          <a:fontRef idx="minor">
-            <a:schemeClr val="dk1"/>
-          </a:fontRef>
-        </p:style>
-        <p:txBody>
-          <a:bodyPr rtlCol="0" anchor="ctr"/>
-          <a:lstStyle/>
-          <a:p>
-            <a:pPr algn="ctr"/>
-            <a:r>
-              <a:rPr lang="en-US" altLang="zh-CN" dirty="0" err="1">
-                <a:latin typeface="Times New Roman" panose="02020603050405020304" pitchFamily="18" charset="0"/>
-                <a:cs typeface="Times New Roman" panose="02020603050405020304" pitchFamily="18" charset="0"/>
-              </a:rPr>
-              <a:t>concat</a:t>
-            </a:r>
-            <a:endParaRPr lang="zh-CN" altLang="en-US" dirty="0">
-              <a:latin typeface="Times New Roman" panose="02020603050405020304" pitchFamily="18" charset="0"/>
-              <a:cs typeface="Times New Roman" panose="02020603050405020304" pitchFamily="18" charset="0"/>
-            </a:endParaRPr>
-          </a:p>
-        </p:txBody>
-      </p:sp>
-      <p:cxnSp>
-        <p:nvCxnSpPr>
           <p:cNvPr id="69" name="直接箭头连接符 68">
             <a:extLst>
               <a:ext uri="{FF2B5EF4-FFF2-40B4-BE49-F238E27FC236}">
@@ -6892,13 +6843,13 @@
           </a:ln>
         </p:spPr>
         <p:style>
-          <a:lnRef idx="1">
+          <a:lnRef idx="3">
             <a:schemeClr val="dk1"/>
           </a:lnRef>
           <a:fillRef idx="0">
             <a:schemeClr val="dk1"/>
           </a:fillRef>
-          <a:effectRef idx="0">
+          <a:effectRef idx="2">
             <a:schemeClr val="dk1"/>
           </a:effectRef>
           <a:fontRef idx="minor">
@@ -6935,13 +6886,13 @@
           </a:ln>
         </p:spPr>
         <p:style>
-          <a:lnRef idx="1">
+          <a:lnRef idx="3">
             <a:schemeClr val="dk1"/>
           </a:lnRef>
           <a:fillRef idx="0">
             <a:schemeClr val="dk1"/>
           </a:fillRef>
-          <a:effectRef idx="0">
+          <a:effectRef idx="2">
             <a:schemeClr val="dk1"/>
           </a:effectRef>
           <a:fontRef idx="minor">
@@ -6977,13 +6928,13 @@
           </a:ln>
         </p:spPr>
         <p:style>
-          <a:lnRef idx="1">
+          <a:lnRef idx="3">
             <a:schemeClr val="dk1"/>
           </a:lnRef>
           <a:fillRef idx="0">
             <a:schemeClr val="dk1"/>
           </a:fillRef>
-          <a:effectRef idx="0">
+          <a:effectRef idx="2">
             <a:schemeClr val="dk1"/>
           </a:effectRef>
           <a:fontRef idx="minor">
@@ -7072,60 +7023,6 @@
       </p:sp>
       <p:sp>
         <p:nvSpPr>
-          <p:cNvPr id="33" name="矩形 32">
-            <a:extLst>
-              <a:ext uri="{FF2B5EF4-FFF2-40B4-BE49-F238E27FC236}">
-                <a16:creationId xmlns:a16="http://schemas.microsoft.com/office/drawing/2014/main" id="{8B4859CC-D260-4C0A-A9C7-2E415096571C}"/>
-              </a:ext>
-            </a:extLst>
-          </p:cNvPr>
-          <p:cNvSpPr/>
-          <p:nvPr/>
-        </p:nvSpPr>
-        <p:spPr>
-          <a:xfrm>
-            <a:off x="5207367" y="4011107"/>
-            <a:ext cx="889890" cy="282804"/>
-          </a:xfrm>
-          <a:prstGeom prst="rect">
-            <a:avLst/>
-          </a:prstGeom>
-        </p:spPr>
-        <p:style>
-          <a:lnRef idx="2">
-            <a:schemeClr val="dk1"/>
-          </a:lnRef>
-          <a:fillRef idx="1">
-            <a:schemeClr val="lt1"/>
-          </a:fillRef>
-          <a:effectRef idx="0">
-            <a:schemeClr val="dk1"/>
-          </a:effectRef>
-          <a:fontRef idx="minor">
-            <a:schemeClr val="dk1"/>
-          </a:fontRef>
-        </p:style>
-        <p:txBody>
-          <a:bodyPr rtlCol="0" anchor="ctr"/>
-          <a:lstStyle/>
-          <a:p>
-            <a:pPr algn="ctr"/>
-            <a:r>
-              <a:rPr lang="en-US" altLang="zh-CN" dirty="0" err="1">
-                <a:latin typeface="Times New Roman" panose="02020603050405020304" pitchFamily="18" charset="0"/>
-                <a:cs typeface="Times New Roman" panose="02020603050405020304" pitchFamily="18" charset="0"/>
-              </a:rPr>
-              <a:t>concat</a:t>
-            </a:r>
-            <a:endParaRPr lang="zh-CN" altLang="en-US" dirty="0">
-              <a:latin typeface="Times New Roman" panose="02020603050405020304" pitchFamily="18" charset="0"/>
-              <a:cs typeface="Times New Roman" panose="02020603050405020304" pitchFamily="18" charset="0"/>
-            </a:endParaRPr>
-          </a:p>
-        </p:txBody>
-      </p:sp>
-      <p:sp>
-        <p:nvSpPr>
           <p:cNvPr id="34" name="流程图: 或者 33">
             <a:extLst>
               <a:ext uri="{FF2B5EF4-FFF2-40B4-BE49-F238E27FC236}">
@@ -7256,13 +7153,13 @@
           </a:ln>
         </p:spPr>
         <p:style>
-          <a:lnRef idx="1">
+          <a:lnRef idx="3">
             <a:schemeClr val="dk1"/>
           </a:lnRef>
           <a:fillRef idx="0">
             <a:schemeClr val="dk1"/>
           </a:fillRef>
-          <a:effectRef idx="0">
+          <a:effectRef idx="2">
             <a:schemeClr val="dk1"/>
           </a:effectRef>
           <a:fontRef idx="minor">
@@ -7409,13 +7306,13 @@
           </a:ln>
         </p:spPr>
         <p:style>
-          <a:lnRef idx="1">
+          <a:lnRef idx="3">
             <a:schemeClr val="dk1"/>
           </a:lnRef>
           <a:fillRef idx="0">
             <a:schemeClr val="dk1"/>
           </a:fillRef>
-          <a:effectRef idx="0">
+          <a:effectRef idx="2">
             <a:schemeClr val="dk1"/>
           </a:effectRef>
           <a:fontRef idx="minor">
@@ -7562,13 +7459,13 @@
           </a:ln>
         </p:spPr>
         <p:style>
-          <a:lnRef idx="1">
+          <a:lnRef idx="3">
             <a:schemeClr val="dk1"/>
           </a:lnRef>
           <a:fillRef idx="0">
             <a:schemeClr val="dk1"/>
           </a:fillRef>
-          <a:effectRef idx="0">
+          <a:effectRef idx="2">
             <a:schemeClr val="dk1"/>
           </a:effectRef>
           <a:fontRef idx="minor">
@@ -7588,14 +7485,14 @@
           <p:cNvCxnSpPr>
             <a:cxnSpLocks/>
             <a:stCxn id="5" idx="2"/>
-            <a:endCxn id="33" idx="0"/>
+            <a:endCxn id="35" idx="0"/>
           </p:cNvCxnSpPr>
           <p:nvPr/>
         </p:nvCxnSpPr>
         <p:spPr>
           <a:xfrm>
             <a:off x="5650489" y="3664568"/>
-            <a:ext cx="1823" cy="346539"/>
+            <a:ext cx="1823" cy="629343"/>
           </a:xfrm>
           <a:prstGeom prst="straightConnector1">
             <a:avLst/>
@@ -7605,13 +7502,13 @@
           </a:ln>
         </p:spPr>
         <p:style>
-          <a:lnRef idx="1">
+          <a:lnRef idx="3">
             <a:schemeClr val="dk1"/>
           </a:lnRef>
           <a:fillRef idx="0">
             <a:schemeClr val="dk1"/>
           </a:fillRef>
-          <a:effectRef idx="0">
+          <a:effectRef idx="2">
             <a:schemeClr val="dk1"/>
           </a:effectRef>
           <a:fontRef idx="minor">
@@ -7826,13 +7723,13 @@
           </a:ln>
         </p:spPr>
         <p:style>
-          <a:lnRef idx="1">
+          <a:lnRef idx="3">
             <a:schemeClr val="dk1"/>
           </a:lnRef>
           <a:fillRef idx="0">
             <a:schemeClr val="dk1"/>
           </a:fillRef>
-          <a:effectRef idx="0">
+          <a:effectRef idx="2">
             <a:schemeClr val="dk1"/>
           </a:effectRef>
           <a:fontRef idx="minor">
@@ -7868,13 +7765,13 @@
           </a:ln>
         </p:spPr>
         <p:style>
-          <a:lnRef idx="1">
+          <a:lnRef idx="3">
             <a:schemeClr val="dk1"/>
           </a:lnRef>
           <a:fillRef idx="0">
             <a:schemeClr val="dk1"/>
           </a:fillRef>
-          <a:effectRef idx="0">
+          <a:effectRef idx="2">
             <a:schemeClr val="dk1"/>
           </a:effectRef>
           <a:fontRef idx="minor">
@@ -7911,13 +7808,13 @@
           </a:ln>
         </p:spPr>
         <p:style>
-          <a:lnRef idx="1">
+          <a:lnRef idx="3">
             <a:schemeClr val="dk1"/>
           </a:lnRef>
           <a:fillRef idx="0">
             <a:schemeClr val="dk1"/>
           </a:fillRef>
-          <a:effectRef idx="0">
+          <a:effectRef idx="2">
             <a:schemeClr val="dk1"/>
           </a:effectRef>
           <a:fontRef idx="minor">
@@ -8008,13 +7905,13 @@
           </a:ln>
         </p:spPr>
         <p:style>
-          <a:lnRef idx="1">
+          <a:lnRef idx="3">
             <a:schemeClr val="dk1"/>
           </a:lnRef>
           <a:fillRef idx="0">
             <a:schemeClr val="dk1"/>
           </a:fillRef>
-          <a:effectRef idx="0">
+          <a:effectRef idx="2">
             <a:schemeClr val="dk1"/>
           </a:effectRef>
           <a:fontRef idx="minor">
@@ -8051,13 +7948,13 @@
           </a:ln>
         </p:spPr>
         <p:style>
-          <a:lnRef idx="1">
+          <a:lnRef idx="3">
             <a:schemeClr val="dk1"/>
           </a:lnRef>
           <a:fillRef idx="0">
             <a:schemeClr val="dk1"/>
           </a:fillRef>
-          <a:effectRef idx="0">
+          <a:effectRef idx="2">
             <a:schemeClr val="dk1"/>
           </a:effectRef>
           <a:fontRef idx="minor">
@@ -8094,13 +7991,13 @@
           </a:ln>
         </p:spPr>
         <p:style>
-          <a:lnRef idx="1">
+          <a:lnRef idx="3">
             <a:schemeClr val="dk1"/>
           </a:lnRef>
           <a:fillRef idx="0">
             <a:schemeClr val="dk1"/>
           </a:fillRef>
-          <a:effectRef idx="0">
+          <a:effectRef idx="2">
             <a:schemeClr val="dk1"/>
           </a:effectRef>
           <a:fontRef idx="minor">

--- a/pictures.pptx
+++ b/pictures.pptx
@@ -9,6 +9,9 @@
     <p:sldId id="258" r:id="rId3"/>
     <p:sldId id="259" r:id="rId4"/>
     <p:sldId id="260" r:id="rId5"/>
+    <p:sldId id="261" r:id="rId6"/>
+    <p:sldId id="263" r:id="rId7"/>
+    <p:sldId id="264" r:id="rId8"/>
   </p:sldIdLst>
   <p:sldSz cx="12192000" cy="6858000"/>
   <p:notesSz cx="6858000" cy="9144000"/>
@@ -262,7 +265,7 @@
           <a:p>
             <a:fld id="{786607F3-86A9-4B43-8949-47E7D5090554}" type="datetimeFigureOut">
               <a:rPr lang="zh-CN" altLang="en-US" smtClean="0"/>
-              <a:t>2023-03-20</a:t>
+              <a:t>2023/4/5</a:t>
             </a:fld>
             <a:endParaRPr lang="zh-CN" altLang="en-US"/>
           </a:p>
@@ -460,7 +463,7 @@
           <a:p>
             <a:fld id="{786607F3-86A9-4B43-8949-47E7D5090554}" type="datetimeFigureOut">
               <a:rPr lang="zh-CN" altLang="en-US" smtClean="0"/>
-              <a:t>2023-03-20</a:t>
+              <a:t>2023/4/5</a:t>
             </a:fld>
             <a:endParaRPr lang="zh-CN" altLang="en-US"/>
           </a:p>
@@ -668,7 +671,7 @@
           <a:p>
             <a:fld id="{786607F3-86A9-4B43-8949-47E7D5090554}" type="datetimeFigureOut">
               <a:rPr lang="zh-CN" altLang="en-US" smtClean="0"/>
-              <a:t>2023-03-20</a:t>
+              <a:t>2023/4/5</a:t>
             </a:fld>
             <a:endParaRPr lang="zh-CN" altLang="en-US"/>
           </a:p>
@@ -866,7 +869,7 @@
           <a:p>
             <a:fld id="{786607F3-86A9-4B43-8949-47E7D5090554}" type="datetimeFigureOut">
               <a:rPr lang="zh-CN" altLang="en-US" smtClean="0"/>
-              <a:t>2023-03-20</a:t>
+              <a:t>2023/4/5</a:t>
             </a:fld>
             <a:endParaRPr lang="zh-CN" altLang="en-US"/>
           </a:p>
@@ -1141,7 +1144,7 @@
           <a:p>
             <a:fld id="{786607F3-86A9-4B43-8949-47E7D5090554}" type="datetimeFigureOut">
               <a:rPr lang="zh-CN" altLang="en-US" smtClean="0"/>
-              <a:t>2023-03-20</a:t>
+              <a:t>2023/4/5</a:t>
             </a:fld>
             <a:endParaRPr lang="zh-CN" altLang="en-US"/>
           </a:p>
@@ -1406,7 +1409,7 @@
           <a:p>
             <a:fld id="{786607F3-86A9-4B43-8949-47E7D5090554}" type="datetimeFigureOut">
               <a:rPr lang="zh-CN" altLang="en-US" smtClean="0"/>
-              <a:t>2023-03-20</a:t>
+              <a:t>2023/4/5</a:t>
             </a:fld>
             <a:endParaRPr lang="zh-CN" altLang="en-US"/>
           </a:p>
@@ -1818,7 +1821,7 @@
           <a:p>
             <a:fld id="{786607F3-86A9-4B43-8949-47E7D5090554}" type="datetimeFigureOut">
               <a:rPr lang="zh-CN" altLang="en-US" smtClean="0"/>
-              <a:t>2023-03-20</a:t>
+              <a:t>2023/4/5</a:t>
             </a:fld>
             <a:endParaRPr lang="zh-CN" altLang="en-US"/>
           </a:p>
@@ -1959,7 +1962,7 @@
           <a:p>
             <a:fld id="{786607F3-86A9-4B43-8949-47E7D5090554}" type="datetimeFigureOut">
               <a:rPr lang="zh-CN" altLang="en-US" smtClean="0"/>
-              <a:t>2023-03-20</a:t>
+              <a:t>2023/4/5</a:t>
             </a:fld>
             <a:endParaRPr lang="zh-CN" altLang="en-US"/>
           </a:p>
@@ -2072,7 +2075,7 @@
           <a:p>
             <a:fld id="{786607F3-86A9-4B43-8949-47E7D5090554}" type="datetimeFigureOut">
               <a:rPr lang="zh-CN" altLang="en-US" smtClean="0"/>
-              <a:t>2023-03-20</a:t>
+              <a:t>2023/4/5</a:t>
             </a:fld>
             <a:endParaRPr lang="zh-CN" altLang="en-US"/>
           </a:p>
@@ -2383,7 +2386,7 @@
           <a:p>
             <a:fld id="{786607F3-86A9-4B43-8949-47E7D5090554}" type="datetimeFigureOut">
               <a:rPr lang="zh-CN" altLang="en-US" smtClean="0"/>
-              <a:t>2023-03-20</a:t>
+              <a:t>2023/4/5</a:t>
             </a:fld>
             <a:endParaRPr lang="zh-CN" altLang="en-US"/>
           </a:p>
@@ -2671,7 +2674,7 @@
           <a:p>
             <a:fld id="{786607F3-86A9-4B43-8949-47E7D5090554}" type="datetimeFigureOut">
               <a:rPr lang="zh-CN" altLang="en-US" smtClean="0"/>
-              <a:t>2023-03-20</a:t>
+              <a:t>2023/4/5</a:t>
             </a:fld>
             <a:endParaRPr lang="zh-CN" altLang="en-US"/>
           </a:p>
@@ -2912,7 +2915,7 @@
           <a:p>
             <a:fld id="{786607F3-86A9-4B43-8949-47E7D5090554}" type="datetimeFigureOut">
               <a:rPr lang="zh-CN" altLang="en-US" smtClean="0"/>
-              <a:t>2023-03-20</a:t>
+              <a:t>2023/4/5</a:t>
             </a:fld>
             <a:endParaRPr lang="zh-CN" altLang="en-US"/>
           </a:p>
@@ -8009,6 +8012,8629 @@
     <p:extLst>
       <p:ext uri="{BB962C8B-B14F-4D97-AF65-F5344CB8AC3E}">
         <p14:creationId xmlns:p14="http://schemas.microsoft.com/office/powerpoint/2010/main" val="154037613"/>
+      </p:ext>
+    </p:extLst>
+  </p:cSld>
+  <p:clrMapOvr>
+    <a:masterClrMapping/>
+  </p:clrMapOvr>
+</p:sld>
+</file>
+
+<file path=ppt/slides/slide5.xml><?xml version="1.0" encoding="utf-8"?>
+<p:sld xmlns:a="http://schemas.openxmlformats.org/drawingml/2006/main" xmlns:r="http://schemas.openxmlformats.org/officeDocument/2006/relationships" xmlns:p="http://schemas.openxmlformats.org/presentationml/2006/main">
+  <p:cSld>
+    <p:spTree>
+      <p:nvGrpSpPr>
+        <p:cNvPr id="1" name=""/>
+        <p:cNvGrpSpPr/>
+        <p:nvPr/>
+      </p:nvGrpSpPr>
+      <p:grpSpPr>
+        <a:xfrm>
+          <a:off x="0" y="0"/>
+          <a:ext cx="0" cy="0"/>
+          <a:chOff x="0" y="0"/>
+          <a:chExt cx="0" cy="0"/>
+        </a:xfrm>
+      </p:grpSpPr>
+      <p:sp>
+        <p:nvSpPr>
+          <p:cNvPr id="4" name="矩形 3">
+            <a:extLst>
+              <a:ext uri="{FF2B5EF4-FFF2-40B4-BE49-F238E27FC236}">
+                <a16:creationId xmlns:a16="http://schemas.microsoft.com/office/drawing/2014/main" id="{332E362C-BFF2-E1F1-3BF2-88DEEC0A61AB}"/>
+              </a:ext>
+            </a:extLst>
+          </p:cNvPr>
+          <p:cNvSpPr/>
+          <p:nvPr/>
+        </p:nvSpPr>
+        <p:spPr>
+          <a:xfrm>
+            <a:off x="3426331" y="968293"/>
+            <a:ext cx="889890" cy="282804"/>
+          </a:xfrm>
+          <a:prstGeom prst="rect">
+            <a:avLst/>
+          </a:prstGeom>
+        </p:spPr>
+        <p:style>
+          <a:lnRef idx="2">
+            <a:schemeClr val="accent6">
+              <a:shade val="50000"/>
+            </a:schemeClr>
+          </a:lnRef>
+          <a:fillRef idx="1">
+            <a:schemeClr val="accent6"/>
+          </a:fillRef>
+          <a:effectRef idx="0">
+            <a:schemeClr val="accent6"/>
+          </a:effectRef>
+          <a:fontRef idx="minor">
+            <a:schemeClr val="lt1"/>
+          </a:fontRef>
+        </p:style>
+        <p:txBody>
+          <a:bodyPr rtlCol="0" anchor="ctr"/>
+          <a:lstStyle/>
+          <a:p>
+            <a:pPr algn="ctr"/>
+            <a:r>
+              <a:rPr lang="en-US" altLang="zh-CN" dirty="0">
+                <a:latin typeface="Times New Roman" panose="02020603050405020304" pitchFamily="18" charset="0"/>
+                <a:cs typeface="Times New Roman" panose="02020603050405020304" pitchFamily="18" charset="0"/>
+              </a:rPr>
+              <a:t>conv</a:t>
+            </a:r>
+            <a:endParaRPr lang="zh-CN" altLang="en-US" dirty="0">
+              <a:latin typeface="Times New Roman" panose="02020603050405020304" pitchFamily="18" charset="0"/>
+              <a:cs typeface="Times New Roman" panose="02020603050405020304" pitchFamily="18" charset="0"/>
+            </a:endParaRPr>
+          </a:p>
+        </p:txBody>
+      </p:sp>
+      <p:sp>
+        <p:nvSpPr>
+          <p:cNvPr id="5" name="矩形 4">
+            <a:extLst>
+              <a:ext uri="{FF2B5EF4-FFF2-40B4-BE49-F238E27FC236}">
+                <a16:creationId xmlns:a16="http://schemas.microsoft.com/office/drawing/2014/main" id="{86B57FEB-8E65-014B-E6A4-305A51975AF2}"/>
+              </a:ext>
+            </a:extLst>
+          </p:cNvPr>
+          <p:cNvSpPr/>
+          <p:nvPr/>
+        </p:nvSpPr>
+        <p:spPr>
+          <a:xfrm>
+            <a:off x="4316221" y="1711441"/>
+            <a:ext cx="889890" cy="282804"/>
+          </a:xfrm>
+          <a:prstGeom prst="rect">
+            <a:avLst/>
+          </a:prstGeom>
+        </p:spPr>
+        <p:style>
+          <a:lnRef idx="2">
+            <a:schemeClr val="accent1">
+              <a:shade val="50000"/>
+            </a:schemeClr>
+          </a:lnRef>
+          <a:fillRef idx="1">
+            <a:schemeClr val="accent1"/>
+          </a:fillRef>
+          <a:effectRef idx="0">
+            <a:schemeClr val="accent1"/>
+          </a:effectRef>
+          <a:fontRef idx="minor">
+            <a:schemeClr val="lt1"/>
+          </a:fontRef>
+        </p:style>
+        <p:txBody>
+          <a:bodyPr rtlCol="0" anchor="ctr"/>
+          <a:lstStyle/>
+          <a:p>
+            <a:pPr algn="ctr"/>
+            <a:r>
+              <a:rPr lang="en-US" altLang="zh-CN" dirty="0">
+                <a:latin typeface="Times New Roman" panose="02020603050405020304" pitchFamily="18" charset="0"/>
+                <a:cs typeface="Times New Roman" panose="02020603050405020304" pitchFamily="18" charset="0"/>
+              </a:rPr>
+              <a:t>RFDB</a:t>
+            </a:r>
+            <a:endParaRPr lang="zh-CN" altLang="en-US" dirty="0">
+              <a:latin typeface="Times New Roman" panose="02020603050405020304" pitchFamily="18" charset="0"/>
+              <a:cs typeface="Times New Roman" panose="02020603050405020304" pitchFamily="18" charset="0"/>
+            </a:endParaRPr>
+          </a:p>
+        </p:txBody>
+      </p:sp>
+      <p:sp>
+        <p:nvSpPr>
+          <p:cNvPr id="6" name="矩形 5">
+            <a:extLst>
+              <a:ext uri="{FF2B5EF4-FFF2-40B4-BE49-F238E27FC236}">
+                <a16:creationId xmlns:a16="http://schemas.microsoft.com/office/drawing/2014/main" id="{153D13F0-3CD4-634B-C8A6-5DAB3A71CECA}"/>
+              </a:ext>
+            </a:extLst>
+          </p:cNvPr>
+          <p:cNvSpPr/>
+          <p:nvPr/>
+        </p:nvSpPr>
+        <p:spPr>
+          <a:xfrm>
+            <a:off x="5206111" y="2335181"/>
+            <a:ext cx="889890" cy="282804"/>
+          </a:xfrm>
+          <a:prstGeom prst="rect">
+            <a:avLst/>
+          </a:prstGeom>
+        </p:spPr>
+        <p:style>
+          <a:lnRef idx="2">
+            <a:schemeClr val="accent1">
+              <a:shade val="50000"/>
+            </a:schemeClr>
+          </a:lnRef>
+          <a:fillRef idx="1">
+            <a:schemeClr val="accent1"/>
+          </a:fillRef>
+          <a:effectRef idx="0">
+            <a:schemeClr val="accent1"/>
+          </a:effectRef>
+          <a:fontRef idx="minor">
+            <a:schemeClr val="lt1"/>
+          </a:fontRef>
+        </p:style>
+        <p:txBody>
+          <a:bodyPr rtlCol="0" anchor="ctr"/>
+          <a:lstStyle/>
+          <a:p>
+            <a:pPr algn="ctr"/>
+            <a:r>
+              <a:rPr lang="en-US" altLang="zh-CN" dirty="0">
+                <a:latin typeface="Times New Roman" panose="02020603050405020304" pitchFamily="18" charset="0"/>
+                <a:cs typeface="Times New Roman" panose="02020603050405020304" pitchFamily="18" charset="0"/>
+              </a:rPr>
+              <a:t>RFDB</a:t>
+            </a:r>
+            <a:endParaRPr lang="zh-CN" altLang="en-US" dirty="0">
+              <a:latin typeface="Times New Roman" panose="02020603050405020304" pitchFamily="18" charset="0"/>
+              <a:cs typeface="Times New Roman" panose="02020603050405020304" pitchFamily="18" charset="0"/>
+            </a:endParaRPr>
+          </a:p>
+        </p:txBody>
+      </p:sp>
+      <p:sp>
+        <p:nvSpPr>
+          <p:cNvPr id="7" name="矩形 6">
+            <a:extLst>
+              <a:ext uri="{FF2B5EF4-FFF2-40B4-BE49-F238E27FC236}">
+                <a16:creationId xmlns:a16="http://schemas.microsoft.com/office/drawing/2014/main" id="{12813BB9-E2C2-F2C7-BE10-04B592DDB247}"/>
+              </a:ext>
+            </a:extLst>
+          </p:cNvPr>
+          <p:cNvSpPr/>
+          <p:nvPr/>
+        </p:nvSpPr>
+        <p:spPr>
+          <a:xfrm>
+            <a:off x="6096002" y="2958921"/>
+            <a:ext cx="889890" cy="282804"/>
+          </a:xfrm>
+          <a:prstGeom prst="rect">
+            <a:avLst/>
+          </a:prstGeom>
+        </p:spPr>
+        <p:style>
+          <a:lnRef idx="2">
+            <a:schemeClr val="accent1">
+              <a:shade val="50000"/>
+            </a:schemeClr>
+          </a:lnRef>
+          <a:fillRef idx="1">
+            <a:schemeClr val="accent1"/>
+          </a:fillRef>
+          <a:effectRef idx="0">
+            <a:schemeClr val="accent1"/>
+          </a:effectRef>
+          <a:fontRef idx="minor">
+            <a:schemeClr val="lt1"/>
+          </a:fontRef>
+        </p:style>
+        <p:txBody>
+          <a:bodyPr rtlCol="0" anchor="ctr"/>
+          <a:lstStyle/>
+          <a:p>
+            <a:pPr algn="ctr"/>
+            <a:r>
+              <a:rPr lang="en-US" altLang="zh-CN" dirty="0">
+                <a:latin typeface="Times New Roman" panose="02020603050405020304" pitchFamily="18" charset="0"/>
+                <a:cs typeface="Times New Roman" panose="02020603050405020304" pitchFamily="18" charset="0"/>
+              </a:rPr>
+              <a:t>RFDB</a:t>
+            </a:r>
+            <a:endParaRPr lang="zh-CN" altLang="en-US" dirty="0">
+              <a:latin typeface="Times New Roman" panose="02020603050405020304" pitchFamily="18" charset="0"/>
+              <a:cs typeface="Times New Roman" panose="02020603050405020304" pitchFamily="18" charset="0"/>
+            </a:endParaRPr>
+          </a:p>
+        </p:txBody>
+      </p:sp>
+      <p:sp>
+        <p:nvSpPr>
+          <p:cNvPr id="8" name="矩形 7">
+            <a:extLst>
+              <a:ext uri="{FF2B5EF4-FFF2-40B4-BE49-F238E27FC236}">
+                <a16:creationId xmlns:a16="http://schemas.microsoft.com/office/drawing/2014/main" id="{1CCBF19D-0C05-BE58-5EF4-39F7AFDE91B6}"/>
+              </a:ext>
+            </a:extLst>
+          </p:cNvPr>
+          <p:cNvSpPr/>
+          <p:nvPr/>
+        </p:nvSpPr>
+        <p:spPr>
+          <a:xfrm>
+            <a:off x="6985892" y="3582661"/>
+            <a:ext cx="889890" cy="282804"/>
+          </a:xfrm>
+          <a:prstGeom prst="rect">
+            <a:avLst/>
+          </a:prstGeom>
+        </p:spPr>
+        <p:style>
+          <a:lnRef idx="2">
+            <a:schemeClr val="accent1">
+              <a:shade val="50000"/>
+            </a:schemeClr>
+          </a:lnRef>
+          <a:fillRef idx="1">
+            <a:schemeClr val="accent1"/>
+          </a:fillRef>
+          <a:effectRef idx="0">
+            <a:schemeClr val="accent1"/>
+          </a:effectRef>
+          <a:fontRef idx="minor">
+            <a:schemeClr val="lt1"/>
+          </a:fontRef>
+        </p:style>
+        <p:txBody>
+          <a:bodyPr rtlCol="0" anchor="ctr"/>
+          <a:lstStyle/>
+          <a:p>
+            <a:pPr algn="ctr"/>
+            <a:r>
+              <a:rPr lang="en-US" altLang="zh-CN" dirty="0">
+                <a:latin typeface="Times New Roman" panose="02020603050405020304" pitchFamily="18" charset="0"/>
+                <a:cs typeface="Times New Roman" panose="02020603050405020304" pitchFamily="18" charset="0"/>
+              </a:rPr>
+              <a:t>RFDB</a:t>
+            </a:r>
+            <a:endParaRPr lang="zh-CN" altLang="en-US" dirty="0">
+              <a:latin typeface="Times New Roman" panose="02020603050405020304" pitchFamily="18" charset="0"/>
+              <a:cs typeface="Times New Roman" panose="02020603050405020304" pitchFamily="18" charset="0"/>
+            </a:endParaRPr>
+          </a:p>
+        </p:txBody>
+      </p:sp>
+      <p:cxnSp>
+        <p:nvCxnSpPr>
+          <p:cNvPr id="9" name="直接箭头连接符 9">
+            <a:extLst>
+              <a:ext uri="{FF2B5EF4-FFF2-40B4-BE49-F238E27FC236}">
+                <a16:creationId xmlns:a16="http://schemas.microsoft.com/office/drawing/2014/main" id="{8AD8CCFE-B46F-89C7-B4BA-A688C82B7A34}"/>
+              </a:ext>
+            </a:extLst>
+          </p:cNvPr>
+          <p:cNvCxnSpPr>
+            <a:cxnSpLocks/>
+            <a:stCxn id="4" idx="2"/>
+            <a:endCxn id="5" idx="0"/>
+          </p:cNvCxnSpPr>
+          <p:nvPr/>
+        </p:nvCxnSpPr>
+        <p:spPr>
+          <a:xfrm>
+            <a:off x="3871276" y="1251097"/>
+            <a:ext cx="889890" cy="460344"/>
+          </a:xfrm>
+          <a:prstGeom prst="straightConnector1">
+            <a:avLst/>
+          </a:prstGeom>
+          <a:ln>
+            <a:tailEnd type="triangle"/>
+          </a:ln>
+        </p:spPr>
+        <p:style>
+          <a:lnRef idx="3">
+            <a:schemeClr val="dk1"/>
+          </a:lnRef>
+          <a:fillRef idx="0">
+            <a:schemeClr val="dk1"/>
+          </a:fillRef>
+          <a:effectRef idx="2">
+            <a:schemeClr val="dk1"/>
+          </a:effectRef>
+          <a:fontRef idx="minor">
+            <a:schemeClr val="tx1"/>
+          </a:fontRef>
+        </p:style>
+      </p:cxnSp>
+      <p:cxnSp>
+        <p:nvCxnSpPr>
+          <p:cNvPr id="10" name="直接箭头连接符 10">
+            <a:extLst>
+              <a:ext uri="{FF2B5EF4-FFF2-40B4-BE49-F238E27FC236}">
+                <a16:creationId xmlns:a16="http://schemas.microsoft.com/office/drawing/2014/main" id="{7E3E0A42-BCBB-21C1-EC42-6727D356913D}"/>
+              </a:ext>
+            </a:extLst>
+          </p:cNvPr>
+          <p:cNvCxnSpPr>
+            <a:cxnSpLocks/>
+            <a:stCxn id="5" idx="2"/>
+            <a:endCxn id="6" idx="0"/>
+          </p:cNvCxnSpPr>
+          <p:nvPr/>
+        </p:nvCxnSpPr>
+        <p:spPr>
+          <a:xfrm>
+            <a:off x="4761166" y="1994245"/>
+            <a:ext cx="889890" cy="340936"/>
+          </a:xfrm>
+          <a:prstGeom prst="straightConnector1">
+            <a:avLst/>
+          </a:prstGeom>
+          <a:ln>
+            <a:tailEnd type="triangle"/>
+          </a:ln>
+        </p:spPr>
+        <p:style>
+          <a:lnRef idx="3">
+            <a:schemeClr val="dk1"/>
+          </a:lnRef>
+          <a:fillRef idx="0">
+            <a:schemeClr val="dk1"/>
+          </a:fillRef>
+          <a:effectRef idx="2">
+            <a:schemeClr val="dk1"/>
+          </a:effectRef>
+          <a:fontRef idx="minor">
+            <a:schemeClr val="tx1"/>
+          </a:fontRef>
+        </p:style>
+      </p:cxnSp>
+      <p:cxnSp>
+        <p:nvCxnSpPr>
+          <p:cNvPr id="11" name="直接箭头连接符 13">
+            <a:extLst>
+              <a:ext uri="{FF2B5EF4-FFF2-40B4-BE49-F238E27FC236}">
+                <a16:creationId xmlns:a16="http://schemas.microsoft.com/office/drawing/2014/main" id="{9B78E344-61B3-AED4-38B6-6795B571436B}"/>
+              </a:ext>
+            </a:extLst>
+          </p:cNvPr>
+          <p:cNvCxnSpPr>
+            <a:cxnSpLocks/>
+            <a:stCxn id="6" idx="2"/>
+            <a:endCxn id="7" idx="0"/>
+          </p:cNvCxnSpPr>
+          <p:nvPr/>
+        </p:nvCxnSpPr>
+        <p:spPr>
+          <a:xfrm>
+            <a:off x="5651057" y="2617985"/>
+            <a:ext cx="889890" cy="340936"/>
+          </a:xfrm>
+          <a:prstGeom prst="straightConnector1">
+            <a:avLst/>
+          </a:prstGeom>
+          <a:ln>
+            <a:tailEnd type="triangle"/>
+          </a:ln>
+        </p:spPr>
+        <p:style>
+          <a:lnRef idx="3">
+            <a:schemeClr val="dk1"/>
+          </a:lnRef>
+          <a:fillRef idx="0">
+            <a:schemeClr val="dk1"/>
+          </a:fillRef>
+          <a:effectRef idx="2">
+            <a:schemeClr val="dk1"/>
+          </a:effectRef>
+          <a:fontRef idx="minor">
+            <a:schemeClr val="tx1"/>
+          </a:fontRef>
+        </p:style>
+      </p:cxnSp>
+      <p:cxnSp>
+        <p:nvCxnSpPr>
+          <p:cNvPr id="12" name="直接箭头连接符 16">
+            <a:extLst>
+              <a:ext uri="{FF2B5EF4-FFF2-40B4-BE49-F238E27FC236}">
+                <a16:creationId xmlns:a16="http://schemas.microsoft.com/office/drawing/2014/main" id="{B34FB93D-F2BE-BF83-A75D-5D6E39F43D29}"/>
+              </a:ext>
+            </a:extLst>
+          </p:cNvPr>
+          <p:cNvCxnSpPr>
+            <a:cxnSpLocks/>
+            <a:stCxn id="7" idx="2"/>
+            <a:endCxn id="8" idx="0"/>
+          </p:cNvCxnSpPr>
+          <p:nvPr/>
+        </p:nvCxnSpPr>
+        <p:spPr>
+          <a:xfrm>
+            <a:off x="6540947" y="3241725"/>
+            <a:ext cx="889890" cy="340936"/>
+          </a:xfrm>
+          <a:prstGeom prst="straightConnector1">
+            <a:avLst/>
+          </a:prstGeom>
+          <a:ln>
+            <a:tailEnd type="triangle"/>
+          </a:ln>
+        </p:spPr>
+        <p:style>
+          <a:lnRef idx="3">
+            <a:schemeClr val="dk1"/>
+          </a:lnRef>
+          <a:fillRef idx="0">
+            <a:schemeClr val="dk1"/>
+          </a:fillRef>
+          <a:effectRef idx="2">
+            <a:schemeClr val="dk1"/>
+          </a:effectRef>
+          <a:fontRef idx="minor">
+            <a:schemeClr val="tx1"/>
+          </a:fontRef>
+        </p:style>
+      </p:cxnSp>
+      <p:sp>
+        <p:nvSpPr>
+          <p:cNvPr id="13" name="矩形 19">
+            <a:extLst>
+              <a:ext uri="{FF2B5EF4-FFF2-40B4-BE49-F238E27FC236}">
+                <a16:creationId xmlns:a16="http://schemas.microsoft.com/office/drawing/2014/main" id="{3C7DF652-3E9E-9B36-7054-C5DCB816CC3C}"/>
+              </a:ext>
+            </a:extLst>
+          </p:cNvPr>
+          <p:cNvSpPr/>
+          <p:nvPr/>
+        </p:nvSpPr>
+        <p:spPr>
+          <a:xfrm>
+            <a:off x="4316221" y="4206401"/>
+            <a:ext cx="889890" cy="282804"/>
+          </a:xfrm>
+          <a:prstGeom prst="rect">
+            <a:avLst/>
+          </a:prstGeom>
+        </p:spPr>
+        <p:style>
+          <a:lnRef idx="2">
+            <a:schemeClr val="dk1"/>
+          </a:lnRef>
+          <a:fillRef idx="1">
+            <a:schemeClr val="lt1"/>
+          </a:fillRef>
+          <a:effectRef idx="0">
+            <a:schemeClr val="dk1"/>
+          </a:effectRef>
+          <a:fontRef idx="minor">
+            <a:schemeClr val="dk1"/>
+          </a:fontRef>
+        </p:style>
+        <p:txBody>
+          <a:bodyPr rtlCol="0" anchor="ctr"/>
+          <a:lstStyle/>
+          <a:p>
+            <a:pPr algn="ctr"/>
+            <a:r>
+              <a:rPr lang="en-US" altLang="zh-CN" dirty="0" err="1">
+                <a:latin typeface="Times New Roman" panose="02020603050405020304" pitchFamily="18" charset="0"/>
+                <a:cs typeface="Times New Roman" panose="02020603050405020304" pitchFamily="18" charset="0"/>
+              </a:rPr>
+              <a:t>concat</a:t>
+            </a:r>
+            <a:endParaRPr lang="zh-CN" altLang="en-US" dirty="0">
+              <a:latin typeface="Times New Roman" panose="02020603050405020304" pitchFamily="18" charset="0"/>
+              <a:cs typeface="Times New Roman" panose="02020603050405020304" pitchFamily="18" charset="0"/>
+            </a:endParaRPr>
+          </a:p>
+        </p:txBody>
+      </p:sp>
+      <p:cxnSp>
+        <p:nvCxnSpPr>
+          <p:cNvPr id="14" name="直接箭头连接符 20">
+            <a:extLst>
+              <a:ext uri="{FF2B5EF4-FFF2-40B4-BE49-F238E27FC236}">
+                <a16:creationId xmlns:a16="http://schemas.microsoft.com/office/drawing/2014/main" id="{1E645016-2D1B-69A8-DC04-9B11BC350422}"/>
+              </a:ext>
+            </a:extLst>
+          </p:cNvPr>
+          <p:cNvCxnSpPr>
+            <a:cxnSpLocks/>
+            <a:stCxn id="8" idx="2"/>
+            <a:endCxn id="13" idx="0"/>
+          </p:cNvCxnSpPr>
+          <p:nvPr/>
+        </p:nvCxnSpPr>
+        <p:spPr>
+          <a:xfrm flipH="1">
+            <a:off x="4761166" y="3865465"/>
+            <a:ext cx="2669671" cy="340936"/>
+          </a:xfrm>
+          <a:prstGeom prst="straightConnector1">
+            <a:avLst/>
+          </a:prstGeom>
+          <a:ln>
+            <a:tailEnd type="triangle"/>
+          </a:ln>
+        </p:spPr>
+        <p:style>
+          <a:lnRef idx="3">
+            <a:schemeClr val="dk1"/>
+          </a:lnRef>
+          <a:fillRef idx="0">
+            <a:schemeClr val="dk1"/>
+          </a:fillRef>
+          <a:effectRef idx="2">
+            <a:schemeClr val="dk1"/>
+          </a:effectRef>
+          <a:fontRef idx="minor">
+            <a:schemeClr val="tx1"/>
+          </a:fontRef>
+        </p:style>
+      </p:cxnSp>
+      <p:cxnSp>
+        <p:nvCxnSpPr>
+          <p:cNvPr id="15" name="直接箭头连接符 23">
+            <a:extLst>
+              <a:ext uri="{FF2B5EF4-FFF2-40B4-BE49-F238E27FC236}">
+                <a16:creationId xmlns:a16="http://schemas.microsoft.com/office/drawing/2014/main" id="{751940B0-5541-23F7-D48B-E3CEA616FC96}"/>
+              </a:ext>
+            </a:extLst>
+          </p:cNvPr>
+          <p:cNvCxnSpPr>
+            <a:cxnSpLocks/>
+            <a:endCxn id="4" idx="0"/>
+          </p:cNvCxnSpPr>
+          <p:nvPr/>
+        </p:nvCxnSpPr>
+        <p:spPr>
+          <a:xfrm>
+            <a:off x="3871276" y="534660"/>
+            <a:ext cx="0" cy="433633"/>
+          </a:xfrm>
+          <a:prstGeom prst="straightConnector1">
+            <a:avLst/>
+          </a:prstGeom>
+          <a:ln>
+            <a:tailEnd type="triangle"/>
+          </a:ln>
+        </p:spPr>
+        <p:style>
+          <a:lnRef idx="3">
+            <a:schemeClr val="dk1"/>
+          </a:lnRef>
+          <a:fillRef idx="0">
+            <a:schemeClr val="dk1"/>
+          </a:fillRef>
+          <a:effectRef idx="2">
+            <a:schemeClr val="dk1"/>
+          </a:effectRef>
+          <a:fontRef idx="minor">
+            <a:schemeClr val="tx1"/>
+          </a:fontRef>
+        </p:style>
+      </p:cxnSp>
+      <p:cxnSp>
+        <p:nvCxnSpPr>
+          <p:cNvPr id="16" name="直接箭头连接符 48">
+            <a:extLst>
+              <a:ext uri="{FF2B5EF4-FFF2-40B4-BE49-F238E27FC236}">
+                <a16:creationId xmlns:a16="http://schemas.microsoft.com/office/drawing/2014/main" id="{A341DE58-D15F-F94E-3773-866252FA4AE1}"/>
+              </a:ext>
+            </a:extLst>
+          </p:cNvPr>
+          <p:cNvCxnSpPr>
+            <a:cxnSpLocks/>
+            <a:stCxn id="7" idx="2"/>
+            <a:endCxn id="13" idx="0"/>
+          </p:cNvCxnSpPr>
+          <p:nvPr/>
+        </p:nvCxnSpPr>
+        <p:spPr>
+          <a:xfrm flipH="1">
+            <a:off x="4761166" y="3241725"/>
+            <a:ext cx="1779780" cy="964676"/>
+          </a:xfrm>
+          <a:prstGeom prst="straightConnector1">
+            <a:avLst/>
+          </a:prstGeom>
+          <a:ln>
+            <a:tailEnd type="triangle"/>
+          </a:ln>
+        </p:spPr>
+        <p:style>
+          <a:lnRef idx="3">
+            <a:schemeClr val="dk1"/>
+          </a:lnRef>
+          <a:fillRef idx="0">
+            <a:schemeClr val="dk1"/>
+          </a:fillRef>
+          <a:effectRef idx="2">
+            <a:schemeClr val="dk1"/>
+          </a:effectRef>
+          <a:fontRef idx="minor">
+            <a:schemeClr val="tx1"/>
+          </a:fontRef>
+        </p:style>
+      </p:cxnSp>
+      <p:cxnSp>
+        <p:nvCxnSpPr>
+          <p:cNvPr id="17" name="直接箭头连接符 51">
+            <a:extLst>
+              <a:ext uri="{FF2B5EF4-FFF2-40B4-BE49-F238E27FC236}">
+                <a16:creationId xmlns:a16="http://schemas.microsoft.com/office/drawing/2014/main" id="{CCDCD5A5-BC88-FE01-B4B5-76DC8404C94A}"/>
+              </a:ext>
+            </a:extLst>
+          </p:cNvPr>
+          <p:cNvCxnSpPr>
+            <a:cxnSpLocks/>
+            <a:stCxn id="6" idx="2"/>
+            <a:endCxn id="13" idx="0"/>
+          </p:cNvCxnSpPr>
+          <p:nvPr/>
+        </p:nvCxnSpPr>
+        <p:spPr>
+          <a:xfrm flipH="1">
+            <a:off x="4761166" y="2617985"/>
+            <a:ext cx="889890" cy="1588416"/>
+          </a:xfrm>
+          <a:prstGeom prst="straightConnector1">
+            <a:avLst/>
+          </a:prstGeom>
+          <a:ln>
+            <a:tailEnd type="triangle"/>
+          </a:ln>
+        </p:spPr>
+        <p:style>
+          <a:lnRef idx="3">
+            <a:schemeClr val="dk1"/>
+          </a:lnRef>
+          <a:fillRef idx="0">
+            <a:schemeClr val="dk1"/>
+          </a:fillRef>
+          <a:effectRef idx="2">
+            <a:schemeClr val="dk1"/>
+          </a:effectRef>
+          <a:fontRef idx="minor">
+            <a:schemeClr val="tx1"/>
+          </a:fontRef>
+        </p:style>
+      </p:cxnSp>
+      <p:cxnSp>
+        <p:nvCxnSpPr>
+          <p:cNvPr id="18" name="直接箭头连接符 54">
+            <a:extLst>
+              <a:ext uri="{FF2B5EF4-FFF2-40B4-BE49-F238E27FC236}">
+                <a16:creationId xmlns:a16="http://schemas.microsoft.com/office/drawing/2014/main" id="{F4F7D7BF-F683-784A-0308-052341BBE072}"/>
+              </a:ext>
+            </a:extLst>
+          </p:cNvPr>
+          <p:cNvCxnSpPr>
+            <a:cxnSpLocks/>
+            <a:stCxn id="5" idx="2"/>
+            <a:endCxn id="13" idx="0"/>
+          </p:cNvCxnSpPr>
+          <p:nvPr/>
+        </p:nvCxnSpPr>
+        <p:spPr>
+          <a:xfrm>
+            <a:off x="4761166" y="1994245"/>
+            <a:ext cx="0" cy="2212156"/>
+          </a:xfrm>
+          <a:prstGeom prst="straightConnector1">
+            <a:avLst/>
+          </a:prstGeom>
+          <a:ln>
+            <a:tailEnd type="triangle"/>
+          </a:ln>
+        </p:spPr>
+        <p:style>
+          <a:lnRef idx="3">
+            <a:schemeClr val="dk1"/>
+          </a:lnRef>
+          <a:fillRef idx="0">
+            <a:schemeClr val="dk1"/>
+          </a:fillRef>
+          <a:effectRef idx="2">
+            <a:schemeClr val="dk1"/>
+          </a:effectRef>
+          <a:fontRef idx="minor">
+            <a:schemeClr val="tx1"/>
+          </a:fontRef>
+        </p:style>
+      </p:cxnSp>
+      <p:sp>
+        <p:nvSpPr>
+          <p:cNvPr id="19" name="流程图: 或者 76">
+            <a:extLst>
+              <a:ext uri="{FF2B5EF4-FFF2-40B4-BE49-F238E27FC236}">
+                <a16:creationId xmlns:a16="http://schemas.microsoft.com/office/drawing/2014/main" id="{C1B1CC96-6611-5BD8-FB64-C522594809FB}"/>
+              </a:ext>
+            </a:extLst>
+          </p:cNvPr>
+          <p:cNvSpPr/>
+          <p:nvPr/>
+        </p:nvSpPr>
+        <p:spPr>
+          <a:xfrm>
+            <a:off x="3691276" y="4903982"/>
+            <a:ext cx="360000" cy="360000"/>
+          </a:xfrm>
+          <a:prstGeom prst="flowChartOr">
+            <a:avLst/>
+          </a:prstGeom>
+        </p:spPr>
+        <p:style>
+          <a:lnRef idx="2">
+            <a:schemeClr val="dk1"/>
+          </a:lnRef>
+          <a:fillRef idx="1">
+            <a:schemeClr val="lt1"/>
+          </a:fillRef>
+          <a:effectRef idx="0">
+            <a:schemeClr val="dk1"/>
+          </a:effectRef>
+          <a:fontRef idx="minor">
+            <a:schemeClr val="dk1"/>
+          </a:fontRef>
+        </p:style>
+        <p:txBody>
+          <a:bodyPr rtlCol="0" anchor="ctr"/>
+          <a:lstStyle/>
+          <a:p>
+            <a:pPr algn="ctr"/>
+            <a:endParaRPr lang="zh-CN" altLang="en-US">
+              <a:latin typeface="Times New Roman" panose="02020603050405020304" pitchFamily="18" charset="0"/>
+              <a:cs typeface="Times New Roman" panose="02020603050405020304" pitchFamily="18" charset="0"/>
+            </a:endParaRPr>
+          </a:p>
+        </p:txBody>
+      </p:sp>
+      <p:sp>
+        <p:nvSpPr>
+          <p:cNvPr id="20" name="矩形 77">
+            <a:extLst>
+              <a:ext uri="{FF2B5EF4-FFF2-40B4-BE49-F238E27FC236}">
+                <a16:creationId xmlns:a16="http://schemas.microsoft.com/office/drawing/2014/main" id="{81CFE47E-615E-3676-C898-CAC2DEF68E7D}"/>
+              </a:ext>
+            </a:extLst>
+          </p:cNvPr>
+          <p:cNvSpPr/>
+          <p:nvPr/>
+        </p:nvSpPr>
+        <p:spPr>
+          <a:xfrm>
+            <a:off x="4316221" y="4489205"/>
+            <a:ext cx="889890" cy="282804"/>
+          </a:xfrm>
+          <a:prstGeom prst="rect">
+            <a:avLst/>
+          </a:prstGeom>
+        </p:spPr>
+        <p:style>
+          <a:lnRef idx="2">
+            <a:schemeClr val="accent6">
+              <a:shade val="50000"/>
+            </a:schemeClr>
+          </a:lnRef>
+          <a:fillRef idx="1">
+            <a:schemeClr val="accent6"/>
+          </a:fillRef>
+          <a:effectRef idx="0">
+            <a:schemeClr val="accent6"/>
+          </a:effectRef>
+          <a:fontRef idx="minor">
+            <a:schemeClr val="lt1"/>
+          </a:fontRef>
+        </p:style>
+        <p:txBody>
+          <a:bodyPr rtlCol="0" anchor="ctr"/>
+          <a:lstStyle/>
+          <a:p>
+            <a:pPr algn="ctr"/>
+            <a:r>
+              <a:rPr lang="en-US" altLang="zh-CN" dirty="0">
+                <a:latin typeface="Times New Roman" panose="02020603050405020304" pitchFamily="18" charset="0"/>
+                <a:cs typeface="Times New Roman" panose="02020603050405020304" pitchFamily="18" charset="0"/>
+              </a:rPr>
+              <a:t>conv</a:t>
+            </a:r>
+            <a:endParaRPr lang="zh-CN" altLang="en-US" dirty="0">
+              <a:latin typeface="Times New Roman" panose="02020603050405020304" pitchFamily="18" charset="0"/>
+              <a:cs typeface="Times New Roman" panose="02020603050405020304" pitchFamily="18" charset="0"/>
+            </a:endParaRPr>
+          </a:p>
+        </p:txBody>
+      </p:sp>
+      <p:cxnSp>
+        <p:nvCxnSpPr>
+          <p:cNvPr id="21" name="连接符: 肘形 83">
+            <a:extLst>
+              <a:ext uri="{FF2B5EF4-FFF2-40B4-BE49-F238E27FC236}">
+                <a16:creationId xmlns:a16="http://schemas.microsoft.com/office/drawing/2014/main" id="{4D08F766-A378-4338-4552-946BB126301C}"/>
+              </a:ext>
+            </a:extLst>
+          </p:cNvPr>
+          <p:cNvCxnSpPr>
+            <a:cxnSpLocks/>
+            <a:stCxn id="20" idx="2"/>
+            <a:endCxn id="19" idx="6"/>
+          </p:cNvCxnSpPr>
+          <p:nvPr/>
+        </p:nvCxnSpPr>
+        <p:spPr>
+          <a:xfrm rot="5400000">
+            <a:off x="4250235" y="4573050"/>
+            <a:ext cx="311973" cy="709890"/>
+          </a:xfrm>
+          <a:prstGeom prst="bentConnector2">
+            <a:avLst/>
+          </a:prstGeom>
+          <a:ln>
+            <a:tailEnd type="triangle"/>
+          </a:ln>
+        </p:spPr>
+        <p:style>
+          <a:lnRef idx="3">
+            <a:schemeClr val="dk1"/>
+          </a:lnRef>
+          <a:fillRef idx="0">
+            <a:schemeClr val="dk1"/>
+          </a:fillRef>
+          <a:effectRef idx="2">
+            <a:schemeClr val="dk1"/>
+          </a:effectRef>
+          <a:fontRef idx="minor">
+            <a:schemeClr val="tx1"/>
+          </a:fontRef>
+        </p:style>
+      </p:cxnSp>
+      <p:cxnSp>
+        <p:nvCxnSpPr>
+          <p:cNvPr id="22" name="直接箭头连接符 84">
+            <a:extLst>
+              <a:ext uri="{FF2B5EF4-FFF2-40B4-BE49-F238E27FC236}">
+                <a16:creationId xmlns:a16="http://schemas.microsoft.com/office/drawing/2014/main" id="{27550406-59F7-3DFE-36EC-0A3F4E9C6519}"/>
+              </a:ext>
+            </a:extLst>
+          </p:cNvPr>
+          <p:cNvCxnSpPr>
+            <a:cxnSpLocks/>
+            <a:stCxn id="4" idx="2"/>
+            <a:endCxn id="19" idx="0"/>
+          </p:cNvCxnSpPr>
+          <p:nvPr/>
+        </p:nvCxnSpPr>
+        <p:spPr>
+          <a:xfrm>
+            <a:off x="3871276" y="1251097"/>
+            <a:ext cx="0" cy="3652885"/>
+          </a:xfrm>
+          <a:prstGeom prst="straightConnector1">
+            <a:avLst/>
+          </a:prstGeom>
+          <a:ln>
+            <a:tailEnd type="triangle"/>
+          </a:ln>
+        </p:spPr>
+        <p:style>
+          <a:lnRef idx="3">
+            <a:schemeClr val="dk1"/>
+          </a:lnRef>
+          <a:fillRef idx="0">
+            <a:schemeClr val="dk1"/>
+          </a:fillRef>
+          <a:effectRef idx="2">
+            <a:schemeClr val="dk1"/>
+          </a:effectRef>
+          <a:fontRef idx="minor">
+            <a:schemeClr val="tx1"/>
+          </a:fontRef>
+        </p:style>
+      </p:cxnSp>
+      <p:sp>
+        <p:nvSpPr>
+          <p:cNvPr id="23" name="矩形 87">
+            <a:extLst>
+              <a:ext uri="{FF2B5EF4-FFF2-40B4-BE49-F238E27FC236}">
+                <a16:creationId xmlns:a16="http://schemas.microsoft.com/office/drawing/2014/main" id="{EE2017C3-0D17-BD3D-BEF8-3F72D3247291}"/>
+              </a:ext>
+            </a:extLst>
+          </p:cNvPr>
+          <p:cNvSpPr/>
+          <p:nvPr/>
+        </p:nvSpPr>
+        <p:spPr>
+          <a:xfrm>
+            <a:off x="3426331" y="5631628"/>
+            <a:ext cx="889890" cy="282804"/>
+          </a:xfrm>
+          <a:prstGeom prst="rect">
+            <a:avLst/>
+          </a:prstGeom>
+        </p:spPr>
+        <p:style>
+          <a:lnRef idx="2">
+            <a:schemeClr val="accent6">
+              <a:shade val="50000"/>
+            </a:schemeClr>
+          </a:lnRef>
+          <a:fillRef idx="1">
+            <a:schemeClr val="accent6"/>
+          </a:fillRef>
+          <a:effectRef idx="0">
+            <a:schemeClr val="accent6"/>
+          </a:effectRef>
+          <a:fontRef idx="minor">
+            <a:schemeClr val="lt1"/>
+          </a:fontRef>
+        </p:style>
+        <p:txBody>
+          <a:bodyPr rtlCol="0" anchor="ctr"/>
+          <a:lstStyle/>
+          <a:p>
+            <a:pPr algn="ctr"/>
+            <a:r>
+              <a:rPr lang="en-US" altLang="zh-CN" dirty="0">
+                <a:latin typeface="Times New Roman" panose="02020603050405020304" pitchFamily="18" charset="0"/>
+                <a:cs typeface="Times New Roman" panose="02020603050405020304" pitchFamily="18" charset="0"/>
+              </a:rPr>
+              <a:t>conv</a:t>
+            </a:r>
+            <a:endParaRPr lang="zh-CN" altLang="en-US" dirty="0">
+              <a:latin typeface="Times New Roman" panose="02020603050405020304" pitchFamily="18" charset="0"/>
+              <a:cs typeface="Times New Roman" panose="02020603050405020304" pitchFamily="18" charset="0"/>
+            </a:endParaRPr>
+          </a:p>
+        </p:txBody>
+      </p:sp>
+      <p:sp>
+        <p:nvSpPr>
+          <p:cNvPr id="24" name="矩形 88">
+            <a:extLst>
+              <a:ext uri="{FF2B5EF4-FFF2-40B4-BE49-F238E27FC236}">
+                <a16:creationId xmlns:a16="http://schemas.microsoft.com/office/drawing/2014/main" id="{2E9188D6-F5ED-CDD3-9D92-C05EEB7F9237}"/>
+              </a:ext>
+            </a:extLst>
+          </p:cNvPr>
+          <p:cNvSpPr/>
+          <p:nvPr/>
+        </p:nvSpPr>
+        <p:spPr>
+          <a:xfrm>
+            <a:off x="3028520" y="5903226"/>
+            <a:ext cx="1534683" cy="282804"/>
+          </a:xfrm>
+          <a:prstGeom prst="rect">
+            <a:avLst/>
+          </a:prstGeom>
+        </p:spPr>
+        <p:style>
+          <a:lnRef idx="2">
+            <a:schemeClr val="dk1"/>
+          </a:lnRef>
+          <a:fillRef idx="1">
+            <a:schemeClr val="lt1"/>
+          </a:fillRef>
+          <a:effectRef idx="0">
+            <a:schemeClr val="dk1"/>
+          </a:effectRef>
+          <a:fontRef idx="minor">
+            <a:schemeClr val="dk1"/>
+          </a:fontRef>
+        </p:style>
+        <p:txBody>
+          <a:bodyPr rtlCol="0" anchor="ctr"/>
+          <a:lstStyle/>
+          <a:p>
+            <a:pPr algn="ctr"/>
+            <a:r>
+              <a:rPr lang="en-US" altLang="zh-CN" dirty="0">
+                <a:latin typeface="Times New Roman" panose="02020603050405020304" pitchFamily="18" charset="0"/>
+                <a:cs typeface="Times New Roman" panose="02020603050405020304" pitchFamily="18" charset="0"/>
+              </a:rPr>
+              <a:t>Pixel shuffle</a:t>
+            </a:r>
+            <a:endParaRPr lang="zh-CN" altLang="en-US" dirty="0">
+              <a:latin typeface="Times New Roman" panose="02020603050405020304" pitchFamily="18" charset="0"/>
+              <a:cs typeface="Times New Roman" panose="02020603050405020304" pitchFamily="18" charset="0"/>
+            </a:endParaRPr>
+          </a:p>
+        </p:txBody>
+      </p:sp>
+      <p:cxnSp>
+        <p:nvCxnSpPr>
+          <p:cNvPr id="25" name="直接箭头连接符 89">
+            <a:extLst>
+              <a:ext uri="{FF2B5EF4-FFF2-40B4-BE49-F238E27FC236}">
+                <a16:creationId xmlns:a16="http://schemas.microsoft.com/office/drawing/2014/main" id="{A2093BDB-3FB6-CEF4-6AA1-BC6DD7A46C84}"/>
+              </a:ext>
+            </a:extLst>
+          </p:cNvPr>
+          <p:cNvCxnSpPr>
+            <a:cxnSpLocks/>
+            <a:stCxn id="19" idx="4"/>
+            <a:endCxn id="23" idx="0"/>
+          </p:cNvCxnSpPr>
+          <p:nvPr/>
+        </p:nvCxnSpPr>
+        <p:spPr>
+          <a:xfrm>
+            <a:off x="3871276" y="5263982"/>
+            <a:ext cx="0" cy="367646"/>
+          </a:xfrm>
+          <a:prstGeom prst="straightConnector1">
+            <a:avLst/>
+          </a:prstGeom>
+          <a:ln>
+            <a:tailEnd type="triangle"/>
+          </a:ln>
+        </p:spPr>
+        <p:style>
+          <a:lnRef idx="3">
+            <a:schemeClr val="dk1"/>
+          </a:lnRef>
+          <a:fillRef idx="0">
+            <a:schemeClr val="dk1"/>
+          </a:fillRef>
+          <a:effectRef idx="2">
+            <a:schemeClr val="dk1"/>
+          </a:effectRef>
+          <a:fontRef idx="minor">
+            <a:schemeClr val="tx1"/>
+          </a:fontRef>
+        </p:style>
+      </p:cxnSp>
+      <p:sp>
+        <p:nvSpPr>
+          <p:cNvPr id="29" name="矩形 3">
+            <a:extLst>
+              <a:ext uri="{FF2B5EF4-FFF2-40B4-BE49-F238E27FC236}">
+                <a16:creationId xmlns:a16="http://schemas.microsoft.com/office/drawing/2014/main" id="{D072F42F-4853-4F61-190F-75964D92EE06}"/>
+              </a:ext>
+            </a:extLst>
+          </p:cNvPr>
+          <p:cNvSpPr/>
+          <p:nvPr/>
+        </p:nvSpPr>
+        <p:spPr>
+          <a:xfrm>
+            <a:off x="4316221" y="962690"/>
+            <a:ext cx="342275" cy="282804"/>
+          </a:xfrm>
+          <a:prstGeom prst="rect">
+            <a:avLst/>
+          </a:prstGeom>
+          <a:solidFill>
+            <a:schemeClr val="accent6">
+              <a:lumMod val="20000"/>
+              <a:lumOff val="80000"/>
+            </a:schemeClr>
+          </a:solidFill>
+          <a:ln>
+            <a:prstDash val="dash"/>
+          </a:ln>
+        </p:spPr>
+        <p:style>
+          <a:lnRef idx="2">
+            <a:schemeClr val="accent6">
+              <a:shade val="50000"/>
+            </a:schemeClr>
+          </a:lnRef>
+          <a:fillRef idx="1">
+            <a:schemeClr val="accent6"/>
+          </a:fillRef>
+          <a:effectRef idx="0">
+            <a:schemeClr val="accent6"/>
+          </a:effectRef>
+          <a:fontRef idx="minor">
+            <a:schemeClr val="lt1"/>
+          </a:fontRef>
+        </p:style>
+        <p:txBody>
+          <a:bodyPr rtlCol="0" anchor="ctr"/>
+          <a:lstStyle/>
+          <a:p>
+            <a:pPr algn="ctr"/>
+            <a:endParaRPr lang="zh-CN" altLang="en-US" dirty="0">
+              <a:latin typeface="Times New Roman" panose="02020603050405020304" pitchFamily="18" charset="0"/>
+              <a:cs typeface="Times New Roman" panose="02020603050405020304" pitchFamily="18" charset="0"/>
+            </a:endParaRPr>
+          </a:p>
+        </p:txBody>
+      </p:sp>
+      <p:sp>
+        <p:nvSpPr>
+          <p:cNvPr id="30" name="矩形 3">
+            <a:extLst>
+              <a:ext uri="{FF2B5EF4-FFF2-40B4-BE49-F238E27FC236}">
+                <a16:creationId xmlns:a16="http://schemas.microsoft.com/office/drawing/2014/main" id="{39BF2935-C8E8-58AA-5609-F4A8112059E5}"/>
+              </a:ext>
+            </a:extLst>
+          </p:cNvPr>
+          <p:cNvSpPr/>
+          <p:nvPr/>
+        </p:nvSpPr>
+        <p:spPr>
+          <a:xfrm>
+            <a:off x="5206110" y="4489204"/>
+            <a:ext cx="444945" cy="278278"/>
+          </a:xfrm>
+          <a:prstGeom prst="rect">
+            <a:avLst/>
+          </a:prstGeom>
+          <a:solidFill>
+            <a:schemeClr val="accent6">
+              <a:lumMod val="20000"/>
+              <a:lumOff val="80000"/>
+            </a:schemeClr>
+          </a:solidFill>
+          <a:ln>
+            <a:prstDash val="dash"/>
+          </a:ln>
+        </p:spPr>
+        <p:style>
+          <a:lnRef idx="2">
+            <a:schemeClr val="accent6">
+              <a:shade val="50000"/>
+            </a:schemeClr>
+          </a:lnRef>
+          <a:fillRef idx="1">
+            <a:schemeClr val="accent6"/>
+          </a:fillRef>
+          <a:effectRef idx="0">
+            <a:schemeClr val="accent6"/>
+          </a:effectRef>
+          <a:fontRef idx="minor">
+            <a:schemeClr val="lt1"/>
+          </a:fontRef>
+        </p:style>
+        <p:txBody>
+          <a:bodyPr rtlCol="0" anchor="ctr"/>
+          <a:lstStyle/>
+          <a:p>
+            <a:pPr algn="ctr"/>
+            <a:endParaRPr lang="zh-CN" altLang="en-US" dirty="0">
+              <a:latin typeface="Times New Roman" panose="02020603050405020304" pitchFamily="18" charset="0"/>
+              <a:cs typeface="Times New Roman" panose="02020603050405020304" pitchFamily="18" charset="0"/>
+            </a:endParaRPr>
+          </a:p>
+        </p:txBody>
+      </p:sp>
+      <p:sp>
+        <p:nvSpPr>
+          <p:cNvPr id="31" name="矩形 3">
+            <a:extLst>
+              <a:ext uri="{FF2B5EF4-FFF2-40B4-BE49-F238E27FC236}">
+                <a16:creationId xmlns:a16="http://schemas.microsoft.com/office/drawing/2014/main" id="{93C54093-4711-F51B-4FD8-10A7C301539B}"/>
+              </a:ext>
+            </a:extLst>
+          </p:cNvPr>
+          <p:cNvSpPr/>
+          <p:nvPr/>
+        </p:nvSpPr>
+        <p:spPr>
+          <a:xfrm>
+            <a:off x="4316220" y="5629475"/>
+            <a:ext cx="444942" cy="282804"/>
+          </a:xfrm>
+          <a:prstGeom prst="rect">
+            <a:avLst/>
+          </a:prstGeom>
+          <a:solidFill>
+            <a:schemeClr val="accent6">
+              <a:lumMod val="20000"/>
+              <a:lumOff val="80000"/>
+            </a:schemeClr>
+          </a:solidFill>
+          <a:ln>
+            <a:prstDash val="dash"/>
+          </a:ln>
+        </p:spPr>
+        <p:style>
+          <a:lnRef idx="2">
+            <a:schemeClr val="accent6">
+              <a:shade val="50000"/>
+            </a:schemeClr>
+          </a:lnRef>
+          <a:fillRef idx="1">
+            <a:schemeClr val="accent6"/>
+          </a:fillRef>
+          <a:effectRef idx="0">
+            <a:schemeClr val="accent6"/>
+          </a:effectRef>
+          <a:fontRef idx="minor">
+            <a:schemeClr val="lt1"/>
+          </a:fontRef>
+        </p:style>
+        <p:txBody>
+          <a:bodyPr rtlCol="0" anchor="ctr"/>
+          <a:lstStyle/>
+          <a:p>
+            <a:pPr algn="ctr"/>
+            <a:endParaRPr lang="zh-CN" altLang="en-US" dirty="0">
+              <a:latin typeface="Times New Roman" panose="02020603050405020304" pitchFamily="18" charset="0"/>
+              <a:cs typeface="Times New Roman" panose="02020603050405020304" pitchFamily="18" charset="0"/>
+            </a:endParaRPr>
+          </a:p>
+        </p:txBody>
+      </p:sp>
+      <p:sp>
+        <p:nvSpPr>
+          <p:cNvPr id="36" name="矩形 19">
+            <a:extLst>
+              <a:ext uri="{FF2B5EF4-FFF2-40B4-BE49-F238E27FC236}">
+                <a16:creationId xmlns:a16="http://schemas.microsoft.com/office/drawing/2014/main" id="{5EE0509C-5F71-DCC2-5F3A-66C3859A6870}"/>
+              </a:ext>
+            </a:extLst>
+          </p:cNvPr>
+          <p:cNvSpPr/>
+          <p:nvPr/>
+        </p:nvSpPr>
+        <p:spPr>
+          <a:xfrm>
+            <a:off x="5206110" y="4210928"/>
+            <a:ext cx="444945" cy="282804"/>
+          </a:xfrm>
+          <a:prstGeom prst="rect">
+            <a:avLst/>
+          </a:prstGeom>
+          <a:ln>
+            <a:prstDash val="dash"/>
+          </a:ln>
+        </p:spPr>
+        <p:style>
+          <a:lnRef idx="2">
+            <a:schemeClr val="dk1"/>
+          </a:lnRef>
+          <a:fillRef idx="1">
+            <a:schemeClr val="lt1"/>
+          </a:fillRef>
+          <a:effectRef idx="0">
+            <a:schemeClr val="dk1"/>
+          </a:effectRef>
+          <a:fontRef idx="minor">
+            <a:schemeClr val="dk1"/>
+          </a:fontRef>
+        </p:style>
+        <p:txBody>
+          <a:bodyPr rtlCol="0" anchor="ctr"/>
+          <a:lstStyle/>
+          <a:p>
+            <a:pPr algn="ctr"/>
+            <a:endParaRPr lang="zh-CN" altLang="en-US" dirty="0">
+              <a:latin typeface="Times New Roman" panose="02020603050405020304" pitchFamily="18" charset="0"/>
+              <a:cs typeface="Times New Roman" panose="02020603050405020304" pitchFamily="18" charset="0"/>
+            </a:endParaRPr>
+          </a:p>
+        </p:txBody>
+      </p:sp>
+      <p:sp>
+        <p:nvSpPr>
+          <p:cNvPr id="37" name="矩形 4">
+            <a:extLst>
+              <a:ext uri="{FF2B5EF4-FFF2-40B4-BE49-F238E27FC236}">
+                <a16:creationId xmlns:a16="http://schemas.microsoft.com/office/drawing/2014/main" id="{EFE954F0-B303-2D35-3BFC-46D3B449C3DF}"/>
+              </a:ext>
+            </a:extLst>
+          </p:cNvPr>
+          <p:cNvSpPr/>
+          <p:nvPr/>
+        </p:nvSpPr>
+        <p:spPr>
+          <a:xfrm>
+            <a:off x="5206110" y="1703101"/>
+            <a:ext cx="444945" cy="282804"/>
+          </a:xfrm>
+          <a:prstGeom prst="rect">
+            <a:avLst/>
+          </a:prstGeom>
+          <a:solidFill>
+            <a:schemeClr val="accent1">
+              <a:lumMod val="20000"/>
+              <a:lumOff val="80000"/>
+            </a:schemeClr>
+          </a:solidFill>
+          <a:ln>
+            <a:prstDash val="dash"/>
+          </a:ln>
+        </p:spPr>
+        <p:style>
+          <a:lnRef idx="2">
+            <a:schemeClr val="accent1">
+              <a:shade val="50000"/>
+            </a:schemeClr>
+          </a:lnRef>
+          <a:fillRef idx="1">
+            <a:schemeClr val="accent1"/>
+          </a:fillRef>
+          <a:effectRef idx="0">
+            <a:schemeClr val="accent1"/>
+          </a:effectRef>
+          <a:fontRef idx="minor">
+            <a:schemeClr val="lt1"/>
+          </a:fontRef>
+        </p:style>
+        <p:txBody>
+          <a:bodyPr rtlCol="0" anchor="ctr"/>
+          <a:lstStyle/>
+          <a:p>
+            <a:pPr algn="ctr"/>
+            <a:endParaRPr lang="zh-CN" altLang="en-US" dirty="0">
+              <a:latin typeface="Times New Roman" panose="02020603050405020304" pitchFamily="18" charset="0"/>
+              <a:cs typeface="Times New Roman" panose="02020603050405020304" pitchFamily="18" charset="0"/>
+            </a:endParaRPr>
+          </a:p>
+        </p:txBody>
+      </p:sp>
+      <p:sp>
+        <p:nvSpPr>
+          <p:cNvPr id="38" name="矩形 4">
+            <a:extLst>
+              <a:ext uri="{FF2B5EF4-FFF2-40B4-BE49-F238E27FC236}">
+                <a16:creationId xmlns:a16="http://schemas.microsoft.com/office/drawing/2014/main" id="{2EBCFCA9-E2F6-823E-D842-0F345C1F8305}"/>
+              </a:ext>
+            </a:extLst>
+          </p:cNvPr>
+          <p:cNvSpPr/>
+          <p:nvPr/>
+        </p:nvSpPr>
+        <p:spPr>
+          <a:xfrm>
+            <a:off x="6096002" y="2326689"/>
+            <a:ext cx="444943" cy="282804"/>
+          </a:xfrm>
+          <a:prstGeom prst="rect">
+            <a:avLst/>
+          </a:prstGeom>
+          <a:solidFill>
+            <a:schemeClr val="accent1">
+              <a:lumMod val="20000"/>
+              <a:lumOff val="80000"/>
+            </a:schemeClr>
+          </a:solidFill>
+          <a:ln>
+            <a:prstDash val="dash"/>
+          </a:ln>
+        </p:spPr>
+        <p:style>
+          <a:lnRef idx="2">
+            <a:schemeClr val="accent1">
+              <a:shade val="50000"/>
+            </a:schemeClr>
+          </a:lnRef>
+          <a:fillRef idx="1">
+            <a:schemeClr val="accent1"/>
+          </a:fillRef>
+          <a:effectRef idx="0">
+            <a:schemeClr val="accent1"/>
+          </a:effectRef>
+          <a:fontRef idx="minor">
+            <a:schemeClr val="lt1"/>
+          </a:fontRef>
+        </p:style>
+        <p:txBody>
+          <a:bodyPr rtlCol="0" anchor="ctr"/>
+          <a:lstStyle/>
+          <a:p>
+            <a:pPr algn="ctr"/>
+            <a:endParaRPr lang="zh-CN" altLang="en-US" dirty="0">
+              <a:latin typeface="Times New Roman" panose="02020603050405020304" pitchFamily="18" charset="0"/>
+              <a:cs typeface="Times New Roman" panose="02020603050405020304" pitchFamily="18" charset="0"/>
+            </a:endParaRPr>
+          </a:p>
+        </p:txBody>
+      </p:sp>
+      <p:sp>
+        <p:nvSpPr>
+          <p:cNvPr id="39" name="矩形 4">
+            <a:extLst>
+              <a:ext uri="{FF2B5EF4-FFF2-40B4-BE49-F238E27FC236}">
+                <a16:creationId xmlns:a16="http://schemas.microsoft.com/office/drawing/2014/main" id="{8B9D32C3-0A35-B677-FDD4-CD712A7F2BB9}"/>
+              </a:ext>
+            </a:extLst>
+          </p:cNvPr>
+          <p:cNvSpPr/>
+          <p:nvPr/>
+        </p:nvSpPr>
+        <p:spPr>
+          <a:xfrm>
+            <a:off x="6985890" y="2958921"/>
+            <a:ext cx="444945" cy="282804"/>
+          </a:xfrm>
+          <a:prstGeom prst="rect">
+            <a:avLst/>
+          </a:prstGeom>
+          <a:solidFill>
+            <a:schemeClr val="accent1">
+              <a:lumMod val="20000"/>
+              <a:lumOff val="80000"/>
+            </a:schemeClr>
+          </a:solidFill>
+          <a:ln>
+            <a:prstDash val="dash"/>
+          </a:ln>
+        </p:spPr>
+        <p:style>
+          <a:lnRef idx="2">
+            <a:schemeClr val="accent1">
+              <a:shade val="50000"/>
+            </a:schemeClr>
+          </a:lnRef>
+          <a:fillRef idx="1">
+            <a:schemeClr val="accent1"/>
+          </a:fillRef>
+          <a:effectRef idx="0">
+            <a:schemeClr val="accent1"/>
+          </a:effectRef>
+          <a:fontRef idx="minor">
+            <a:schemeClr val="lt1"/>
+          </a:fontRef>
+        </p:style>
+        <p:txBody>
+          <a:bodyPr rtlCol="0" anchor="ctr"/>
+          <a:lstStyle/>
+          <a:p>
+            <a:pPr algn="ctr"/>
+            <a:endParaRPr lang="zh-CN" altLang="en-US" dirty="0">
+              <a:latin typeface="Times New Roman" panose="02020603050405020304" pitchFamily="18" charset="0"/>
+              <a:cs typeface="Times New Roman" panose="02020603050405020304" pitchFamily="18" charset="0"/>
+            </a:endParaRPr>
+          </a:p>
+        </p:txBody>
+      </p:sp>
+      <p:sp>
+        <p:nvSpPr>
+          <p:cNvPr id="40" name="矩形 4">
+            <a:extLst>
+              <a:ext uri="{FF2B5EF4-FFF2-40B4-BE49-F238E27FC236}">
+                <a16:creationId xmlns:a16="http://schemas.microsoft.com/office/drawing/2014/main" id="{7BD7C6BC-6A92-8EC9-0241-46001339C4B9}"/>
+              </a:ext>
+            </a:extLst>
+          </p:cNvPr>
+          <p:cNvSpPr/>
+          <p:nvPr/>
+        </p:nvSpPr>
+        <p:spPr>
+          <a:xfrm>
+            <a:off x="7875781" y="3583816"/>
+            <a:ext cx="444945" cy="281649"/>
+          </a:xfrm>
+          <a:prstGeom prst="rect">
+            <a:avLst/>
+          </a:prstGeom>
+          <a:solidFill>
+            <a:schemeClr val="accent1">
+              <a:lumMod val="20000"/>
+              <a:lumOff val="80000"/>
+            </a:schemeClr>
+          </a:solidFill>
+          <a:ln>
+            <a:prstDash val="dash"/>
+          </a:ln>
+        </p:spPr>
+        <p:style>
+          <a:lnRef idx="2">
+            <a:schemeClr val="accent1">
+              <a:shade val="50000"/>
+            </a:schemeClr>
+          </a:lnRef>
+          <a:fillRef idx="1">
+            <a:schemeClr val="accent1"/>
+          </a:fillRef>
+          <a:effectRef idx="0">
+            <a:schemeClr val="accent1"/>
+          </a:effectRef>
+          <a:fontRef idx="minor">
+            <a:schemeClr val="lt1"/>
+          </a:fontRef>
+        </p:style>
+        <p:txBody>
+          <a:bodyPr rtlCol="0" anchor="ctr"/>
+          <a:lstStyle/>
+          <a:p>
+            <a:pPr algn="ctr"/>
+            <a:endParaRPr lang="zh-CN" altLang="en-US" dirty="0">
+              <a:latin typeface="Times New Roman" panose="02020603050405020304" pitchFamily="18" charset="0"/>
+              <a:cs typeface="Times New Roman" panose="02020603050405020304" pitchFamily="18" charset="0"/>
+            </a:endParaRPr>
+          </a:p>
+        </p:txBody>
+      </p:sp>
+    </p:spTree>
+    <p:extLst>
+      <p:ext uri="{BB962C8B-B14F-4D97-AF65-F5344CB8AC3E}">
+        <p14:creationId xmlns:p14="http://schemas.microsoft.com/office/powerpoint/2010/main" val="1647268571"/>
+      </p:ext>
+    </p:extLst>
+  </p:cSld>
+  <p:clrMapOvr>
+    <a:masterClrMapping/>
+  </p:clrMapOvr>
+</p:sld>
+</file>
+
+<file path=ppt/slides/slide6.xml><?xml version="1.0" encoding="utf-8"?>
+<p:sld xmlns:a="http://schemas.openxmlformats.org/drawingml/2006/main" xmlns:r="http://schemas.openxmlformats.org/officeDocument/2006/relationships" xmlns:p="http://schemas.openxmlformats.org/presentationml/2006/main">
+  <p:cSld>
+    <p:spTree>
+      <p:nvGrpSpPr>
+        <p:cNvPr id="1" name=""/>
+        <p:cNvGrpSpPr/>
+        <p:nvPr/>
+      </p:nvGrpSpPr>
+      <p:grpSpPr>
+        <a:xfrm>
+          <a:off x="0" y="0"/>
+          <a:ext cx="0" cy="0"/>
+          <a:chOff x="0" y="0"/>
+          <a:chExt cx="0" cy="0"/>
+        </a:xfrm>
+      </p:grpSpPr>
+      <p:sp>
+        <p:nvSpPr>
+          <p:cNvPr id="4" name="矩形 3">
+            <a:extLst>
+              <a:ext uri="{FF2B5EF4-FFF2-40B4-BE49-F238E27FC236}">
+                <a16:creationId xmlns:a16="http://schemas.microsoft.com/office/drawing/2014/main" id="{332E362C-BFF2-E1F1-3BF2-88DEEC0A61AB}"/>
+              </a:ext>
+            </a:extLst>
+          </p:cNvPr>
+          <p:cNvSpPr/>
+          <p:nvPr/>
+        </p:nvSpPr>
+        <p:spPr>
+          <a:xfrm>
+            <a:off x="3426331" y="968293"/>
+            <a:ext cx="889890" cy="282804"/>
+          </a:xfrm>
+          <a:prstGeom prst="rect">
+            <a:avLst/>
+          </a:prstGeom>
+        </p:spPr>
+        <p:style>
+          <a:lnRef idx="2">
+            <a:schemeClr val="accent6">
+              <a:shade val="50000"/>
+            </a:schemeClr>
+          </a:lnRef>
+          <a:fillRef idx="1">
+            <a:schemeClr val="accent6"/>
+          </a:fillRef>
+          <a:effectRef idx="0">
+            <a:schemeClr val="accent6"/>
+          </a:effectRef>
+          <a:fontRef idx="minor">
+            <a:schemeClr val="lt1"/>
+          </a:fontRef>
+        </p:style>
+        <p:txBody>
+          <a:bodyPr rtlCol="0" anchor="ctr"/>
+          <a:lstStyle/>
+          <a:p>
+            <a:pPr algn="ctr"/>
+            <a:r>
+              <a:rPr lang="en-US" altLang="zh-CN" dirty="0">
+                <a:latin typeface="Times New Roman" panose="02020603050405020304" pitchFamily="18" charset="0"/>
+                <a:cs typeface="Times New Roman" panose="02020603050405020304" pitchFamily="18" charset="0"/>
+              </a:rPr>
+              <a:t>conv</a:t>
+            </a:r>
+            <a:endParaRPr lang="zh-CN" altLang="en-US" dirty="0">
+              <a:latin typeface="Times New Roman" panose="02020603050405020304" pitchFamily="18" charset="0"/>
+              <a:cs typeface="Times New Roman" panose="02020603050405020304" pitchFamily="18" charset="0"/>
+            </a:endParaRPr>
+          </a:p>
+        </p:txBody>
+      </p:sp>
+      <p:sp>
+        <p:nvSpPr>
+          <p:cNvPr id="5" name="矩形 4">
+            <a:extLst>
+              <a:ext uri="{FF2B5EF4-FFF2-40B4-BE49-F238E27FC236}">
+                <a16:creationId xmlns:a16="http://schemas.microsoft.com/office/drawing/2014/main" id="{86B57FEB-8E65-014B-E6A4-305A51975AF2}"/>
+              </a:ext>
+            </a:extLst>
+          </p:cNvPr>
+          <p:cNvSpPr/>
+          <p:nvPr/>
+        </p:nvSpPr>
+        <p:spPr>
+          <a:xfrm>
+            <a:off x="4316221" y="1711441"/>
+            <a:ext cx="889890" cy="282804"/>
+          </a:xfrm>
+          <a:prstGeom prst="rect">
+            <a:avLst/>
+          </a:prstGeom>
+        </p:spPr>
+        <p:style>
+          <a:lnRef idx="2">
+            <a:schemeClr val="accent1">
+              <a:shade val="50000"/>
+            </a:schemeClr>
+          </a:lnRef>
+          <a:fillRef idx="1">
+            <a:schemeClr val="accent1"/>
+          </a:fillRef>
+          <a:effectRef idx="0">
+            <a:schemeClr val="accent1"/>
+          </a:effectRef>
+          <a:fontRef idx="minor">
+            <a:schemeClr val="lt1"/>
+          </a:fontRef>
+        </p:style>
+        <p:txBody>
+          <a:bodyPr rtlCol="0" anchor="ctr"/>
+          <a:lstStyle/>
+          <a:p>
+            <a:pPr algn="ctr"/>
+            <a:r>
+              <a:rPr lang="en-US" altLang="zh-CN" dirty="0">
+                <a:latin typeface="Times New Roman" panose="02020603050405020304" pitchFamily="18" charset="0"/>
+                <a:cs typeface="Times New Roman" panose="02020603050405020304" pitchFamily="18" charset="0"/>
+              </a:rPr>
+              <a:t>RFDB</a:t>
+            </a:r>
+            <a:endParaRPr lang="zh-CN" altLang="en-US" dirty="0">
+              <a:latin typeface="Times New Roman" panose="02020603050405020304" pitchFamily="18" charset="0"/>
+              <a:cs typeface="Times New Roman" panose="02020603050405020304" pitchFamily="18" charset="0"/>
+            </a:endParaRPr>
+          </a:p>
+        </p:txBody>
+      </p:sp>
+      <p:sp>
+        <p:nvSpPr>
+          <p:cNvPr id="6" name="矩形 5">
+            <a:extLst>
+              <a:ext uri="{FF2B5EF4-FFF2-40B4-BE49-F238E27FC236}">
+                <a16:creationId xmlns:a16="http://schemas.microsoft.com/office/drawing/2014/main" id="{153D13F0-3CD4-634B-C8A6-5DAB3A71CECA}"/>
+              </a:ext>
+            </a:extLst>
+          </p:cNvPr>
+          <p:cNvSpPr/>
+          <p:nvPr/>
+        </p:nvSpPr>
+        <p:spPr>
+          <a:xfrm>
+            <a:off x="5206111" y="2335181"/>
+            <a:ext cx="889890" cy="282804"/>
+          </a:xfrm>
+          <a:prstGeom prst="rect">
+            <a:avLst/>
+          </a:prstGeom>
+        </p:spPr>
+        <p:style>
+          <a:lnRef idx="2">
+            <a:schemeClr val="accent1">
+              <a:shade val="50000"/>
+            </a:schemeClr>
+          </a:lnRef>
+          <a:fillRef idx="1">
+            <a:schemeClr val="accent1"/>
+          </a:fillRef>
+          <a:effectRef idx="0">
+            <a:schemeClr val="accent1"/>
+          </a:effectRef>
+          <a:fontRef idx="minor">
+            <a:schemeClr val="lt1"/>
+          </a:fontRef>
+        </p:style>
+        <p:txBody>
+          <a:bodyPr rtlCol="0" anchor="ctr"/>
+          <a:lstStyle/>
+          <a:p>
+            <a:pPr algn="ctr"/>
+            <a:r>
+              <a:rPr lang="en-US" altLang="zh-CN" dirty="0">
+                <a:latin typeface="Times New Roman" panose="02020603050405020304" pitchFamily="18" charset="0"/>
+                <a:cs typeface="Times New Roman" panose="02020603050405020304" pitchFamily="18" charset="0"/>
+              </a:rPr>
+              <a:t>RFDB</a:t>
+            </a:r>
+            <a:endParaRPr lang="zh-CN" altLang="en-US" dirty="0">
+              <a:latin typeface="Times New Roman" panose="02020603050405020304" pitchFamily="18" charset="0"/>
+              <a:cs typeface="Times New Roman" panose="02020603050405020304" pitchFamily="18" charset="0"/>
+            </a:endParaRPr>
+          </a:p>
+        </p:txBody>
+      </p:sp>
+      <p:sp>
+        <p:nvSpPr>
+          <p:cNvPr id="7" name="矩形 6">
+            <a:extLst>
+              <a:ext uri="{FF2B5EF4-FFF2-40B4-BE49-F238E27FC236}">
+                <a16:creationId xmlns:a16="http://schemas.microsoft.com/office/drawing/2014/main" id="{12813BB9-E2C2-F2C7-BE10-04B592DDB247}"/>
+              </a:ext>
+            </a:extLst>
+          </p:cNvPr>
+          <p:cNvSpPr/>
+          <p:nvPr/>
+        </p:nvSpPr>
+        <p:spPr>
+          <a:xfrm>
+            <a:off x="6096002" y="2958921"/>
+            <a:ext cx="889890" cy="282804"/>
+          </a:xfrm>
+          <a:prstGeom prst="rect">
+            <a:avLst/>
+          </a:prstGeom>
+        </p:spPr>
+        <p:style>
+          <a:lnRef idx="2">
+            <a:schemeClr val="accent1">
+              <a:shade val="50000"/>
+            </a:schemeClr>
+          </a:lnRef>
+          <a:fillRef idx="1">
+            <a:schemeClr val="accent1"/>
+          </a:fillRef>
+          <a:effectRef idx="0">
+            <a:schemeClr val="accent1"/>
+          </a:effectRef>
+          <a:fontRef idx="minor">
+            <a:schemeClr val="lt1"/>
+          </a:fontRef>
+        </p:style>
+        <p:txBody>
+          <a:bodyPr rtlCol="0" anchor="ctr"/>
+          <a:lstStyle/>
+          <a:p>
+            <a:pPr algn="ctr"/>
+            <a:r>
+              <a:rPr lang="en-US" altLang="zh-CN" dirty="0">
+                <a:latin typeface="Times New Roman" panose="02020603050405020304" pitchFamily="18" charset="0"/>
+                <a:cs typeface="Times New Roman" panose="02020603050405020304" pitchFamily="18" charset="0"/>
+              </a:rPr>
+              <a:t>RFDB</a:t>
+            </a:r>
+            <a:endParaRPr lang="zh-CN" altLang="en-US" dirty="0">
+              <a:latin typeface="Times New Roman" panose="02020603050405020304" pitchFamily="18" charset="0"/>
+              <a:cs typeface="Times New Roman" panose="02020603050405020304" pitchFamily="18" charset="0"/>
+            </a:endParaRPr>
+          </a:p>
+        </p:txBody>
+      </p:sp>
+      <p:sp>
+        <p:nvSpPr>
+          <p:cNvPr id="8" name="矩形 7">
+            <a:extLst>
+              <a:ext uri="{FF2B5EF4-FFF2-40B4-BE49-F238E27FC236}">
+                <a16:creationId xmlns:a16="http://schemas.microsoft.com/office/drawing/2014/main" id="{1CCBF19D-0C05-BE58-5EF4-39F7AFDE91B6}"/>
+              </a:ext>
+            </a:extLst>
+          </p:cNvPr>
+          <p:cNvSpPr/>
+          <p:nvPr/>
+        </p:nvSpPr>
+        <p:spPr>
+          <a:xfrm>
+            <a:off x="6985892" y="3582661"/>
+            <a:ext cx="889890" cy="282804"/>
+          </a:xfrm>
+          <a:prstGeom prst="rect">
+            <a:avLst/>
+          </a:prstGeom>
+        </p:spPr>
+        <p:style>
+          <a:lnRef idx="2">
+            <a:schemeClr val="accent1">
+              <a:shade val="50000"/>
+            </a:schemeClr>
+          </a:lnRef>
+          <a:fillRef idx="1">
+            <a:schemeClr val="accent1"/>
+          </a:fillRef>
+          <a:effectRef idx="0">
+            <a:schemeClr val="accent1"/>
+          </a:effectRef>
+          <a:fontRef idx="minor">
+            <a:schemeClr val="lt1"/>
+          </a:fontRef>
+        </p:style>
+        <p:txBody>
+          <a:bodyPr rtlCol="0" anchor="ctr"/>
+          <a:lstStyle/>
+          <a:p>
+            <a:pPr algn="ctr"/>
+            <a:r>
+              <a:rPr lang="en-US" altLang="zh-CN" dirty="0">
+                <a:latin typeface="Times New Roman" panose="02020603050405020304" pitchFamily="18" charset="0"/>
+                <a:cs typeface="Times New Roman" panose="02020603050405020304" pitchFamily="18" charset="0"/>
+              </a:rPr>
+              <a:t>RFDB</a:t>
+            </a:r>
+            <a:endParaRPr lang="zh-CN" altLang="en-US" dirty="0">
+              <a:latin typeface="Times New Roman" panose="02020603050405020304" pitchFamily="18" charset="0"/>
+              <a:cs typeface="Times New Roman" panose="02020603050405020304" pitchFamily="18" charset="0"/>
+            </a:endParaRPr>
+          </a:p>
+        </p:txBody>
+      </p:sp>
+      <p:cxnSp>
+        <p:nvCxnSpPr>
+          <p:cNvPr id="9" name="直接箭头连接符 9">
+            <a:extLst>
+              <a:ext uri="{FF2B5EF4-FFF2-40B4-BE49-F238E27FC236}">
+                <a16:creationId xmlns:a16="http://schemas.microsoft.com/office/drawing/2014/main" id="{8AD8CCFE-B46F-89C7-B4BA-A688C82B7A34}"/>
+              </a:ext>
+            </a:extLst>
+          </p:cNvPr>
+          <p:cNvCxnSpPr>
+            <a:cxnSpLocks/>
+            <a:stCxn id="4" idx="2"/>
+            <a:endCxn id="5" idx="0"/>
+          </p:cNvCxnSpPr>
+          <p:nvPr/>
+        </p:nvCxnSpPr>
+        <p:spPr>
+          <a:xfrm>
+            <a:off x="3871276" y="1251097"/>
+            <a:ext cx="889890" cy="460344"/>
+          </a:xfrm>
+          <a:prstGeom prst="straightConnector1">
+            <a:avLst/>
+          </a:prstGeom>
+          <a:ln>
+            <a:tailEnd type="triangle"/>
+          </a:ln>
+        </p:spPr>
+        <p:style>
+          <a:lnRef idx="3">
+            <a:schemeClr val="dk1"/>
+          </a:lnRef>
+          <a:fillRef idx="0">
+            <a:schemeClr val="dk1"/>
+          </a:fillRef>
+          <a:effectRef idx="2">
+            <a:schemeClr val="dk1"/>
+          </a:effectRef>
+          <a:fontRef idx="minor">
+            <a:schemeClr val="tx1"/>
+          </a:fontRef>
+        </p:style>
+      </p:cxnSp>
+      <p:cxnSp>
+        <p:nvCxnSpPr>
+          <p:cNvPr id="10" name="直接箭头连接符 10">
+            <a:extLst>
+              <a:ext uri="{FF2B5EF4-FFF2-40B4-BE49-F238E27FC236}">
+                <a16:creationId xmlns:a16="http://schemas.microsoft.com/office/drawing/2014/main" id="{7E3E0A42-BCBB-21C1-EC42-6727D356913D}"/>
+              </a:ext>
+            </a:extLst>
+          </p:cNvPr>
+          <p:cNvCxnSpPr>
+            <a:cxnSpLocks/>
+            <a:stCxn id="5" idx="2"/>
+            <a:endCxn id="6" idx="0"/>
+          </p:cNvCxnSpPr>
+          <p:nvPr/>
+        </p:nvCxnSpPr>
+        <p:spPr>
+          <a:xfrm>
+            <a:off x="4761166" y="1994245"/>
+            <a:ext cx="889890" cy="340936"/>
+          </a:xfrm>
+          <a:prstGeom prst="straightConnector1">
+            <a:avLst/>
+          </a:prstGeom>
+          <a:ln>
+            <a:tailEnd type="triangle"/>
+          </a:ln>
+        </p:spPr>
+        <p:style>
+          <a:lnRef idx="3">
+            <a:schemeClr val="dk1"/>
+          </a:lnRef>
+          <a:fillRef idx="0">
+            <a:schemeClr val="dk1"/>
+          </a:fillRef>
+          <a:effectRef idx="2">
+            <a:schemeClr val="dk1"/>
+          </a:effectRef>
+          <a:fontRef idx="minor">
+            <a:schemeClr val="tx1"/>
+          </a:fontRef>
+        </p:style>
+      </p:cxnSp>
+      <p:cxnSp>
+        <p:nvCxnSpPr>
+          <p:cNvPr id="11" name="直接箭头连接符 13">
+            <a:extLst>
+              <a:ext uri="{FF2B5EF4-FFF2-40B4-BE49-F238E27FC236}">
+                <a16:creationId xmlns:a16="http://schemas.microsoft.com/office/drawing/2014/main" id="{9B78E344-61B3-AED4-38B6-6795B571436B}"/>
+              </a:ext>
+            </a:extLst>
+          </p:cNvPr>
+          <p:cNvCxnSpPr>
+            <a:cxnSpLocks/>
+            <a:stCxn id="6" idx="2"/>
+            <a:endCxn id="7" idx="0"/>
+          </p:cNvCxnSpPr>
+          <p:nvPr/>
+        </p:nvCxnSpPr>
+        <p:spPr>
+          <a:xfrm>
+            <a:off x="5651057" y="2617985"/>
+            <a:ext cx="889890" cy="340936"/>
+          </a:xfrm>
+          <a:prstGeom prst="straightConnector1">
+            <a:avLst/>
+          </a:prstGeom>
+          <a:ln>
+            <a:tailEnd type="triangle"/>
+          </a:ln>
+        </p:spPr>
+        <p:style>
+          <a:lnRef idx="3">
+            <a:schemeClr val="dk1"/>
+          </a:lnRef>
+          <a:fillRef idx="0">
+            <a:schemeClr val="dk1"/>
+          </a:fillRef>
+          <a:effectRef idx="2">
+            <a:schemeClr val="dk1"/>
+          </a:effectRef>
+          <a:fontRef idx="minor">
+            <a:schemeClr val="tx1"/>
+          </a:fontRef>
+        </p:style>
+      </p:cxnSp>
+      <p:cxnSp>
+        <p:nvCxnSpPr>
+          <p:cNvPr id="12" name="直接箭头连接符 16">
+            <a:extLst>
+              <a:ext uri="{FF2B5EF4-FFF2-40B4-BE49-F238E27FC236}">
+                <a16:creationId xmlns:a16="http://schemas.microsoft.com/office/drawing/2014/main" id="{B34FB93D-F2BE-BF83-A75D-5D6E39F43D29}"/>
+              </a:ext>
+            </a:extLst>
+          </p:cNvPr>
+          <p:cNvCxnSpPr>
+            <a:cxnSpLocks/>
+            <a:stCxn id="7" idx="2"/>
+            <a:endCxn id="8" idx="0"/>
+          </p:cNvCxnSpPr>
+          <p:nvPr/>
+        </p:nvCxnSpPr>
+        <p:spPr>
+          <a:xfrm>
+            <a:off x="6540947" y="3241725"/>
+            <a:ext cx="889890" cy="340936"/>
+          </a:xfrm>
+          <a:prstGeom prst="straightConnector1">
+            <a:avLst/>
+          </a:prstGeom>
+          <a:ln>
+            <a:tailEnd type="triangle"/>
+          </a:ln>
+        </p:spPr>
+        <p:style>
+          <a:lnRef idx="3">
+            <a:schemeClr val="dk1"/>
+          </a:lnRef>
+          <a:fillRef idx="0">
+            <a:schemeClr val="dk1"/>
+          </a:fillRef>
+          <a:effectRef idx="2">
+            <a:schemeClr val="dk1"/>
+          </a:effectRef>
+          <a:fontRef idx="minor">
+            <a:schemeClr val="tx1"/>
+          </a:fontRef>
+        </p:style>
+      </p:cxnSp>
+      <p:sp>
+        <p:nvSpPr>
+          <p:cNvPr id="13" name="矩形 19">
+            <a:extLst>
+              <a:ext uri="{FF2B5EF4-FFF2-40B4-BE49-F238E27FC236}">
+                <a16:creationId xmlns:a16="http://schemas.microsoft.com/office/drawing/2014/main" id="{3C7DF652-3E9E-9B36-7054-C5DCB816CC3C}"/>
+              </a:ext>
+            </a:extLst>
+          </p:cNvPr>
+          <p:cNvSpPr/>
+          <p:nvPr/>
+        </p:nvSpPr>
+        <p:spPr>
+          <a:xfrm>
+            <a:off x="4316221" y="4206401"/>
+            <a:ext cx="889890" cy="282804"/>
+          </a:xfrm>
+          <a:prstGeom prst="rect">
+            <a:avLst/>
+          </a:prstGeom>
+        </p:spPr>
+        <p:style>
+          <a:lnRef idx="2">
+            <a:schemeClr val="dk1"/>
+          </a:lnRef>
+          <a:fillRef idx="1">
+            <a:schemeClr val="lt1"/>
+          </a:fillRef>
+          <a:effectRef idx="0">
+            <a:schemeClr val="dk1"/>
+          </a:effectRef>
+          <a:fontRef idx="minor">
+            <a:schemeClr val="dk1"/>
+          </a:fontRef>
+        </p:style>
+        <p:txBody>
+          <a:bodyPr rtlCol="0" anchor="ctr"/>
+          <a:lstStyle/>
+          <a:p>
+            <a:pPr algn="ctr"/>
+            <a:r>
+              <a:rPr lang="en-US" altLang="zh-CN" dirty="0" err="1">
+                <a:latin typeface="Times New Roman" panose="02020603050405020304" pitchFamily="18" charset="0"/>
+                <a:cs typeface="Times New Roman" panose="02020603050405020304" pitchFamily="18" charset="0"/>
+              </a:rPr>
+              <a:t>concat</a:t>
+            </a:r>
+            <a:endParaRPr lang="zh-CN" altLang="en-US" dirty="0">
+              <a:latin typeface="Times New Roman" panose="02020603050405020304" pitchFamily="18" charset="0"/>
+              <a:cs typeface="Times New Roman" panose="02020603050405020304" pitchFamily="18" charset="0"/>
+            </a:endParaRPr>
+          </a:p>
+        </p:txBody>
+      </p:sp>
+      <p:cxnSp>
+        <p:nvCxnSpPr>
+          <p:cNvPr id="14" name="直接箭头连接符 20">
+            <a:extLst>
+              <a:ext uri="{FF2B5EF4-FFF2-40B4-BE49-F238E27FC236}">
+                <a16:creationId xmlns:a16="http://schemas.microsoft.com/office/drawing/2014/main" id="{1E645016-2D1B-69A8-DC04-9B11BC350422}"/>
+              </a:ext>
+            </a:extLst>
+          </p:cNvPr>
+          <p:cNvCxnSpPr>
+            <a:cxnSpLocks/>
+            <a:stCxn id="8" idx="2"/>
+            <a:endCxn id="13" idx="0"/>
+          </p:cNvCxnSpPr>
+          <p:nvPr/>
+        </p:nvCxnSpPr>
+        <p:spPr>
+          <a:xfrm flipH="1">
+            <a:off x="4761166" y="3865465"/>
+            <a:ext cx="2669671" cy="340936"/>
+          </a:xfrm>
+          <a:prstGeom prst="straightConnector1">
+            <a:avLst/>
+          </a:prstGeom>
+          <a:ln>
+            <a:tailEnd type="triangle"/>
+          </a:ln>
+        </p:spPr>
+        <p:style>
+          <a:lnRef idx="3">
+            <a:schemeClr val="dk1"/>
+          </a:lnRef>
+          <a:fillRef idx="0">
+            <a:schemeClr val="dk1"/>
+          </a:fillRef>
+          <a:effectRef idx="2">
+            <a:schemeClr val="dk1"/>
+          </a:effectRef>
+          <a:fontRef idx="minor">
+            <a:schemeClr val="tx1"/>
+          </a:fontRef>
+        </p:style>
+      </p:cxnSp>
+      <p:cxnSp>
+        <p:nvCxnSpPr>
+          <p:cNvPr id="15" name="直接箭头连接符 23">
+            <a:extLst>
+              <a:ext uri="{FF2B5EF4-FFF2-40B4-BE49-F238E27FC236}">
+                <a16:creationId xmlns:a16="http://schemas.microsoft.com/office/drawing/2014/main" id="{751940B0-5541-23F7-D48B-E3CEA616FC96}"/>
+              </a:ext>
+            </a:extLst>
+          </p:cNvPr>
+          <p:cNvCxnSpPr>
+            <a:cxnSpLocks/>
+            <a:endCxn id="4" idx="0"/>
+          </p:cNvCxnSpPr>
+          <p:nvPr/>
+        </p:nvCxnSpPr>
+        <p:spPr>
+          <a:xfrm>
+            <a:off x="3871276" y="534660"/>
+            <a:ext cx="0" cy="433633"/>
+          </a:xfrm>
+          <a:prstGeom prst="straightConnector1">
+            <a:avLst/>
+          </a:prstGeom>
+          <a:ln>
+            <a:tailEnd type="triangle"/>
+          </a:ln>
+        </p:spPr>
+        <p:style>
+          <a:lnRef idx="3">
+            <a:schemeClr val="dk1"/>
+          </a:lnRef>
+          <a:fillRef idx="0">
+            <a:schemeClr val="dk1"/>
+          </a:fillRef>
+          <a:effectRef idx="2">
+            <a:schemeClr val="dk1"/>
+          </a:effectRef>
+          <a:fontRef idx="minor">
+            <a:schemeClr val="tx1"/>
+          </a:fontRef>
+        </p:style>
+      </p:cxnSp>
+      <p:cxnSp>
+        <p:nvCxnSpPr>
+          <p:cNvPr id="16" name="直接箭头连接符 48">
+            <a:extLst>
+              <a:ext uri="{FF2B5EF4-FFF2-40B4-BE49-F238E27FC236}">
+                <a16:creationId xmlns:a16="http://schemas.microsoft.com/office/drawing/2014/main" id="{A341DE58-D15F-F94E-3773-866252FA4AE1}"/>
+              </a:ext>
+            </a:extLst>
+          </p:cNvPr>
+          <p:cNvCxnSpPr>
+            <a:cxnSpLocks/>
+            <a:stCxn id="7" idx="2"/>
+            <a:endCxn id="13" idx="0"/>
+          </p:cNvCxnSpPr>
+          <p:nvPr/>
+        </p:nvCxnSpPr>
+        <p:spPr>
+          <a:xfrm flipH="1">
+            <a:off x="4761166" y="3241725"/>
+            <a:ext cx="1779780" cy="964676"/>
+          </a:xfrm>
+          <a:prstGeom prst="straightConnector1">
+            <a:avLst/>
+          </a:prstGeom>
+          <a:ln>
+            <a:tailEnd type="triangle"/>
+          </a:ln>
+        </p:spPr>
+        <p:style>
+          <a:lnRef idx="3">
+            <a:schemeClr val="dk1"/>
+          </a:lnRef>
+          <a:fillRef idx="0">
+            <a:schemeClr val="dk1"/>
+          </a:fillRef>
+          <a:effectRef idx="2">
+            <a:schemeClr val="dk1"/>
+          </a:effectRef>
+          <a:fontRef idx="minor">
+            <a:schemeClr val="tx1"/>
+          </a:fontRef>
+        </p:style>
+      </p:cxnSp>
+      <p:cxnSp>
+        <p:nvCxnSpPr>
+          <p:cNvPr id="17" name="直接箭头连接符 51">
+            <a:extLst>
+              <a:ext uri="{FF2B5EF4-FFF2-40B4-BE49-F238E27FC236}">
+                <a16:creationId xmlns:a16="http://schemas.microsoft.com/office/drawing/2014/main" id="{CCDCD5A5-BC88-FE01-B4B5-76DC8404C94A}"/>
+              </a:ext>
+            </a:extLst>
+          </p:cNvPr>
+          <p:cNvCxnSpPr>
+            <a:cxnSpLocks/>
+            <a:stCxn id="6" idx="2"/>
+            <a:endCxn id="13" idx="0"/>
+          </p:cNvCxnSpPr>
+          <p:nvPr/>
+        </p:nvCxnSpPr>
+        <p:spPr>
+          <a:xfrm flipH="1">
+            <a:off x="4761166" y="2617985"/>
+            <a:ext cx="889890" cy="1588416"/>
+          </a:xfrm>
+          <a:prstGeom prst="straightConnector1">
+            <a:avLst/>
+          </a:prstGeom>
+          <a:ln>
+            <a:tailEnd type="triangle"/>
+          </a:ln>
+        </p:spPr>
+        <p:style>
+          <a:lnRef idx="3">
+            <a:schemeClr val="dk1"/>
+          </a:lnRef>
+          <a:fillRef idx="0">
+            <a:schemeClr val="dk1"/>
+          </a:fillRef>
+          <a:effectRef idx="2">
+            <a:schemeClr val="dk1"/>
+          </a:effectRef>
+          <a:fontRef idx="minor">
+            <a:schemeClr val="tx1"/>
+          </a:fontRef>
+        </p:style>
+      </p:cxnSp>
+      <p:cxnSp>
+        <p:nvCxnSpPr>
+          <p:cNvPr id="18" name="直接箭头连接符 54">
+            <a:extLst>
+              <a:ext uri="{FF2B5EF4-FFF2-40B4-BE49-F238E27FC236}">
+                <a16:creationId xmlns:a16="http://schemas.microsoft.com/office/drawing/2014/main" id="{F4F7D7BF-F683-784A-0308-052341BBE072}"/>
+              </a:ext>
+            </a:extLst>
+          </p:cNvPr>
+          <p:cNvCxnSpPr>
+            <a:cxnSpLocks/>
+            <a:stCxn id="5" idx="2"/>
+            <a:endCxn id="13" idx="0"/>
+          </p:cNvCxnSpPr>
+          <p:nvPr/>
+        </p:nvCxnSpPr>
+        <p:spPr>
+          <a:xfrm>
+            <a:off x="4761166" y="1994245"/>
+            <a:ext cx="0" cy="2212156"/>
+          </a:xfrm>
+          <a:prstGeom prst="straightConnector1">
+            <a:avLst/>
+          </a:prstGeom>
+          <a:ln>
+            <a:tailEnd type="triangle"/>
+          </a:ln>
+        </p:spPr>
+        <p:style>
+          <a:lnRef idx="3">
+            <a:schemeClr val="dk1"/>
+          </a:lnRef>
+          <a:fillRef idx="0">
+            <a:schemeClr val="dk1"/>
+          </a:fillRef>
+          <a:effectRef idx="2">
+            <a:schemeClr val="dk1"/>
+          </a:effectRef>
+          <a:fontRef idx="minor">
+            <a:schemeClr val="tx1"/>
+          </a:fontRef>
+        </p:style>
+      </p:cxnSp>
+      <p:sp>
+        <p:nvSpPr>
+          <p:cNvPr id="19" name="流程图: 或者 76">
+            <a:extLst>
+              <a:ext uri="{FF2B5EF4-FFF2-40B4-BE49-F238E27FC236}">
+                <a16:creationId xmlns:a16="http://schemas.microsoft.com/office/drawing/2014/main" id="{C1B1CC96-6611-5BD8-FB64-C522594809FB}"/>
+              </a:ext>
+            </a:extLst>
+          </p:cNvPr>
+          <p:cNvSpPr/>
+          <p:nvPr/>
+        </p:nvSpPr>
+        <p:spPr>
+          <a:xfrm>
+            <a:off x="3691276" y="4903982"/>
+            <a:ext cx="360000" cy="360000"/>
+          </a:xfrm>
+          <a:prstGeom prst="flowChartOr">
+            <a:avLst/>
+          </a:prstGeom>
+        </p:spPr>
+        <p:style>
+          <a:lnRef idx="2">
+            <a:schemeClr val="dk1"/>
+          </a:lnRef>
+          <a:fillRef idx="1">
+            <a:schemeClr val="lt1"/>
+          </a:fillRef>
+          <a:effectRef idx="0">
+            <a:schemeClr val="dk1"/>
+          </a:effectRef>
+          <a:fontRef idx="minor">
+            <a:schemeClr val="dk1"/>
+          </a:fontRef>
+        </p:style>
+        <p:txBody>
+          <a:bodyPr rtlCol="0" anchor="ctr"/>
+          <a:lstStyle/>
+          <a:p>
+            <a:pPr algn="ctr"/>
+            <a:endParaRPr lang="zh-CN" altLang="en-US">
+              <a:latin typeface="Times New Roman" panose="02020603050405020304" pitchFamily="18" charset="0"/>
+              <a:cs typeface="Times New Roman" panose="02020603050405020304" pitchFamily="18" charset="0"/>
+            </a:endParaRPr>
+          </a:p>
+        </p:txBody>
+      </p:sp>
+      <p:sp>
+        <p:nvSpPr>
+          <p:cNvPr id="20" name="矩形 77">
+            <a:extLst>
+              <a:ext uri="{FF2B5EF4-FFF2-40B4-BE49-F238E27FC236}">
+                <a16:creationId xmlns:a16="http://schemas.microsoft.com/office/drawing/2014/main" id="{81CFE47E-615E-3676-C898-CAC2DEF68E7D}"/>
+              </a:ext>
+            </a:extLst>
+          </p:cNvPr>
+          <p:cNvSpPr/>
+          <p:nvPr/>
+        </p:nvSpPr>
+        <p:spPr>
+          <a:xfrm>
+            <a:off x="4316221" y="4489205"/>
+            <a:ext cx="889890" cy="282804"/>
+          </a:xfrm>
+          <a:prstGeom prst="rect">
+            <a:avLst/>
+          </a:prstGeom>
+        </p:spPr>
+        <p:style>
+          <a:lnRef idx="2">
+            <a:schemeClr val="accent6">
+              <a:shade val="50000"/>
+            </a:schemeClr>
+          </a:lnRef>
+          <a:fillRef idx="1">
+            <a:schemeClr val="accent6"/>
+          </a:fillRef>
+          <a:effectRef idx="0">
+            <a:schemeClr val="accent6"/>
+          </a:effectRef>
+          <a:fontRef idx="minor">
+            <a:schemeClr val="lt1"/>
+          </a:fontRef>
+        </p:style>
+        <p:txBody>
+          <a:bodyPr rtlCol="0" anchor="ctr"/>
+          <a:lstStyle/>
+          <a:p>
+            <a:pPr algn="ctr"/>
+            <a:r>
+              <a:rPr lang="en-US" altLang="zh-CN" dirty="0">
+                <a:latin typeface="Times New Roman" panose="02020603050405020304" pitchFamily="18" charset="0"/>
+                <a:cs typeface="Times New Roman" panose="02020603050405020304" pitchFamily="18" charset="0"/>
+              </a:rPr>
+              <a:t>conv</a:t>
+            </a:r>
+            <a:endParaRPr lang="zh-CN" altLang="en-US" dirty="0">
+              <a:latin typeface="Times New Roman" panose="02020603050405020304" pitchFamily="18" charset="0"/>
+              <a:cs typeface="Times New Roman" panose="02020603050405020304" pitchFamily="18" charset="0"/>
+            </a:endParaRPr>
+          </a:p>
+        </p:txBody>
+      </p:sp>
+      <p:cxnSp>
+        <p:nvCxnSpPr>
+          <p:cNvPr id="21" name="连接符: 肘形 83">
+            <a:extLst>
+              <a:ext uri="{FF2B5EF4-FFF2-40B4-BE49-F238E27FC236}">
+                <a16:creationId xmlns:a16="http://schemas.microsoft.com/office/drawing/2014/main" id="{4D08F766-A378-4338-4552-946BB126301C}"/>
+              </a:ext>
+            </a:extLst>
+          </p:cNvPr>
+          <p:cNvCxnSpPr>
+            <a:cxnSpLocks/>
+            <a:stCxn id="20" idx="2"/>
+            <a:endCxn id="19" idx="6"/>
+          </p:cNvCxnSpPr>
+          <p:nvPr/>
+        </p:nvCxnSpPr>
+        <p:spPr>
+          <a:xfrm rot="5400000">
+            <a:off x="4250235" y="4573050"/>
+            <a:ext cx="311973" cy="709890"/>
+          </a:xfrm>
+          <a:prstGeom prst="bentConnector2">
+            <a:avLst/>
+          </a:prstGeom>
+          <a:ln>
+            <a:tailEnd type="triangle"/>
+          </a:ln>
+        </p:spPr>
+        <p:style>
+          <a:lnRef idx="3">
+            <a:schemeClr val="dk1"/>
+          </a:lnRef>
+          <a:fillRef idx="0">
+            <a:schemeClr val="dk1"/>
+          </a:fillRef>
+          <a:effectRef idx="2">
+            <a:schemeClr val="dk1"/>
+          </a:effectRef>
+          <a:fontRef idx="minor">
+            <a:schemeClr val="tx1"/>
+          </a:fontRef>
+        </p:style>
+      </p:cxnSp>
+      <p:cxnSp>
+        <p:nvCxnSpPr>
+          <p:cNvPr id="22" name="直接箭头连接符 84">
+            <a:extLst>
+              <a:ext uri="{FF2B5EF4-FFF2-40B4-BE49-F238E27FC236}">
+                <a16:creationId xmlns:a16="http://schemas.microsoft.com/office/drawing/2014/main" id="{27550406-59F7-3DFE-36EC-0A3F4E9C6519}"/>
+              </a:ext>
+            </a:extLst>
+          </p:cNvPr>
+          <p:cNvCxnSpPr>
+            <a:cxnSpLocks/>
+            <a:stCxn id="4" idx="2"/>
+            <a:endCxn id="19" idx="0"/>
+          </p:cNvCxnSpPr>
+          <p:nvPr/>
+        </p:nvCxnSpPr>
+        <p:spPr>
+          <a:xfrm>
+            <a:off x="3871276" y="1251097"/>
+            <a:ext cx="0" cy="3652885"/>
+          </a:xfrm>
+          <a:prstGeom prst="straightConnector1">
+            <a:avLst/>
+          </a:prstGeom>
+          <a:ln>
+            <a:tailEnd type="triangle"/>
+          </a:ln>
+        </p:spPr>
+        <p:style>
+          <a:lnRef idx="3">
+            <a:schemeClr val="dk1"/>
+          </a:lnRef>
+          <a:fillRef idx="0">
+            <a:schemeClr val="dk1"/>
+          </a:fillRef>
+          <a:effectRef idx="2">
+            <a:schemeClr val="dk1"/>
+          </a:effectRef>
+          <a:fontRef idx="minor">
+            <a:schemeClr val="tx1"/>
+          </a:fontRef>
+        </p:style>
+      </p:cxnSp>
+      <p:sp>
+        <p:nvSpPr>
+          <p:cNvPr id="23" name="矩形 87">
+            <a:extLst>
+              <a:ext uri="{FF2B5EF4-FFF2-40B4-BE49-F238E27FC236}">
+                <a16:creationId xmlns:a16="http://schemas.microsoft.com/office/drawing/2014/main" id="{EE2017C3-0D17-BD3D-BEF8-3F72D3247291}"/>
+              </a:ext>
+            </a:extLst>
+          </p:cNvPr>
+          <p:cNvSpPr/>
+          <p:nvPr/>
+        </p:nvSpPr>
+        <p:spPr>
+          <a:xfrm>
+            <a:off x="3426331" y="5631628"/>
+            <a:ext cx="889890" cy="282804"/>
+          </a:xfrm>
+          <a:prstGeom prst="rect">
+            <a:avLst/>
+          </a:prstGeom>
+        </p:spPr>
+        <p:style>
+          <a:lnRef idx="2">
+            <a:schemeClr val="accent6">
+              <a:shade val="50000"/>
+            </a:schemeClr>
+          </a:lnRef>
+          <a:fillRef idx="1">
+            <a:schemeClr val="accent6"/>
+          </a:fillRef>
+          <a:effectRef idx="0">
+            <a:schemeClr val="accent6"/>
+          </a:effectRef>
+          <a:fontRef idx="minor">
+            <a:schemeClr val="lt1"/>
+          </a:fontRef>
+        </p:style>
+        <p:txBody>
+          <a:bodyPr rtlCol="0" anchor="ctr"/>
+          <a:lstStyle/>
+          <a:p>
+            <a:pPr algn="ctr"/>
+            <a:r>
+              <a:rPr lang="en-US" altLang="zh-CN" dirty="0">
+                <a:latin typeface="Times New Roman" panose="02020603050405020304" pitchFamily="18" charset="0"/>
+                <a:cs typeface="Times New Roman" panose="02020603050405020304" pitchFamily="18" charset="0"/>
+              </a:rPr>
+              <a:t>conv</a:t>
+            </a:r>
+            <a:endParaRPr lang="zh-CN" altLang="en-US" dirty="0">
+              <a:latin typeface="Times New Roman" panose="02020603050405020304" pitchFamily="18" charset="0"/>
+              <a:cs typeface="Times New Roman" panose="02020603050405020304" pitchFamily="18" charset="0"/>
+            </a:endParaRPr>
+          </a:p>
+        </p:txBody>
+      </p:sp>
+      <p:sp>
+        <p:nvSpPr>
+          <p:cNvPr id="24" name="矩形 88">
+            <a:extLst>
+              <a:ext uri="{FF2B5EF4-FFF2-40B4-BE49-F238E27FC236}">
+                <a16:creationId xmlns:a16="http://schemas.microsoft.com/office/drawing/2014/main" id="{2E9188D6-F5ED-CDD3-9D92-C05EEB7F9237}"/>
+              </a:ext>
+            </a:extLst>
+          </p:cNvPr>
+          <p:cNvSpPr/>
+          <p:nvPr/>
+        </p:nvSpPr>
+        <p:spPr>
+          <a:xfrm>
+            <a:off x="3028520" y="5903226"/>
+            <a:ext cx="1534683" cy="282804"/>
+          </a:xfrm>
+          <a:prstGeom prst="rect">
+            <a:avLst/>
+          </a:prstGeom>
+        </p:spPr>
+        <p:style>
+          <a:lnRef idx="2">
+            <a:schemeClr val="dk1"/>
+          </a:lnRef>
+          <a:fillRef idx="1">
+            <a:schemeClr val="lt1"/>
+          </a:fillRef>
+          <a:effectRef idx="0">
+            <a:schemeClr val="dk1"/>
+          </a:effectRef>
+          <a:fontRef idx="minor">
+            <a:schemeClr val="dk1"/>
+          </a:fontRef>
+        </p:style>
+        <p:txBody>
+          <a:bodyPr rtlCol="0" anchor="ctr"/>
+          <a:lstStyle/>
+          <a:p>
+            <a:pPr algn="ctr"/>
+            <a:r>
+              <a:rPr lang="en-US" altLang="zh-CN" dirty="0">
+                <a:latin typeface="Times New Roman" panose="02020603050405020304" pitchFamily="18" charset="0"/>
+                <a:cs typeface="Times New Roman" panose="02020603050405020304" pitchFamily="18" charset="0"/>
+              </a:rPr>
+              <a:t>Pixel shuffle</a:t>
+            </a:r>
+            <a:endParaRPr lang="zh-CN" altLang="en-US" dirty="0">
+              <a:latin typeface="Times New Roman" panose="02020603050405020304" pitchFamily="18" charset="0"/>
+              <a:cs typeface="Times New Roman" panose="02020603050405020304" pitchFamily="18" charset="0"/>
+            </a:endParaRPr>
+          </a:p>
+        </p:txBody>
+      </p:sp>
+      <p:cxnSp>
+        <p:nvCxnSpPr>
+          <p:cNvPr id="25" name="直接箭头连接符 89">
+            <a:extLst>
+              <a:ext uri="{FF2B5EF4-FFF2-40B4-BE49-F238E27FC236}">
+                <a16:creationId xmlns:a16="http://schemas.microsoft.com/office/drawing/2014/main" id="{A2093BDB-3FB6-CEF4-6AA1-BC6DD7A46C84}"/>
+              </a:ext>
+            </a:extLst>
+          </p:cNvPr>
+          <p:cNvCxnSpPr>
+            <a:cxnSpLocks/>
+            <a:stCxn id="19" idx="4"/>
+            <a:endCxn id="23" idx="0"/>
+          </p:cNvCxnSpPr>
+          <p:nvPr/>
+        </p:nvCxnSpPr>
+        <p:spPr>
+          <a:xfrm>
+            <a:off x="3871276" y="5263982"/>
+            <a:ext cx="0" cy="367646"/>
+          </a:xfrm>
+          <a:prstGeom prst="straightConnector1">
+            <a:avLst/>
+          </a:prstGeom>
+          <a:ln>
+            <a:tailEnd type="triangle"/>
+          </a:ln>
+        </p:spPr>
+        <p:style>
+          <a:lnRef idx="3">
+            <a:schemeClr val="dk1"/>
+          </a:lnRef>
+          <a:fillRef idx="0">
+            <a:schemeClr val="dk1"/>
+          </a:fillRef>
+          <a:effectRef idx="2">
+            <a:schemeClr val="dk1"/>
+          </a:effectRef>
+          <a:fontRef idx="minor">
+            <a:schemeClr val="tx1"/>
+          </a:fontRef>
+        </p:style>
+      </p:cxnSp>
+      <p:sp>
+        <p:nvSpPr>
+          <p:cNvPr id="29" name="矩形 3">
+            <a:extLst>
+              <a:ext uri="{FF2B5EF4-FFF2-40B4-BE49-F238E27FC236}">
+                <a16:creationId xmlns:a16="http://schemas.microsoft.com/office/drawing/2014/main" id="{D072F42F-4853-4F61-190F-75964D92EE06}"/>
+              </a:ext>
+            </a:extLst>
+          </p:cNvPr>
+          <p:cNvSpPr/>
+          <p:nvPr/>
+        </p:nvSpPr>
+        <p:spPr>
+          <a:xfrm>
+            <a:off x="4316221" y="962690"/>
+            <a:ext cx="799476" cy="280067"/>
+          </a:xfrm>
+          <a:prstGeom prst="rect">
+            <a:avLst/>
+          </a:prstGeom>
+          <a:solidFill>
+            <a:schemeClr val="accent6">
+              <a:lumMod val="20000"/>
+              <a:lumOff val="80000"/>
+            </a:schemeClr>
+          </a:solidFill>
+          <a:ln>
+            <a:prstDash val="dash"/>
+          </a:ln>
+        </p:spPr>
+        <p:style>
+          <a:lnRef idx="2">
+            <a:schemeClr val="accent6">
+              <a:shade val="50000"/>
+            </a:schemeClr>
+          </a:lnRef>
+          <a:fillRef idx="1">
+            <a:schemeClr val="accent6"/>
+          </a:fillRef>
+          <a:effectRef idx="0">
+            <a:schemeClr val="accent6"/>
+          </a:effectRef>
+          <a:fontRef idx="minor">
+            <a:schemeClr val="lt1"/>
+          </a:fontRef>
+        </p:style>
+        <p:txBody>
+          <a:bodyPr rtlCol="0" anchor="ctr"/>
+          <a:lstStyle/>
+          <a:p>
+            <a:pPr algn="ctr"/>
+            <a:endParaRPr lang="zh-CN" altLang="en-US" dirty="0">
+              <a:latin typeface="Times New Roman" panose="02020603050405020304" pitchFamily="18" charset="0"/>
+              <a:cs typeface="Times New Roman" panose="02020603050405020304" pitchFamily="18" charset="0"/>
+            </a:endParaRPr>
+          </a:p>
+        </p:txBody>
+      </p:sp>
+      <p:sp>
+        <p:nvSpPr>
+          <p:cNvPr id="30" name="矩形 3">
+            <a:extLst>
+              <a:ext uri="{FF2B5EF4-FFF2-40B4-BE49-F238E27FC236}">
+                <a16:creationId xmlns:a16="http://schemas.microsoft.com/office/drawing/2014/main" id="{39BF2935-C8E8-58AA-5609-F4A8112059E5}"/>
+              </a:ext>
+            </a:extLst>
+          </p:cNvPr>
+          <p:cNvSpPr/>
+          <p:nvPr/>
+        </p:nvSpPr>
+        <p:spPr>
+          <a:xfrm>
+            <a:off x="5206110" y="4489204"/>
+            <a:ext cx="889890" cy="282804"/>
+          </a:xfrm>
+          <a:prstGeom prst="rect">
+            <a:avLst/>
+          </a:prstGeom>
+          <a:solidFill>
+            <a:schemeClr val="accent6">
+              <a:lumMod val="20000"/>
+              <a:lumOff val="80000"/>
+            </a:schemeClr>
+          </a:solidFill>
+          <a:ln>
+            <a:prstDash val="dash"/>
+          </a:ln>
+        </p:spPr>
+        <p:style>
+          <a:lnRef idx="2">
+            <a:schemeClr val="accent6">
+              <a:shade val="50000"/>
+            </a:schemeClr>
+          </a:lnRef>
+          <a:fillRef idx="1">
+            <a:schemeClr val="accent6"/>
+          </a:fillRef>
+          <a:effectRef idx="0">
+            <a:schemeClr val="accent6"/>
+          </a:effectRef>
+          <a:fontRef idx="minor">
+            <a:schemeClr val="lt1"/>
+          </a:fontRef>
+        </p:style>
+        <p:txBody>
+          <a:bodyPr rtlCol="0" anchor="ctr"/>
+          <a:lstStyle/>
+          <a:p>
+            <a:pPr algn="ctr"/>
+            <a:endParaRPr lang="zh-CN" altLang="en-US" dirty="0">
+              <a:latin typeface="Times New Roman" panose="02020603050405020304" pitchFamily="18" charset="0"/>
+              <a:cs typeface="Times New Roman" panose="02020603050405020304" pitchFamily="18" charset="0"/>
+            </a:endParaRPr>
+          </a:p>
+        </p:txBody>
+      </p:sp>
+      <p:sp>
+        <p:nvSpPr>
+          <p:cNvPr id="31" name="矩形 3">
+            <a:extLst>
+              <a:ext uri="{FF2B5EF4-FFF2-40B4-BE49-F238E27FC236}">
+                <a16:creationId xmlns:a16="http://schemas.microsoft.com/office/drawing/2014/main" id="{93C54093-4711-F51B-4FD8-10A7C301539B}"/>
+              </a:ext>
+            </a:extLst>
+          </p:cNvPr>
+          <p:cNvSpPr/>
+          <p:nvPr/>
+        </p:nvSpPr>
+        <p:spPr>
+          <a:xfrm>
+            <a:off x="4316220" y="5629475"/>
+            <a:ext cx="889890" cy="282804"/>
+          </a:xfrm>
+          <a:prstGeom prst="rect">
+            <a:avLst/>
+          </a:prstGeom>
+          <a:solidFill>
+            <a:schemeClr val="accent6">
+              <a:lumMod val="20000"/>
+              <a:lumOff val="80000"/>
+            </a:schemeClr>
+          </a:solidFill>
+          <a:ln>
+            <a:prstDash val="dash"/>
+          </a:ln>
+        </p:spPr>
+        <p:style>
+          <a:lnRef idx="2">
+            <a:schemeClr val="accent6">
+              <a:shade val="50000"/>
+            </a:schemeClr>
+          </a:lnRef>
+          <a:fillRef idx="1">
+            <a:schemeClr val="accent6"/>
+          </a:fillRef>
+          <a:effectRef idx="0">
+            <a:schemeClr val="accent6"/>
+          </a:effectRef>
+          <a:fontRef idx="minor">
+            <a:schemeClr val="lt1"/>
+          </a:fontRef>
+        </p:style>
+        <p:txBody>
+          <a:bodyPr rtlCol="0" anchor="ctr"/>
+          <a:lstStyle/>
+          <a:p>
+            <a:pPr algn="ctr"/>
+            <a:endParaRPr lang="zh-CN" altLang="en-US" dirty="0">
+              <a:latin typeface="Times New Roman" panose="02020603050405020304" pitchFamily="18" charset="0"/>
+              <a:cs typeface="Times New Roman" panose="02020603050405020304" pitchFamily="18" charset="0"/>
+            </a:endParaRPr>
+          </a:p>
+        </p:txBody>
+      </p:sp>
+      <p:sp>
+        <p:nvSpPr>
+          <p:cNvPr id="36" name="矩形 19">
+            <a:extLst>
+              <a:ext uri="{FF2B5EF4-FFF2-40B4-BE49-F238E27FC236}">
+                <a16:creationId xmlns:a16="http://schemas.microsoft.com/office/drawing/2014/main" id="{5EE0509C-5F71-DCC2-5F3A-66C3859A6870}"/>
+              </a:ext>
+            </a:extLst>
+          </p:cNvPr>
+          <p:cNvSpPr/>
+          <p:nvPr/>
+        </p:nvSpPr>
+        <p:spPr>
+          <a:xfrm>
+            <a:off x="5206110" y="4210928"/>
+            <a:ext cx="889890" cy="282804"/>
+          </a:xfrm>
+          <a:prstGeom prst="rect">
+            <a:avLst/>
+          </a:prstGeom>
+          <a:ln>
+            <a:prstDash val="dash"/>
+          </a:ln>
+        </p:spPr>
+        <p:style>
+          <a:lnRef idx="2">
+            <a:schemeClr val="dk1"/>
+          </a:lnRef>
+          <a:fillRef idx="1">
+            <a:schemeClr val="lt1"/>
+          </a:fillRef>
+          <a:effectRef idx="0">
+            <a:schemeClr val="dk1"/>
+          </a:effectRef>
+          <a:fontRef idx="minor">
+            <a:schemeClr val="dk1"/>
+          </a:fontRef>
+        </p:style>
+        <p:txBody>
+          <a:bodyPr rtlCol="0" anchor="ctr"/>
+          <a:lstStyle/>
+          <a:p>
+            <a:pPr algn="ctr"/>
+            <a:endParaRPr lang="zh-CN" altLang="en-US" dirty="0">
+              <a:latin typeface="Times New Roman" panose="02020603050405020304" pitchFamily="18" charset="0"/>
+              <a:cs typeface="Times New Roman" panose="02020603050405020304" pitchFamily="18" charset="0"/>
+            </a:endParaRPr>
+          </a:p>
+        </p:txBody>
+      </p:sp>
+      <p:sp>
+        <p:nvSpPr>
+          <p:cNvPr id="37" name="矩形 4">
+            <a:extLst>
+              <a:ext uri="{FF2B5EF4-FFF2-40B4-BE49-F238E27FC236}">
+                <a16:creationId xmlns:a16="http://schemas.microsoft.com/office/drawing/2014/main" id="{EFE954F0-B303-2D35-3BFC-46D3B449C3DF}"/>
+              </a:ext>
+            </a:extLst>
+          </p:cNvPr>
+          <p:cNvSpPr/>
+          <p:nvPr/>
+        </p:nvSpPr>
+        <p:spPr>
+          <a:xfrm>
+            <a:off x="5206110" y="1703101"/>
+            <a:ext cx="889890" cy="282804"/>
+          </a:xfrm>
+          <a:prstGeom prst="rect">
+            <a:avLst/>
+          </a:prstGeom>
+          <a:solidFill>
+            <a:schemeClr val="accent1">
+              <a:lumMod val="20000"/>
+              <a:lumOff val="80000"/>
+            </a:schemeClr>
+          </a:solidFill>
+          <a:ln>
+            <a:prstDash val="dash"/>
+          </a:ln>
+        </p:spPr>
+        <p:style>
+          <a:lnRef idx="2">
+            <a:schemeClr val="accent1">
+              <a:shade val="50000"/>
+            </a:schemeClr>
+          </a:lnRef>
+          <a:fillRef idx="1">
+            <a:schemeClr val="accent1"/>
+          </a:fillRef>
+          <a:effectRef idx="0">
+            <a:schemeClr val="accent1"/>
+          </a:effectRef>
+          <a:fontRef idx="minor">
+            <a:schemeClr val="lt1"/>
+          </a:fontRef>
+        </p:style>
+        <p:txBody>
+          <a:bodyPr rtlCol="0" anchor="ctr"/>
+          <a:lstStyle/>
+          <a:p>
+            <a:pPr algn="ctr"/>
+            <a:endParaRPr lang="zh-CN" altLang="en-US" dirty="0">
+              <a:latin typeface="Times New Roman" panose="02020603050405020304" pitchFamily="18" charset="0"/>
+              <a:cs typeface="Times New Roman" panose="02020603050405020304" pitchFamily="18" charset="0"/>
+            </a:endParaRPr>
+          </a:p>
+        </p:txBody>
+      </p:sp>
+      <p:sp>
+        <p:nvSpPr>
+          <p:cNvPr id="38" name="矩形 4">
+            <a:extLst>
+              <a:ext uri="{FF2B5EF4-FFF2-40B4-BE49-F238E27FC236}">
+                <a16:creationId xmlns:a16="http://schemas.microsoft.com/office/drawing/2014/main" id="{2EBCFCA9-E2F6-823E-D842-0F345C1F8305}"/>
+              </a:ext>
+            </a:extLst>
+          </p:cNvPr>
+          <p:cNvSpPr/>
+          <p:nvPr/>
+        </p:nvSpPr>
+        <p:spPr>
+          <a:xfrm>
+            <a:off x="6096002" y="2326689"/>
+            <a:ext cx="889890" cy="282804"/>
+          </a:xfrm>
+          <a:prstGeom prst="rect">
+            <a:avLst/>
+          </a:prstGeom>
+          <a:solidFill>
+            <a:schemeClr val="accent1">
+              <a:lumMod val="20000"/>
+              <a:lumOff val="80000"/>
+            </a:schemeClr>
+          </a:solidFill>
+          <a:ln>
+            <a:prstDash val="dash"/>
+          </a:ln>
+        </p:spPr>
+        <p:style>
+          <a:lnRef idx="2">
+            <a:schemeClr val="accent1">
+              <a:shade val="50000"/>
+            </a:schemeClr>
+          </a:lnRef>
+          <a:fillRef idx="1">
+            <a:schemeClr val="accent1"/>
+          </a:fillRef>
+          <a:effectRef idx="0">
+            <a:schemeClr val="accent1"/>
+          </a:effectRef>
+          <a:fontRef idx="minor">
+            <a:schemeClr val="lt1"/>
+          </a:fontRef>
+        </p:style>
+        <p:txBody>
+          <a:bodyPr rtlCol="0" anchor="ctr"/>
+          <a:lstStyle/>
+          <a:p>
+            <a:pPr algn="ctr"/>
+            <a:endParaRPr lang="zh-CN" altLang="en-US" dirty="0">
+              <a:latin typeface="Times New Roman" panose="02020603050405020304" pitchFamily="18" charset="0"/>
+              <a:cs typeface="Times New Roman" panose="02020603050405020304" pitchFamily="18" charset="0"/>
+            </a:endParaRPr>
+          </a:p>
+        </p:txBody>
+      </p:sp>
+      <p:sp>
+        <p:nvSpPr>
+          <p:cNvPr id="39" name="矩形 4">
+            <a:extLst>
+              <a:ext uri="{FF2B5EF4-FFF2-40B4-BE49-F238E27FC236}">
+                <a16:creationId xmlns:a16="http://schemas.microsoft.com/office/drawing/2014/main" id="{8B9D32C3-0A35-B677-FDD4-CD712A7F2BB9}"/>
+              </a:ext>
+            </a:extLst>
+          </p:cNvPr>
+          <p:cNvSpPr/>
+          <p:nvPr/>
+        </p:nvSpPr>
+        <p:spPr>
+          <a:xfrm>
+            <a:off x="6985890" y="2958921"/>
+            <a:ext cx="889890" cy="282804"/>
+          </a:xfrm>
+          <a:prstGeom prst="rect">
+            <a:avLst/>
+          </a:prstGeom>
+          <a:solidFill>
+            <a:schemeClr val="accent1">
+              <a:lumMod val="20000"/>
+              <a:lumOff val="80000"/>
+            </a:schemeClr>
+          </a:solidFill>
+          <a:ln>
+            <a:prstDash val="dash"/>
+          </a:ln>
+        </p:spPr>
+        <p:style>
+          <a:lnRef idx="2">
+            <a:schemeClr val="accent1">
+              <a:shade val="50000"/>
+            </a:schemeClr>
+          </a:lnRef>
+          <a:fillRef idx="1">
+            <a:schemeClr val="accent1"/>
+          </a:fillRef>
+          <a:effectRef idx="0">
+            <a:schemeClr val="accent1"/>
+          </a:effectRef>
+          <a:fontRef idx="minor">
+            <a:schemeClr val="lt1"/>
+          </a:fontRef>
+        </p:style>
+        <p:txBody>
+          <a:bodyPr rtlCol="0" anchor="ctr"/>
+          <a:lstStyle/>
+          <a:p>
+            <a:pPr algn="ctr"/>
+            <a:endParaRPr lang="zh-CN" altLang="en-US" dirty="0">
+              <a:latin typeface="Times New Roman" panose="02020603050405020304" pitchFamily="18" charset="0"/>
+              <a:cs typeface="Times New Roman" panose="02020603050405020304" pitchFamily="18" charset="0"/>
+            </a:endParaRPr>
+          </a:p>
+        </p:txBody>
+      </p:sp>
+      <p:sp>
+        <p:nvSpPr>
+          <p:cNvPr id="40" name="矩形 4">
+            <a:extLst>
+              <a:ext uri="{FF2B5EF4-FFF2-40B4-BE49-F238E27FC236}">
+                <a16:creationId xmlns:a16="http://schemas.microsoft.com/office/drawing/2014/main" id="{7BD7C6BC-6A92-8EC9-0241-46001339C4B9}"/>
+              </a:ext>
+            </a:extLst>
+          </p:cNvPr>
+          <p:cNvSpPr/>
+          <p:nvPr/>
+        </p:nvSpPr>
+        <p:spPr>
+          <a:xfrm>
+            <a:off x="7875781" y="3583816"/>
+            <a:ext cx="889890" cy="282804"/>
+          </a:xfrm>
+          <a:prstGeom prst="rect">
+            <a:avLst/>
+          </a:prstGeom>
+          <a:solidFill>
+            <a:schemeClr val="accent1">
+              <a:lumMod val="20000"/>
+              <a:lumOff val="80000"/>
+            </a:schemeClr>
+          </a:solidFill>
+          <a:ln>
+            <a:prstDash val="dash"/>
+          </a:ln>
+        </p:spPr>
+        <p:style>
+          <a:lnRef idx="2">
+            <a:schemeClr val="accent1">
+              <a:shade val="50000"/>
+            </a:schemeClr>
+          </a:lnRef>
+          <a:fillRef idx="1">
+            <a:schemeClr val="accent1"/>
+          </a:fillRef>
+          <a:effectRef idx="0">
+            <a:schemeClr val="accent1"/>
+          </a:effectRef>
+          <a:fontRef idx="minor">
+            <a:schemeClr val="lt1"/>
+          </a:fontRef>
+        </p:style>
+        <p:txBody>
+          <a:bodyPr rtlCol="0" anchor="ctr"/>
+          <a:lstStyle/>
+          <a:p>
+            <a:pPr algn="ctr"/>
+            <a:endParaRPr lang="zh-CN" altLang="en-US" dirty="0">
+              <a:latin typeface="Times New Roman" panose="02020603050405020304" pitchFamily="18" charset="0"/>
+              <a:cs typeface="Times New Roman" panose="02020603050405020304" pitchFamily="18" charset="0"/>
+            </a:endParaRPr>
+          </a:p>
+        </p:txBody>
+      </p:sp>
+    </p:spTree>
+    <p:extLst>
+      <p:ext uri="{BB962C8B-B14F-4D97-AF65-F5344CB8AC3E}">
+        <p14:creationId xmlns:p14="http://schemas.microsoft.com/office/powerpoint/2010/main" val="3421891296"/>
+      </p:ext>
+    </p:extLst>
+  </p:cSld>
+  <p:clrMapOvr>
+    <a:masterClrMapping/>
+  </p:clrMapOvr>
+</p:sld>
+</file>
+
+<file path=ppt/slides/slide7.xml><?xml version="1.0" encoding="utf-8"?>
+<p:sld xmlns:a="http://schemas.openxmlformats.org/drawingml/2006/main" xmlns:r="http://schemas.openxmlformats.org/officeDocument/2006/relationships" xmlns:p="http://schemas.openxmlformats.org/presentationml/2006/main">
+  <p:cSld>
+    <p:spTree>
+      <p:nvGrpSpPr>
+        <p:cNvPr id="1" name=""/>
+        <p:cNvGrpSpPr/>
+        <p:nvPr/>
+      </p:nvGrpSpPr>
+      <p:grpSpPr>
+        <a:xfrm>
+          <a:off x="0" y="0"/>
+          <a:ext cx="0" cy="0"/>
+          <a:chOff x="0" y="0"/>
+          <a:chExt cx="0" cy="0"/>
+        </a:xfrm>
+      </p:grpSpPr>
+      <p:cxnSp>
+        <p:nvCxnSpPr>
+          <p:cNvPr id="266" name="Straight Connector 265">
+            <a:extLst>
+              <a:ext uri="{FF2B5EF4-FFF2-40B4-BE49-F238E27FC236}">
+                <a16:creationId xmlns:a16="http://schemas.microsoft.com/office/drawing/2014/main" id="{04FD66A2-B6A7-4402-20BF-FB3FE61E9610}"/>
+              </a:ext>
+            </a:extLst>
+          </p:cNvPr>
+          <p:cNvCxnSpPr>
+            <a:cxnSpLocks/>
+            <a:stCxn id="218" idx="2"/>
+            <a:endCxn id="232" idx="6"/>
+          </p:cNvCxnSpPr>
+          <p:nvPr/>
+        </p:nvCxnSpPr>
+        <p:spPr>
+          <a:xfrm flipH="1">
+            <a:off x="9253152" y="1968847"/>
+            <a:ext cx="166817" cy="1265022"/>
+          </a:xfrm>
+          <a:prstGeom prst="line">
+            <a:avLst/>
+          </a:prstGeom>
+          <a:ln w="19050"/>
+        </p:spPr>
+        <p:style>
+          <a:lnRef idx="1">
+            <a:schemeClr val="accent1"/>
+          </a:lnRef>
+          <a:fillRef idx="0">
+            <a:schemeClr val="accent1"/>
+          </a:fillRef>
+          <a:effectRef idx="0">
+            <a:schemeClr val="accent1"/>
+          </a:effectRef>
+          <a:fontRef idx="minor">
+            <a:schemeClr val="tx1"/>
+          </a:fontRef>
+        </p:style>
+      </p:cxnSp>
+      <p:sp>
+        <p:nvSpPr>
+          <p:cNvPr id="5" name="Rounded Rectangle 4">
+            <a:extLst>
+              <a:ext uri="{FF2B5EF4-FFF2-40B4-BE49-F238E27FC236}">
+                <a16:creationId xmlns:a16="http://schemas.microsoft.com/office/drawing/2014/main" id="{4D9F26E8-0788-02C4-8E02-324210604D94}"/>
+              </a:ext>
+            </a:extLst>
+          </p:cNvPr>
+          <p:cNvSpPr/>
+          <p:nvPr/>
+        </p:nvSpPr>
+        <p:spPr>
+          <a:xfrm>
+            <a:off x="4034197" y="2755557"/>
+            <a:ext cx="1058570" cy="506627"/>
+          </a:xfrm>
+          <a:prstGeom prst="roundRect">
+            <a:avLst/>
+          </a:prstGeom>
+          <a:solidFill>
+            <a:schemeClr val="bg1"/>
+          </a:solidFill>
+        </p:spPr>
+        <p:style>
+          <a:lnRef idx="2">
+            <a:schemeClr val="accent1">
+              <a:shade val="50000"/>
+            </a:schemeClr>
+          </a:lnRef>
+          <a:fillRef idx="1">
+            <a:schemeClr val="accent1"/>
+          </a:fillRef>
+          <a:effectRef idx="0">
+            <a:schemeClr val="accent1"/>
+          </a:effectRef>
+          <a:fontRef idx="minor">
+            <a:schemeClr val="lt1"/>
+          </a:fontRef>
+        </p:style>
+        <p:txBody>
+          <a:bodyPr rtlCol="0" anchor="ctr"/>
+          <a:lstStyle/>
+          <a:p>
+            <a:pPr algn="ctr"/>
+            <a:r>
+              <a:rPr lang="en-CN" sz="2000" b="1" i="1" dirty="0">
+                <a:solidFill>
+                  <a:schemeClr val="tx2"/>
+                </a:solidFill>
+                <a:latin typeface="Times New Roman" panose="02020603050405020304" pitchFamily="18" charset="0"/>
+                <a:cs typeface="Times New Roman" panose="02020603050405020304" pitchFamily="18" charset="0"/>
+              </a:rPr>
+              <a:t>Expand</a:t>
+            </a:r>
+          </a:p>
+        </p:txBody>
+      </p:sp>
+      <p:sp>
+        <p:nvSpPr>
+          <p:cNvPr id="6" name="Rounded Rectangle 5">
+            <a:extLst>
+              <a:ext uri="{FF2B5EF4-FFF2-40B4-BE49-F238E27FC236}">
+                <a16:creationId xmlns:a16="http://schemas.microsoft.com/office/drawing/2014/main" id="{10B973E8-5843-6B31-D152-65446CA856AC}"/>
+              </a:ext>
+            </a:extLst>
+          </p:cNvPr>
+          <p:cNvSpPr/>
+          <p:nvPr/>
+        </p:nvSpPr>
+        <p:spPr>
+          <a:xfrm>
+            <a:off x="7088666" y="2755557"/>
+            <a:ext cx="1025611" cy="506627"/>
+          </a:xfrm>
+          <a:prstGeom prst="roundRect">
+            <a:avLst/>
+          </a:prstGeom>
+          <a:solidFill>
+            <a:schemeClr val="bg1"/>
+          </a:solidFill>
+        </p:spPr>
+        <p:style>
+          <a:lnRef idx="2">
+            <a:schemeClr val="accent1">
+              <a:shade val="50000"/>
+            </a:schemeClr>
+          </a:lnRef>
+          <a:fillRef idx="1">
+            <a:schemeClr val="accent1"/>
+          </a:fillRef>
+          <a:effectRef idx="0">
+            <a:schemeClr val="accent1"/>
+          </a:effectRef>
+          <a:fontRef idx="minor">
+            <a:schemeClr val="lt1"/>
+          </a:fontRef>
+        </p:style>
+        <p:txBody>
+          <a:bodyPr rtlCol="0" anchor="ctr"/>
+          <a:lstStyle/>
+          <a:p>
+            <a:pPr algn="ctr"/>
+            <a:r>
+              <a:rPr lang="en-CN" sz="2000" b="1" i="1" dirty="0">
+                <a:solidFill>
+                  <a:schemeClr val="accent6"/>
+                </a:solidFill>
+                <a:latin typeface="Times New Roman" panose="02020603050405020304" pitchFamily="18" charset="0"/>
+                <a:cs typeface="Times New Roman" panose="02020603050405020304" pitchFamily="18" charset="0"/>
+              </a:rPr>
+              <a:t>Shrink</a:t>
+            </a:r>
+          </a:p>
+        </p:txBody>
+      </p:sp>
+      <p:cxnSp>
+        <p:nvCxnSpPr>
+          <p:cNvPr id="8" name="Straight Arrow Connector 7">
+            <a:extLst>
+              <a:ext uri="{FF2B5EF4-FFF2-40B4-BE49-F238E27FC236}">
+                <a16:creationId xmlns:a16="http://schemas.microsoft.com/office/drawing/2014/main" id="{F532E8EC-C2A8-8367-8453-5D58B516A40A}"/>
+              </a:ext>
+            </a:extLst>
+          </p:cNvPr>
+          <p:cNvCxnSpPr>
+            <a:cxnSpLocks/>
+            <a:endCxn id="5" idx="1"/>
+          </p:cNvCxnSpPr>
+          <p:nvPr/>
+        </p:nvCxnSpPr>
+        <p:spPr>
+          <a:xfrm>
+            <a:off x="3675852" y="3003723"/>
+            <a:ext cx="358345" cy="5148"/>
+          </a:xfrm>
+          <a:prstGeom prst="straightConnector1">
+            <a:avLst/>
+          </a:prstGeom>
+          <a:ln w="38100">
+            <a:solidFill>
+              <a:schemeClr val="tx1"/>
+            </a:solidFill>
+            <a:tailEnd type="triangle"/>
+          </a:ln>
+        </p:spPr>
+        <p:style>
+          <a:lnRef idx="1">
+            <a:schemeClr val="accent1"/>
+          </a:lnRef>
+          <a:fillRef idx="0">
+            <a:schemeClr val="accent1"/>
+          </a:fillRef>
+          <a:effectRef idx="0">
+            <a:schemeClr val="accent1"/>
+          </a:effectRef>
+          <a:fontRef idx="minor">
+            <a:schemeClr val="tx1"/>
+          </a:fontRef>
+        </p:style>
+      </p:cxnSp>
+      <p:sp>
+        <p:nvSpPr>
+          <p:cNvPr id="11" name="Oval 10">
+            <a:extLst>
+              <a:ext uri="{FF2B5EF4-FFF2-40B4-BE49-F238E27FC236}">
+                <a16:creationId xmlns:a16="http://schemas.microsoft.com/office/drawing/2014/main" id="{56EDFE7C-69FD-083A-DC68-C71F2CABDCA2}"/>
+              </a:ext>
+            </a:extLst>
+          </p:cNvPr>
+          <p:cNvSpPr/>
+          <p:nvPr/>
+        </p:nvSpPr>
+        <p:spPr>
+          <a:xfrm>
+            <a:off x="2512541" y="2497097"/>
+            <a:ext cx="259492" cy="253313"/>
+          </a:xfrm>
+          <a:prstGeom prst="ellipse">
+            <a:avLst/>
+          </a:prstGeom>
+          <a:solidFill>
+            <a:schemeClr val="bg2"/>
+          </a:solidFill>
+        </p:spPr>
+        <p:style>
+          <a:lnRef idx="2">
+            <a:schemeClr val="accent1">
+              <a:shade val="50000"/>
+            </a:schemeClr>
+          </a:lnRef>
+          <a:fillRef idx="1">
+            <a:schemeClr val="accent1"/>
+          </a:fillRef>
+          <a:effectRef idx="0">
+            <a:schemeClr val="accent1"/>
+          </a:effectRef>
+          <a:fontRef idx="minor">
+            <a:schemeClr val="lt1"/>
+          </a:fontRef>
+        </p:style>
+        <p:txBody>
+          <a:bodyPr rtlCol="0" anchor="ctr"/>
+          <a:lstStyle/>
+          <a:p>
+            <a:pPr algn="ctr"/>
+            <a:endParaRPr lang="en-CN"/>
+          </a:p>
+        </p:txBody>
+      </p:sp>
+      <p:sp>
+        <p:nvSpPr>
+          <p:cNvPr id="12" name="Oval 11">
+            <a:extLst>
+              <a:ext uri="{FF2B5EF4-FFF2-40B4-BE49-F238E27FC236}">
+                <a16:creationId xmlns:a16="http://schemas.microsoft.com/office/drawing/2014/main" id="{4B96A22D-041A-CD18-C14D-83C79C6E71CD}"/>
+              </a:ext>
+            </a:extLst>
+          </p:cNvPr>
+          <p:cNvSpPr/>
+          <p:nvPr/>
+        </p:nvSpPr>
+        <p:spPr>
+          <a:xfrm>
+            <a:off x="2512541" y="2877067"/>
+            <a:ext cx="259492" cy="253313"/>
+          </a:xfrm>
+          <a:prstGeom prst="ellipse">
+            <a:avLst/>
+          </a:prstGeom>
+          <a:solidFill>
+            <a:schemeClr val="bg2"/>
+          </a:solidFill>
+        </p:spPr>
+        <p:style>
+          <a:lnRef idx="2">
+            <a:schemeClr val="accent1">
+              <a:shade val="50000"/>
+            </a:schemeClr>
+          </a:lnRef>
+          <a:fillRef idx="1">
+            <a:schemeClr val="accent1"/>
+          </a:fillRef>
+          <a:effectRef idx="0">
+            <a:schemeClr val="accent1"/>
+          </a:effectRef>
+          <a:fontRef idx="minor">
+            <a:schemeClr val="lt1"/>
+          </a:fontRef>
+        </p:style>
+        <p:txBody>
+          <a:bodyPr rtlCol="0" anchor="ctr"/>
+          <a:lstStyle/>
+          <a:p>
+            <a:pPr algn="ctr"/>
+            <a:endParaRPr lang="en-CN"/>
+          </a:p>
+        </p:txBody>
+      </p:sp>
+      <p:sp>
+        <p:nvSpPr>
+          <p:cNvPr id="13" name="Oval 12">
+            <a:extLst>
+              <a:ext uri="{FF2B5EF4-FFF2-40B4-BE49-F238E27FC236}">
+                <a16:creationId xmlns:a16="http://schemas.microsoft.com/office/drawing/2014/main" id="{78F26411-DE44-9B0C-4C39-BFC6905D78AE}"/>
+              </a:ext>
+            </a:extLst>
+          </p:cNvPr>
+          <p:cNvSpPr/>
+          <p:nvPr/>
+        </p:nvSpPr>
+        <p:spPr>
+          <a:xfrm>
+            <a:off x="2512541" y="3257037"/>
+            <a:ext cx="259492" cy="253313"/>
+          </a:xfrm>
+          <a:prstGeom prst="ellipse">
+            <a:avLst/>
+          </a:prstGeom>
+          <a:solidFill>
+            <a:schemeClr val="bg2"/>
+          </a:solidFill>
+        </p:spPr>
+        <p:style>
+          <a:lnRef idx="2">
+            <a:schemeClr val="accent1">
+              <a:shade val="50000"/>
+            </a:schemeClr>
+          </a:lnRef>
+          <a:fillRef idx="1">
+            <a:schemeClr val="accent1"/>
+          </a:fillRef>
+          <a:effectRef idx="0">
+            <a:schemeClr val="accent1"/>
+          </a:effectRef>
+          <a:fontRef idx="minor">
+            <a:schemeClr val="lt1"/>
+          </a:fontRef>
+        </p:style>
+        <p:txBody>
+          <a:bodyPr rtlCol="0" anchor="ctr"/>
+          <a:lstStyle/>
+          <a:p>
+            <a:pPr algn="ctr"/>
+            <a:endParaRPr lang="en-CN" dirty="0"/>
+          </a:p>
+        </p:txBody>
+      </p:sp>
+      <p:sp>
+        <p:nvSpPr>
+          <p:cNvPr id="14" name="Oval 13">
+            <a:extLst>
+              <a:ext uri="{FF2B5EF4-FFF2-40B4-BE49-F238E27FC236}">
+                <a16:creationId xmlns:a16="http://schemas.microsoft.com/office/drawing/2014/main" id="{D8FEEBCB-3038-C7D9-D313-7D12091F207F}"/>
+              </a:ext>
+            </a:extLst>
+          </p:cNvPr>
+          <p:cNvSpPr/>
+          <p:nvPr/>
+        </p:nvSpPr>
+        <p:spPr>
+          <a:xfrm>
+            <a:off x="2924433" y="2623754"/>
+            <a:ext cx="259492" cy="253313"/>
+          </a:xfrm>
+          <a:prstGeom prst="ellipse">
+            <a:avLst/>
+          </a:prstGeom>
+          <a:solidFill>
+            <a:schemeClr val="bg2"/>
+          </a:solidFill>
+        </p:spPr>
+        <p:style>
+          <a:lnRef idx="2">
+            <a:schemeClr val="accent1">
+              <a:shade val="50000"/>
+            </a:schemeClr>
+          </a:lnRef>
+          <a:fillRef idx="1">
+            <a:schemeClr val="accent1"/>
+          </a:fillRef>
+          <a:effectRef idx="0">
+            <a:schemeClr val="accent1"/>
+          </a:effectRef>
+          <a:fontRef idx="minor">
+            <a:schemeClr val="lt1"/>
+          </a:fontRef>
+        </p:style>
+        <p:txBody>
+          <a:bodyPr rtlCol="0" anchor="ctr"/>
+          <a:lstStyle/>
+          <a:p>
+            <a:pPr algn="ctr"/>
+            <a:endParaRPr lang="en-CN" dirty="0"/>
+          </a:p>
+        </p:txBody>
+      </p:sp>
+      <p:sp>
+        <p:nvSpPr>
+          <p:cNvPr id="15" name="Oval 14">
+            <a:extLst>
+              <a:ext uri="{FF2B5EF4-FFF2-40B4-BE49-F238E27FC236}">
+                <a16:creationId xmlns:a16="http://schemas.microsoft.com/office/drawing/2014/main" id="{08EB32A5-C73D-81DD-16ED-276F9958E04E}"/>
+              </a:ext>
+            </a:extLst>
+          </p:cNvPr>
+          <p:cNvSpPr/>
+          <p:nvPr/>
+        </p:nvSpPr>
+        <p:spPr>
+          <a:xfrm>
+            <a:off x="2924433" y="3055210"/>
+            <a:ext cx="259492" cy="253313"/>
+          </a:xfrm>
+          <a:prstGeom prst="ellipse">
+            <a:avLst/>
+          </a:prstGeom>
+          <a:solidFill>
+            <a:schemeClr val="bg2"/>
+          </a:solidFill>
+        </p:spPr>
+        <p:style>
+          <a:lnRef idx="2">
+            <a:schemeClr val="accent1">
+              <a:shade val="50000"/>
+            </a:schemeClr>
+          </a:lnRef>
+          <a:fillRef idx="1">
+            <a:schemeClr val="accent1"/>
+          </a:fillRef>
+          <a:effectRef idx="0">
+            <a:schemeClr val="accent1"/>
+          </a:effectRef>
+          <a:fontRef idx="minor">
+            <a:schemeClr val="lt1"/>
+          </a:fontRef>
+        </p:style>
+        <p:txBody>
+          <a:bodyPr rtlCol="0" anchor="ctr"/>
+          <a:lstStyle/>
+          <a:p>
+            <a:pPr algn="ctr"/>
+            <a:endParaRPr lang="en-CN"/>
+          </a:p>
+        </p:txBody>
+      </p:sp>
+      <p:cxnSp>
+        <p:nvCxnSpPr>
+          <p:cNvPr id="17" name="Straight Connector 16">
+            <a:extLst>
+              <a:ext uri="{FF2B5EF4-FFF2-40B4-BE49-F238E27FC236}">
+                <a16:creationId xmlns:a16="http://schemas.microsoft.com/office/drawing/2014/main" id="{59C67DE2-3845-4B8D-086A-995A6873F9D7}"/>
+              </a:ext>
+            </a:extLst>
+          </p:cNvPr>
+          <p:cNvCxnSpPr>
+            <a:stCxn id="11" idx="6"/>
+            <a:endCxn id="14" idx="2"/>
+          </p:cNvCxnSpPr>
+          <p:nvPr/>
+        </p:nvCxnSpPr>
+        <p:spPr>
+          <a:xfrm>
+            <a:off x="2772033" y="2623754"/>
+            <a:ext cx="152400" cy="126657"/>
+          </a:xfrm>
+          <a:prstGeom prst="line">
+            <a:avLst/>
+          </a:prstGeom>
+          <a:ln w="19050">
+            <a:solidFill>
+              <a:schemeClr val="accent1"/>
+            </a:solidFill>
+          </a:ln>
+        </p:spPr>
+        <p:style>
+          <a:lnRef idx="1">
+            <a:schemeClr val="accent1"/>
+          </a:lnRef>
+          <a:fillRef idx="0">
+            <a:schemeClr val="accent1"/>
+          </a:fillRef>
+          <a:effectRef idx="0">
+            <a:schemeClr val="accent1"/>
+          </a:effectRef>
+          <a:fontRef idx="minor">
+            <a:schemeClr val="tx1"/>
+          </a:fontRef>
+        </p:style>
+      </p:cxnSp>
+      <p:cxnSp>
+        <p:nvCxnSpPr>
+          <p:cNvPr id="18" name="Straight Connector 17">
+            <a:extLst>
+              <a:ext uri="{FF2B5EF4-FFF2-40B4-BE49-F238E27FC236}">
+                <a16:creationId xmlns:a16="http://schemas.microsoft.com/office/drawing/2014/main" id="{59D89D0B-5F28-3881-5172-DCA6591C6DA4}"/>
+              </a:ext>
+            </a:extLst>
+          </p:cNvPr>
+          <p:cNvCxnSpPr>
+            <a:cxnSpLocks/>
+            <a:stCxn id="11" idx="6"/>
+            <a:endCxn id="15" idx="2"/>
+          </p:cNvCxnSpPr>
+          <p:nvPr/>
+        </p:nvCxnSpPr>
+        <p:spPr>
+          <a:xfrm>
+            <a:off x="2772033" y="2623754"/>
+            <a:ext cx="152400" cy="558113"/>
+          </a:xfrm>
+          <a:prstGeom prst="line">
+            <a:avLst/>
+          </a:prstGeom>
+          <a:ln w="19050">
+            <a:solidFill>
+              <a:schemeClr val="accent1"/>
+            </a:solidFill>
+          </a:ln>
+        </p:spPr>
+        <p:style>
+          <a:lnRef idx="1">
+            <a:schemeClr val="accent1"/>
+          </a:lnRef>
+          <a:fillRef idx="0">
+            <a:schemeClr val="accent1"/>
+          </a:fillRef>
+          <a:effectRef idx="0">
+            <a:schemeClr val="accent1"/>
+          </a:effectRef>
+          <a:fontRef idx="minor">
+            <a:schemeClr val="tx1"/>
+          </a:fontRef>
+        </p:style>
+      </p:cxnSp>
+      <p:sp>
+        <p:nvSpPr>
+          <p:cNvPr id="21" name="Oval 20">
+            <a:extLst>
+              <a:ext uri="{FF2B5EF4-FFF2-40B4-BE49-F238E27FC236}">
+                <a16:creationId xmlns:a16="http://schemas.microsoft.com/office/drawing/2014/main" id="{E9185290-6580-AEFF-A520-D7E9B4F660AF}"/>
+              </a:ext>
+            </a:extLst>
+          </p:cNvPr>
+          <p:cNvSpPr/>
+          <p:nvPr/>
+        </p:nvSpPr>
+        <p:spPr>
+          <a:xfrm>
+            <a:off x="3336325" y="2877066"/>
+            <a:ext cx="259492" cy="253313"/>
+          </a:xfrm>
+          <a:prstGeom prst="ellipse">
+            <a:avLst/>
+          </a:prstGeom>
+          <a:solidFill>
+            <a:schemeClr val="bg2"/>
+          </a:solidFill>
+        </p:spPr>
+        <p:style>
+          <a:lnRef idx="2">
+            <a:schemeClr val="accent1">
+              <a:shade val="50000"/>
+            </a:schemeClr>
+          </a:lnRef>
+          <a:fillRef idx="1">
+            <a:schemeClr val="accent1"/>
+          </a:fillRef>
+          <a:effectRef idx="0">
+            <a:schemeClr val="accent1"/>
+          </a:effectRef>
+          <a:fontRef idx="minor">
+            <a:schemeClr val="lt1"/>
+          </a:fontRef>
+        </p:style>
+        <p:txBody>
+          <a:bodyPr rtlCol="0" anchor="ctr"/>
+          <a:lstStyle/>
+          <a:p>
+            <a:pPr algn="ctr"/>
+            <a:endParaRPr lang="en-CN" dirty="0"/>
+          </a:p>
+        </p:txBody>
+      </p:sp>
+      <p:sp>
+        <p:nvSpPr>
+          <p:cNvPr id="22" name="Oval 21">
+            <a:extLst>
+              <a:ext uri="{FF2B5EF4-FFF2-40B4-BE49-F238E27FC236}">
+                <a16:creationId xmlns:a16="http://schemas.microsoft.com/office/drawing/2014/main" id="{69941910-59CD-64AB-4B58-98F30D31ADE4}"/>
+              </a:ext>
+            </a:extLst>
+          </p:cNvPr>
+          <p:cNvSpPr/>
+          <p:nvPr/>
+        </p:nvSpPr>
+        <p:spPr>
+          <a:xfrm>
+            <a:off x="3336325" y="3257036"/>
+            <a:ext cx="259492" cy="253313"/>
+          </a:xfrm>
+          <a:prstGeom prst="ellipse">
+            <a:avLst/>
+          </a:prstGeom>
+          <a:solidFill>
+            <a:schemeClr val="bg2"/>
+          </a:solidFill>
+        </p:spPr>
+        <p:style>
+          <a:lnRef idx="2">
+            <a:schemeClr val="accent1">
+              <a:shade val="50000"/>
+            </a:schemeClr>
+          </a:lnRef>
+          <a:fillRef idx="1">
+            <a:schemeClr val="accent1"/>
+          </a:fillRef>
+          <a:effectRef idx="0">
+            <a:schemeClr val="accent1"/>
+          </a:effectRef>
+          <a:fontRef idx="minor">
+            <a:schemeClr val="lt1"/>
+          </a:fontRef>
+        </p:style>
+        <p:txBody>
+          <a:bodyPr rtlCol="0" anchor="ctr"/>
+          <a:lstStyle/>
+          <a:p>
+            <a:pPr algn="ctr"/>
+            <a:endParaRPr lang="en-CN" dirty="0"/>
+          </a:p>
+        </p:txBody>
+      </p:sp>
+      <p:sp>
+        <p:nvSpPr>
+          <p:cNvPr id="23" name="Oval 22">
+            <a:extLst>
+              <a:ext uri="{FF2B5EF4-FFF2-40B4-BE49-F238E27FC236}">
+                <a16:creationId xmlns:a16="http://schemas.microsoft.com/office/drawing/2014/main" id="{496F9AB9-9670-2995-0B6C-19D6D892F8B8}"/>
+              </a:ext>
+            </a:extLst>
+          </p:cNvPr>
+          <p:cNvSpPr/>
+          <p:nvPr/>
+        </p:nvSpPr>
+        <p:spPr>
+          <a:xfrm>
+            <a:off x="3336325" y="2497097"/>
+            <a:ext cx="259492" cy="253313"/>
+          </a:xfrm>
+          <a:prstGeom prst="ellipse">
+            <a:avLst/>
+          </a:prstGeom>
+          <a:solidFill>
+            <a:schemeClr val="bg2"/>
+          </a:solidFill>
+        </p:spPr>
+        <p:style>
+          <a:lnRef idx="2">
+            <a:schemeClr val="accent1">
+              <a:shade val="50000"/>
+            </a:schemeClr>
+          </a:lnRef>
+          <a:fillRef idx="1">
+            <a:schemeClr val="accent1"/>
+          </a:fillRef>
+          <a:effectRef idx="0">
+            <a:schemeClr val="accent1"/>
+          </a:effectRef>
+          <a:fontRef idx="minor">
+            <a:schemeClr val="lt1"/>
+          </a:fontRef>
+        </p:style>
+        <p:txBody>
+          <a:bodyPr rtlCol="0" anchor="ctr"/>
+          <a:lstStyle/>
+          <a:p>
+            <a:pPr algn="ctr"/>
+            <a:endParaRPr lang="en-CN" dirty="0"/>
+          </a:p>
+        </p:txBody>
+      </p:sp>
+      <p:cxnSp>
+        <p:nvCxnSpPr>
+          <p:cNvPr id="24" name="Straight Connector 23">
+            <a:extLst>
+              <a:ext uri="{FF2B5EF4-FFF2-40B4-BE49-F238E27FC236}">
+                <a16:creationId xmlns:a16="http://schemas.microsoft.com/office/drawing/2014/main" id="{5DE4D0A7-44F9-44DD-3535-54B1CF13B9DB}"/>
+              </a:ext>
+            </a:extLst>
+          </p:cNvPr>
+          <p:cNvCxnSpPr>
+            <a:cxnSpLocks/>
+            <a:stCxn id="12" idx="6"/>
+            <a:endCxn id="14" idx="2"/>
+          </p:cNvCxnSpPr>
+          <p:nvPr/>
+        </p:nvCxnSpPr>
+        <p:spPr>
+          <a:xfrm flipV="1">
+            <a:off x="2772033" y="2750411"/>
+            <a:ext cx="152400" cy="253313"/>
+          </a:xfrm>
+          <a:prstGeom prst="line">
+            <a:avLst/>
+          </a:prstGeom>
+          <a:ln w="19050">
+            <a:solidFill>
+              <a:schemeClr val="accent1"/>
+            </a:solidFill>
+          </a:ln>
+        </p:spPr>
+        <p:style>
+          <a:lnRef idx="1">
+            <a:schemeClr val="accent1"/>
+          </a:lnRef>
+          <a:fillRef idx="0">
+            <a:schemeClr val="accent1"/>
+          </a:fillRef>
+          <a:effectRef idx="0">
+            <a:schemeClr val="accent1"/>
+          </a:effectRef>
+          <a:fontRef idx="minor">
+            <a:schemeClr val="tx1"/>
+          </a:fontRef>
+        </p:style>
+      </p:cxnSp>
+      <p:cxnSp>
+        <p:nvCxnSpPr>
+          <p:cNvPr id="27" name="Straight Connector 26">
+            <a:extLst>
+              <a:ext uri="{FF2B5EF4-FFF2-40B4-BE49-F238E27FC236}">
+                <a16:creationId xmlns:a16="http://schemas.microsoft.com/office/drawing/2014/main" id="{4B6B9397-4B6A-06C8-5446-4656E77ADC24}"/>
+              </a:ext>
+            </a:extLst>
+          </p:cNvPr>
+          <p:cNvCxnSpPr>
+            <a:cxnSpLocks/>
+            <a:stCxn id="12" idx="6"/>
+            <a:endCxn id="15" idx="2"/>
+          </p:cNvCxnSpPr>
+          <p:nvPr/>
+        </p:nvCxnSpPr>
+        <p:spPr>
+          <a:xfrm>
+            <a:off x="2772033" y="3003724"/>
+            <a:ext cx="152400" cy="178143"/>
+          </a:xfrm>
+          <a:prstGeom prst="line">
+            <a:avLst/>
+          </a:prstGeom>
+          <a:ln w="19050">
+            <a:solidFill>
+              <a:schemeClr val="accent1"/>
+            </a:solidFill>
+          </a:ln>
+        </p:spPr>
+        <p:style>
+          <a:lnRef idx="1">
+            <a:schemeClr val="accent1"/>
+          </a:lnRef>
+          <a:fillRef idx="0">
+            <a:schemeClr val="accent1"/>
+          </a:fillRef>
+          <a:effectRef idx="0">
+            <a:schemeClr val="accent1"/>
+          </a:effectRef>
+          <a:fontRef idx="minor">
+            <a:schemeClr val="tx1"/>
+          </a:fontRef>
+        </p:style>
+      </p:cxnSp>
+      <p:cxnSp>
+        <p:nvCxnSpPr>
+          <p:cNvPr id="30" name="Straight Connector 29">
+            <a:extLst>
+              <a:ext uri="{FF2B5EF4-FFF2-40B4-BE49-F238E27FC236}">
+                <a16:creationId xmlns:a16="http://schemas.microsoft.com/office/drawing/2014/main" id="{C6861CA1-1E38-9270-127B-CFA719908390}"/>
+              </a:ext>
+            </a:extLst>
+          </p:cNvPr>
+          <p:cNvCxnSpPr>
+            <a:cxnSpLocks/>
+            <a:stCxn id="13" idx="6"/>
+            <a:endCxn id="14" idx="2"/>
+          </p:cNvCxnSpPr>
+          <p:nvPr/>
+        </p:nvCxnSpPr>
+        <p:spPr>
+          <a:xfrm flipV="1">
+            <a:off x="2772033" y="2750411"/>
+            <a:ext cx="152400" cy="633283"/>
+          </a:xfrm>
+          <a:prstGeom prst="line">
+            <a:avLst/>
+          </a:prstGeom>
+          <a:ln w="19050">
+            <a:solidFill>
+              <a:schemeClr val="accent1"/>
+            </a:solidFill>
+          </a:ln>
+        </p:spPr>
+        <p:style>
+          <a:lnRef idx="1">
+            <a:schemeClr val="accent1"/>
+          </a:lnRef>
+          <a:fillRef idx="0">
+            <a:schemeClr val="accent1"/>
+          </a:fillRef>
+          <a:effectRef idx="0">
+            <a:schemeClr val="accent1"/>
+          </a:effectRef>
+          <a:fontRef idx="minor">
+            <a:schemeClr val="tx1"/>
+          </a:fontRef>
+        </p:style>
+      </p:cxnSp>
+      <p:cxnSp>
+        <p:nvCxnSpPr>
+          <p:cNvPr id="33" name="Straight Connector 32">
+            <a:extLst>
+              <a:ext uri="{FF2B5EF4-FFF2-40B4-BE49-F238E27FC236}">
+                <a16:creationId xmlns:a16="http://schemas.microsoft.com/office/drawing/2014/main" id="{FB5204C4-5817-55E3-896D-974CF49BF172}"/>
+              </a:ext>
+            </a:extLst>
+          </p:cNvPr>
+          <p:cNvCxnSpPr>
+            <a:cxnSpLocks/>
+            <a:stCxn id="13" idx="6"/>
+            <a:endCxn id="15" idx="2"/>
+          </p:cNvCxnSpPr>
+          <p:nvPr/>
+        </p:nvCxnSpPr>
+        <p:spPr>
+          <a:xfrm flipV="1">
+            <a:off x="2772033" y="3181867"/>
+            <a:ext cx="152400" cy="201827"/>
+          </a:xfrm>
+          <a:prstGeom prst="line">
+            <a:avLst/>
+          </a:prstGeom>
+          <a:ln w="19050">
+            <a:solidFill>
+              <a:schemeClr val="accent1"/>
+            </a:solidFill>
+          </a:ln>
+        </p:spPr>
+        <p:style>
+          <a:lnRef idx="1">
+            <a:schemeClr val="accent1"/>
+          </a:lnRef>
+          <a:fillRef idx="0">
+            <a:schemeClr val="accent1"/>
+          </a:fillRef>
+          <a:effectRef idx="0">
+            <a:schemeClr val="accent1"/>
+          </a:effectRef>
+          <a:fontRef idx="minor">
+            <a:schemeClr val="tx1"/>
+          </a:fontRef>
+        </p:style>
+      </p:cxnSp>
+      <p:cxnSp>
+        <p:nvCxnSpPr>
+          <p:cNvPr id="36" name="Straight Connector 35">
+            <a:extLst>
+              <a:ext uri="{FF2B5EF4-FFF2-40B4-BE49-F238E27FC236}">
+                <a16:creationId xmlns:a16="http://schemas.microsoft.com/office/drawing/2014/main" id="{7C6C00A1-E167-EEF6-BB3D-739B35AD7B74}"/>
+              </a:ext>
+            </a:extLst>
+          </p:cNvPr>
+          <p:cNvCxnSpPr>
+            <a:cxnSpLocks/>
+            <a:stCxn id="23" idx="2"/>
+            <a:endCxn id="14" idx="6"/>
+          </p:cNvCxnSpPr>
+          <p:nvPr/>
+        </p:nvCxnSpPr>
+        <p:spPr>
+          <a:xfrm flipH="1">
+            <a:off x="3183925" y="2623754"/>
+            <a:ext cx="152400" cy="126657"/>
+          </a:xfrm>
+          <a:prstGeom prst="line">
+            <a:avLst/>
+          </a:prstGeom>
+          <a:ln w="19050">
+            <a:solidFill>
+              <a:schemeClr val="accent1"/>
+            </a:solidFill>
+          </a:ln>
+        </p:spPr>
+        <p:style>
+          <a:lnRef idx="1">
+            <a:schemeClr val="accent1"/>
+          </a:lnRef>
+          <a:fillRef idx="0">
+            <a:schemeClr val="accent1"/>
+          </a:fillRef>
+          <a:effectRef idx="0">
+            <a:schemeClr val="accent1"/>
+          </a:effectRef>
+          <a:fontRef idx="minor">
+            <a:schemeClr val="tx1"/>
+          </a:fontRef>
+        </p:style>
+      </p:cxnSp>
+      <p:cxnSp>
+        <p:nvCxnSpPr>
+          <p:cNvPr id="39" name="Straight Connector 38">
+            <a:extLst>
+              <a:ext uri="{FF2B5EF4-FFF2-40B4-BE49-F238E27FC236}">
+                <a16:creationId xmlns:a16="http://schemas.microsoft.com/office/drawing/2014/main" id="{910DC423-CE7F-E080-8C03-E5F685D2FFD2}"/>
+              </a:ext>
+            </a:extLst>
+          </p:cNvPr>
+          <p:cNvCxnSpPr>
+            <a:cxnSpLocks/>
+            <a:stCxn id="21" idx="2"/>
+            <a:endCxn id="14" idx="6"/>
+          </p:cNvCxnSpPr>
+          <p:nvPr/>
+        </p:nvCxnSpPr>
+        <p:spPr>
+          <a:xfrm flipH="1" flipV="1">
+            <a:off x="3183925" y="2750411"/>
+            <a:ext cx="152400" cy="253312"/>
+          </a:xfrm>
+          <a:prstGeom prst="line">
+            <a:avLst/>
+          </a:prstGeom>
+          <a:ln w="19050">
+            <a:solidFill>
+              <a:schemeClr val="accent1"/>
+            </a:solidFill>
+          </a:ln>
+        </p:spPr>
+        <p:style>
+          <a:lnRef idx="1">
+            <a:schemeClr val="accent1"/>
+          </a:lnRef>
+          <a:fillRef idx="0">
+            <a:schemeClr val="accent1"/>
+          </a:fillRef>
+          <a:effectRef idx="0">
+            <a:schemeClr val="accent1"/>
+          </a:effectRef>
+          <a:fontRef idx="minor">
+            <a:schemeClr val="tx1"/>
+          </a:fontRef>
+        </p:style>
+      </p:cxnSp>
+      <p:cxnSp>
+        <p:nvCxnSpPr>
+          <p:cNvPr id="42" name="Straight Connector 41">
+            <a:extLst>
+              <a:ext uri="{FF2B5EF4-FFF2-40B4-BE49-F238E27FC236}">
+                <a16:creationId xmlns:a16="http://schemas.microsoft.com/office/drawing/2014/main" id="{3D5F72FE-D6C9-5166-552D-73000C02DC45}"/>
+              </a:ext>
+            </a:extLst>
+          </p:cNvPr>
+          <p:cNvCxnSpPr>
+            <a:cxnSpLocks/>
+            <a:stCxn id="22" idx="2"/>
+            <a:endCxn id="14" idx="6"/>
+          </p:cNvCxnSpPr>
+          <p:nvPr/>
+        </p:nvCxnSpPr>
+        <p:spPr>
+          <a:xfrm flipH="1" flipV="1">
+            <a:off x="3183925" y="2750411"/>
+            <a:ext cx="152400" cy="633282"/>
+          </a:xfrm>
+          <a:prstGeom prst="line">
+            <a:avLst/>
+          </a:prstGeom>
+          <a:ln w="19050">
+            <a:solidFill>
+              <a:schemeClr val="accent1"/>
+            </a:solidFill>
+          </a:ln>
+        </p:spPr>
+        <p:style>
+          <a:lnRef idx="1">
+            <a:schemeClr val="accent1"/>
+          </a:lnRef>
+          <a:fillRef idx="0">
+            <a:schemeClr val="accent1"/>
+          </a:fillRef>
+          <a:effectRef idx="0">
+            <a:schemeClr val="accent1"/>
+          </a:effectRef>
+          <a:fontRef idx="minor">
+            <a:schemeClr val="tx1"/>
+          </a:fontRef>
+        </p:style>
+      </p:cxnSp>
+      <p:cxnSp>
+        <p:nvCxnSpPr>
+          <p:cNvPr id="45" name="Straight Connector 44">
+            <a:extLst>
+              <a:ext uri="{FF2B5EF4-FFF2-40B4-BE49-F238E27FC236}">
+                <a16:creationId xmlns:a16="http://schemas.microsoft.com/office/drawing/2014/main" id="{009EC170-847A-55A9-832B-20215F942D86}"/>
+              </a:ext>
+            </a:extLst>
+          </p:cNvPr>
+          <p:cNvCxnSpPr>
+            <a:cxnSpLocks/>
+            <a:stCxn id="23" idx="2"/>
+            <a:endCxn id="15" idx="6"/>
+          </p:cNvCxnSpPr>
+          <p:nvPr/>
+        </p:nvCxnSpPr>
+        <p:spPr>
+          <a:xfrm flipH="1">
+            <a:off x="3183925" y="2623754"/>
+            <a:ext cx="152400" cy="558113"/>
+          </a:xfrm>
+          <a:prstGeom prst="line">
+            <a:avLst/>
+          </a:prstGeom>
+          <a:ln w="19050">
+            <a:solidFill>
+              <a:schemeClr val="accent1"/>
+            </a:solidFill>
+          </a:ln>
+        </p:spPr>
+        <p:style>
+          <a:lnRef idx="1">
+            <a:schemeClr val="accent1"/>
+          </a:lnRef>
+          <a:fillRef idx="0">
+            <a:schemeClr val="accent1"/>
+          </a:fillRef>
+          <a:effectRef idx="0">
+            <a:schemeClr val="accent1"/>
+          </a:effectRef>
+          <a:fontRef idx="minor">
+            <a:schemeClr val="tx1"/>
+          </a:fontRef>
+        </p:style>
+      </p:cxnSp>
+      <p:cxnSp>
+        <p:nvCxnSpPr>
+          <p:cNvPr id="48" name="Straight Connector 47">
+            <a:extLst>
+              <a:ext uri="{FF2B5EF4-FFF2-40B4-BE49-F238E27FC236}">
+                <a16:creationId xmlns:a16="http://schemas.microsoft.com/office/drawing/2014/main" id="{2A77C876-0CF7-17E2-578E-DAB317ACD717}"/>
+              </a:ext>
+            </a:extLst>
+          </p:cNvPr>
+          <p:cNvCxnSpPr>
+            <a:cxnSpLocks/>
+            <a:stCxn id="21" idx="2"/>
+            <a:endCxn id="15" idx="6"/>
+          </p:cNvCxnSpPr>
+          <p:nvPr/>
+        </p:nvCxnSpPr>
+        <p:spPr>
+          <a:xfrm flipH="1">
+            <a:off x="3183925" y="3003723"/>
+            <a:ext cx="152400" cy="178144"/>
+          </a:xfrm>
+          <a:prstGeom prst="line">
+            <a:avLst/>
+          </a:prstGeom>
+          <a:ln w="19050">
+            <a:solidFill>
+              <a:schemeClr val="accent1"/>
+            </a:solidFill>
+          </a:ln>
+        </p:spPr>
+        <p:style>
+          <a:lnRef idx="1">
+            <a:schemeClr val="accent1"/>
+          </a:lnRef>
+          <a:fillRef idx="0">
+            <a:schemeClr val="accent1"/>
+          </a:fillRef>
+          <a:effectRef idx="0">
+            <a:schemeClr val="accent1"/>
+          </a:effectRef>
+          <a:fontRef idx="minor">
+            <a:schemeClr val="tx1"/>
+          </a:fontRef>
+        </p:style>
+      </p:cxnSp>
+      <p:cxnSp>
+        <p:nvCxnSpPr>
+          <p:cNvPr id="51" name="Straight Connector 50">
+            <a:extLst>
+              <a:ext uri="{FF2B5EF4-FFF2-40B4-BE49-F238E27FC236}">
+                <a16:creationId xmlns:a16="http://schemas.microsoft.com/office/drawing/2014/main" id="{735C5E7A-6DA8-3E42-DA32-0E5586673A74}"/>
+              </a:ext>
+            </a:extLst>
+          </p:cNvPr>
+          <p:cNvCxnSpPr>
+            <a:cxnSpLocks/>
+            <a:stCxn id="22" idx="2"/>
+            <a:endCxn id="15" idx="6"/>
+          </p:cNvCxnSpPr>
+          <p:nvPr/>
+        </p:nvCxnSpPr>
+        <p:spPr>
+          <a:xfrm flipH="1" flipV="1">
+            <a:off x="3183925" y="3181867"/>
+            <a:ext cx="152400" cy="201826"/>
+          </a:xfrm>
+          <a:prstGeom prst="line">
+            <a:avLst/>
+          </a:prstGeom>
+          <a:ln w="19050">
+            <a:solidFill>
+              <a:schemeClr val="accent1"/>
+            </a:solidFill>
+          </a:ln>
+        </p:spPr>
+        <p:style>
+          <a:lnRef idx="1">
+            <a:schemeClr val="accent1"/>
+          </a:lnRef>
+          <a:fillRef idx="0">
+            <a:schemeClr val="accent1"/>
+          </a:fillRef>
+          <a:effectRef idx="0">
+            <a:schemeClr val="accent1"/>
+          </a:effectRef>
+          <a:fontRef idx="minor">
+            <a:schemeClr val="tx1"/>
+          </a:fontRef>
+        </p:style>
+      </p:cxnSp>
+      <p:sp>
+        <p:nvSpPr>
+          <p:cNvPr id="54" name="Oval 53">
+            <a:extLst>
+              <a:ext uri="{FF2B5EF4-FFF2-40B4-BE49-F238E27FC236}">
+                <a16:creationId xmlns:a16="http://schemas.microsoft.com/office/drawing/2014/main" id="{192300AB-B639-4D6C-D316-A88190AB3B03}"/>
+              </a:ext>
+            </a:extLst>
+          </p:cNvPr>
+          <p:cNvSpPr/>
+          <p:nvPr/>
+        </p:nvSpPr>
+        <p:spPr>
+          <a:xfrm>
+            <a:off x="5591431" y="1945162"/>
+            <a:ext cx="259492" cy="253313"/>
+          </a:xfrm>
+          <a:prstGeom prst="ellipse">
+            <a:avLst/>
+          </a:prstGeom>
+          <a:solidFill>
+            <a:schemeClr val="bg2"/>
+          </a:solidFill>
+        </p:spPr>
+        <p:style>
+          <a:lnRef idx="2">
+            <a:schemeClr val="accent1">
+              <a:shade val="50000"/>
+            </a:schemeClr>
+          </a:lnRef>
+          <a:fillRef idx="1">
+            <a:schemeClr val="accent1"/>
+          </a:fillRef>
+          <a:effectRef idx="0">
+            <a:schemeClr val="accent1"/>
+          </a:effectRef>
+          <a:fontRef idx="minor">
+            <a:schemeClr val="lt1"/>
+          </a:fontRef>
+        </p:style>
+        <p:txBody>
+          <a:bodyPr rtlCol="0" anchor="ctr"/>
+          <a:lstStyle/>
+          <a:p>
+            <a:pPr algn="ctr"/>
+            <a:endParaRPr lang="en-CN"/>
+          </a:p>
+        </p:txBody>
+      </p:sp>
+      <p:sp>
+        <p:nvSpPr>
+          <p:cNvPr id="55" name="Oval 54">
+            <a:extLst>
+              <a:ext uri="{FF2B5EF4-FFF2-40B4-BE49-F238E27FC236}">
+                <a16:creationId xmlns:a16="http://schemas.microsoft.com/office/drawing/2014/main" id="{C0102A26-E10A-5AD2-EC42-29879BB7F75B}"/>
+              </a:ext>
+            </a:extLst>
+          </p:cNvPr>
+          <p:cNvSpPr/>
+          <p:nvPr/>
+        </p:nvSpPr>
+        <p:spPr>
+          <a:xfrm>
+            <a:off x="5591431" y="2325132"/>
+            <a:ext cx="259492" cy="253313"/>
+          </a:xfrm>
+          <a:prstGeom prst="ellipse">
+            <a:avLst/>
+          </a:prstGeom>
+          <a:solidFill>
+            <a:schemeClr val="bg2"/>
+          </a:solidFill>
+        </p:spPr>
+        <p:style>
+          <a:lnRef idx="2">
+            <a:schemeClr val="accent1">
+              <a:shade val="50000"/>
+            </a:schemeClr>
+          </a:lnRef>
+          <a:fillRef idx="1">
+            <a:schemeClr val="accent1"/>
+          </a:fillRef>
+          <a:effectRef idx="0">
+            <a:schemeClr val="accent1"/>
+          </a:effectRef>
+          <a:fontRef idx="minor">
+            <a:schemeClr val="lt1"/>
+          </a:fontRef>
+        </p:style>
+        <p:txBody>
+          <a:bodyPr rtlCol="0" anchor="ctr"/>
+          <a:lstStyle/>
+          <a:p>
+            <a:pPr algn="ctr"/>
+            <a:endParaRPr lang="en-CN"/>
+          </a:p>
+        </p:txBody>
+      </p:sp>
+      <p:sp>
+        <p:nvSpPr>
+          <p:cNvPr id="56" name="Oval 55">
+            <a:extLst>
+              <a:ext uri="{FF2B5EF4-FFF2-40B4-BE49-F238E27FC236}">
+                <a16:creationId xmlns:a16="http://schemas.microsoft.com/office/drawing/2014/main" id="{EE7239AC-80F6-BE7D-EE76-5024016D26F2}"/>
+              </a:ext>
+            </a:extLst>
+          </p:cNvPr>
+          <p:cNvSpPr/>
+          <p:nvPr/>
+        </p:nvSpPr>
+        <p:spPr>
+          <a:xfrm>
+            <a:off x="5591431" y="2705102"/>
+            <a:ext cx="259492" cy="253313"/>
+          </a:xfrm>
+          <a:prstGeom prst="ellipse">
+            <a:avLst/>
+          </a:prstGeom>
+          <a:solidFill>
+            <a:schemeClr val="bg2"/>
+          </a:solidFill>
+        </p:spPr>
+        <p:style>
+          <a:lnRef idx="2">
+            <a:schemeClr val="accent1">
+              <a:shade val="50000"/>
+            </a:schemeClr>
+          </a:lnRef>
+          <a:fillRef idx="1">
+            <a:schemeClr val="accent1"/>
+          </a:fillRef>
+          <a:effectRef idx="0">
+            <a:schemeClr val="accent1"/>
+          </a:effectRef>
+          <a:fontRef idx="minor">
+            <a:schemeClr val="lt1"/>
+          </a:fontRef>
+        </p:style>
+        <p:txBody>
+          <a:bodyPr rtlCol="0" anchor="ctr"/>
+          <a:lstStyle/>
+          <a:p>
+            <a:pPr algn="ctr"/>
+            <a:endParaRPr lang="en-CN" dirty="0"/>
+          </a:p>
+        </p:txBody>
+      </p:sp>
+      <p:sp>
+        <p:nvSpPr>
+          <p:cNvPr id="57" name="Oval 56">
+            <a:extLst>
+              <a:ext uri="{FF2B5EF4-FFF2-40B4-BE49-F238E27FC236}">
+                <a16:creationId xmlns:a16="http://schemas.microsoft.com/office/drawing/2014/main" id="{17E2AEE4-3D82-C903-E11F-17EAF2FC86FD}"/>
+              </a:ext>
+            </a:extLst>
+          </p:cNvPr>
+          <p:cNvSpPr/>
+          <p:nvPr/>
+        </p:nvSpPr>
+        <p:spPr>
+          <a:xfrm>
+            <a:off x="6003323" y="2071819"/>
+            <a:ext cx="259492" cy="253313"/>
+          </a:xfrm>
+          <a:prstGeom prst="ellipse">
+            <a:avLst/>
+          </a:prstGeom>
+          <a:solidFill>
+            <a:schemeClr val="bg2"/>
+          </a:solidFill>
+        </p:spPr>
+        <p:style>
+          <a:lnRef idx="2">
+            <a:schemeClr val="accent1">
+              <a:shade val="50000"/>
+            </a:schemeClr>
+          </a:lnRef>
+          <a:fillRef idx="1">
+            <a:schemeClr val="accent1"/>
+          </a:fillRef>
+          <a:effectRef idx="0">
+            <a:schemeClr val="accent1"/>
+          </a:effectRef>
+          <a:fontRef idx="minor">
+            <a:schemeClr val="lt1"/>
+          </a:fontRef>
+        </p:style>
+        <p:txBody>
+          <a:bodyPr rtlCol="0" anchor="ctr"/>
+          <a:lstStyle/>
+          <a:p>
+            <a:pPr algn="ctr"/>
+            <a:endParaRPr lang="en-CN" dirty="0"/>
+          </a:p>
+        </p:txBody>
+      </p:sp>
+      <p:sp>
+        <p:nvSpPr>
+          <p:cNvPr id="58" name="Oval 57">
+            <a:extLst>
+              <a:ext uri="{FF2B5EF4-FFF2-40B4-BE49-F238E27FC236}">
+                <a16:creationId xmlns:a16="http://schemas.microsoft.com/office/drawing/2014/main" id="{03E6C958-940C-976B-5926-6DF51E390B9E}"/>
+              </a:ext>
+            </a:extLst>
+          </p:cNvPr>
+          <p:cNvSpPr/>
+          <p:nvPr/>
+        </p:nvSpPr>
+        <p:spPr>
+          <a:xfrm>
+            <a:off x="6003323" y="2503275"/>
+            <a:ext cx="259492" cy="253313"/>
+          </a:xfrm>
+          <a:prstGeom prst="ellipse">
+            <a:avLst/>
+          </a:prstGeom>
+          <a:solidFill>
+            <a:schemeClr val="bg2"/>
+          </a:solidFill>
+        </p:spPr>
+        <p:style>
+          <a:lnRef idx="2">
+            <a:schemeClr val="accent1">
+              <a:shade val="50000"/>
+            </a:schemeClr>
+          </a:lnRef>
+          <a:fillRef idx="1">
+            <a:schemeClr val="accent1"/>
+          </a:fillRef>
+          <a:effectRef idx="0">
+            <a:schemeClr val="accent1"/>
+          </a:effectRef>
+          <a:fontRef idx="minor">
+            <a:schemeClr val="lt1"/>
+          </a:fontRef>
+        </p:style>
+        <p:txBody>
+          <a:bodyPr rtlCol="0" anchor="ctr"/>
+          <a:lstStyle/>
+          <a:p>
+            <a:pPr algn="ctr"/>
+            <a:endParaRPr lang="en-CN"/>
+          </a:p>
+        </p:txBody>
+      </p:sp>
+      <p:cxnSp>
+        <p:nvCxnSpPr>
+          <p:cNvPr id="59" name="Straight Connector 58">
+            <a:extLst>
+              <a:ext uri="{FF2B5EF4-FFF2-40B4-BE49-F238E27FC236}">
+                <a16:creationId xmlns:a16="http://schemas.microsoft.com/office/drawing/2014/main" id="{7759666E-B1B8-96FC-E17A-BA5781CE5351}"/>
+              </a:ext>
+            </a:extLst>
+          </p:cNvPr>
+          <p:cNvCxnSpPr>
+            <a:stCxn id="54" idx="6"/>
+            <a:endCxn id="57" idx="2"/>
+          </p:cNvCxnSpPr>
+          <p:nvPr/>
+        </p:nvCxnSpPr>
+        <p:spPr>
+          <a:xfrm>
+            <a:off x="5850923" y="2071819"/>
+            <a:ext cx="152400" cy="126657"/>
+          </a:xfrm>
+          <a:prstGeom prst="line">
+            <a:avLst/>
+          </a:prstGeom>
+          <a:ln w="19050"/>
+        </p:spPr>
+        <p:style>
+          <a:lnRef idx="1">
+            <a:schemeClr val="accent1"/>
+          </a:lnRef>
+          <a:fillRef idx="0">
+            <a:schemeClr val="accent1"/>
+          </a:fillRef>
+          <a:effectRef idx="0">
+            <a:schemeClr val="accent1"/>
+          </a:effectRef>
+          <a:fontRef idx="minor">
+            <a:schemeClr val="tx1"/>
+          </a:fontRef>
+        </p:style>
+      </p:cxnSp>
+      <p:cxnSp>
+        <p:nvCxnSpPr>
+          <p:cNvPr id="60" name="Straight Connector 59">
+            <a:extLst>
+              <a:ext uri="{FF2B5EF4-FFF2-40B4-BE49-F238E27FC236}">
+                <a16:creationId xmlns:a16="http://schemas.microsoft.com/office/drawing/2014/main" id="{AE012573-8E71-D312-3815-15E66E0B721E}"/>
+              </a:ext>
+            </a:extLst>
+          </p:cNvPr>
+          <p:cNvCxnSpPr>
+            <a:cxnSpLocks/>
+            <a:stCxn id="54" idx="6"/>
+            <a:endCxn id="58" idx="2"/>
+          </p:cNvCxnSpPr>
+          <p:nvPr/>
+        </p:nvCxnSpPr>
+        <p:spPr>
+          <a:xfrm>
+            <a:off x="5850923" y="2071819"/>
+            <a:ext cx="152400" cy="558113"/>
+          </a:xfrm>
+          <a:prstGeom prst="line">
+            <a:avLst/>
+          </a:prstGeom>
+          <a:ln w="19050"/>
+        </p:spPr>
+        <p:style>
+          <a:lnRef idx="1">
+            <a:schemeClr val="accent1"/>
+          </a:lnRef>
+          <a:fillRef idx="0">
+            <a:schemeClr val="accent1"/>
+          </a:fillRef>
+          <a:effectRef idx="0">
+            <a:schemeClr val="accent1"/>
+          </a:effectRef>
+          <a:fontRef idx="minor">
+            <a:schemeClr val="tx1"/>
+          </a:fontRef>
+        </p:style>
+      </p:cxnSp>
+      <p:sp>
+        <p:nvSpPr>
+          <p:cNvPr id="61" name="Oval 60">
+            <a:extLst>
+              <a:ext uri="{FF2B5EF4-FFF2-40B4-BE49-F238E27FC236}">
+                <a16:creationId xmlns:a16="http://schemas.microsoft.com/office/drawing/2014/main" id="{0C4929FC-4638-83E4-7D03-4A12DF6AC9B8}"/>
+              </a:ext>
+            </a:extLst>
+          </p:cNvPr>
+          <p:cNvSpPr/>
+          <p:nvPr/>
+        </p:nvSpPr>
+        <p:spPr>
+          <a:xfrm>
+            <a:off x="6415215" y="2325131"/>
+            <a:ext cx="259492" cy="253313"/>
+          </a:xfrm>
+          <a:prstGeom prst="ellipse">
+            <a:avLst/>
+          </a:prstGeom>
+          <a:solidFill>
+            <a:schemeClr val="bg2"/>
+          </a:solidFill>
+        </p:spPr>
+        <p:style>
+          <a:lnRef idx="2">
+            <a:schemeClr val="accent1">
+              <a:shade val="50000"/>
+            </a:schemeClr>
+          </a:lnRef>
+          <a:fillRef idx="1">
+            <a:schemeClr val="accent1"/>
+          </a:fillRef>
+          <a:effectRef idx="0">
+            <a:schemeClr val="accent1"/>
+          </a:effectRef>
+          <a:fontRef idx="minor">
+            <a:schemeClr val="lt1"/>
+          </a:fontRef>
+        </p:style>
+        <p:txBody>
+          <a:bodyPr rtlCol="0" anchor="ctr"/>
+          <a:lstStyle/>
+          <a:p>
+            <a:pPr algn="ctr"/>
+            <a:endParaRPr lang="en-CN" dirty="0"/>
+          </a:p>
+        </p:txBody>
+      </p:sp>
+      <p:sp>
+        <p:nvSpPr>
+          <p:cNvPr id="62" name="Oval 61">
+            <a:extLst>
+              <a:ext uri="{FF2B5EF4-FFF2-40B4-BE49-F238E27FC236}">
+                <a16:creationId xmlns:a16="http://schemas.microsoft.com/office/drawing/2014/main" id="{0E876A94-7B89-1973-34F6-E4F405E50572}"/>
+              </a:ext>
+            </a:extLst>
+          </p:cNvPr>
+          <p:cNvSpPr/>
+          <p:nvPr/>
+        </p:nvSpPr>
+        <p:spPr>
+          <a:xfrm>
+            <a:off x="6415215" y="2705101"/>
+            <a:ext cx="259492" cy="253313"/>
+          </a:xfrm>
+          <a:prstGeom prst="ellipse">
+            <a:avLst/>
+          </a:prstGeom>
+          <a:solidFill>
+            <a:schemeClr val="bg2"/>
+          </a:solidFill>
+        </p:spPr>
+        <p:style>
+          <a:lnRef idx="2">
+            <a:schemeClr val="accent1">
+              <a:shade val="50000"/>
+            </a:schemeClr>
+          </a:lnRef>
+          <a:fillRef idx="1">
+            <a:schemeClr val="accent1"/>
+          </a:fillRef>
+          <a:effectRef idx="0">
+            <a:schemeClr val="accent1"/>
+          </a:effectRef>
+          <a:fontRef idx="minor">
+            <a:schemeClr val="lt1"/>
+          </a:fontRef>
+        </p:style>
+        <p:txBody>
+          <a:bodyPr rtlCol="0" anchor="ctr"/>
+          <a:lstStyle/>
+          <a:p>
+            <a:pPr algn="ctr"/>
+            <a:endParaRPr lang="en-CN" dirty="0"/>
+          </a:p>
+        </p:txBody>
+      </p:sp>
+      <p:sp>
+        <p:nvSpPr>
+          <p:cNvPr id="63" name="Oval 62">
+            <a:extLst>
+              <a:ext uri="{FF2B5EF4-FFF2-40B4-BE49-F238E27FC236}">
+                <a16:creationId xmlns:a16="http://schemas.microsoft.com/office/drawing/2014/main" id="{567335CD-654D-07F5-C876-794BCE17DE94}"/>
+              </a:ext>
+            </a:extLst>
+          </p:cNvPr>
+          <p:cNvSpPr/>
+          <p:nvPr/>
+        </p:nvSpPr>
+        <p:spPr>
+          <a:xfrm>
+            <a:off x="6415215" y="1945162"/>
+            <a:ext cx="259492" cy="253313"/>
+          </a:xfrm>
+          <a:prstGeom prst="ellipse">
+            <a:avLst/>
+          </a:prstGeom>
+          <a:solidFill>
+            <a:schemeClr val="bg2"/>
+          </a:solidFill>
+        </p:spPr>
+        <p:style>
+          <a:lnRef idx="2">
+            <a:schemeClr val="accent1">
+              <a:shade val="50000"/>
+            </a:schemeClr>
+          </a:lnRef>
+          <a:fillRef idx="1">
+            <a:schemeClr val="accent1"/>
+          </a:fillRef>
+          <a:effectRef idx="0">
+            <a:schemeClr val="accent1"/>
+          </a:effectRef>
+          <a:fontRef idx="minor">
+            <a:schemeClr val="lt1"/>
+          </a:fontRef>
+        </p:style>
+        <p:txBody>
+          <a:bodyPr rtlCol="0" anchor="ctr"/>
+          <a:lstStyle/>
+          <a:p>
+            <a:pPr algn="ctr"/>
+            <a:endParaRPr lang="en-CN" dirty="0"/>
+          </a:p>
+        </p:txBody>
+      </p:sp>
+      <p:cxnSp>
+        <p:nvCxnSpPr>
+          <p:cNvPr id="64" name="Straight Connector 63">
+            <a:extLst>
+              <a:ext uri="{FF2B5EF4-FFF2-40B4-BE49-F238E27FC236}">
+                <a16:creationId xmlns:a16="http://schemas.microsoft.com/office/drawing/2014/main" id="{E8D5E2EB-1CE6-98B1-2A23-1E92990C17EA}"/>
+              </a:ext>
+            </a:extLst>
+          </p:cNvPr>
+          <p:cNvCxnSpPr>
+            <a:cxnSpLocks/>
+            <a:stCxn id="55" idx="6"/>
+            <a:endCxn id="57" idx="2"/>
+          </p:cNvCxnSpPr>
+          <p:nvPr/>
+        </p:nvCxnSpPr>
+        <p:spPr>
+          <a:xfrm flipV="1">
+            <a:off x="5850923" y="2198476"/>
+            <a:ext cx="152400" cy="253313"/>
+          </a:xfrm>
+          <a:prstGeom prst="line">
+            <a:avLst/>
+          </a:prstGeom>
+          <a:ln w="19050"/>
+        </p:spPr>
+        <p:style>
+          <a:lnRef idx="1">
+            <a:schemeClr val="accent1"/>
+          </a:lnRef>
+          <a:fillRef idx="0">
+            <a:schemeClr val="accent1"/>
+          </a:fillRef>
+          <a:effectRef idx="0">
+            <a:schemeClr val="accent1"/>
+          </a:effectRef>
+          <a:fontRef idx="minor">
+            <a:schemeClr val="tx1"/>
+          </a:fontRef>
+        </p:style>
+      </p:cxnSp>
+      <p:cxnSp>
+        <p:nvCxnSpPr>
+          <p:cNvPr id="65" name="Straight Connector 64">
+            <a:extLst>
+              <a:ext uri="{FF2B5EF4-FFF2-40B4-BE49-F238E27FC236}">
+                <a16:creationId xmlns:a16="http://schemas.microsoft.com/office/drawing/2014/main" id="{301D02D0-7EF7-D86F-7F2F-CAA0D68A2674}"/>
+              </a:ext>
+            </a:extLst>
+          </p:cNvPr>
+          <p:cNvCxnSpPr>
+            <a:cxnSpLocks/>
+            <a:stCxn id="55" idx="6"/>
+            <a:endCxn id="58" idx="2"/>
+          </p:cNvCxnSpPr>
+          <p:nvPr/>
+        </p:nvCxnSpPr>
+        <p:spPr>
+          <a:xfrm>
+            <a:off x="5850923" y="2451789"/>
+            <a:ext cx="152400" cy="178143"/>
+          </a:xfrm>
+          <a:prstGeom prst="line">
+            <a:avLst/>
+          </a:prstGeom>
+          <a:ln w="19050"/>
+        </p:spPr>
+        <p:style>
+          <a:lnRef idx="1">
+            <a:schemeClr val="accent1"/>
+          </a:lnRef>
+          <a:fillRef idx="0">
+            <a:schemeClr val="accent1"/>
+          </a:fillRef>
+          <a:effectRef idx="0">
+            <a:schemeClr val="accent1"/>
+          </a:effectRef>
+          <a:fontRef idx="minor">
+            <a:schemeClr val="tx1"/>
+          </a:fontRef>
+        </p:style>
+      </p:cxnSp>
+      <p:cxnSp>
+        <p:nvCxnSpPr>
+          <p:cNvPr id="66" name="Straight Connector 65">
+            <a:extLst>
+              <a:ext uri="{FF2B5EF4-FFF2-40B4-BE49-F238E27FC236}">
+                <a16:creationId xmlns:a16="http://schemas.microsoft.com/office/drawing/2014/main" id="{8997BFBA-F094-7B74-A554-FF97AC704F79}"/>
+              </a:ext>
+            </a:extLst>
+          </p:cNvPr>
+          <p:cNvCxnSpPr>
+            <a:cxnSpLocks/>
+            <a:stCxn id="56" idx="6"/>
+            <a:endCxn id="57" idx="2"/>
+          </p:cNvCxnSpPr>
+          <p:nvPr/>
+        </p:nvCxnSpPr>
+        <p:spPr>
+          <a:xfrm flipV="1">
+            <a:off x="5850923" y="2198476"/>
+            <a:ext cx="152400" cy="633283"/>
+          </a:xfrm>
+          <a:prstGeom prst="line">
+            <a:avLst/>
+          </a:prstGeom>
+          <a:ln w="19050"/>
+        </p:spPr>
+        <p:style>
+          <a:lnRef idx="1">
+            <a:schemeClr val="accent1"/>
+          </a:lnRef>
+          <a:fillRef idx="0">
+            <a:schemeClr val="accent1"/>
+          </a:fillRef>
+          <a:effectRef idx="0">
+            <a:schemeClr val="accent1"/>
+          </a:effectRef>
+          <a:fontRef idx="minor">
+            <a:schemeClr val="tx1"/>
+          </a:fontRef>
+        </p:style>
+      </p:cxnSp>
+      <p:cxnSp>
+        <p:nvCxnSpPr>
+          <p:cNvPr id="67" name="Straight Connector 66">
+            <a:extLst>
+              <a:ext uri="{FF2B5EF4-FFF2-40B4-BE49-F238E27FC236}">
+                <a16:creationId xmlns:a16="http://schemas.microsoft.com/office/drawing/2014/main" id="{AF81FFF1-9B51-E401-CEB7-395272F3083D}"/>
+              </a:ext>
+            </a:extLst>
+          </p:cNvPr>
+          <p:cNvCxnSpPr>
+            <a:cxnSpLocks/>
+            <a:stCxn id="56" idx="6"/>
+            <a:endCxn id="58" idx="2"/>
+          </p:cNvCxnSpPr>
+          <p:nvPr/>
+        </p:nvCxnSpPr>
+        <p:spPr>
+          <a:xfrm flipV="1">
+            <a:off x="5850923" y="2629932"/>
+            <a:ext cx="152400" cy="201827"/>
+          </a:xfrm>
+          <a:prstGeom prst="line">
+            <a:avLst/>
+          </a:prstGeom>
+          <a:ln w="19050"/>
+        </p:spPr>
+        <p:style>
+          <a:lnRef idx="1">
+            <a:schemeClr val="accent1"/>
+          </a:lnRef>
+          <a:fillRef idx="0">
+            <a:schemeClr val="accent1"/>
+          </a:fillRef>
+          <a:effectRef idx="0">
+            <a:schemeClr val="accent1"/>
+          </a:effectRef>
+          <a:fontRef idx="minor">
+            <a:schemeClr val="tx1"/>
+          </a:fontRef>
+        </p:style>
+      </p:cxnSp>
+      <p:cxnSp>
+        <p:nvCxnSpPr>
+          <p:cNvPr id="68" name="Straight Connector 67">
+            <a:extLst>
+              <a:ext uri="{FF2B5EF4-FFF2-40B4-BE49-F238E27FC236}">
+                <a16:creationId xmlns:a16="http://schemas.microsoft.com/office/drawing/2014/main" id="{F535DCE8-EC0C-0D3E-784D-0855DECBCB82}"/>
+              </a:ext>
+            </a:extLst>
+          </p:cNvPr>
+          <p:cNvCxnSpPr>
+            <a:cxnSpLocks/>
+            <a:stCxn id="63" idx="2"/>
+            <a:endCxn id="57" idx="6"/>
+          </p:cNvCxnSpPr>
+          <p:nvPr/>
+        </p:nvCxnSpPr>
+        <p:spPr>
+          <a:xfrm flipH="1">
+            <a:off x="6262815" y="2071819"/>
+            <a:ext cx="152400" cy="126657"/>
+          </a:xfrm>
+          <a:prstGeom prst="line">
+            <a:avLst/>
+          </a:prstGeom>
+          <a:ln w="19050"/>
+        </p:spPr>
+        <p:style>
+          <a:lnRef idx="1">
+            <a:schemeClr val="accent1"/>
+          </a:lnRef>
+          <a:fillRef idx="0">
+            <a:schemeClr val="accent1"/>
+          </a:fillRef>
+          <a:effectRef idx="0">
+            <a:schemeClr val="accent1"/>
+          </a:effectRef>
+          <a:fontRef idx="minor">
+            <a:schemeClr val="tx1"/>
+          </a:fontRef>
+        </p:style>
+      </p:cxnSp>
+      <p:cxnSp>
+        <p:nvCxnSpPr>
+          <p:cNvPr id="69" name="Straight Connector 68">
+            <a:extLst>
+              <a:ext uri="{FF2B5EF4-FFF2-40B4-BE49-F238E27FC236}">
+                <a16:creationId xmlns:a16="http://schemas.microsoft.com/office/drawing/2014/main" id="{28D0B782-72F3-C9C4-E759-D538A8634E23}"/>
+              </a:ext>
+            </a:extLst>
+          </p:cNvPr>
+          <p:cNvCxnSpPr>
+            <a:cxnSpLocks/>
+            <a:stCxn id="61" idx="2"/>
+            <a:endCxn id="57" idx="6"/>
+          </p:cNvCxnSpPr>
+          <p:nvPr/>
+        </p:nvCxnSpPr>
+        <p:spPr>
+          <a:xfrm flipH="1" flipV="1">
+            <a:off x="6262815" y="2198476"/>
+            <a:ext cx="152400" cy="253312"/>
+          </a:xfrm>
+          <a:prstGeom prst="line">
+            <a:avLst/>
+          </a:prstGeom>
+          <a:ln w="19050"/>
+        </p:spPr>
+        <p:style>
+          <a:lnRef idx="1">
+            <a:schemeClr val="accent1"/>
+          </a:lnRef>
+          <a:fillRef idx="0">
+            <a:schemeClr val="accent1"/>
+          </a:fillRef>
+          <a:effectRef idx="0">
+            <a:schemeClr val="accent1"/>
+          </a:effectRef>
+          <a:fontRef idx="minor">
+            <a:schemeClr val="tx1"/>
+          </a:fontRef>
+        </p:style>
+      </p:cxnSp>
+      <p:cxnSp>
+        <p:nvCxnSpPr>
+          <p:cNvPr id="70" name="Straight Connector 69">
+            <a:extLst>
+              <a:ext uri="{FF2B5EF4-FFF2-40B4-BE49-F238E27FC236}">
+                <a16:creationId xmlns:a16="http://schemas.microsoft.com/office/drawing/2014/main" id="{F85AC51F-0060-02EC-7509-824F79D009B7}"/>
+              </a:ext>
+            </a:extLst>
+          </p:cNvPr>
+          <p:cNvCxnSpPr>
+            <a:cxnSpLocks/>
+            <a:stCxn id="62" idx="2"/>
+            <a:endCxn id="57" idx="6"/>
+          </p:cNvCxnSpPr>
+          <p:nvPr/>
+        </p:nvCxnSpPr>
+        <p:spPr>
+          <a:xfrm flipH="1" flipV="1">
+            <a:off x="6262815" y="2198476"/>
+            <a:ext cx="152400" cy="633282"/>
+          </a:xfrm>
+          <a:prstGeom prst="line">
+            <a:avLst/>
+          </a:prstGeom>
+          <a:ln w="19050"/>
+        </p:spPr>
+        <p:style>
+          <a:lnRef idx="1">
+            <a:schemeClr val="accent1"/>
+          </a:lnRef>
+          <a:fillRef idx="0">
+            <a:schemeClr val="accent1"/>
+          </a:fillRef>
+          <a:effectRef idx="0">
+            <a:schemeClr val="accent1"/>
+          </a:effectRef>
+          <a:fontRef idx="minor">
+            <a:schemeClr val="tx1"/>
+          </a:fontRef>
+        </p:style>
+      </p:cxnSp>
+      <p:cxnSp>
+        <p:nvCxnSpPr>
+          <p:cNvPr id="71" name="Straight Connector 70">
+            <a:extLst>
+              <a:ext uri="{FF2B5EF4-FFF2-40B4-BE49-F238E27FC236}">
+                <a16:creationId xmlns:a16="http://schemas.microsoft.com/office/drawing/2014/main" id="{CC5AA873-CA6C-C880-6175-AC84F1C6E9D0}"/>
+              </a:ext>
+            </a:extLst>
+          </p:cNvPr>
+          <p:cNvCxnSpPr>
+            <a:cxnSpLocks/>
+            <a:stCxn id="63" idx="2"/>
+            <a:endCxn id="58" idx="6"/>
+          </p:cNvCxnSpPr>
+          <p:nvPr/>
+        </p:nvCxnSpPr>
+        <p:spPr>
+          <a:xfrm flipH="1">
+            <a:off x="6262815" y="2071819"/>
+            <a:ext cx="152400" cy="558113"/>
+          </a:xfrm>
+          <a:prstGeom prst="line">
+            <a:avLst/>
+          </a:prstGeom>
+          <a:ln w="19050"/>
+        </p:spPr>
+        <p:style>
+          <a:lnRef idx="1">
+            <a:schemeClr val="accent1"/>
+          </a:lnRef>
+          <a:fillRef idx="0">
+            <a:schemeClr val="accent1"/>
+          </a:fillRef>
+          <a:effectRef idx="0">
+            <a:schemeClr val="accent1"/>
+          </a:effectRef>
+          <a:fontRef idx="minor">
+            <a:schemeClr val="tx1"/>
+          </a:fontRef>
+        </p:style>
+      </p:cxnSp>
+      <p:cxnSp>
+        <p:nvCxnSpPr>
+          <p:cNvPr id="72" name="Straight Connector 71">
+            <a:extLst>
+              <a:ext uri="{FF2B5EF4-FFF2-40B4-BE49-F238E27FC236}">
+                <a16:creationId xmlns:a16="http://schemas.microsoft.com/office/drawing/2014/main" id="{946E5557-7C0B-2ACF-F93F-11FCE791F296}"/>
+              </a:ext>
+            </a:extLst>
+          </p:cNvPr>
+          <p:cNvCxnSpPr>
+            <a:cxnSpLocks/>
+            <a:stCxn id="61" idx="2"/>
+            <a:endCxn id="58" idx="6"/>
+          </p:cNvCxnSpPr>
+          <p:nvPr/>
+        </p:nvCxnSpPr>
+        <p:spPr>
+          <a:xfrm flipH="1">
+            <a:off x="6262815" y="2451788"/>
+            <a:ext cx="152400" cy="178144"/>
+          </a:xfrm>
+          <a:prstGeom prst="line">
+            <a:avLst/>
+          </a:prstGeom>
+          <a:ln w="19050"/>
+        </p:spPr>
+        <p:style>
+          <a:lnRef idx="1">
+            <a:schemeClr val="accent1"/>
+          </a:lnRef>
+          <a:fillRef idx="0">
+            <a:schemeClr val="accent1"/>
+          </a:fillRef>
+          <a:effectRef idx="0">
+            <a:schemeClr val="accent1"/>
+          </a:effectRef>
+          <a:fontRef idx="minor">
+            <a:schemeClr val="tx1"/>
+          </a:fontRef>
+        </p:style>
+      </p:cxnSp>
+      <p:cxnSp>
+        <p:nvCxnSpPr>
+          <p:cNvPr id="73" name="Straight Connector 72">
+            <a:extLst>
+              <a:ext uri="{FF2B5EF4-FFF2-40B4-BE49-F238E27FC236}">
+                <a16:creationId xmlns:a16="http://schemas.microsoft.com/office/drawing/2014/main" id="{86DACFBF-0F6B-F5CF-BCDC-F3FB3C26135E}"/>
+              </a:ext>
+            </a:extLst>
+          </p:cNvPr>
+          <p:cNvCxnSpPr>
+            <a:cxnSpLocks/>
+            <a:stCxn id="62" idx="2"/>
+            <a:endCxn id="58" idx="6"/>
+          </p:cNvCxnSpPr>
+          <p:nvPr/>
+        </p:nvCxnSpPr>
+        <p:spPr>
+          <a:xfrm flipH="1" flipV="1">
+            <a:off x="6262815" y="2629932"/>
+            <a:ext cx="152400" cy="201826"/>
+          </a:xfrm>
+          <a:prstGeom prst="line">
+            <a:avLst/>
+          </a:prstGeom>
+          <a:ln w="19050"/>
+        </p:spPr>
+        <p:style>
+          <a:lnRef idx="1">
+            <a:schemeClr val="accent1"/>
+          </a:lnRef>
+          <a:fillRef idx="0">
+            <a:schemeClr val="accent1"/>
+          </a:fillRef>
+          <a:effectRef idx="0">
+            <a:schemeClr val="accent1"/>
+          </a:effectRef>
+          <a:fontRef idx="minor">
+            <a:schemeClr val="tx1"/>
+          </a:fontRef>
+        </p:style>
+      </p:cxnSp>
+      <p:sp>
+        <p:nvSpPr>
+          <p:cNvPr id="74" name="Oval 73">
+            <a:extLst>
+              <a:ext uri="{FF2B5EF4-FFF2-40B4-BE49-F238E27FC236}">
+                <a16:creationId xmlns:a16="http://schemas.microsoft.com/office/drawing/2014/main" id="{8604DE66-65A9-F93C-D7F2-7512F4B984A3}"/>
+              </a:ext>
+            </a:extLst>
+          </p:cNvPr>
+          <p:cNvSpPr/>
+          <p:nvPr/>
+        </p:nvSpPr>
+        <p:spPr>
+          <a:xfrm>
+            <a:off x="5577014" y="3083527"/>
+            <a:ext cx="259492" cy="253313"/>
+          </a:xfrm>
+          <a:prstGeom prst="ellipse">
+            <a:avLst/>
+          </a:prstGeom>
+          <a:solidFill>
+            <a:schemeClr val="bg1"/>
+          </a:solidFill>
+        </p:spPr>
+        <p:style>
+          <a:lnRef idx="2">
+            <a:schemeClr val="accent1">
+              <a:shade val="50000"/>
+            </a:schemeClr>
+          </a:lnRef>
+          <a:fillRef idx="1">
+            <a:schemeClr val="accent1"/>
+          </a:fillRef>
+          <a:effectRef idx="0">
+            <a:schemeClr val="accent1"/>
+          </a:effectRef>
+          <a:fontRef idx="minor">
+            <a:schemeClr val="lt1"/>
+          </a:fontRef>
+        </p:style>
+        <p:txBody>
+          <a:bodyPr rtlCol="0" anchor="ctr"/>
+          <a:lstStyle/>
+          <a:p>
+            <a:pPr algn="ctr"/>
+            <a:endParaRPr lang="en-CN"/>
+          </a:p>
+        </p:txBody>
+      </p:sp>
+      <p:sp>
+        <p:nvSpPr>
+          <p:cNvPr id="75" name="Oval 74">
+            <a:extLst>
+              <a:ext uri="{FF2B5EF4-FFF2-40B4-BE49-F238E27FC236}">
+                <a16:creationId xmlns:a16="http://schemas.microsoft.com/office/drawing/2014/main" id="{EF649C3A-2F43-51A4-AB8D-584F49FE292C}"/>
+              </a:ext>
+            </a:extLst>
+          </p:cNvPr>
+          <p:cNvSpPr/>
+          <p:nvPr/>
+        </p:nvSpPr>
+        <p:spPr>
+          <a:xfrm>
+            <a:off x="5577014" y="3463497"/>
+            <a:ext cx="259492" cy="253313"/>
+          </a:xfrm>
+          <a:prstGeom prst="ellipse">
+            <a:avLst/>
+          </a:prstGeom>
+          <a:solidFill>
+            <a:schemeClr val="bg1"/>
+          </a:solidFill>
+        </p:spPr>
+        <p:style>
+          <a:lnRef idx="2">
+            <a:schemeClr val="accent1">
+              <a:shade val="50000"/>
+            </a:schemeClr>
+          </a:lnRef>
+          <a:fillRef idx="1">
+            <a:schemeClr val="accent1"/>
+          </a:fillRef>
+          <a:effectRef idx="0">
+            <a:schemeClr val="accent1"/>
+          </a:effectRef>
+          <a:fontRef idx="minor">
+            <a:schemeClr val="lt1"/>
+          </a:fontRef>
+        </p:style>
+        <p:txBody>
+          <a:bodyPr rtlCol="0" anchor="ctr"/>
+          <a:lstStyle/>
+          <a:p>
+            <a:pPr algn="ctr"/>
+            <a:endParaRPr lang="en-CN"/>
+          </a:p>
+        </p:txBody>
+      </p:sp>
+      <p:sp>
+        <p:nvSpPr>
+          <p:cNvPr id="76" name="Oval 75">
+            <a:extLst>
+              <a:ext uri="{FF2B5EF4-FFF2-40B4-BE49-F238E27FC236}">
+                <a16:creationId xmlns:a16="http://schemas.microsoft.com/office/drawing/2014/main" id="{DD4E0A3F-CFAE-4979-B4AD-B01505098ACB}"/>
+              </a:ext>
+            </a:extLst>
+          </p:cNvPr>
+          <p:cNvSpPr/>
+          <p:nvPr/>
+        </p:nvSpPr>
+        <p:spPr>
+          <a:xfrm>
+            <a:off x="5577014" y="3843467"/>
+            <a:ext cx="259492" cy="253313"/>
+          </a:xfrm>
+          <a:prstGeom prst="ellipse">
+            <a:avLst/>
+          </a:prstGeom>
+          <a:solidFill>
+            <a:schemeClr val="bg1"/>
+          </a:solidFill>
+        </p:spPr>
+        <p:style>
+          <a:lnRef idx="2">
+            <a:schemeClr val="accent1">
+              <a:shade val="50000"/>
+            </a:schemeClr>
+          </a:lnRef>
+          <a:fillRef idx="1">
+            <a:schemeClr val="accent1"/>
+          </a:fillRef>
+          <a:effectRef idx="0">
+            <a:schemeClr val="accent1"/>
+          </a:effectRef>
+          <a:fontRef idx="minor">
+            <a:schemeClr val="lt1"/>
+          </a:fontRef>
+        </p:style>
+        <p:txBody>
+          <a:bodyPr rtlCol="0" anchor="ctr"/>
+          <a:lstStyle/>
+          <a:p>
+            <a:pPr algn="ctr"/>
+            <a:endParaRPr lang="en-CN" dirty="0"/>
+          </a:p>
+        </p:txBody>
+      </p:sp>
+      <p:sp>
+        <p:nvSpPr>
+          <p:cNvPr id="77" name="Oval 76">
+            <a:extLst>
+              <a:ext uri="{FF2B5EF4-FFF2-40B4-BE49-F238E27FC236}">
+                <a16:creationId xmlns:a16="http://schemas.microsoft.com/office/drawing/2014/main" id="{0B065018-6FD1-378A-9DDE-BD5F95E65E83}"/>
+              </a:ext>
+            </a:extLst>
+          </p:cNvPr>
+          <p:cNvSpPr/>
+          <p:nvPr/>
+        </p:nvSpPr>
+        <p:spPr>
+          <a:xfrm>
+            <a:off x="5988906" y="3210184"/>
+            <a:ext cx="259492" cy="253313"/>
+          </a:xfrm>
+          <a:prstGeom prst="ellipse">
+            <a:avLst/>
+          </a:prstGeom>
+          <a:solidFill>
+            <a:schemeClr val="bg1"/>
+          </a:solidFill>
+        </p:spPr>
+        <p:style>
+          <a:lnRef idx="2">
+            <a:schemeClr val="accent1">
+              <a:shade val="50000"/>
+            </a:schemeClr>
+          </a:lnRef>
+          <a:fillRef idx="1">
+            <a:schemeClr val="accent1"/>
+          </a:fillRef>
+          <a:effectRef idx="0">
+            <a:schemeClr val="accent1"/>
+          </a:effectRef>
+          <a:fontRef idx="minor">
+            <a:schemeClr val="lt1"/>
+          </a:fontRef>
+        </p:style>
+        <p:txBody>
+          <a:bodyPr rtlCol="0" anchor="ctr"/>
+          <a:lstStyle/>
+          <a:p>
+            <a:pPr algn="ctr"/>
+            <a:endParaRPr lang="en-CN" dirty="0"/>
+          </a:p>
+        </p:txBody>
+      </p:sp>
+      <p:sp>
+        <p:nvSpPr>
+          <p:cNvPr id="78" name="Oval 77">
+            <a:extLst>
+              <a:ext uri="{FF2B5EF4-FFF2-40B4-BE49-F238E27FC236}">
+                <a16:creationId xmlns:a16="http://schemas.microsoft.com/office/drawing/2014/main" id="{1F35D08C-AA4E-0550-3418-4121ACB975A7}"/>
+              </a:ext>
+            </a:extLst>
+          </p:cNvPr>
+          <p:cNvSpPr/>
+          <p:nvPr/>
+        </p:nvSpPr>
+        <p:spPr>
+          <a:xfrm>
+            <a:off x="5988906" y="3641640"/>
+            <a:ext cx="259492" cy="253313"/>
+          </a:xfrm>
+          <a:prstGeom prst="ellipse">
+            <a:avLst/>
+          </a:prstGeom>
+          <a:solidFill>
+            <a:schemeClr val="bg1"/>
+          </a:solidFill>
+        </p:spPr>
+        <p:style>
+          <a:lnRef idx="2">
+            <a:schemeClr val="accent1">
+              <a:shade val="50000"/>
+            </a:schemeClr>
+          </a:lnRef>
+          <a:fillRef idx="1">
+            <a:schemeClr val="accent1"/>
+          </a:fillRef>
+          <a:effectRef idx="0">
+            <a:schemeClr val="accent1"/>
+          </a:effectRef>
+          <a:fontRef idx="minor">
+            <a:schemeClr val="lt1"/>
+          </a:fontRef>
+        </p:style>
+        <p:txBody>
+          <a:bodyPr rtlCol="0" anchor="ctr"/>
+          <a:lstStyle/>
+          <a:p>
+            <a:pPr algn="ctr"/>
+            <a:endParaRPr lang="en-CN"/>
+          </a:p>
+        </p:txBody>
+      </p:sp>
+      <p:cxnSp>
+        <p:nvCxnSpPr>
+          <p:cNvPr id="79" name="Straight Connector 78">
+            <a:extLst>
+              <a:ext uri="{FF2B5EF4-FFF2-40B4-BE49-F238E27FC236}">
+                <a16:creationId xmlns:a16="http://schemas.microsoft.com/office/drawing/2014/main" id="{26FD73F3-E610-7E27-83BD-1FDE4450442E}"/>
+              </a:ext>
+            </a:extLst>
+          </p:cNvPr>
+          <p:cNvCxnSpPr>
+            <a:stCxn id="74" idx="6"/>
+            <a:endCxn id="77" idx="2"/>
+          </p:cNvCxnSpPr>
+          <p:nvPr/>
+        </p:nvCxnSpPr>
+        <p:spPr>
+          <a:xfrm>
+            <a:off x="5836506" y="3210184"/>
+            <a:ext cx="152400" cy="126657"/>
+          </a:xfrm>
+          <a:prstGeom prst="line">
+            <a:avLst/>
+          </a:prstGeom>
+          <a:ln w="19050"/>
+        </p:spPr>
+        <p:style>
+          <a:lnRef idx="1">
+            <a:schemeClr val="accent1"/>
+          </a:lnRef>
+          <a:fillRef idx="0">
+            <a:schemeClr val="accent1"/>
+          </a:fillRef>
+          <a:effectRef idx="0">
+            <a:schemeClr val="accent1"/>
+          </a:effectRef>
+          <a:fontRef idx="minor">
+            <a:schemeClr val="tx1"/>
+          </a:fontRef>
+        </p:style>
+      </p:cxnSp>
+      <p:cxnSp>
+        <p:nvCxnSpPr>
+          <p:cNvPr id="80" name="Straight Connector 79">
+            <a:extLst>
+              <a:ext uri="{FF2B5EF4-FFF2-40B4-BE49-F238E27FC236}">
+                <a16:creationId xmlns:a16="http://schemas.microsoft.com/office/drawing/2014/main" id="{BD7D9E10-76D5-D96B-56F2-E9461A9E441A}"/>
+              </a:ext>
+            </a:extLst>
+          </p:cNvPr>
+          <p:cNvCxnSpPr>
+            <a:cxnSpLocks/>
+            <a:stCxn id="74" idx="6"/>
+            <a:endCxn id="78" idx="2"/>
+          </p:cNvCxnSpPr>
+          <p:nvPr/>
+        </p:nvCxnSpPr>
+        <p:spPr>
+          <a:xfrm>
+            <a:off x="5836506" y="3210184"/>
+            <a:ext cx="152400" cy="558113"/>
+          </a:xfrm>
+          <a:prstGeom prst="line">
+            <a:avLst/>
+          </a:prstGeom>
+          <a:ln w="19050"/>
+        </p:spPr>
+        <p:style>
+          <a:lnRef idx="1">
+            <a:schemeClr val="accent1"/>
+          </a:lnRef>
+          <a:fillRef idx="0">
+            <a:schemeClr val="accent1"/>
+          </a:fillRef>
+          <a:effectRef idx="0">
+            <a:schemeClr val="accent1"/>
+          </a:effectRef>
+          <a:fontRef idx="minor">
+            <a:schemeClr val="tx1"/>
+          </a:fontRef>
+        </p:style>
+      </p:cxnSp>
+      <p:sp>
+        <p:nvSpPr>
+          <p:cNvPr id="81" name="Oval 80">
+            <a:extLst>
+              <a:ext uri="{FF2B5EF4-FFF2-40B4-BE49-F238E27FC236}">
+                <a16:creationId xmlns:a16="http://schemas.microsoft.com/office/drawing/2014/main" id="{852E7920-69A2-170D-B916-10AE574051A7}"/>
+              </a:ext>
+            </a:extLst>
+          </p:cNvPr>
+          <p:cNvSpPr/>
+          <p:nvPr/>
+        </p:nvSpPr>
+        <p:spPr>
+          <a:xfrm>
+            <a:off x="6400798" y="3463496"/>
+            <a:ext cx="259492" cy="253313"/>
+          </a:xfrm>
+          <a:prstGeom prst="ellipse">
+            <a:avLst/>
+          </a:prstGeom>
+          <a:solidFill>
+            <a:schemeClr val="bg1"/>
+          </a:solidFill>
+        </p:spPr>
+        <p:style>
+          <a:lnRef idx="2">
+            <a:schemeClr val="accent1">
+              <a:shade val="50000"/>
+            </a:schemeClr>
+          </a:lnRef>
+          <a:fillRef idx="1">
+            <a:schemeClr val="accent1"/>
+          </a:fillRef>
+          <a:effectRef idx="0">
+            <a:schemeClr val="accent1"/>
+          </a:effectRef>
+          <a:fontRef idx="minor">
+            <a:schemeClr val="lt1"/>
+          </a:fontRef>
+        </p:style>
+        <p:txBody>
+          <a:bodyPr rtlCol="0" anchor="ctr"/>
+          <a:lstStyle/>
+          <a:p>
+            <a:pPr algn="ctr"/>
+            <a:endParaRPr lang="en-CN" dirty="0"/>
+          </a:p>
+        </p:txBody>
+      </p:sp>
+      <p:sp>
+        <p:nvSpPr>
+          <p:cNvPr id="82" name="Oval 81">
+            <a:extLst>
+              <a:ext uri="{FF2B5EF4-FFF2-40B4-BE49-F238E27FC236}">
+                <a16:creationId xmlns:a16="http://schemas.microsoft.com/office/drawing/2014/main" id="{40B86AA3-EE68-14E6-79AB-0C9E5EAFB1F5}"/>
+              </a:ext>
+            </a:extLst>
+          </p:cNvPr>
+          <p:cNvSpPr/>
+          <p:nvPr/>
+        </p:nvSpPr>
+        <p:spPr>
+          <a:xfrm>
+            <a:off x="6400798" y="3843466"/>
+            <a:ext cx="259492" cy="253313"/>
+          </a:xfrm>
+          <a:prstGeom prst="ellipse">
+            <a:avLst/>
+          </a:prstGeom>
+          <a:solidFill>
+            <a:schemeClr val="bg1"/>
+          </a:solidFill>
+        </p:spPr>
+        <p:style>
+          <a:lnRef idx="2">
+            <a:schemeClr val="accent1">
+              <a:shade val="50000"/>
+            </a:schemeClr>
+          </a:lnRef>
+          <a:fillRef idx="1">
+            <a:schemeClr val="accent1"/>
+          </a:fillRef>
+          <a:effectRef idx="0">
+            <a:schemeClr val="accent1"/>
+          </a:effectRef>
+          <a:fontRef idx="minor">
+            <a:schemeClr val="lt1"/>
+          </a:fontRef>
+        </p:style>
+        <p:txBody>
+          <a:bodyPr rtlCol="0" anchor="ctr"/>
+          <a:lstStyle/>
+          <a:p>
+            <a:pPr algn="ctr"/>
+            <a:endParaRPr lang="en-CN" dirty="0"/>
+          </a:p>
+        </p:txBody>
+      </p:sp>
+      <p:sp>
+        <p:nvSpPr>
+          <p:cNvPr id="83" name="Oval 82">
+            <a:extLst>
+              <a:ext uri="{FF2B5EF4-FFF2-40B4-BE49-F238E27FC236}">
+                <a16:creationId xmlns:a16="http://schemas.microsoft.com/office/drawing/2014/main" id="{4B08E56F-DC80-6A95-30DA-09B4F47EE04F}"/>
+              </a:ext>
+            </a:extLst>
+          </p:cNvPr>
+          <p:cNvSpPr/>
+          <p:nvPr/>
+        </p:nvSpPr>
+        <p:spPr>
+          <a:xfrm>
+            <a:off x="6400798" y="3083527"/>
+            <a:ext cx="259492" cy="253313"/>
+          </a:xfrm>
+          <a:prstGeom prst="ellipse">
+            <a:avLst/>
+          </a:prstGeom>
+          <a:solidFill>
+            <a:schemeClr val="bg1"/>
+          </a:solidFill>
+        </p:spPr>
+        <p:style>
+          <a:lnRef idx="2">
+            <a:schemeClr val="accent1">
+              <a:shade val="50000"/>
+            </a:schemeClr>
+          </a:lnRef>
+          <a:fillRef idx="1">
+            <a:schemeClr val="accent1"/>
+          </a:fillRef>
+          <a:effectRef idx="0">
+            <a:schemeClr val="accent1"/>
+          </a:effectRef>
+          <a:fontRef idx="minor">
+            <a:schemeClr val="lt1"/>
+          </a:fontRef>
+        </p:style>
+        <p:txBody>
+          <a:bodyPr rtlCol="0" anchor="ctr"/>
+          <a:lstStyle/>
+          <a:p>
+            <a:pPr algn="ctr"/>
+            <a:endParaRPr lang="en-CN" dirty="0"/>
+          </a:p>
+        </p:txBody>
+      </p:sp>
+      <p:cxnSp>
+        <p:nvCxnSpPr>
+          <p:cNvPr id="84" name="Straight Connector 83">
+            <a:extLst>
+              <a:ext uri="{FF2B5EF4-FFF2-40B4-BE49-F238E27FC236}">
+                <a16:creationId xmlns:a16="http://schemas.microsoft.com/office/drawing/2014/main" id="{D608DA03-0AAC-41AA-453F-62DD78B69438}"/>
+              </a:ext>
+            </a:extLst>
+          </p:cNvPr>
+          <p:cNvCxnSpPr>
+            <a:cxnSpLocks/>
+            <a:stCxn id="75" idx="6"/>
+            <a:endCxn id="77" idx="2"/>
+          </p:cNvCxnSpPr>
+          <p:nvPr/>
+        </p:nvCxnSpPr>
+        <p:spPr>
+          <a:xfrm flipV="1">
+            <a:off x="5836506" y="3336841"/>
+            <a:ext cx="152400" cy="253313"/>
+          </a:xfrm>
+          <a:prstGeom prst="line">
+            <a:avLst/>
+          </a:prstGeom>
+          <a:ln w="19050"/>
+        </p:spPr>
+        <p:style>
+          <a:lnRef idx="1">
+            <a:schemeClr val="accent1"/>
+          </a:lnRef>
+          <a:fillRef idx="0">
+            <a:schemeClr val="accent1"/>
+          </a:fillRef>
+          <a:effectRef idx="0">
+            <a:schemeClr val="accent1"/>
+          </a:effectRef>
+          <a:fontRef idx="minor">
+            <a:schemeClr val="tx1"/>
+          </a:fontRef>
+        </p:style>
+      </p:cxnSp>
+      <p:cxnSp>
+        <p:nvCxnSpPr>
+          <p:cNvPr id="85" name="Straight Connector 84">
+            <a:extLst>
+              <a:ext uri="{FF2B5EF4-FFF2-40B4-BE49-F238E27FC236}">
+                <a16:creationId xmlns:a16="http://schemas.microsoft.com/office/drawing/2014/main" id="{CC671920-98D1-6E2D-487E-E1243E95C752}"/>
+              </a:ext>
+            </a:extLst>
+          </p:cNvPr>
+          <p:cNvCxnSpPr>
+            <a:cxnSpLocks/>
+            <a:stCxn id="75" idx="6"/>
+            <a:endCxn id="78" idx="2"/>
+          </p:cNvCxnSpPr>
+          <p:nvPr/>
+        </p:nvCxnSpPr>
+        <p:spPr>
+          <a:xfrm>
+            <a:off x="5836506" y="3590154"/>
+            <a:ext cx="152400" cy="178143"/>
+          </a:xfrm>
+          <a:prstGeom prst="line">
+            <a:avLst/>
+          </a:prstGeom>
+          <a:ln w="19050"/>
+        </p:spPr>
+        <p:style>
+          <a:lnRef idx="1">
+            <a:schemeClr val="accent1"/>
+          </a:lnRef>
+          <a:fillRef idx="0">
+            <a:schemeClr val="accent1"/>
+          </a:fillRef>
+          <a:effectRef idx="0">
+            <a:schemeClr val="accent1"/>
+          </a:effectRef>
+          <a:fontRef idx="minor">
+            <a:schemeClr val="tx1"/>
+          </a:fontRef>
+        </p:style>
+      </p:cxnSp>
+      <p:cxnSp>
+        <p:nvCxnSpPr>
+          <p:cNvPr id="86" name="Straight Connector 85">
+            <a:extLst>
+              <a:ext uri="{FF2B5EF4-FFF2-40B4-BE49-F238E27FC236}">
+                <a16:creationId xmlns:a16="http://schemas.microsoft.com/office/drawing/2014/main" id="{74ACB7C6-8E23-FA8B-C305-055DBC5656AD}"/>
+              </a:ext>
+            </a:extLst>
+          </p:cNvPr>
+          <p:cNvCxnSpPr>
+            <a:cxnSpLocks/>
+            <a:stCxn id="76" idx="6"/>
+            <a:endCxn id="77" idx="2"/>
+          </p:cNvCxnSpPr>
+          <p:nvPr/>
+        </p:nvCxnSpPr>
+        <p:spPr>
+          <a:xfrm flipV="1">
+            <a:off x="5836506" y="3336841"/>
+            <a:ext cx="152400" cy="633283"/>
+          </a:xfrm>
+          <a:prstGeom prst="line">
+            <a:avLst/>
+          </a:prstGeom>
+          <a:ln w="19050"/>
+        </p:spPr>
+        <p:style>
+          <a:lnRef idx="1">
+            <a:schemeClr val="accent1"/>
+          </a:lnRef>
+          <a:fillRef idx="0">
+            <a:schemeClr val="accent1"/>
+          </a:fillRef>
+          <a:effectRef idx="0">
+            <a:schemeClr val="accent1"/>
+          </a:effectRef>
+          <a:fontRef idx="minor">
+            <a:schemeClr val="tx1"/>
+          </a:fontRef>
+        </p:style>
+      </p:cxnSp>
+      <p:cxnSp>
+        <p:nvCxnSpPr>
+          <p:cNvPr id="87" name="Straight Connector 86">
+            <a:extLst>
+              <a:ext uri="{FF2B5EF4-FFF2-40B4-BE49-F238E27FC236}">
+                <a16:creationId xmlns:a16="http://schemas.microsoft.com/office/drawing/2014/main" id="{AD55672E-3F6C-91E3-7697-BD78D9A31D13}"/>
+              </a:ext>
+            </a:extLst>
+          </p:cNvPr>
+          <p:cNvCxnSpPr>
+            <a:cxnSpLocks/>
+            <a:stCxn id="76" idx="6"/>
+            <a:endCxn id="78" idx="2"/>
+          </p:cNvCxnSpPr>
+          <p:nvPr/>
+        </p:nvCxnSpPr>
+        <p:spPr>
+          <a:xfrm flipV="1">
+            <a:off x="5836506" y="3768297"/>
+            <a:ext cx="152400" cy="201827"/>
+          </a:xfrm>
+          <a:prstGeom prst="line">
+            <a:avLst/>
+          </a:prstGeom>
+          <a:ln w="19050"/>
+        </p:spPr>
+        <p:style>
+          <a:lnRef idx="1">
+            <a:schemeClr val="accent1"/>
+          </a:lnRef>
+          <a:fillRef idx="0">
+            <a:schemeClr val="accent1"/>
+          </a:fillRef>
+          <a:effectRef idx="0">
+            <a:schemeClr val="accent1"/>
+          </a:effectRef>
+          <a:fontRef idx="minor">
+            <a:schemeClr val="tx1"/>
+          </a:fontRef>
+        </p:style>
+      </p:cxnSp>
+      <p:cxnSp>
+        <p:nvCxnSpPr>
+          <p:cNvPr id="88" name="Straight Connector 87">
+            <a:extLst>
+              <a:ext uri="{FF2B5EF4-FFF2-40B4-BE49-F238E27FC236}">
+                <a16:creationId xmlns:a16="http://schemas.microsoft.com/office/drawing/2014/main" id="{C7C2C0E4-0F1F-965D-158D-7B7D13256C09}"/>
+              </a:ext>
+            </a:extLst>
+          </p:cNvPr>
+          <p:cNvCxnSpPr>
+            <a:cxnSpLocks/>
+            <a:stCxn id="83" idx="2"/>
+            <a:endCxn id="77" idx="6"/>
+          </p:cNvCxnSpPr>
+          <p:nvPr/>
+        </p:nvCxnSpPr>
+        <p:spPr>
+          <a:xfrm flipH="1">
+            <a:off x="6248398" y="3210184"/>
+            <a:ext cx="152400" cy="126657"/>
+          </a:xfrm>
+          <a:prstGeom prst="line">
+            <a:avLst/>
+          </a:prstGeom>
+          <a:ln w="19050"/>
+        </p:spPr>
+        <p:style>
+          <a:lnRef idx="1">
+            <a:schemeClr val="accent1"/>
+          </a:lnRef>
+          <a:fillRef idx="0">
+            <a:schemeClr val="accent1"/>
+          </a:fillRef>
+          <a:effectRef idx="0">
+            <a:schemeClr val="accent1"/>
+          </a:effectRef>
+          <a:fontRef idx="minor">
+            <a:schemeClr val="tx1"/>
+          </a:fontRef>
+        </p:style>
+      </p:cxnSp>
+      <p:cxnSp>
+        <p:nvCxnSpPr>
+          <p:cNvPr id="89" name="Straight Connector 88">
+            <a:extLst>
+              <a:ext uri="{FF2B5EF4-FFF2-40B4-BE49-F238E27FC236}">
+                <a16:creationId xmlns:a16="http://schemas.microsoft.com/office/drawing/2014/main" id="{42891574-05DD-40CD-C28D-1B267FE657A2}"/>
+              </a:ext>
+            </a:extLst>
+          </p:cNvPr>
+          <p:cNvCxnSpPr>
+            <a:cxnSpLocks/>
+            <a:stCxn id="81" idx="2"/>
+            <a:endCxn id="77" idx="6"/>
+          </p:cNvCxnSpPr>
+          <p:nvPr/>
+        </p:nvCxnSpPr>
+        <p:spPr>
+          <a:xfrm flipH="1" flipV="1">
+            <a:off x="6248398" y="3336841"/>
+            <a:ext cx="152400" cy="253312"/>
+          </a:xfrm>
+          <a:prstGeom prst="line">
+            <a:avLst/>
+          </a:prstGeom>
+          <a:ln w="19050"/>
+        </p:spPr>
+        <p:style>
+          <a:lnRef idx="1">
+            <a:schemeClr val="accent1"/>
+          </a:lnRef>
+          <a:fillRef idx="0">
+            <a:schemeClr val="accent1"/>
+          </a:fillRef>
+          <a:effectRef idx="0">
+            <a:schemeClr val="accent1"/>
+          </a:effectRef>
+          <a:fontRef idx="minor">
+            <a:schemeClr val="tx1"/>
+          </a:fontRef>
+        </p:style>
+      </p:cxnSp>
+      <p:cxnSp>
+        <p:nvCxnSpPr>
+          <p:cNvPr id="90" name="Straight Connector 89">
+            <a:extLst>
+              <a:ext uri="{FF2B5EF4-FFF2-40B4-BE49-F238E27FC236}">
+                <a16:creationId xmlns:a16="http://schemas.microsoft.com/office/drawing/2014/main" id="{3C116381-15E3-495D-0302-31AE8418C859}"/>
+              </a:ext>
+            </a:extLst>
+          </p:cNvPr>
+          <p:cNvCxnSpPr>
+            <a:cxnSpLocks/>
+            <a:stCxn id="82" idx="2"/>
+            <a:endCxn id="77" idx="6"/>
+          </p:cNvCxnSpPr>
+          <p:nvPr/>
+        </p:nvCxnSpPr>
+        <p:spPr>
+          <a:xfrm flipH="1" flipV="1">
+            <a:off x="6248398" y="3336841"/>
+            <a:ext cx="152400" cy="633282"/>
+          </a:xfrm>
+          <a:prstGeom prst="line">
+            <a:avLst/>
+          </a:prstGeom>
+          <a:ln w="19050"/>
+        </p:spPr>
+        <p:style>
+          <a:lnRef idx="1">
+            <a:schemeClr val="accent1"/>
+          </a:lnRef>
+          <a:fillRef idx="0">
+            <a:schemeClr val="accent1"/>
+          </a:fillRef>
+          <a:effectRef idx="0">
+            <a:schemeClr val="accent1"/>
+          </a:effectRef>
+          <a:fontRef idx="minor">
+            <a:schemeClr val="tx1"/>
+          </a:fontRef>
+        </p:style>
+      </p:cxnSp>
+      <p:cxnSp>
+        <p:nvCxnSpPr>
+          <p:cNvPr id="91" name="Straight Connector 90">
+            <a:extLst>
+              <a:ext uri="{FF2B5EF4-FFF2-40B4-BE49-F238E27FC236}">
+                <a16:creationId xmlns:a16="http://schemas.microsoft.com/office/drawing/2014/main" id="{BA2B734E-FD96-AFFF-B2DC-74CF33B2BDD4}"/>
+              </a:ext>
+            </a:extLst>
+          </p:cNvPr>
+          <p:cNvCxnSpPr>
+            <a:cxnSpLocks/>
+            <a:stCxn id="83" idx="2"/>
+            <a:endCxn id="78" idx="6"/>
+          </p:cNvCxnSpPr>
+          <p:nvPr/>
+        </p:nvCxnSpPr>
+        <p:spPr>
+          <a:xfrm flipH="1">
+            <a:off x="6248398" y="3210184"/>
+            <a:ext cx="152400" cy="558113"/>
+          </a:xfrm>
+          <a:prstGeom prst="line">
+            <a:avLst/>
+          </a:prstGeom>
+          <a:ln w="19050"/>
+        </p:spPr>
+        <p:style>
+          <a:lnRef idx="1">
+            <a:schemeClr val="accent1"/>
+          </a:lnRef>
+          <a:fillRef idx="0">
+            <a:schemeClr val="accent1"/>
+          </a:fillRef>
+          <a:effectRef idx="0">
+            <a:schemeClr val="accent1"/>
+          </a:effectRef>
+          <a:fontRef idx="minor">
+            <a:schemeClr val="tx1"/>
+          </a:fontRef>
+        </p:style>
+      </p:cxnSp>
+      <p:cxnSp>
+        <p:nvCxnSpPr>
+          <p:cNvPr id="92" name="Straight Connector 91">
+            <a:extLst>
+              <a:ext uri="{FF2B5EF4-FFF2-40B4-BE49-F238E27FC236}">
+                <a16:creationId xmlns:a16="http://schemas.microsoft.com/office/drawing/2014/main" id="{8A46C53B-33DB-7B71-63D4-19AD58CE86E4}"/>
+              </a:ext>
+            </a:extLst>
+          </p:cNvPr>
+          <p:cNvCxnSpPr>
+            <a:cxnSpLocks/>
+            <a:stCxn id="81" idx="2"/>
+            <a:endCxn id="78" idx="6"/>
+          </p:cNvCxnSpPr>
+          <p:nvPr/>
+        </p:nvCxnSpPr>
+        <p:spPr>
+          <a:xfrm flipH="1">
+            <a:off x="6248398" y="3590153"/>
+            <a:ext cx="152400" cy="178144"/>
+          </a:xfrm>
+          <a:prstGeom prst="line">
+            <a:avLst/>
+          </a:prstGeom>
+          <a:ln w="19050"/>
+        </p:spPr>
+        <p:style>
+          <a:lnRef idx="1">
+            <a:schemeClr val="accent1"/>
+          </a:lnRef>
+          <a:fillRef idx="0">
+            <a:schemeClr val="accent1"/>
+          </a:fillRef>
+          <a:effectRef idx="0">
+            <a:schemeClr val="accent1"/>
+          </a:effectRef>
+          <a:fontRef idx="minor">
+            <a:schemeClr val="tx1"/>
+          </a:fontRef>
+        </p:style>
+      </p:cxnSp>
+      <p:cxnSp>
+        <p:nvCxnSpPr>
+          <p:cNvPr id="93" name="Straight Connector 92">
+            <a:extLst>
+              <a:ext uri="{FF2B5EF4-FFF2-40B4-BE49-F238E27FC236}">
+                <a16:creationId xmlns:a16="http://schemas.microsoft.com/office/drawing/2014/main" id="{2C530348-2569-90F1-7C98-3643E4B0DC3F}"/>
+              </a:ext>
+            </a:extLst>
+          </p:cNvPr>
+          <p:cNvCxnSpPr>
+            <a:cxnSpLocks/>
+            <a:stCxn id="82" idx="2"/>
+            <a:endCxn id="78" idx="6"/>
+          </p:cNvCxnSpPr>
+          <p:nvPr/>
+        </p:nvCxnSpPr>
+        <p:spPr>
+          <a:xfrm flipH="1" flipV="1">
+            <a:off x="6248398" y="3768297"/>
+            <a:ext cx="152400" cy="201826"/>
+          </a:xfrm>
+          <a:prstGeom prst="line">
+            <a:avLst/>
+          </a:prstGeom>
+          <a:ln w="19050"/>
+        </p:spPr>
+        <p:style>
+          <a:lnRef idx="1">
+            <a:schemeClr val="accent1"/>
+          </a:lnRef>
+          <a:fillRef idx="0">
+            <a:schemeClr val="accent1"/>
+          </a:fillRef>
+          <a:effectRef idx="0">
+            <a:schemeClr val="accent1"/>
+          </a:effectRef>
+          <a:fontRef idx="minor">
+            <a:schemeClr val="tx1"/>
+          </a:fontRef>
+        </p:style>
+      </p:cxnSp>
+      <p:cxnSp>
+        <p:nvCxnSpPr>
+          <p:cNvPr id="94" name="Straight Connector 93">
+            <a:extLst>
+              <a:ext uri="{FF2B5EF4-FFF2-40B4-BE49-F238E27FC236}">
+                <a16:creationId xmlns:a16="http://schemas.microsoft.com/office/drawing/2014/main" id="{556AA88A-266F-6C52-FF5F-5CC01CF933AF}"/>
+              </a:ext>
+            </a:extLst>
+          </p:cNvPr>
+          <p:cNvCxnSpPr>
+            <a:cxnSpLocks/>
+            <a:stCxn id="54" idx="6"/>
+            <a:endCxn id="77" idx="2"/>
+          </p:cNvCxnSpPr>
+          <p:nvPr/>
+        </p:nvCxnSpPr>
+        <p:spPr>
+          <a:xfrm>
+            <a:off x="5850923" y="2071819"/>
+            <a:ext cx="137983" cy="1265022"/>
+          </a:xfrm>
+          <a:prstGeom prst="line">
+            <a:avLst/>
+          </a:prstGeom>
+          <a:ln w="19050"/>
+        </p:spPr>
+        <p:style>
+          <a:lnRef idx="1">
+            <a:schemeClr val="accent1"/>
+          </a:lnRef>
+          <a:fillRef idx="0">
+            <a:schemeClr val="accent1"/>
+          </a:fillRef>
+          <a:effectRef idx="0">
+            <a:schemeClr val="accent1"/>
+          </a:effectRef>
+          <a:fontRef idx="minor">
+            <a:schemeClr val="tx1"/>
+          </a:fontRef>
+        </p:style>
+      </p:cxnSp>
+      <p:cxnSp>
+        <p:nvCxnSpPr>
+          <p:cNvPr id="97" name="Straight Connector 96">
+            <a:extLst>
+              <a:ext uri="{FF2B5EF4-FFF2-40B4-BE49-F238E27FC236}">
+                <a16:creationId xmlns:a16="http://schemas.microsoft.com/office/drawing/2014/main" id="{A9666F4D-8AD3-0D88-4F21-3E2A343C3AC6}"/>
+              </a:ext>
+            </a:extLst>
+          </p:cNvPr>
+          <p:cNvCxnSpPr>
+            <a:cxnSpLocks/>
+            <a:stCxn id="54" idx="6"/>
+            <a:endCxn id="78" idx="2"/>
+          </p:cNvCxnSpPr>
+          <p:nvPr/>
+        </p:nvCxnSpPr>
+        <p:spPr>
+          <a:xfrm>
+            <a:off x="5850923" y="2071819"/>
+            <a:ext cx="137983" cy="1696478"/>
+          </a:xfrm>
+          <a:prstGeom prst="line">
+            <a:avLst/>
+          </a:prstGeom>
+          <a:ln w="19050"/>
+        </p:spPr>
+        <p:style>
+          <a:lnRef idx="1">
+            <a:schemeClr val="accent1"/>
+          </a:lnRef>
+          <a:fillRef idx="0">
+            <a:schemeClr val="accent1"/>
+          </a:fillRef>
+          <a:effectRef idx="0">
+            <a:schemeClr val="accent1"/>
+          </a:effectRef>
+          <a:fontRef idx="minor">
+            <a:schemeClr val="tx1"/>
+          </a:fontRef>
+        </p:style>
+      </p:cxnSp>
+      <p:cxnSp>
+        <p:nvCxnSpPr>
+          <p:cNvPr id="100" name="Straight Connector 99">
+            <a:extLst>
+              <a:ext uri="{FF2B5EF4-FFF2-40B4-BE49-F238E27FC236}">
+                <a16:creationId xmlns:a16="http://schemas.microsoft.com/office/drawing/2014/main" id="{206C1BB1-6F6E-B864-86CB-3F887E458044}"/>
+              </a:ext>
+            </a:extLst>
+          </p:cNvPr>
+          <p:cNvCxnSpPr>
+            <a:cxnSpLocks/>
+            <a:stCxn id="55" idx="6"/>
+            <a:endCxn id="77" idx="2"/>
+          </p:cNvCxnSpPr>
+          <p:nvPr/>
+        </p:nvCxnSpPr>
+        <p:spPr>
+          <a:xfrm>
+            <a:off x="5850923" y="2451789"/>
+            <a:ext cx="137983" cy="885052"/>
+          </a:xfrm>
+          <a:prstGeom prst="line">
+            <a:avLst/>
+          </a:prstGeom>
+          <a:ln w="19050"/>
+        </p:spPr>
+        <p:style>
+          <a:lnRef idx="1">
+            <a:schemeClr val="accent1"/>
+          </a:lnRef>
+          <a:fillRef idx="0">
+            <a:schemeClr val="accent1"/>
+          </a:fillRef>
+          <a:effectRef idx="0">
+            <a:schemeClr val="accent1"/>
+          </a:effectRef>
+          <a:fontRef idx="minor">
+            <a:schemeClr val="tx1"/>
+          </a:fontRef>
+        </p:style>
+      </p:cxnSp>
+      <p:cxnSp>
+        <p:nvCxnSpPr>
+          <p:cNvPr id="103" name="Straight Connector 102">
+            <a:extLst>
+              <a:ext uri="{FF2B5EF4-FFF2-40B4-BE49-F238E27FC236}">
+                <a16:creationId xmlns:a16="http://schemas.microsoft.com/office/drawing/2014/main" id="{5EB79E10-836B-B0CF-D174-E07A67197F44}"/>
+              </a:ext>
+            </a:extLst>
+          </p:cNvPr>
+          <p:cNvCxnSpPr>
+            <a:cxnSpLocks/>
+            <a:stCxn id="55" idx="6"/>
+            <a:endCxn id="78" idx="2"/>
+          </p:cNvCxnSpPr>
+          <p:nvPr/>
+        </p:nvCxnSpPr>
+        <p:spPr>
+          <a:xfrm>
+            <a:off x="5850923" y="2451789"/>
+            <a:ext cx="137983" cy="1316508"/>
+          </a:xfrm>
+          <a:prstGeom prst="line">
+            <a:avLst/>
+          </a:prstGeom>
+          <a:ln w="19050"/>
+        </p:spPr>
+        <p:style>
+          <a:lnRef idx="1">
+            <a:schemeClr val="accent1"/>
+          </a:lnRef>
+          <a:fillRef idx="0">
+            <a:schemeClr val="accent1"/>
+          </a:fillRef>
+          <a:effectRef idx="0">
+            <a:schemeClr val="accent1"/>
+          </a:effectRef>
+          <a:fontRef idx="minor">
+            <a:schemeClr val="tx1"/>
+          </a:fontRef>
+        </p:style>
+      </p:cxnSp>
+      <p:cxnSp>
+        <p:nvCxnSpPr>
+          <p:cNvPr id="106" name="Straight Connector 105">
+            <a:extLst>
+              <a:ext uri="{FF2B5EF4-FFF2-40B4-BE49-F238E27FC236}">
+                <a16:creationId xmlns:a16="http://schemas.microsoft.com/office/drawing/2014/main" id="{FFB78A02-4BFB-465B-E55F-304E47D2CEED}"/>
+              </a:ext>
+            </a:extLst>
+          </p:cNvPr>
+          <p:cNvCxnSpPr>
+            <a:cxnSpLocks/>
+            <a:stCxn id="56" idx="6"/>
+            <a:endCxn id="77" idx="2"/>
+          </p:cNvCxnSpPr>
+          <p:nvPr/>
+        </p:nvCxnSpPr>
+        <p:spPr>
+          <a:xfrm>
+            <a:off x="5850923" y="2831759"/>
+            <a:ext cx="137983" cy="505082"/>
+          </a:xfrm>
+          <a:prstGeom prst="line">
+            <a:avLst/>
+          </a:prstGeom>
+          <a:ln w="19050"/>
+        </p:spPr>
+        <p:style>
+          <a:lnRef idx="1">
+            <a:schemeClr val="accent1"/>
+          </a:lnRef>
+          <a:fillRef idx="0">
+            <a:schemeClr val="accent1"/>
+          </a:fillRef>
+          <a:effectRef idx="0">
+            <a:schemeClr val="accent1"/>
+          </a:effectRef>
+          <a:fontRef idx="minor">
+            <a:schemeClr val="tx1"/>
+          </a:fontRef>
+        </p:style>
+      </p:cxnSp>
+      <p:cxnSp>
+        <p:nvCxnSpPr>
+          <p:cNvPr id="109" name="Straight Connector 108">
+            <a:extLst>
+              <a:ext uri="{FF2B5EF4-FFF2-40B4-BE49-F238E27FC236}">
+                <a16:creationId xmlns:a16="http://schemas.microsoft.com/office/drawing/2014/main" id="{DAFA79B5-4FC9-04E3-935F-3B2D6A7F0DE2}"/>
+              </a:ext>
+            </a:extLst>
+          </p:cNvPr>
+          <p:cNvCxnSpPr>
+            <a:cxnSpLocks/>
+            <a:stCxn id="56" idx="6"/>
+            <a:endCxn id="78" idx="2"/>
+          </p:cNvCxnSpPr>
+          <p:nvPr/>
+        </p:nvCxnSpPr>
+        <p:spPr>
+          <a:xfrm>
+            <a:off x="5850923" y="2831759"/>
+            <a:ext cx="137983" cy="936538"/>
+          </a:xfrm>
+          <a:prstGeom prst="line">
+            <a:avLst/>
+          </a:prstGeom>
+          <a:ln w="19050"/>
+        </p:spPr>
+        <p:style>
+          <a:lnRef idx="1">
+            <a:schemeClr val="accent1"/>
+          </a:lnRef>
+          <a:fillRef idx="0">
+            <a:schemeClr val="accent1"/>
+          </a:fillRef>
+          <a:effectRef idx="0">
+            <a:schemeClr val="accent1"/>
+          </a:effectRef>
+          <a:fontRef idx="minor">
+            <a:schemeClr val="tx1"/>
+          </a:fontRef>
+        </p:style>
+      </p:cxnSp>
+      <p:cxnSp>
+        <p:nvCxnSpPr>
+          <p:cNvPr id="112" name="Straight Connector 111">
+            <a:extLst>
+              <a:ext uri="{FF2B5EF4-FFF2-40B4-BE49-F238E27FC236}">
+                <a16:creationId xmlns:a16="http://schemas.microsoft.com/office/drawing/2014/main" id="{75BFAFD5-0C2A-D53D-CAE2-B3E5AAC2D310}"/>
+              </a:ext>
+            </a:extLst>
+          </p:cNvPr>
+          <p:cNvCxnSpPr>
+            <a:cxnSpLocks/>
+            <a:stCxn id="74" idx="6"/>
+            <a:endCxn id="57" idx="2"/>
+          </p:cNvCxnSpPr>
+          <p:nvPr/>
+        </p:nvCxnSpPr>
+        <p:spPr>
+          <a:xfrm flipV="1">
+            <a:off x="5836506" y="2198476"/>
+            <a:ext cx="166817" cy="1011708"/>
+          </a:xfrm>
+          <a:prstGeom prst="line">
+            <a:avLst/>
+          </a:prstGeom>
+          <a:ln w="19050"/>
+        </p:spPr>
+        <p:style>
+          <a:lnRef idx="1">
+            <a:schemeClr val="accent1"/>
+          </a:lnRef>
+          <a:fillRef idx="0">
+            <a:schemeClr val="accent1"/>
+          </a:fillRef>
+          <a:effectRef idx="0">
+            <a:schemeClr val="accent1"/>
+          </a:effectRef>
+          <a:fontRef idx="minor">
+            <a:schemeClr val="tx1"/>
+          </a:fontRef>
+        </p:style>
+      </p:cxnSp>
+      <p:cxnSp>
+        <p:nvCxnSpPr>
+          <p:cNvPr id="115" name="Straight Connector 114">
+            <a:extLst>
+              <a:ext uri="{FF2B5EF4-FFF2-40B4-BE49-F238E27FC236}">
+                <a16:creationId xmlns:a16="http://schemas.microsoft.com/office/drawing/2014/main" id="{AE117FC8-6AE8-9E4B-A4D6-4D4B7122997E}"/>
+              </a:ext>
+            </a:extLst>
+          </p:cNvPr>
+          <p:cNvCxnSpPr>
+            <a:cxnSpLocks/>
+            <a:stCxn id="74" idx="6"/>
+            <a:endCxn id="58" idx="2"/>
+          </p:cNvCxnSpPr>
+          <p:nvPr/>
+        </p:nvCxnSpPr>
+        <p:spPr>
+          <a:xfrm flipV="1">
+            <a:off x="5836506" y="2629932"/>
+            <a:ext cx="166817" cy="580252"/>
+          </a:xfrm>
+          <a:prstGeom prst="line">
+            <a:avLst/>
+          </a:prstGeom>
+          <a:ln w="19050"/>
+        </p:spPr>
+        <p:style>
+          <a:lnRef idx="1">
+            <a:schemeClr val="accent1"/>
+          </a:lnRef>
+          <a:fillRef idx="0">
+            <a:schemeClr val="accent1"/>
+          </a:fillRef>
+          <a:effectRef idx="0">
+            <a:schemeClr val="accent1"/>
+          </a:effectRef>
+          <a:fontRef idx="minor">
+            <a:schemeClr val="tx1"/>
+          </a:fontRef>
+        </p:style>
+      </p:cxnSp>
+      <p:cxnSp>
+        <p:nvCxnSpPr>
+          <p:cNvPr id="118" name="Straight Connector 117">
+            <a:extLst>
+              <a:ext uri="{FF2B5EF4-FFF2-40B4-BE49-F238E27FC236}">
+                <a16:creationId xmlns:a16="http://schemas.microsoft.com/office/drawing/2014/main" id="{8A238884-2292-C226-89A0-2B5B778A2484}"/>
+              </a:ext>
+            </a:extLst>
+          </p:cNvPr>
+          <p:cNvCxnSpPr>
+            <a:cxnSpLocks/>
+            <a:stCxn id="75" idx="6"/>
+            <a:endCxn id="57" idx="2"/>
+          </p:cNvCxnSpPr>
+          <p:nvPr/>
+        </p:nvCxnSpPr>
+        <p:spPr>
+          <a:xfrm flipV="1">
+            <a:off x="5836506" y="2198476"/>
+            <a:ext cx="166817" cy="1391678"/>
+          </a:xfrm>
+          <a:prstGeom prst="line">
+            <a:avLst/>
+          </a:prstGeom>
+          <a:ln w="19050"/>
+        </p:spPr>
+        <p:style>
+          <a:lnRef idx="1">
+            <a:schemeClr val="accent1"/>
+          </a:lnRef>
+          <a:fillRef idx="0">
+            <a:schemeClr val="accent1"/>
+          </a:fillRef>
+          <a:effectRef idx="0">
+            <a:schemeClr val="accent1"/>
+          </a:effectRef>
+          <a:fontRef idx="minor">
+            <a:schemeClr val="tx1"/>
+          </a:fontRef>
+        </p:style>
+      </p:cxnSp>
+      <p:cxnSp>
+        <p:nvCxnSpPr>
+          <p:cNvPr id="122" name="Straight Connector 121">
+            <a:extLst>
+              <a:ext uri="{FF2B5EF4-FFF2-40B4-BE49-F238E27FC236}">
+                <a16:creationId xmlns:a16="http://schemas.microsoft.com/office/drawing/2014/main" id="{8227FB55-15CF-0DA5-33DF-0371E23A49F2}"/>
+              </a:ext>
+            </a:extLst>
+          </p:cNvPr>
+          <p:cNvCxnSpPr>
+            <a:cxnSpLocks/>
+            <a:stCxn id="75" idx="6"/>
+            <a:endCxn id="58" idx="2"/>
+          </p:cNvCxnSpPr>
+          <p:nvPr/>
+        </p:nvCxnSpPr>
+        <p:spPr>
+          <a:xfrm flipV="1">
+            <a:off x="5836506" y="2629932"/>
+            <a:ext cx="166817" cy="960222"/>
+          </a:xfrm>
+          <a:prstGeom prst="line">
+            <a:avLst/>
+          </a:prstGeom>
+          <a:ln w="19050"/>
+        </p:spPr>
+        <p:style>
+          <a:lnRef idx="1">
+            <a:schemeClr val="accent1"/>
+          </a:lnRef>
+          <a:fillRef idx="0">
+            <a:schemeClr val="accent1"/>
+          </a:fillRef>
+          <a:effectRef idx="0">
+            <a:schemeClr val="accent1"/>
+          </a:effectRef>
+          <a:fontRef idx="minor">
+            <a:schemeClr val="tx1"/>
+          </a:fontRef>
+        </p:style>
+      </p:cxnSp>
+      <p:cxnSp>
+        <p:nvCxnSpPr>
+          <p:cNvPr id="125" name="Straight Connector 124">
+            <a:extLst>
+              <a:ext uri="{FF2B5EF4-FFF2-40B4-BE49-F238E27FC236}">
+                <a16:creationId xmlns:a16="http://schemas.microsoft.com/office/drawing/2014/main" id="{3D8E5F2D-6341-7543-603E-CB8931C2D67A}"/>
+              </a:ext>
+            </a:extLst>
+          </p:cNvPr>
+          <p:cNvCxnSpPr>
+            <a:cxnSpLocks/>
+            <a:stCxn id="76" idx="6"/>
+            <a:endCxn id="57" idx="2"/>
+          </p:cNvCxnSpPr>
+          <p:nvPr/>
+        </p:nvCxnSpPr>
+        <p:spPr>
+          <a:xfrm flipV="1">
+            <a:off x="5836506" y="2198476"/>
+            <a:ext cx="166817" cy="1771648"/>
+          </a:xfrm>
+          <a:prstGeom prst="line">
+            <a:avLst/>
+          </a:prstGeom>
+          <a:ln w="19050"/>
+        </p:spPr>
+        <p:style>
+          <a:lnRef idx="1">
+            <a:schemeClr val="accent1"/>
+          </a:lnRef>
+          <a:fillRef idx="0">
+            <a:schemeClr val="accent1"/>
+          </a:fillRef>
+          <a:effectRef idx="0">
+            <a:schemeClr val="accent1"/>
+          </a:effectRef>
+          <a:fontRef idx="minor">
+            <a:schemeClr val="tx1"/>
+          </a:fontRef>
+        </p:style>
+      </p:cxnSp>
+      <p:cxnSp>
+        <p:nvCxnSpPr>
+          <p:cNvPr id="128" name="Straight Connector 127">
+            <a:extLst>
+              <a:ext uri="{FF2B5EF4-FFF2-40B4-BE49-F238E27FC236}">
+                <a16:creationId xmlns:a16="http://schemas.microsoft.com/office/drawing/2014/main" id="{5509D7B8-0D31-01D1-E72A-328A72246B91}"/>
+              </a:ext>
+            </a:extLst>
+          </p:cNvPr>
+          <p:cNvCxnSpPr>
+            <a:cxnSpLocks/>
+            <a:stCxn id="76" idx="6"/>
+            <a:endCxn id="58" idx="2"/>
+          </p:cNvCxnSpPr>
+          <p:nvPr/>
+        </p:nvCxnSpPr>
+        <p:spPr>
+          <a:xfrm flipV="1">
+            <a:off x="5836506" y="2629932"/>
+            <a:ext cx="166817" cy="1340192"/>
+          </a:xfrm>
+          <a:prstGeom prst="line">
+            <a:avLst/>
+          </a:prstGeom>
+          <a:ln w="19050"/>
+        </p:spPr>
+        <p:style>
+          <a:lnRef idx="1">
+            <a:schemeClr val="accent1"/>
+          </a:lnRef>
+          <a:fillRef idx="0">
+            <a:schemeClr val="accent1"/>
+          </a:fillRef>
+          <a:effectRef idx="0">
+            <a:schemeClr val="accent1"/>
+          </a:effectRef>
+          <a:fontRef idx="minor">
+            <a:schemeClr val="tx1"/>
+          </a:fontRef>
+        </p:style>
+      </p:cxnSp>
+      <p:cxnSp>
+        <p:nvCxnSpPr>
+          <p:cNvPr id="131" name="Straight Connector 130">
+            <a:extLst>
+              <a:ext uri="{FF2B5EF4-FFF2-40B4-BE49-F238E27FC236}">
+                <a16:creationId xmlns:a16="http://schemas.microsoft.com/office/drawing/2014/main" id="{7A42BF03-1FBE-1D55-77DF-D840352BAF3F}"/>
+              </a:ext>
+            </a:extLst>
+          </p:cNvPr>
+          <p:cNvCxnSpPr>
+            <a:cxnSpLocks/>
+            <a:stCxn id="62" idx="2"/>
+            <a:endCxn id="78" idx="6"/>
+          </p:cNvCxnSpPr>
+          <p:nvPr/>
+        </p:nvCxnSpPr>
+        <p:spPr>
+          <a:xfrm flipH="1">
+            <a:off x="6248398" y="2831758"/>
+            <a:ext cx="166817" cy="936539"/>
+          </a:xfrm>
+          <a:prstGeom prst="line">
+            <a:avLst/>
+          </a:prstGeom>
+          <a:ln w="19050"/>
+        </p:spPr>
+        <p:style>
+          <a:lnRef idx="1">
+            <a:schemeClr val="accent1"/>
+          </a:lnRef>
+          <a:fillRef idx="0">
+            <a:schemeClr val="accent1"/>
+          </a:fillRef>
+          <a:effectRef idx="0">
+            <a:schemeClr val="accent1"/>
+          </a:effectRef>
+          <a:fontRef idx="minor">
+            <a:schemeClr val="tx1"/>
+          </a:fontRef>
+        </p:style>
+      </p:cxnSp>
+      <p:cxnSp>
+        <p:nvCxnSpPr>
+          <p:cNvPr id="134" name="Straight Connector 133">
+            <a:extLst>
+              <a:ext uri="{FF2B5EF4-FFF2-40B4-BE49-F238E27FC236}">
+                <a16:creationId xmlns:a16="http://schemas.microsoft.com/office/drawing/2014/main" id="{8292C7EC-1211-E907-CB65-39775704DA58}"/>
+              </a:ext>
+            </a:extLst>
+          </p:cNvPr>
+          <p:cNvCxnSpPr>
+            <a:cxnSpLocks/>
+            <a:stCxn id="61" idx="2"/>
+            <a:endCxn id="78" idx="6"/>
+          </p:cNvCxnSpPr>
+          <p:nvPr/>
+        </p:nvCxnSpPr>
+        <p:spPr>
+          <a:xfrm flipH="1">
+            <a:off x="6248398" y="2451788"/>
+            <a:ext cx="166817" cy="1316509"/>
+          </a:xfrm>
+          <a:prstGeom prst="line">
+            <a:avLst/>
+          </a:prstGeom>
+          <a:ln w="19050"/>
+        </p:spPr>
+        <p:style>
+          <a:lnRef idx="1">
+            <a:schemeClr val="accent1"/>
+          </a:lnRef>
+          <a:fillRef idx="0">
+            <a:schemeClr val="accent1"/>
+          </a:fillRef>
+          <a:effectRef idx="0">
+            <a:schemeClr val="accent1"/>
+          </a:effectRef>
+          <a:fontRef idx="minor">
+            <a:schemeClr val="tx1"/>
+          </a:fontRef>
+        </p:style>
+      </p:cxnSp>
+      <p:cxnSp>
+        <p:nvCxnSpPr>
+          <p:cNvPr id="137" name="Straight Connector 136">
+            <a:extLst>
+              <a:ext uri="{FF2B5EF4-FFF2-40B4-BE49-F238E27FC236}">
+                <a16:creationId xmlns:a16="http://schemas.microsoft.com/office/drawing/2014/main" id="{3E84AB5F-2C93-D6A0-001A-18217500C985}"/>
+              </a:ext>
+            </a:extLst>
+          </p:cNvPr>
+          <p:cNvCxnSpPr>
+            <a:cxnSpLocks/>
+            <a:stCxn id="63" idx="2"/>
+            <a:endCxn id="78" idx="6"/>
+          </p:cNvCxnSpPr>
+          <p:nvPr/>
+        </p:nvCxnSpPr>
+        <p:spPr>
+          <a:xfrm flipH="1">
+            <a:off x="6248398" y="2071819"/>
+            <a:ext cx="166817" cy="1696478"/>
+          </a:xfrm>
+          <a:prstGeom prst="line">
+            <a:avLst/>
+          </a:prstGeom>
+          <a:ln w="19050"/>
+        </p:spPr>
+        <p:style>
+          <a:lnRef idx="1">
+            <a:schemeClr val="accent1"/>
+          </a:lnRef>
+          <a:fillRef idx="0">
+            <a:schemeClr val="accent1"/>
+          </a:fillRef>
+          <a:effectRef idx="0">
+            <a:schemeClr val="accent1"/>
+          </a:effectRef>
+          <a:fontRef idx="minor">
+            <a:schemeClr val="tx1"/>
+          </a:fontRef>
+        </p:style>
+      </p:cxnSp>
+      <p:cxnSp>
+        <p:nvCxnSpPr>
+          <p:cNvPr id="140" name="Straight Connector 139">
+            <a:extLst>
+              <a:ext uri="{FF2B5EF4-FFF2-40B4-BE49-F238E27FC236}">
+                <a16:creationId xmlns:a16="http://schemas.microsoft.com/office/drawing/2014/main" id="{4DC1746C-7048-8268-82D1-5FBDF17199EF}"/>
+              </a:ext>
+            </a:extLst>
+          </p:cNvPr>
+          <p:cNvCxnSpPr>
+            <a:cxnSpLocks/>
+            <a:stCxn id="62" idx="2"/>
+            <a:endCxn id="77" idx="6"/>
+          </p:cNvCxnSpPr>
+          <p:nvPr/>
+        </p:nvCxnSpPr>
+        <p:spPr>
+          <a:xfrm flipH="1">
+            <a:off x="6248398" y="2831758"/>
+            <a:ext cx="166817" cy="505083"/>
+          </a:xfrm>
+          <a:prstGeom prst="line">
+            <a:avLst/>
+          </a:prstGeom>
+          <a:ln w="19050"/>
+        </p:spPr>
+        <p:style>
+          <a:lnRef idx="1">
+            <a:schemeClr val="accent1"/>
+          </a:lnRef>
+          <a:fillRef idx="0">
+            <a:schemeClr val="accent1"/>
+          </a:fillRef>
+          <a:effectRef idx="0">
+            <a:schemeClr val="accent1"/>
+          </a:effectRef>
+          <a:fontRef idx="minor">
+            <a:schemeClr val="tx1"/>
+          </a:fontRef>
+        </p:style>
+      </p:cxnSp>
+      <p:cxnSp>
+        <p:nvCxnSpPr>
+          <p:cNvPr id="143" name="Straight Connector 142">
+            <a:extLst>
+              <a:ext uri="{FF2B5EF4-FFF2-40B4-BE49-F238E27FC236}">
+                <a16:creationId xmlns:a16="http://schemas.microsoft.com/office/drawing/2014/main" id="{DC05EB94-64FE-C868-B42E-2DE8C456BEA6}"/>
+              </a:ext>
+            </a:extLst>
+          </p:cNvPr>
+          <p:cNvCxnSpPr>
+            <a:cxnSpLocks/>
+            <a:stCxn id="61" idx="2"/>
+            <a:endCxn id="77" idx="6"/>
+          </p:cNvCxnSpPr>
+          <p:nvPr/>
+        </p:nvCxnSpPr>
+        <p:spPr>
+          <a:xfrm flipH="1">
+            <a:off x="6248398" y="2451788"/>
+            <a:ext cx="166817" cy="885053"/>
+          </a:xfrm>
+          <a:prstGeom prst="line">
+            <a:avLst/>
+          </a:prstGeom>
+          <a:ln w="19050"/>
+        </p:spPr>
+        <p:style>
+          <a:lnRef idx="1">
+            <a:schemeClr val="accent1"/>
+          </a:lnRef>
+          <a:fillRef idx="0">
+            <a:schemeClr val="accent1"/>
+          </a:fillRef>
+          <a:effectRef idx="0">
+            <a:schemeClr val="accent1"/>
+          </a:effectRef>
+          <a:fontRef idx="minor">
+            <a:schemeClr val="tx1"/>
+          </a:fontRef>
+        </p:style>
+      </p:cxnSp>
+      <p:cxnSp>
+        <p:nvCxnSpPr>
+          <p:cNvPr id="146" name="Straight Connector 145">
+            <a:extLst>
+              <a:ext uri="{FF2B5EF4-FFF2-40B4-BE49-F238E27FC236}">
+                <a16:creationId xmlns:a16="http://schemas.microsoft.com/office/drawing/2014/main" id="{CC0353D6-6531-45A7-4043-55342A66078A}"/>
+              </a:ext>
+            </a:extLst>
+          </p:cNvPr>
+          <p:cNvCxnSpPr>
+            <a:cxnSpLocks/>
+            <a:stCxn id="63" idx="2"/>
+            <a:endCxn id="77" idx="6"/>
+          </p:cNvCxnSpPr>
+          <p:nvPr/>
+        </p:nvCxnSpPr>
+        <p:spPr>
+          <a:xfrm flipH="1">
+            <a:off x="6248398" y="2071819"/>
+            <a:ext cx="166817" cy="1265022"/>
+          </a:xfrm>
+          <a:prstGeom prst="line">
+            <a:avLst/>
+          </a:prstGeom>
+          <a:ln w="19050"/>
+        </p:spPr>
+        <p:style>
+          <a:lnRef idx="1">
+            <a:schemeClr val="accent1"/>
+          </a:lnRef>
+          <a:fillRef idx="0">
+            <a:schemeClr val="accent1"/>
+          </a:fillRef>
+          <a:effectRef idx="0">
+            <a:schemeClr val="accent1"/>
+          </a:effectRef>
+          <a:fontRef idx="minor">
+            <a:schemeClr val="tx1"/>
+          </a:fontRef>
+        </p:style>
+      </p:cxnSp>
+      <p:cxnSp>
+        <p:nvCxnSpPr>
+          <p:cNvPr id="149" name="Straight Connector 148">
+            <a:extLst>
+              <a:ext uri="{FF2B5EF4-FFF2-40B4-BE49-F238E27FC236}">
+                <a16:creationId xmlns:a16="http://schemas.microsoft.com/office/drawing/2014/main" id="{2DA35FC8-4CD1-0811-FE22-0210DE52CBA3}"/>
+              </a:ext>
+            </a:extLst>
+          </p:cNvPr>
+          <p:cNvCxnSpPr>
+            <a:cxnSpLocks/>
+            <a:stCxn id="83" idx="2"/>
+            <a:endCxn id="58" idx="6"/>
+          </p:cNvCxnSpPr>
+          <p:nvPr/>
+        </p:nvCxnSpPr>
+        <p:spPr>
+          <a:xfrm flipH="1" flipV="1">
+            <a:off x="6262815" y="2629932"/>
+            <a:ext cx="137983" cy="580252"/>
+          </a:xfrm>
+          <a:prstGeom prst="line">
+            <a:avLst/>
+          </a:prstGeom>
+          <a:ln w="19050"/>
+        </p:spPr>
+        <p:style>
+          <a:lnRef idx="1">
+            <a:schemeClr val="accent1"/>
+          </a:lnRef>
+          <a:fillRef idx="0">
+            <a:schemeClr val="accent1"/>
+          </a:fillRef>
+          <a:effectRef idx="0">
+            <a:schemeClr val="accent1"/>
+          </a:effectRef>
+          <a:fontRef idx="minor">
+            <a:schemeClr val="tx1"/>
+          </a:fontRef>
+        </p:style>
+      </p:cxnSp>
+      <p:cxnSp>
+        <p:nvCxnSpPr>
+          <p:cNvPr id="152" name="Straight Connector 151">
+            <a:extLst>
+              <a:ext uri="{FF2B5EF4-FFF2-40B4-BE49-F238E27FC236}">
+                <a16:creationId xmlns:a16="http://schemas.microsoft.com/office/drawing/2014/main" id="{5B03E6A4-4FB2-4322-772B-A7A6E46AC2D8}"/>
+              </a:ext>
+            </a:extLst>
+          </p:cNvPr>
+          <p:cNvCxnSpPr>
+            <a:cxnSpLocks/>
+            <a:stCxn id="81" idx="2"/>
+            <a:endCxn id="58" idx="6"/>
+          </p:cNvCxnSpPr>
+          <p:nvPr/>
+        </p:nvCxnSpPr>
+        <p:spPr>
+          <a:xfrm flipH="1" flipV="1">
+            <a:off x="6262815" y="2629932"/>
+            <a:ext cx="137983" cy="960221"/>
+          </a:xfrm>
+          <a:prstGeom prst="line">
+            <a:avLst/>
+          </a:prstGeom>
+          <a:ln w="19050"/>
+        </p:spPr>
+        <p:style>
+          <a:lnRef idx="1">
+            <a:schemeClr val="accent1"/>
+          </a:lnRef>
+          <a:fillRef idx="0">
+            <a:schemeClr val="accent1"/>
+          </a:fillRef>
+          <a:effectRef idx="0">
+            <a:schemeClr val="accent1"/>
+          </a:effectRef>
+          <a:fontRef idx="minor">
+            <a:schemeClr val="tx1"/>
+          </a:fontRef>
+        </p:style>
+      </p:cxnSp>
+      <p:cxnSp>
+        <p:nvCxnSpPr>
+          <p:cNvPr id="155" name="Straight Connector 154">
+            <a:extLst>
+              <a:ext uri="{FF2B5EF4-FFF2-40B4-BE49-F238E27FC236}">
+                <a16:creationId xmlns:a16="http://schemas.microsoft.com/office/drawing/2014/main" id="{9E5ED64C-9CCA-C63B-C8B2-DB02AF315C2E}"/>
+              </a:ext>
+            </a:extLst>
+          </p:cNvPr>
+          <p:cNvCxnSpPr>
+            <a:cxnSpLocks/>
+            <a:stCxn id="82" idx="2"/>
+            <a:endCxn id="58" idx="6"/>
+          </p:cNvCxnSpPr>
+          <p:nvPr/>
+        </p:nvCxnSpPr>
+        <p:spPr>
+          <a:xfrm flipH="1" flipV="1">
+            <a:off x="6262815" y="2629932"/>
+            <a:ext cx="137983" cy="1340191"/>
+          </a:xfrm>
+          <a:prstGeom prst="line">
+            <a:avLst/>
+          </a:prstGeom>
+          <a:ln w="19050"/>
+        </p:spPr>
+        <p:style>
+          <a:lnRef idx="1">
+            <a:schemeClr val="accent1"/>
+          </a:lnRef>
+          <a:fillRef idx="0">
+            <a:schemeClr val="accent1"/>
+          </a:fillRef>
+          <a:effectRef idx="0">
+            <a:schemeClr val="accent1"/>
+          </a:effectRef>
+          <a:fontRef idx="minor">
+            <a:schemeClr val="tx1"/>
+          </a:fontRef>
+        </p:style>
+      </p:cxnSp>
+      <p:cxnSp>
+        <p:nvCxnSpPr>
+          <p:cNvPr id="158" name="Straight Connector 157">
+            <a:extLst>
+              <a:ext uri="{FF2B5EF4-FFF2-40B4-BE49-F238E27FC236}">
+                <a16:creationId xmlns:a16="http://schemas.microsoft.com/office/drawing/2014/main" id="{BF1BA5D1-3D11-736E-7439-C13213CABBE0}"/>
+              </a:ext>
+            </a:extLst>
+          </p:cNvPr>
+          <p:cNvCxnSpPr>
+            <a:cxnSpLocks/>
+            <a:stCxn id="83" idx="2"/>
+            <a:endCxn id="57" idx="6"/>
+          </p:cNvCxnSpPr>
+          <p:nvPr/>
+        </p:nvCxnSpPr>
+        <p:spPr>
+          <a:xfrm flipH="1" flipV="1">
+            <a:off x="6262815" y="2198476"/>
+            <a:ext cx="137983" cy="1011708"/>
+          </a:xfrm>
+          <a:prstGeom prst="line">
+            <a:avLst/>
+          </a:prstGeom>
+          <a:ln w="19050"/>
+        </p:spPr>
+        <p:style>
+          <a:lnRef idx="1">
+            <a:schemeClr val="accent1"/>
+          </a:lnRef>
+          <a:fillRef idx="0">
+            <a:schemeClr val="accent1"/>
+          </a:fillRef>
+          <a:effectRef idx="0">
+            <a:schemeClr val="accent1"/>
+          </a:effectRef>
+          <a:fontRef idx="minor">
+            <a:schemeClr val="tx1"/>
+          </a:fontRef>
+        </p:style>
+      </p:cxnSp>
+      <p:cxnSp>
+        <p:nvCxnSpPr>
+          <p:cNvPr id="161" name="Straight Connector 160">
+            <a:extLst>
+              <a:ext uri="{FF2B5EF4-FFF2-40B4-BE49-F238E27FC236}">
+                <a16:creationId xmlns:a16="http://schemas.microsoft.com/office/drawing/2014/main" id="{48BD39DC-F753-3BD3-ED5D-3C6C9707D40B}"/>
+              </a:ext>
+            </a:extLst>
+          </p:cNvPr>
+          <p:cNvCxnSpPr>
+            <a:cxnSpLocks/>
+            <a:stCxn id="81" idx="2"/>
+            <a:endCxn id="57" idx="6"/>
+          </p:cNvCxnSpPr>
+          <p:nvPr/>
+        </p:nvCxnSpPr>
+        <p:spPr>
+          <a:xfrm flipH="1" flipV="1">
+            <a:off x="6262815" y="2198476"/>
+            <a:ext cx="137983" cy="1391677"/>
+          </a:xfrm>
+          <a:prstGeom prst="line">
+            <a:avLst/>
+          </a:prstGeom>
+          <a:ln w="19050"/>
+        </p:spPr>
+        <p:style>
+          <a:lnRef idx="1">
+            <a:schemeClr val="accent1"/>
+          </a:lnRef>
+          <a:fillRef idx="0">
+            <a:schemeClr val="accent1"/>
+          </a:fillRef>
+          <a:effectRef idx="0">
+            <a:schemeClr val="accent1"/>
+          </a:effectRef>
+          <a:fontRef idx="minor">
+            <a:schemeClr val="tx1"/>
+          </a:fontRef>
+        </p:style>
+      </p:cxnSp>
+      <p:cxnSp>
+        <p:nvCxnSpPr>
+          <p:cNvPr id="164" name="Straight Connector 163">
+            <a:extLst>
+              <a:ext uri="{FF2B5EF4-FFF2-40B4-BE49-F238E27FC236}">
+                <a16:creationId xmlns:a16="http://schemas.microsoft.com/office/drawing/2014/main" id="{3243AE70-DB0A-A588-B39F-EE270CC36E5F}"/>
+              </a:ext>
+            </a:extLst>
+          </p:cNvPr>
+          <p:cNvCxnSpPr>
+            <a:cxnSpLocks/>
+            <a:stCxn id="82" idx="2"/>
+            <a:endCxn id="57" idx="6"/>
+          </p:cNvCxnSpPr>
+          <p:nvPr/>
+        </p:nvCxnSpPr>
+        <p:spPr>
+          <a:xfrm flipH="1" flipV="1">
+            <a:off x="6262815" y="2198476"/>
+            <a:ext cx="137983" cy="1771647"/>
+          </a:xfrm>
+          <a:prstGeom prst="line">
+            <a:avLst/>
+          </a:prstGeom>
+          <a:ln w="19050"/>
+        </p:spPr>
+        <p:style>
+          <a:lnRef idx="1">
+            <a:schemeClr val="accent1"/>
+          </a:lnRef>
+          <a:fillRef idx="0">
+            <a:schemeClr val="accent1"/>
+          </a:fillRef>
+          <a:effectRef idx="0">
+            <a:schemeClr val="accent1"/>
+          </a:effectRef>
+          <a:fontRef idx="minor">
+            <a:schemeClr val="tx1"/>
+          </a:fontRef>
+        </p:style>
+      </p:cxnSp>
+      <p:sp>
+        <p:nvSpPr>
+          <p:cNvPr id="210" name="Oval 209">
+            <a:extLst>
+              <a:ext uri="{FF2B5EF4-FFF2-40B4-BE49-F238E27FC236}">
+                <a16:creationId xmlns:a16="http://schemas.microsoft.com/office/drawing/2014/main" id="{527F61B3-9FF1-30BC-48AF-CB9CA9C0E7F6}"/>
+              </a:ext>
+            </a:extLst>
+          </p:cNvPr>
+          <p:cNvSpPr/>
+          <p:nvPr/>
+        </p:nvSpPr>
+        <p:spPr>
+          <a:xfrm>
+            <a:off x="8596185" y="2222160"/>
+            <a:ext cx="259492" cy="253313"/>
+          </a:xfrm>
+          <a:prstGeom prst="ellipse">
+            <a:avLst/>
+          </a:prstGeom>
+          <a:solidFill>
+            <a:schemeClr val="bg2"/>
+          </a:solidFill>
+        </p:spPr>
+        <p:style>
+          <a:lnRef idx="2">
+            <a:schemeClr val="accent1">
+              <a:shade val="50000"/>
+            </a:schemeClr>
+          </a:lnRef>
+          <a:fillRef idx="1">
+            <a:schemeClr val="accent1"/>
+          </a:fillRef>
+          <a:effectRef idx="0">
+            <a:schemeClr val="accent1"/>
+          </a:effectRef>
+          <a:fontRef idx="minor">
+            <a:schemeClr val="lt1"/>
+          </a:fontRef>
+        </p:style>
+        <p:txBody>
+          <a:bodyPr rtlCol="0" anchor="ctr"/>
+          <a:lstStyle/>
+          <a:p>
+            <a:pPr algn="ctr"/>
+            <a:endParaRPr lang="en-CN"/>
+          </a:p>
+        </p:txBody>
+      </p:sp>
+      <p:sp>
+        <p:nvSpPr>
+          <p:cNvPr id="211" name="Oval 210">
+            <a:extLst>
+              <a:ext uri="{FF2B5EF4-FFF2-40B4-BE49-F238E27FC236}">
+                <a16:creationId xmlns:a16="http://schemas.microsoft.com/office/drawing/2014/main" id="{30D80928-1A39-E866-1574-C630FCFE00A0}"/>
+              </a:ext>
+            </a:extLst>
+          </p:cNvPr>
+          <p:cNvSpPr/>
+          <p:nvPr/>
+        </p:nvSpPr>
+        <p:spPr>
+          <a:xfrm>
+            <a:off x="8596185" y="2602130"/>
+            <a:ext cx="259492" cy="253313"/>
+          </a:xfrm>
+          <a:prstGeom prst="ellipse">
+            <a:avLst/>
+          </a:prstGeom>
+          <a:solidFill>
+            <a:schemeClr val="bg2"/>
+          </a:solidFill>
+        </p:spPr>
+        <p:style>
+          <a:lnRef idx="2">
+            <a:schemeClr val="accent1">
+              <a:shade val="50000"/>
+            </a:schemeClr>
+          </a:lnRef>
+          <a:fillRef idx="1">
+            <a:schemeClr val="accent1"/>
+          </a:fillRef>
+          <a:effectRef idx="0">
+            <a:schemeClr val="accent1"/>
+          </a:effectRef>
+          <a:fontRef idx="minor">
+            <a:schemeClr val="lt1"/>
+          </a:fontRef>
+        </p:style>
+        <p:txBody>
+          <a:bodyPr rtlCol="0" anchor="ctr"/>
+          <a:lstStyle/>
+          <a:p>
+            <a:pPr algn="ctr"/>
+            <a:endParaRPr lang="en-CN" dirty="0"/>
+          </a:p>
+        </p:txBody>
+      </p:sp>
+      <p:sp>
+        <p:nvSpPr>
+          <p:cNvPr id="213" name="Oval 212">
+            <a:extLst>
+              <a:ext uri="{FF2B5EF4-FFF2-40B4-BE49-F238E27FC236}">
+                <a16:creationId xmlns:a16="http://schemas.microsoft.com/office/drawing/2014/main" id="{E4DF54B0-4255-4362-8156-F174F52B1D5A}"/>
+              </a:ext>
+            </a:extLst>
+          </p:cNvPr>
+          <p:cNvSpPr/>
+          <p:nvPr/>
+        </p:nvSpPr>
+        <p:spPr>
+          <a:xfrm>
+            <a:off x="9008077" y="2400303"/>
+            <a:ext cx="259492" cy="253313"/>
+          </a:xfrm>
+          <a:prstGeom prst="ellipse">
+            <a:avLst/>
+          </a:prstGeom>
+          <a:solidFill>
+            <a:schemeClr val="bg2"/>
+          </a:solidFill>
+        </p:spPr>
+        <p:style>
+          <a:lnRef idx="2">
+            <a:schemeClr val="accent1">
+              <a:shade val="50000"/>
+            </a:schemeClr>
+          </a:lnRef>
+          <a:fillRef idx="1">
+            <a:schemeClr val="accent1"/>
+          </a:fillRef>
+          <a:effectRef idx="0">
+            <a:schemeClr val="accent1"/>
+          </a:effectRef>
+          <a:fontRef idx="minor">
+            <a:schemeClr val="lt1"/>
+          </a:fontRef>
+        </p:style>
+        <p:txBody>
+          <a:bodyPr rtlCol="0" anchor="ctr"/>
+          <a:lstStyle/>
+          <a:p>
+            <a:pPr algn="ctr"/>
+            <a:endParaRPr lang="en-CN"/>
+          </a:p>
+        </p:txBody>
+      </p:sp>
+      <p:sp>
+        <p:nvSpPr>
+          <p:cNvPr id="217" name="Oval 216">
+            <a:extLst>
+              <a:ext uri="{FF2B5EF4-FFF2-40B4-BE49-F238E27FC236}">
+                <a16:creationId xmlns:a16="http://schemas.microsoft.com/office/drawing/2014/main" id="{973EA631-FA6D-D8AA-78F2-F3EA5F1ADEDD}"/>
+              </a:ext>
+            </a:extLst>
+          </p:cNvPr>
+          <p:cNvSpPr/>
+          <p:nvPr/>
+        </p:nvSpPr>
+        <p:spPr>
+          <a:xfrm>
+            <a:off x="9419969" y="2602129"/>
+            <a:ext cx="259492" cy="253313"/>
+          </a:xfrm>
+          <a:prstGeom prst="ellipse">
+            <a:avLst/>
+          </a:prstGeom>
+          <a:solidFill>
+            <a:schemeClr val="bg2"/>
+          </a:solidFill>
+        </p:spPr>
+        <p:style>
+          <a:lnRef idx="2">
+            <a:schemeClr val="accent1">
+              <a:shade val="50000"/>
+            </a:schemeClr>
+          </a:lnRef>
+          <a:fillRef idx="1">
+            <a:schemeClr val="accent1"/>
+          </a:fillRef>
+          <a:effectRef idx="0">
+            <a:schemeClr val="accent1"/>
+          </a:effectRef>
+          <a:fontRef idx="minor">
+            <a:schemeClr val="lt1"/>
+          </a:fontRef>
+        </p:style>
+        <p:txBody>
+          <a:bodyPr rtlCol="0" anchor="ctr"/>
+          <a:lstStyle/>
+          <a:p>
+            <a:pPr algn="ctr"/>
+            <a:endParaRPr lang="en-CN" dirty="0"/>
+          </a:p>
+        </p:txBody>
+      </p:sp>
+      <p:sp>
+        <p:nvSpPr>
+          <p:cNvPr id="218" name="Oval 217">
+            <a:extLst>
+              <a:ext uri="{FF2B5EF4-FFF2-40B4-BE49-F238E27FC236}">
+                <a16:creationId xmlns:a16="http://schemas.microsoft.com/office/drawing/2014/main" id="{A52DB676-612F-EE47-CB5A-F4C7836E128E}"/>
+              </a:ext>
+            </a:extLst>
+          </p:cNvPr>
+          <p:cNvSpPr/>
+          <p:nvPr/>
+        </p:nvSpPr>
+        <p:spPr>
+          <a:xfrm>
+            <a:off x="9419969" y="1842190"/>
+            <a:ext cx="259492" cy="253313"/>
+          </a:xfrm>
+          <a:prstGeom prst="ellipse">
+            <a:avLst/>
+          </a:prstGeom>
+          <a:solidFill>
+            <a:schemeClr val="bg2"/>
+          </a:solidFill>
+        </p:spPr>
+        <p:style>
+          <a:lnRef idx="2">
+            <a:schemeClr val="accent1">
+              <a:shade val="50000"/>
+            </a:schemeClr>
+          </a:lnRef>
+          <a:fillRef idx="1">
+            <a:schemeClr val="accent1"/>
+          </a:fillRef>
+          <a:effectRef idx="0">
+            <a:schemeClr val="accent1"/>
+          </a:effectRef>
+          <a:fontRef idx="minor">
+            <a:schemeClr val="lt1"/>
+          </a:fontRef>
+        </p:style>
+        <p:txBody>
+          <a:bodyPr rtlCol="0" anchor="ctr"/>
+          <a:lstStyle/>
+          <a:p>
+            <a:pPr algn="ctr"/>
+            <a:endParaRPr lang="en-CN" dirty="0"/>
+          </a:p>
+        </p:txBody>
+      </p:sp>
+      <p:cxnSp>
+        <p:nvCxnSpPr>
+          <p:cNvPr id="220" name="Straight Connector 219">
+            <a:extLst>
+              <a:ext uri="{FF2B5EF4-FFF2-40B4-BE49-F238E27FC236}">
+                <a16:creationId xmlns:a16="http://schemas.microsoft.com/office/drawing/2014/main" id="{831C8311-0D33-DE71-4640-508B5E2C120D}"/>
+              </a:ext>
+            </a:extLst>
+          </p:cNvPr>
+          <p:cNvCxnSpPr>
+            <a:cxnSpLocks/>
+            <a:stCxn id="210" idx="6"/>
+            <a:endCxn id="213" idx="2"/>
+          </p:cNvCxnSpPr>
+          <p:nvPr/>
+        </p:nvCxnSpPr>
+        <p:spPr>
+          <a:xfrm>
+            <a:off x="8855677" y="2348817"/>
+            <a:ext cx="152400" cy="178143"/>
+          </a:xfrm>
+          <a:prstGeom prst="line">
+            <a:avLst/>
+          </a:prstGeom>
+          <a:ln w="19050"/>
+        </p:spPr>
+        <p:style>
+          <a:lnRef idx="1">
+            <a:schemeClr val="accent1"/>
+          </a:lnRef>
+          <a:fillRef idx="0">
+            <a:schemeClr val="accent1"/>
+          </a:fillRef>
+          <a:effectRef idx="0">
+            <a:schemeClr val="accent1"/>
+          </a:effectRef>
+          <a:fontRef idx="minor">
+            <a:schemeClr val="tx1"/>
+          </a:fontRef>
+        </p:style>
+      </p:cxnSp>
+      <p:cxnSp>
+        <p:nvCxnSpPr>
+          <p:cNvPr id="222" name="Straight Connector 221">
+            <a:extLst>
+              <a:ext uri="{FF2B5EF4-FFF2-40B4-BE49-F238E27FC236}">
+                <a16:creationId xmlns:a16="http://schemas.microsoft.com/office/drawing/2014/main" id="{97EB03BD-60DB-8AD9-A054-A9C8CEEC8844}"/>
+              </a:ext>
+            </a:extLst>
+          </p:cNvPr>
+          <p:cNvCxnSpPr>
+            <a:cxnSpLocks/>
+            <a:stCxn id="211" idx="6"/>
+            <a:endCxn id="213" idx="2"/>
+          </p:cNvCxnSpPr>
+          <p:nvPr/>
+        </p:nvCxnSpPr>
+        <p:spPr>
+          <a:xfrm flipV="1">
+            <a:off x="8855677" y="2526960"/>
+            <a:ext cx="152400" cy="201827"/>
+          </a:xfrm>
+          <a:prstGeom prst="line">
+            <a:avLst/>
+          </a:prstGeom>
+          <a:ln w="19050"/>
+        </p:spPr>
+        <p:style>
+          <a:lnRef idx="1">
+            <a:schemeClr val="accent1"/>
+          </a:lnRef>
+          <a:fillRef idx="0">
+            <a:schemeClr val="accent1"/>
+          </a:fillRef>
+          <a:effectRef idx="0">
+            <a:schemeClr val="accent1"/>
+          </a:effectRef>
+          <a:fontRef idx="minor">
+            <a:schemeClr val="tx1"/>
+          </a:fontRef>
+        </p:style>
+      </p:cxnSp>
+      <p:cxnSp>
+        <p:nvCxnSpPr>
+          <p:cNvPr id="226" name="Straight Connector 225">
+            <a:extLst>
+              <a:ext uri="{FF2B5EF4-FFF2-40B4-BE49-F238E27FC236}">
+                <a16:creationId xmlns:a16="http://schemas.microsoft.com/office/drawing/2014/main" id="{2FFEB22F-3271-3F26-A2DB-4C54C40B5ABB}"/>
+              </a:ext>
+            </a:extLst>
+          </p:cNvPr>
+          <p:cNvCxnSpPr>
+            <a:cxnSpLocks/>
+            <a:stCxn id="218" idx="2"/>
+            <a:endCxn id="213" idx="6"/>
+          </p:cNvCxnSpPr>
+          <p:nvPr/>
+        </p:nvCxnSpPr>
+        <p:spPr>
+          <a:xfrm flipH="1">
+            <a:off x="9267569" y="1968847"/>
+            <a:ext cx="152400" cy="558113"/>
+          </a:xfrm>
+          <a:prstGeom prst="line">
+            <a:avLst/>
+          </a:prstGeom>
+          <a:ln w="19050"/>
+        </p:spPr>
+        <p:style>
+          <a:lnRef idx="1">
+            <a:schemeClr val="accent1"/>
+          </a:lnRef>
+          <a:fillRef idx="0">
+            <a:schemeClr val="accent1"/>
+          </a:fillRef>
+          <a:effectRef idx="0">
+            <a:schemeClr val="accent1"/>
+          </a:effectRef>
+          <a:fontRef idx="minor">
+            <a:schemeClr val="tx1"/>
+          </a:fontRef>
+        </p:style>
+      </p:cxnSp>
+      <p:cxnSp>
+        <p:nvCxnSpPr>
+          <p:cNvPr id="228" name="Straight Connector 227">
+            <a:extLst>
+              <a:ext uri="{FF2B5EF4-FFF2-40B4-BE49-F238E27FC236}">
+                <a16:creationId xmlns:a16="http://schemas.microsoft.com/office/drawing/2014/main" id="{DD99AF17-CDB7-850D-6E05-D7030DC3B7CD}"/>
+              </a:ext>
+            </a:extLst>
+          </p:cNvPr>
+          <p:cNvCxnSpPr>
+            <a:cxnSpLocks/>
+            <a:stCxn id="217" idx="2"/>
+            <a:endCxn id="213" idx="6"/>
+          </p:cNvCxnSpPr>
+          <p:nvPr/>
+        </p:nvCxnSpPr>
+        <p:spPr>
+          <a:xfrm flipH="1" flipV="1">
+            <a:off x="9267569" y="2526960"/>
+            <a:ext cx="152400" cy="201826"/>
+          </a:xfrm>
+          <a:prstGeom prst="line">
+            <a:avLst/>
+          </a:prstGeom>
+          <a:ln w="19050"/>
+        </p:spPr>
+        <p:style>
+          <a:lnRef idx="1">
+            <a:schemeClr val="accent1"/>
+          </a:lnRef>
+          <a:fillRef idx="0">
+            <a:schemeClr val="accent1"/>
+          </a:fillRef>
+          <a:effectRef idx="0">
+            <a:schemeClr val="accent1"/>
+          </a:effectRef>
+          <a:fontRef idx="minor">
+            <a:schemeClr val="tx1"/>
+          </a:fontRef>
+        </p:style>
+      </p:cxnSp>
+      <p:sp>
+        <p:nvSpPr>
+          <p:cNvPr id="230" name="Oval 229">
+            <a:extLst>
+              <a:ext uri="{FF2B5EF4-FFF2-40B4-BE49-F238E27FC236}">
+                <a16:creationId xmlns:a16="http://schemas.microsoft.com/office/drawing/2014/main" id="{C45FF2B7-FF25-4118-2FBE-08D157203601}"/>
+              </a:ext>
+            </a:extLst>
+          </p:cNvPr>
+          <p:cNvSpPr/>
+          <p:nvPr/>
+        </p:nvSpPr>
+        <p:spPr>
+          <a:xfrm>
+            <a:off x="8581768" y="3360525"/>
+            <a:ext cx="259492" cy="253313"/>
+          </a:xfrm>
+          <a:prstGeom prst="ellipse">
+            <a:avLst/>
+          </a:prstGeom>
+          <a:solidFill>
+            <a:schemeClr val="bg1"/>
+          </a:solidFill>
+        </p:spPr>
+        <p:style>
+          <a:lnRef idx="2">
+            <a:schemeClr val="accent1">
+              <a:shade val="50000"/>
+            </a:schemeClr>
+          </a:lnRef>
+          <a:fillRef idx="1">
+            <a:schemeClr val="accent1"/>
+          </a:fillRef>
+          <a:effectRef idx="0">
+            <a:schemeClr val="accent1"/>
+          </a:effectRef>
+          <a:fontRef idx="minor">
+            <a:schemeClr val="lt1"/>
+          </a:fontRef>
+        </p:style>
+        <p:txBody>
+          <a:bodyPr rtlCol="0" anchor="ctr"/>
+          <a:lstStyle/>
+          <a:p>
+            <a:pPr algn="ctr"/>
+            <a:endParaRPr lang="en-CN"/>
+          </a:p>
+        </p:txBody>
+      </p:sp>
+      <p:sp>
+        <p:nvSpPr>
+          <p:cNvPr id="231" name="Oval 230">
+            <a:extLst>
+              <a:ext uri="{FF2B5EF4-FFF2-40B4-BE49-F238E27FC236}">
+                <a16:creationId xmlns:a16="http://schemas.microsoft.com/office/drawing/2014/main" id="{8E935725-EB94-C751-546F-E2F51BAE41DB}"/>
+              </a:ext>
+            </a:extLst>
+          </p:cNvPr>
+          <p:cNvSpPr/>
+          <p:nvPr/>
+        </p:nvSpPr>
+        <p:spPr>
+          <a:xfrm>
+            <a:off x="8581768" y="3740495"/>
+            <a:ext cx="259492" cy="253313"/>
+          </a:xfrm>
+          <a:prstGeom prst="ellipse">
+            <a:avLst/>
+          </a:prstGeom>
+          <a:solidFill>
+            <a:schemeClr val="bg1"/>
+          </a:solidFill>
+        </p:spPr>
+        <p:style>
+          <a:lnRef idx="2">
+            <a:schemeClr val="accent1">
+              <a:shade val="50000"/>
+            </a:schemeClr>
+          </a:lnRef>
+          <a:fillRef idx="1">
+            <a:schemeClr val="accent1"/>
+          </a:fillRef>
+          <a:effectRef idx="0">
+            <a:schemeClr val="accent1"/>
+          </a:effectRef>
+          <a:fontRef idx="minor">
+            <a:schemeClr val="lt1"/>
+          </a:fontRef>
+        </p:style>
+        <p:txBody>
+          <a:bodyPr rtlCol="0" anchor="ctr"/>
+          <a:lstStyle/>
+          <a:p>
+            <a:pPr algn="ctr"/>
+            <a:endParaRPr lang="en-CN" dirty="0"/>
+          </a:p>
+        </p:txBody>
+      </p:sp>
+      <p:sp>
+        <p:nvSpPr>
+          <p:cNvPr id="232" name="Oval 231">
+            <a:extLst>
+              <a:ext uri="{FF2B5EF4-FFF2-40B4-BE49-F238E27FC236}">
+                <a16:creationId xmlns:a16="http://schemas.microsoft.com/office/drawing/2014/main" id="{89885139-3C5C-112C-1D4E-0BB3A1F8426D}"/>
+              </a:ext>
+            </a:extLst>
+          </p:cNvPr>
+          <p:cNvSpPr/>
+          <p:nvPr/>
+        </p:nvSpPr>
+        <p:spPr>
+          <a:xfrm>
+            <a:off x="8993660" y="3107212"/>
+            <a:ext cx="259492" cy="253313"/>
+          </a:xfrm>
+          <a:prstGeom prst="ellipse">
+            <a:avLst/>
+          </a:prstGeom>
+          <a:solidFill>
+            <a:schemeClr val="bg1"/>
+          </a:solidFill>
+        </p:spPr>
+        <p:style>
+          <a:lnRef idx="2">
+            <a:schemeClr val="accent1">
+              <a:shade val="50000"/>
+            </a:schemeClr>
+          </a:lnRef>
+          <a:fillRef idx="1">
+            <a:schemeClr val="accent1"/>
+          </a:fillRef>
+          <a:effectRef idx="0">
+            <a:schemeClr val="accent1"/>
+          </a:effectRef>
+          <a:fontRef idx="minor">
+            <a:schemeClr val="lt1"/>
+          </a:fontRef>
+        </p:style>
+        <p:txBody>
+          <a:bodyPr rtlCol="0" anchor="ctr"/>
+          <a:lstStyle/>
+          <a:p>
+            <a:pPr algn="ctr"/>
+            <a:endParaRPr lang="en-CN" dirty="0"/>
+          </a:p>
+        </p:txBody>
+      </p:sp>
+      <p:sp>
+        <p:nvSpPr>
+          <p:cNvPr id="233" name="Oval 232">
+            <a:extLst>
+              <a:ext uri="{FF2B5EF4-FFF2-40B4-BE49-F238E27FC236}">
+                <a16:creationId xmlns:a16="http://schemas.microsoft.com/office/drawing/2014/main" id="{972A7611-4514-2466-611B-88CFDCC2FD07}"/>
+              </a:ext>
+            </a:extLst>
+          </p:cNvPr>
+          <p:cNvSpPr/>
+          <p:nvPr/>
+        </p:nvSpPr>
+        <p:spPr>
+          <a:xfrm>
+            <a:off x="8993660" y="3538668"/>
+            <a:ext cx="259492" cy="253313"/>
+          </a:xfrm>
+          <a:prstGeom prst="ellipse">
+            <a:avLst/>
+          </a:prstGeom>
+          <a:solidFill>
+            <a:schemeClr val="bg1"/>
+          </a:solidFill>
+        </p:spPr>
+        <p:style>
+          <a:lnRef idx="2">
+            <a:schemeClr val="accent1">
+              <a:shade val="50000"/>
+            </a:schemeClr>
+          </a:lnRef>
+          <a:fillRef idx="1">
+            <a:schemeClr val="accent1"/>
+          </a:fillRef>
+          <a:effectRef idx="0">
+            <a:schemeClr val="accent1"/>
+          </a:effectRef>
+          <a:fontRef idx="minor">
+            <a:schemeClr val="lt1"/>
+          </a:fontRef>
+        </p:style>
+        <p:txBody>
+          <a:bodyPr rtlCol="0" anchor="ctr"/>
+          <a:lstStyle/>
+          <a:p>
+            <a:pPr algn="ctr"/>
+            <a:endParaRPr lang="en-CN"/>
+          </a:p>
+        </p:txBody>
+      </p:sp>
+      <p:sp>
+        <p:nvSpPr>
+          <p:cNvPr id="236" name="Oval 235">
+            <a:extLst>
+              <a:ext uri="{FF2B5EF4-FFF2-40B4-BE49-F238E27FC236}">
+                <a16:creationId xmlns:a16="http://schemas.microsoft.com/office/drawing/2014/main" id="{C589B3D6-08A9-3E77-D600-909F3834D360}"/>
+              </a:ext>
+            </a:extLst>
+          </p:cNvPr>
+          <p:cNvSpPr/>
+          <p:nvPr/>
+        </p:nvSpPr>
+        <p:spPr>
+          <a:xfrm>
+            <a:off x="9405552" y="3360524"/>
+            <a:ext cx="259492" cy="253313"/>
+          </a:xfrm>
+          <a:prstGeom prst="ellipse">
+            <a:avLst/>
+          </a:prstGeom>
+          <a:solidFill>
+            <a:schemeClr val="bg1"/>
+          </a:solidFill>
+        </p:spPr>
+        <p:style>
+          <a:lnRef idx="2">
+            <a:schemeClr val="accent1">
+              <a:shade val="50000"/>
+            </a:schemeClr>
+          </a:lnRef>
+          <a:fillRef idx="1">
+            <a:schemeClr val="accent1"/>
+          </a:fillRef>
+          <a:effectRef idx="0">
+            <a:schemeClr val="accent1"/>
+          </a:effectRef>
+          <a:fontRef idx="minor">
+            <a:schemeClr val="lt1"/>
+          </a:fontRef>
+        </p:style>
+        <p:txBody>
+          <a:bodyPr rtlCol="0" anchor="ctr"/>
+          <a:lstStyle/>
+          <a:p>
+            <a:pPr algn="ctr"/>
+            <a:endParaRPr lang="en-CN" dirty="0"/>
+          </a:p>
+        </p:txBody>
+      </p:sp>
+      <p:sp>
+        <p:nvSpPr>
+          <p:cNvPr id="238" name="Oval 237">
+            <a:extLst>
+              <a:ext uri="{FF2B5EF4-FFF2-40B4-BE49-F238E27FC236}">
+                <a16:creationId xmlns:a16="http://schemas.microsoft.com/office/drawing/2014/main" id="{4AE69E9E-18AF-6F3A-2D94-D4793F74D88F}"/>
+              </a:ext>
+            </a:extLst>
+          </p:cNvPr>
+          <p:cNvSpPr/>
+          <p:nvPr/>
+        </p:nvSpPr>
+        <p:spPr>
+          <a:xfrm>
+            <a:off x="9405552" y="2980555"/>
+            <a:ext cx="259492" cy="253313"/>
+          </a:xfrm>
+          <a:prstGeom prst="ellipse">
+            <a:avLst/>
+          </a:prstGeom>
+          <a:solidFill>
+            <a:schemeClr val="bg1"/>
+          </a:solidFill>
+        </p:spPr>
+        <p:style>
+          <a:lnRef idx="2">
+            <a:schemeClr val="accent1">
+              <a:shade val="50000"/>
+            </a:schemeClr>
+          </a:lnRef>
+          <a:fillRef idx="1">
+            <a:schemeClr val="accent1"/>
+          </a:fillRef>
+          <a:effectRef idx="0">
+            <a:schemeClr val="accent1"/>
+          </a:effectRef>
+          <a:fontRef idx="minor">
+            <a:schemeClr val="lt1"/>
+          </a:fontRef>
+        </p:style>
+        <p:txBody>
+          <a:bodyPr rtlCol="0" anchor="ctr"/>
+          <a:lstStyle/>
+          <a:p>
+            <a:pPr algn="ctr"/>
+            <a:endParaRPr lang="en-CN" dirty="0"/>
+          </a:p>
+        </p:txBody>
+      </p:sp>
+      <p:cxnSp>
+        <p:nvCxnSpPr>
+          <p:cNvPr id="239" name="Straight Connector 238">
+            <a:extLst>
+              <a:ext uri="{FF2B5EF4-FFF2-40B4-BE49-F238E27FC236}">
+                <a16:creationId xmlns:a16="http://schemas.microsoft.com/office/drawing/2014/main" id="{06792083-6116-70E0-BB36-FF983C2CDBD2}"/>
+              </a:ext>
+            </a:extLst>
+          </p:cNvPr>
+          <p:cNvCxnSpPr>
+            <a:cxnSpLocks/>
+            <a:stCxn id="230" idx="6"/>
+            <a:endCxn id="232" idx="2"/>
+          </p:cNvCxnSpPr>
+          <p:nvPr/>
+        </p:nvCxnSpPr>
+        <p:spPr>
+          <a:xfrm flipV="1">
+            <a:off x="8841260" y="3233869"/>
+            <a:ext cx="152400" cy="253313"/>
+          </a:xfrm>
+          <a:prstGeom prst="line">
+            <a:avLst/>
+          </a:prstGeom>
+          <a:ln w="19050"/>
+        </p:spPr>
+        <p:style>
+          <a:lnRef idx="1">
+            <a:schemeClr val="accent1"/>
+          </a:lnRef>
+          <a:fillRef idx="0">
+            <a:schemeClr val="accent1"/>
+          </a:fillRef>
+          <a:effectRef idx="0">
+            <a:schemeClr val="accent1"/>
+          </a:effectRef>
+          <a:fontRef idx="minor">
+            <a:schemeClr val="tx1"/>
+          </a:fontRef>
+        </p:style>
+      </p:cxnSp>
+      <p:cxnSp>
+        <p:nvCxnSpPr>
+          <p:cNvPr id="240" name="Straight Connector 239">
+            <a:extLst>
+              <a:ext uri="{FF2B5EF4-FFF2-40B4-BE49-F238E27FC236}">
+                <a16:creationId xmlns:a16="http://schemas.microsoft.com/office/drawing/2014/main" id="{E3E1C99F-2898-58DE-E83E-AFB31A23EAE2}"/>
+              </a:ext>
+            </a:extLst>
+          </p:cNvPr>
+          <p:cNvCxnSpPr>
+            <a:cxnSpLocks/>
+            <a:stCxn id="230" idx="6"/>
+            <a:endCxn id="233" idx="2"/>
+          </p:cNvCxnSpPr>
+          <p:nvPr/>
+        </p:nvCxnSpPr>
+        <p:spPr>
+          <a:xfrm>
+            <a:off x="8841260" y="3487182"/>
+            <a:ext cx="152400" cy="178143"/>
+          </a:xfrm>
+          <a:prstGeom prst="line">
+            <a:avLst/>
+          </a:prstGeom>
+          <a:ln w="19050"/>
+        </p:spPr>
+        <p:style>
+          <a:lnRef idx="1">
+            <a:schemeClr val="accent1"/>
+          </a:lnRef>
+          <a:fillRef idx="0">
+            <a:schemeClr val="accent1"/>
+          </a:fillRef>
+          <a:effectRef idx="0">
+            <a:schemeClr val="accent1"/>
+          </a:effectRef>
+          <a:fontRef idx="minor">
+            <a:schemeClr val="tx1"/>
+          </a:fontRef>
+        </p:style>
+      </p:cxnSp>
+      <p:cxnSp>
+        <p:nvCxnSpPr>
+          <p:cNvPr id="241" name="Straight Connector 240">
+            <a:extLst>
+              <a:ext uri="{FF2B5EF4-FFF2-40B4-BE49-F238E27FC236}">
+                <a16:creationId xmlns:a16="http://schemas.microsoft.com/office/drawing/2014/main" id="{F9FE8171-78A4-C00A-EC21-212A7EEC4061}"/>
+              </a:ext>
+            </a:extLst>
+          </p:cNvPr>
+          <p:cNvCxnSpPr>
+            <a:cxnSpLocks/>
+            <a:stCxn id="231" idx="6"/>
+            <a:endCxn id="232" idx="2"/>
+          </p:cNvCxnSpPr>
+          <p:nvPr/>
+        </p:nvCxnSpPr>
+        <p:spPr>
+          <a:xfrm flipV="1">
+            <a:off x="8841260" y="3233869"/>
+            <a:ext cx="152400" cy="633283"/>
+          </a:xfrm>
+          <a:prstGeom prst="line">
+            <a:avLst/>
+          </a:prstGeom>
+          <a:ln w="19050"/>
+        </p:spPr>
+        <p:style>
+          <a:lnRef idx="1">
+            <a:schemeClr val="accent1"/>
+          </a:lnRef>
+          <a:fillRef idx="0">
+            <a:schemeClr val="accent1"/>
+          </a:fillRef>
+          <a:effectRef idx="0">
+            <a:schemeClr val="accent1"/>
+          </a:effectRef>
+          <a:fontRef idx="minor">
+            <a:schemeClr val="tx1"/>
+          </a:fontRef>
+        </p:style>
+      </p:cxnSp>
+      <p:cxnSp>
+        <p:nvCxnSpPr>
+          <p:cNvPr id="242" name="Straight Connector 241">
+            <a:extLst>
+              <a:ext uri="{FF2B5EF4-FFF2-40B4-BE49-F238E27FC236}">
+                <a16:creationId xmlns:a16="http://schemas.microsoft.com/office/drawing/2014/main" id="{C5BBCF2C-FAA6-2532-1A75-6009A0CB99C8}"/>
+              </a:ext>
+            </a:extLst>
+          </p:cNvPr>
+          <p:cNvCxnSpPr>
+            <a:cxnSpLocks/>
+            <a:stCxn id="231" idx="6"/>
+            <a:endCxn id="233" idx="2"/>
+          </p:cNvCxnSpPr>
+          <p:nvPr/>
+        </p:nvCxnSpPr>
+        <p:spPr>
+          <a:xfrm flipV="1">
+            <a:off x="8841260" y="3665325"/>
+            <a:ext cx="152400" cy="201827"/>
+          </a:xfrm>
+          <a:prstGeom prst="line">
+            <a:avLst/>
+          </a:prstGeom>
+          <a:ln w="19050"/>
+        </p:spPr>
+        <p:style>
+          <a:lnRef idx="1">
+            <a:schemeClr val="accent1"/>
+          </a:lnRef>
+          <a:fillRef idx="0">
+            <a:schemeClr val="accent1"/>
+          </a:fillRef>
+          <a:effectRef idx="0">
+            <a:schemeClr val="accent1"/>
+          </a:effectRef>
+          <a:fontRef idx="minor">
+            <a:schemeClr val="tx1"/>
+          </a:fontRef>
+        </p:style>
+      </p:cxnSp>
+      <p:cxnSp>
+        <p:nvCxnSpPr>
+          <p:cNvPr id="243" name="Straight Connector 242">
+            <a:extLst>
+              <a:ext uri="{FF2B5EF4-FFF2-40B4-BE49-F238E27FC236}">
+                <a16:creationId xmlns:a16="http://schemas.microsoft.com/office/drawing/2014/main" id="{56CA26AD-F93B-A816-5CF2-8F68AF00EDB1}"/>
+              </a:ext>
+            </a:extLst>
+          </p:cNvPr>
+          <p:cNvCxnSpPr>
+            <a:cxnSpLocks/>
+            <a:stCxn id="238" idx="2"/>
+            <a:endCxn id="232" idx="6"/>
+          </p:cNvCxnSpPr>
+          <p:nvPr/>
+        </p:nvCxnSpPr>
+        <p:spPr>
+          <a:xfrm flipH="1">
+            <a:off x="9253152" y="3107212"/>
+            <a:ext cx="152400" cy="126657"/>
+          </a:xfrm>
+          <a:prstGeom prst="line">
+            <a:avLst/>
+          </a:prstGeom>
+          <a:ln w="19050"/>
+        </p:spPr>
+        <p:style>
+          <a:lnRef idx="1">
+            <a:schemeClr val="accent1"/>
+          </a:lnRef>
+          <a:fillRef idx="0">
+            <a:schemeClr val="accent1"/>
+          </a:fillRef>
+          <a:effectRef idx="0">
+            <a:schemeClr val="accent1"/>
+          </a:effectRef>
+          <a:fontRef idx="minor">
+            <a:schemeClr val="tx1"/>
+          </a:fontRef>
+        </p:style>
+      </p:cxnSp>
+      <p:cxnSp>
+        <p:nvCxnSpPr>
+          <p:cNvPr id="244" name="Straight Connector 243">
+            <a:extLst>
+              <a:ext uri="{FF2B5EF4-FFF2-40B4-BE49-F238E27FC236}">
+                <a16:creationId xmlns:a16="http://schemas.microsoft.com/office/drawing/2014/main" id="{A9879103-632A-344D-7D85-CC3441C5904C}"/>
+              </a:ext>
+            </a:extLst>
+          </p:cNvPr>
+          <p:cNvCxnSpPr>
+            <a:cxnSpLocks/>
+            <a:stCxn id="236" idx="2"/>
+            <a:endCxn id="232" idx="6"/>
+          </p:cNvCxnSpPr>
+          <p:nvPr/>
+        </p:nvCxnSpPr>
+        <p:spPr>
+          <a:xfrm flipH="1" flipV="1">
+            <a:off x="9253152" y="3233869"/>
+            <a:ext cx="152400" cy="253312"/>
+          </a:xfrm>
+          <a:prstGeom prst="line">
+            <a:avLst/>
+          </a:prstGeom>
+          <a:ln w="19050"/>
+        </p:spPr>
+        <p:style>
+          <a:lnRef idx="1">
+            <a:schemeClr val="accent1"/>
+          </a:lnRef>
+          <a:fillRef idx="0">
+            <a:schemeClr val="accent1"/>
+          </a:fillRef>
+          <a:effectRef idx="0">
+            <a:schemeClr val="accent1"/>
+          </a:effectRef>
+          <a:fontRef idx="minor">
+            <a:schemeClr val="tx1"/>
+          </a:fontRef>
+        </p:style>
+      </p:cxnSp>
+      <p:cxnSp>
+        <p:nvCxnSpPr>
+          <p:cNvPr id="246" name="Straight Connector 245">
+            <a:extLst>
+              <a:ext uri="{FF2B5EF4-FFF2-40B4-BE49-F238E27FC236}">
+                <a16:creationId xmlns:a16="http://schemas.microsoft.com/office/drawing/2014/main" id="{8A9E1671-B072-DECB-42BC-A5D3AABE9D4F}"/>
+              </a:ext>
+            </a:extLst>
+          </p:cNvPr>
+          <p:cNvCxnSpPr>
+            <a:cxnSpLocks/>
+            <a:stCxn id="238" idx="2"/>
+            <a:endCxn id="233" idx="6"/>
+          </p:cNvCxnSpPr>
+          <p:nvPr/>
+        </p:nvCxnSpPr>
+        <p:spPr>
+          <a:xfrm flipH="1">
+            <a:off x="9253152" y="3107212"/>
+            <a:ext cx="152400" cy="558113"/>
+          </a:xfrm>
+          <a:prstGeom prst="line">
+            <a:avLst/>
+          </a:prstGeom>
+          <a:ln w="19050"/>
+        </p:spPr>
+        <p:style>
+          <a:lnRef idx="1">
+            <a:schemeClr val="accent1"/>
+          </a:lnRef>
+          <a:fillRef idx="0">
+            <a:schemeClr val="accent1"/>
+          </a:fillRef>
+          <a:effectRef idx="0">
+            <a:schemeClr val="accent1"/>
+          </a:effectRef>
+          <a:fontRef idx="minor">
+            <a:schemeClr val="tx1"/>
+          </a:fontRef>
+        </p:style>
+      </p:cxnSp>
+      <p:cxnSp>
+        <p:nvCxnSpPr>
+          <p:cNvPr id="247" name="Straight Connector 246">
+            <a:extLst>
+              <a:ext uri="{FF2B5EF4-FFF2-40B4-BE49-F238E27FC236}">
+                <a16:creationId xmlns:a16="http://schemas.microsoft.com/office/drawing/2014/main" id="{4B9368FB-5624-29B5-D211-63AE54C68720}"/>
+              </a:ext>
+            </a:extLst>
+          </p:cNvPr>
+          <p:cNvCxnSpPr>
+            <a:cxnSpLocks/>
+            <a:stCxn id="236" idx="2"/>
+            <a:endCxn id="233" idx="6"/>
+          </p:cNvCxnSpPr>
+          <p:nvPr/>
+        </p:nvCxnSpPr>
+        <p:spPr>
+          <a:xfrm flipH="1">
+            <a:off x="9253152" y="3487181"/>
+            <a:ext cx="152400" cy="178144"/>
+          </a:xfrm>
+          <a:prstGeom prst="line">
+            <a:avLst/>
+          </a:prstGeom>
+          <a:ln w="19050"/>
+        </p:spPr>
+        <p:style>
+          <a:lnRef idx="1">
+            <a:schemeClr val="accent1"/>
+          </a:lnRef>
+          <a:fillRef idx="0">
+            <a:schemeClr val="accent1"/>
+          </a:fillRef>
+          <a:effectRef idx="0">
+            <a:schemeClr val="accent1"/>
+          </a:effectRef>
+          <a:fontRef idx="minor">
+            <a:schemeClr val="tx1"/>
+          </a:fontRef>
+        </p:style>
+      </p:cxnSp>
+      <p:cxnSp>
+        <p:nvCxnSpPr>
+          <p:cNvPr id="251" name="Straight Connector 250">
+            <a:extLst>
+              <a:ext uri="{FF2B5EF4-FFF2-40B4-BE49-F238E27FC236}">
+                <a16:creationId xmlns:a16="http://schemas.microsoft.com/office/drawing/2014/main" id="{B99485AA-55B5-C516-DCD0-0419C301378E}"/>
+              </a:ext>
+            </a:extLst>
+          </p:cNvPr>
+          <p:cNvCxnSpPr>
+            <a:cxnSpLocks/>
+            <a:stCxn id="210" idx="6"/>
+            <a:endCxn id="232" idx="2"/>
+          </p:cNvCxnSpPr>
+          <p:nvPr/>
+        </p:nvCxnSpPr>
+        <p:spPr>
+          <a:xfrm>
+            <a:off x="8855677" y="2348817"/>
+            <a:ext cx="137983" cy="885052"/>
+          </a:xfrm>
+          <a:prstGeom prst="line">
+            <a:avLst/>
+          </a:prstGeom>
+          <a:ln w="19050"/>
+        </p:spPr>
+        <p:style>
+          <a:lnRef idx="1">
+            <a:schemeClr val="accent1"/>
+          </a:lnRef>
+          <a:fillRef idx="0">
+            <a:schemeClr val="accent1"/>
+          </a:fillRef>
+          <a:effectRef idx="0">
+            <a:schemeClr val="accent1"/>
+          </a:effectRef>
+          <a:fontRef idx="minor">
+            <a:schemeClr val="tx1"/>
+          </a:fontRef>
+        </p:style>
+      </p:cxnSp>
+      <p:cxnSp>
+        <p:nvCxnSpPr>
+          <p:cNvPr id="252" name="Straight Connector 251">
+            <a:extLst>
+              <a:ext uri="{FF2B5EF4-FFF2-40B4-BE49-F238E27FC236}">
+                <a16:creationId xmlns:a16="http://schemas.microsoft.com/office/drawing/2014/main" id="{090E59C1-48CC-95DA-BE37-39A13C02FB31}"/>
+              </a:ext>
+            </a:extLst>
+          </p:cNvPr>
+          <p:cNvCxnSpPr>
+            <a:cxnSpLocks/>
+            <a:stCxn id="210" idx="6"/>
+            <a:endCxn id="233" idx="2"/>
+          </p:cNvCxnSpPr>
+          <p:nvPr/>
+        </p:nvCxnSpPr>
+        <p:spPr>
+          <a:xfrm>
+            <a:off x="8855677" y="2348817"/>
+            <a:ext cx="137983" cy="1316508"/>
+          </a:xfrm>
+          <a:prstGeom prst="line">
+            <a:avLst/>
+          </a:prstGeom>
+          <a:ln w="19050"/>
+        </p:spPr>
+        <p:style>
+          <a:lnRef idx="1">
+            <a:schemeClr val="accent1"/>
+          </a:lnRef>
+          <a:fillRef idx="0">
+            <a:schemeClr val="accent1"/>
+          </a:fillRef>
+          <a:effectRef idx="0">
+            <a:schemeClr val="accent1"/>
+          </a:effectRef>
+          <a:fontRef idx="minor">
+            <a:schemeClr val="tx1"/>
+          </a:fontRef>
+        </p:style>
+      </p:cxnSp>
+      <p:cxnSp>
+        <p:nvCxnSpPr>
+          <p:cNvPr id="253" name="Straight Connector 252">
+            <a:extLst>
+              <a:ext uri="{FF2B5EF4-FFF2-40B4-BE49-F238E27FC236}">
+                <a16:creationId xmlns:a16="http://schemas.microsoft.com/office/drawing/2014/main" id="{E5A303CF-87AA-B28E-5778-228BB009CD06}"/>
+              </a:ext>
+            </a:extLst>
+          </p:cNvPr>
+          <p:cNvCxnSpPr>
+            <a:cxnSpLocks/>
+            <a:stCxn id="211" idx="6"/>
+            <a:endCxn id="232" idx="2"/>
+          </p:cNvCxnSpPr>
+          <p:nvPr/>
+        </p:nvCxnSpPr>
+        <p:spPr>
+          <a:xfrm>
+            <a:off x="8855677" y="2728787"/>
+            <a:ext cx="137983" cy="505082"/>
+          </a:xfrm>
+          <a:prstGeom prst="line">
+            <a:avLst/>
+          </a:prstGeom>
+          <a:ln w="19050"/>
+        </p:spPr>
+        <p:style>
+          <a:lnRef idx="1">
+            <a:schemeClr val="accent1"/>
+          </a:lnRef>
+          <a:fillRef idx="0">
+            <a:schemeClr val="accent1"/>
+          </a:fillRef>
+          <a:effectRef idx="0">
+            <a:schemeClr val="accent1"/>
+          </a:effectRef>
+          <a:fontRef idx="minor">
+            <a:schemeClr val="tx1"/>
+          </a:fontRef>
+        </p:style>
+      </p:cxnSp>
+      <p:cxnSp>
+        <p:nvCxnSpPr>
+          <p:cNvPr id="254" name="Straight Connector 253">
+            <a:extLst>
+              <a:ext uri="{FF2B5EF4-FFF2-40B4-BE49-F238E27FC236}">
+                <a16:creationId xmlns:a16="http://schemas.microsoft.com/office/drawing/2014/main" id="{A16B287B-DEBF-FAD2-39A4-843F5534BF51}"/>
+              </a:ext>
+            </a:extLst>
+          </p:cNvPr>
+          <p:cNvCxnSpPr>
+            <a:cxnSpLocks/>
+            <a:stCxn id="211" idx="6"/>
+            <a:endCxn id="233" idx="2"/>
+          </p:cNvCxnSpPr>
+          <p:nvPr/>
+        </p:nvCxnSpPr>
+        <p:spPr>
+          <a:xfrm>
+            <a:off x="8855677" y="2728787"/>
+            <a:ext cx="137983" cy="936538"/>
+          </a:xfrm>
+          <a:prstGeom prst="line">
+            <a:avLst/>
+          </a:prstGeom>
+          <a:ln w="19050"/>
+        </p:spPr>
+        <p:style>
+          <a:lnRef idx="1">
+            <a:schemeClr val="accent1"/>
+          </a:lnRef>
+          <a:fillRef idx="0">
+            <a:schemeClr val="accent1"/>
+          </a:fillRef>
+          <a:effectRef idx="0">
+            <a:schemeClr val="accent1"/>
+          </a:effectRef>
+          <a:fontRef idx="minor">
+            <a:schemeClr val="tx1"/>
+          </a:fontRef>
+        </p:style>
+      </p:cxnSp>
+      <p:cxnSp>
+        <p:nvCxnSpPr>
+          <p:cNvPr id="258" name="Straight Connector 257">
+            <a:extLst>
+              <a:ext uri="{FF2B5EF4-FFF2-40B4-BE49-F238E27FC236}">
+                <a16:creationId xmlns:a16="http://schemas.microsoft.com/office/drawing/2014/main" id="{7C6B95ED-308A-3DEA-603D-8BE843E1B180}"/>
+              </a:ext>
+            </a:extLst>
+          </p:cNvPr>
+          <p:cNvCxnSpPr>
+            <a:cxnSpLocks/>
+            <a:stCxn id="230" idx="6"/>
+            <a:endCxn id="213" idx="2"/>
+          </p:cNvCxnSpPr>
+          <p:nvPr/>
+        </p:nvCxnSpPr>
+        <p:spPr>
+          <a:xfrm flipV="1">
+            <a:off x="8841260" y="2526960"/>
+            <a:ext cx="166817" cy="960222"/>
+          </a:xfrm>
+          <a:prstGeom prst="line">
+            <a:avLst/>
+          </a:prstGeom>
+          <a:ln w="19050"/>
+        </p:spPr>
+        <p:style>
+          <a:lnRef idx="1">
+            <a:schemeClr val="accent1"/>
+          </a:lnRef>
+          <a:fillRef idx="0">
+            <a:schemeClr val="accent1"/>
+          </a:fillRef>
+          <a:effectRef idx="0">
+            <a:schemeClr val="accent1"/>
+          </a:effectRef>
+          <a:fontRef idx="minor">
+            <a:schemeClr val="tx1"/>
+          </a:fontRef>
+        </p:style>
+      </p:cxnSp>
+      <p:cxnSp>
+        <p:nvCxnSpPr>
+          <p:cNvPr id="260" name="Straight Connector 259">
+            <a:extLst>
+              <a:ext uri="{FF2B5EF4-FFF2-40B4-BE49-F238E27FC236}">
+                <a16:creationId xmlns:a16="http://schemas.microsoft.com/office/drawing/2014/main" id="{9BFFB8C0-3328-A597-AE2D-C599E9D11FA3}"/>
+              </a:ext>
+            </a:extLst>
+          </p:cNvPr>
+          <p:cNvCxnSpPr>
+            <a:cxnSpLocks/>
+            <a:stCxn id="231" idx="6"/>
+            <a:endCxn id="213" idx="2"/>
+          </p:cNvCxnSpPr>
+          <p:nvPr/>
+        </p:nvCxnSpPr>
+        <p:spPr>
+          <a:xfrm flipV="1">
+            <a:off x="8841260" y="2526960"/>
+            <a:ext cx="166817" cy="1340192"/>
+          </a:xfrm>
+          <a:prstGeom prst="line">
+            <a:avLst/>
+          </a:prstGeom>
+          <a:ln w="19050"/>
+        </p:spPr>
+        <p:style>
+          <a:lnRef idx="1">
+            <a:schemeClr val="accent1"/>
+          </a:lnRef>
+          <a:fillRef idx="0">
+            <a:schemeClr val="accent1"/>
+          </a:fillRef>
+          <a:effectRef idx="0">
+            <a:schemeClr val="accent1"/>
+          </a:effectRef>
+          <a:fontRef idx="minor">
+            <a:schemeClr val="tx1"/>
+          </a:fontRef>
+        </p:style>
+      </p:cxnSp>
+      <p:cxnSp>
+        <p:nvCxnSpPr>
+          <p:cNvPr id="261" name="Straight Connector 260">
+            <a:extLst>
+              <a:ext uri="{FF2B5EF4-FFF2-40B4-BE49-F238E27FC236}">
+                <a16:creationId xmlns:a16="http://schemas.microsoft.com/office/drawing/2014/main" id="{81842E6E-C5CD-DEC3-1738-C14C066106C9}"/>
+              </a:ext>
+            </a:extLst>
+          </p:cNvPr>
+          <p:cNvCxnSpPr>
+            <a:cxnSpLocks/>
+            <a:stCxn id="217" idx="2"/>
+            <a:endCxn id="233" idx="6"/>
+          </p:cNvCxnSpPr>
+          <p:nvPr/>
+        </p:nvCxnSpPr>
+        <p:spPr>
+          <a:xfrm flipH="1">
+            <a:off x="9253152" y="2728786"/>
+            <a:ext cx="166817" cy="936539"/>
+          </a:xfrm>
+          <a:prstGeom prst="line">
+            <a:avLst/>
+          </a:prstGeom>
+          <a:ln w="19050"/>
+        </p:spPr>
+        <p:style>
+          <a:lnRef idx="1">
+            <a:schemeClr val="accent1"/>
+          </a:lnRef>
+          <a:fillRef idx="0">
+            <a:schemeClr val="accent1"/>
+          </a:fillRef>
+          <a:effectRef idx="0">
+            <a:schemeClr val="accent1"/>
+          </a:effectRef>
+          <a:fontRef idx="minor">
+            <a:schemeClr val="tx1"/>
+          </a:fontRef>
+        </p:style>
+      </p:cxnSp>
+      <p:cxnSp>
+        <p:nvCxnSpPr>
+          <p:cNvPr id="263" name="Straight Connector 262">
+            <a:extLst>
+              <a:ext uri="{FF2B5EF4-FFF2-40B4-BE49-F238E27FC236}">
+                <a16:creationId xmlns:a16="http://schemas.microsoft.com/office/drawing/2014/main" id="{2947418C-16C4-416C-A72E-2D231A90F2AC}"/>
+              </a:ext>
+            </a:extLst>
+          </p:cNvPr>
+          <p:cNvCxnSpPr>
+            <a:cxnSpLocks/>
+            <a:stCxn id="218" idx="2"/>
+            <a:endCxn id="233" idx="6"/>
+          </p:cNvCxnSpPr>
+          <p:nvPr/>
+        </p:nvCxnSpPr>
+        <p:spPr>
+          <a:xfrm flipH="1">
+            <a:off x="9253152" y="1968847"/>
+            <a:ext cx="166817" cy="1696478"/>
+          </a:xfrm>
+          <a:prstGeom prst="line">
+            <a:avLst/>
+          </a:prstGeom>
+          <a:ln w="19050"/>
+        </p:spPr>
+        <p:style>
+          <a:lnRef idx="1">
+            <a:schemeClr val="accent1"/>
+          </a:lnRef>
+          <a:fillRef idx="0">
+            <a:schemeClr val="accent1"/>
+          </a:fillRef>
+          <a:effectRef idx="0">
+            <a:schemeClr val="accent1"/>
+          </a:effectRef>
+          <a:fontRef idx="minor">
+            <a:schemeClr val="tx1"/>
+          </a:fontRef>
+        </p:style>
+      </p:cxnSp>
+      <p:cxnSp>
+        <p:nvCxnSpPr>
+          <p:cNvPr id="264" name="Straight Connector 263">
+            <a:extLst>
+              <a:ext uri="{FF2B5EF4-FFF2-40B4-BE49-F238E27FC236}">
+                <a16:creationId xmlns:a16="http://schemas.microsoft.com/office/drawing/2014/main" id="{89326FA9-1553-A5EB-0CE2-B060B01423D8}"/>
+              </a:ext>
+            </a:extLst>
+          </p:cNvPr>
+          <p:cNvCxnSpPr>
+            <a:cxnSpLocks/>
+            <a:stCxn id="217" idx="2"/>
+            <a:endCxn id="232" idx="6"/>
+          </p:cNvCxnSpPr>
+          <p:nvPr/>
+        </p:nvCxnSpPr>
+        <p:spPr>
+          <a:xfrm flipH="1">
+            <a:off x="9253152" y="2728786"/>
+            <a:ext cx="166817" cy="505083"/>
+          </a:xfrm>
+          <a:prstGeom prst="line">
+            <a:avLst/>
+          </a:prstGeom>
+          <a:ln w="19050"/>
+        </p:spPr>
+        <p:style>
+          <a:lnRef idx="1">
+            <a:schemeClr val="accent1"/>
+          </a:lnRef>
+          <a:fillRef idx="0">
+            <a:schemeClr val="accent1"/>
+          </a:fillRef>
+          <a:effectRef idx="0">
+            <a:schemeClr val="accent1"/>
+          </a:effectRef>
+          <a:fontRef idx="minor">
+            <a:schemeClr val="tx1"/>
+          </a:fontRef>
+        </p:style>
+      </p:cxnSp>
+      <p:cxnSp>
+        <p:nvCxnSpPr>
+          <p:cNvPr id="267" name="Straight Connector 266">
+            <a:extLst>
+              <a:ext uri="{FF2B5EF4-FFF2-40B4-BE49-F238E27FC236}">
+                <a16:creationId xmlns:a16="http://schemas.microsoft.com/office/drawing/2014/main" id="{0C01BEBF-6EA4-BA16-1601-6A6967512550}"/>
+              </a:ext>
+            </a:extLst>
+          </p:cNvPr>
+          <p:cNvCxnSpPr>
+            <a:cxnSpLocks/>
+            <a:stCxn id="238" idx="2"/>
+            <a:endCxn id="213" idx="6"/>
+          </p:cNvCxnSpPr>
+          <p:nvPr/>
+        </p:nvCxnSpPr>
+        <p:spPr>
+          <a:xfrm flipH="1" flipV="1">
+            <a:off x="9267569" y="2526960"/>
+            <a:ext cx="137983" cy="580252"/>
+          </a:xfrm>
+          <a:prstGeom prst="line">
+            <a:avLst/>
+          </a:prstGeom>
+          <a:ln w="19050"/>
+        </p:spPr>
+        <p:style>
+          <a:lnRef idx="1">
+            <a:schemeClr val="accent1"/>
+          </a:lnRef>
+          <a:fillRef idx="0">
+            <a:schemeClr val="accent1"/>
+          </a:fillRef>
+          <a:effectRef idx="0">
+            <a:schemeClr val="accent1"/>
+          </a:effectRef>
+          <a:fontRef idx="minor">
+            <a:schemeClr val="tx1"/>
+          </a:fontRef>
+        </p:style>
+      </p:cxnSp>
+      <p:cxnSp>
+        <p:nvCxnSpPr>
+          <p:cNvPr id="268" name="Straight Connector 267">
+            <a:extLst>
+              <a:ext uri="{FF2B5EF4-FFF2-40B4-BE49-F238E27FC236}">
+                <a16:creationId xmlns:a16="http://schemas.microsoft.com/office/drawing/2014/main" id="{44D2990B-2203-EB5A-22B8-F83EF65D4667}"/>
+              </a:ext>
+            </a:extLst>
+          </p:cNvPr>
+          <p:cNvCxnSpPr>
+            <a:cxnSpLocks/>
+            <a:stCxn id="236" idx="2"/>
+            <a:endCxn id="213" idx="6"/>
+          </p:cNvCxnSpPr>
+          <p:nvPr/>
+        </p:nvCxnSpPr>
+        <p:spPr>
+          <a:xfrm flipH="1" flipV="1">
+            <a:off x="9267569" y="2526960"/>
+            <a:ext cx="137983" cy="960221"/>
+          </a:xfrm>
+          <a:prstGeom prst="line">
+            <a:avLst/>
+          </a:prstGeom>
+          <a:ln w="19050"/>
+        </p:spPr>
+        <p:style>
+          <a:lnRef idx="1">
+            <a:schemeClr val="accent1"/>
+          </a:lnRef>
+          <a:fillRef idx="0">
+            <a:schemeClr val="accent1"/>
+          </a:fillRef>
+          <a:effectRef idx="0">
+            <a:schemeClr val="accent1"/>
+          </a:effectRef>
+          <a:fontRef idx="minor">
+            <a:schemeClr val="tx1"/>
+          </a:fontRef>
+        </p:style>
+      </p:cxnSp>
+      <p:cxnSp>
+        <p:nvCxnSpPr>
+          <p:cNvPr id="275" name="Straight Arrow Connector 274">
+            <a:extLst>
+              <a:ext uri="{FF2B5EF4-FFF2-40B4-BE49-F238E27FC236}">
+                <a16:creationId xmlns:a16="http://schemas.microsoft.com/office/drawing/2014/main" id="{AEC3E6A1-579B-1AAC-8722-F19F06ADAFCA}"/>
+              </a:ext>
+            </a:extLst>
+          </p:cNvPr>
+          <p:cNvCxnSpPr>
+            <a:cxnSpLocks/>
+          </p:cNvCxnSpPr>
+          <p:nvPr/>
+        </p:nvCxnSpPr>
+        <p:spPr>
+          <a:xfrm>
+            <a:off x="5096127" y="3009385"/>
+            <a:ext cx="358345" cy="5148"/>
+          </a:xfrm>
+          <a:prstGeom prst="straightConnector1">
+            <a:avLst/>
+          </a:prstGeom>
+          <a:ln w="38100">
+            <a:solidFill>
+              <a:schemeClr val="tx1"/>
+            </a:solidFill>
+            <a:tailEnd type="triangle"/>
+          </a:ln>
+        </p:spPr>
+        <p:style>
+          <a:lnRef idx="1">
+            <a:schemeClr val="accent1"/>
+          </a:lnRef>
+          <a:fillRef idx="0">
+            <a:schemeClr val="accent1"/>
+          </a:fillRef>
+          <a:effectRef idx="0">
+            <a:schemeClr val="accent1"/>
+          </a:effectRef>
+          <a:fontRef idx="minor">
+            <a:schemeClr val="tx1"/>
+          </a:fontRef>
+        </p:style>
+      </p:cxnSp>
+      <p:cxnSp>
+        <p:nvCxnSpPr>
+          <p:cNvPr id="276" name="Straight Arrow Connector 275">
+            <a:extLst>
+              <a:ext uri="{FF2B5EF4-FFF2-40B4-BE49-F238E27FC236}">
+                <a16:creationId xmlns:a16="http://schemas.microsoft.com/office/drawing/2014/main" id="{91B97C1C-CF35-419A-29EF-B53B05C98161}"/>
+              </a:ext>
+            </a:extLst>
+          </p:cNvPr>
+          <p:cNvCxnSpPr>
+            <a:cxnSpLocks/>
+          </p:cNvCxnSpPr>
+          <p:nvPr/>
+        </p:nvCxnSpPr>
+        <p:spPr>
+          <a:xfrm>
+            <a:off x="6756067" y="3013248"/>
+            <a:ext cx="358345" cy="5148"/>
+          </a:xfrm>
+          <a:prstGeom prst="straightConnector1">
+            <a:avLst/>
+          </a:prstGeom>
+          <a:ln w="38100">
+            <a:solidFill>
+              <a:schemeClr val="tx1"/>
+            </a:solidFill>
+            <a:tailEnd type="triangle"/>
+          </a:ln>
+        </p:spPr>
+        <p:style>
+          <a:lnRef idx="1">
+            <a:schemeClr val="accent1"/>
+          </a:lnRef>
+          <a:fillRef idx="0">
+            <a:schemeClr val="accent1"/>
+          </a:fillRef>
+          <a:effectRef idx="0">
+            <a:schemeClr val="accent1"/>
+          </a:effectRef>
+          <a:fontRef idx="minor">
+            <a:schemeClr val="tx1"/>
+          </a:fontRef>
+        </p:style>
+      </p:cxnSp>
+      <p:cxnSp>
+        <p:nvCxnSpPr>
+          <p:cNvPr id="277" name="Straight Arrow Connector 276">
+            <a:extLst>
+              <a:ext uri="{FF2B5EF4-FFF2-40B4-BE49-F238E27FC236}">
+                <a16:creationId xmlns:a16="http://schemas.microsoft.com/office/drawing/2014/main" id="{3E281A53-1FBF-BAD6-0A99-D4DB1CAB078F}"/>
+              </a:ext>
+            </a:extLst>
+          </p:cNvPr>
+          <p:cNvCxnSpPr>
+            <a:cxnSpLocks/>
+          </p:cNvCxnSpPr>
+          <p:nvPr/>
+        </p:nvCxnSpPr>
+        <p:spPr>
+          <a:xfrm>
+            <a:off x="8105005" y="3005784"/>
+            <a:ext cx="358345" cy="5148"/>
+          </a:xfrm>
+          <a:prstGeom prst="straightConnector1">
+            <a:avLst/>
+          </a:prstGeom>
+          <a:ln w="38100">
+            <a:solidFill>
+              <a:schemeClr val="tx1"/>
+            </a:solidFill>
+            <a:tailEnd type="triangle"/>
+          </a:ln>
+        </p:spPr>
+        <p:style>
+          <a:lnRef idx="1">
+            <a:schemeClr val="accent1"/>
+          </a:lnRef>
+          <a:fillRef idx="0">
+            <a:schemeClr val="accent1"/>
+          </a:fillRef>
+          <a:effectRef idx="0">
+            <a:schemeClr val="accent1"/>
+          </a:effectRef>
+          <a:fontRef idx="minor">
+            <a:schemeClr val="tx1"/>
+          </a:fontRef>
+        </p:style>
+      </p:cxnSp>
+    </p:spTree>
+    <p:extLst>
+      <p:ext uri="{BB962C8B-B14F-4D97-AF65-F5344CB8AC3E}">
+        <p14:creationId xmlns:p14="http://schemas.microsoft.com/office/powerpoint/2010/main" val="3017654776"/>
       </p:ext>
     </p:extLst>
   </p:cSld>
